--- a/Introducere în limbajul de programare Python.pptx
+++ b/Introducere în limbajul de programare Python.pptx
@@ -12,14 +12,15 @@
     <p:sldId id="282" r:id="rId9"/>
     <p:sldId id="283" r:id="rId10"/>
     <p:sldId id="284" r:id="rId11"/>
-    <p:sldId id="285" r:id="rId12"/>
-    <p:sldId id="286" r:id="rId13"/>
+    <p:sldId id="286" r:id="rId12"/>
+    <p:sldId id="285" r:id="rId13"/>
     <p:sldId id="287" r:id="rId14"/>
     <p:sldId id="288" r:id="rId15"/>
     <p:sldId id="289" r:id="rId16"/>
     <p:sldId id="290" r:id="rId17"/>
-    <p:sldId id="291" r:id="rId18"/>
-    <p:sldId id="278" r:id="rId19"/>
+    <p:sldId id="292" r:id="rId18"/>
+    <p:sldId id="291" r:id="rId19"/>
+    <p:sldId id="278" r:id="rId20"/>
   </p:sldIdLst>
   <p:sldSz cx="12192000" cy="6858000"/>
   <p:notesSz cx="6858000" cy="9144000"/>
@@ -2367,435 +2368,754 @@
 </dgm:colorsDef>
 </file>
 
-<file path=ppt/diagrams/data1.xml><?xml version="1.0" encoding="utf-8"?>
-<dgm:dataModel xmlns:dgm="http://schemas.openxmlformats.org/drawingml/2006/diagram" xmlns:a="http://schemas.openxmlformats.org/drawingml/2006/main">
-  <dgm:ptLst>
-    <dgm:pt modelId="{318B0BEC-ABC5-40A0-BE61-C31ADD017E9E}" type="doc">
-      <dgm:prSet loTypeId="urn:microsoft.com/office/officeart/2005/8/layout/list1" loCatId="list" qsTypeId="urn:microsoft.com/office/officeart/2005/8/quickstyle/simple1" qsCatId="simple" csTypeId="urn:microsoft.com/office/officeart/2005/8/colors/accent1_2" csCatId="accent1" phldr="1"/>
-      <dgm:spPr/>
-      <dgm:t>
-        <a:bodyPr/>
-        <a:lstStyle/>
-        <a:p>
-          <a:endParaRPr lang="ru-RU"/>
-        </a:p>
-      </dgm:t>
-    </dgm:pt>
-    <dgm:pt modelId="{20C88298-2388-4BE1-8CA6-77BE7F3F18A5}">
-      <dgm:prSet phldrT="[Text]"/>
-      <dgm:spPr/>
-      <dgm:t>
-        <a:bodyPr/>
-        <a:lstStyle/>
-        <a:p>
-          <a:r>
-            <a:rPr lang="ro-RO" b="1" dirty="0"/>
-            <a:t>Aritmetici</a:t>
-          </a:r>
-          <a:endParaRPr lang="ru-RU" b="1" dirty="0"/>
-        </a:p>
-      </dgm:t>
-    </dgm:pt>
-    <dgm:pt modelId="{30BCD79E-AB6D-4AC2-8BCC-809AC3AD483F}" type="parTrans" cxnId="{B2A268B1-5C4D-4799-B705-F2C81DDE4B62}">
-      <dgm:prSet/>
-      <dgm:spPr/>
-      <dgm:t>
-        <a:bodyPr/>
-        <a:lstStyle/>
-        <a:p>
-          <a:endParaRPr lang="ru-RU"/>
-        </a:p>
-      </dgm:t>
-    </dgm:pt>
-    <dgm:pt modelId="{EF7C9734-4D63-4D6B-BBB0-D4D93DFBDB43}" type="sibTrans" cxnId="{B2A268B1-5C4D-4799-B705-F2C81DDE4B62}">
-      <dgm:prSet/>
-      <dgm:spPr/>
-      <dgm:t>
-        <a:bodyPr/>
-        <a:lstStyle/>
-        <a:p>
-          <a:endParaRPr lang="ru-RU"/>
-        </a:p>
-      </dgm:t>
-    </dgm:pt>
-    <dgm:pt modelId="{06F48261-21E7-491D-8F58-C2E780D58FB5}">
-      <dgm:prSet phldrT="[Text]"/>
-      <dgm:spPr/>
-      <dgm:t>
-        <a:bodyPr/>
-        <a:lstStyle/>
-        <a:p>
-          <a:r>
-            <a:rPr lang="ro-RO" b="1" dirty="0"/>
-            <a:t>De atribuire</a:t>
-          </a:r>
-          <a:endParaRPr lang="ru-RU" b="1" dirty="0"/>
-        </a:p>
-      </dgm:t>
-    </dgm:pt>
-    <dgm:pt modelId="{AFB509B2-C4F1-45BC-A282-91946A318E60}" type="parTrans" cxnId="{3D1FC8E3-E7D5-4990-BB69-11A34A8A3D1C}">
-      <dgm:prSet/>
-      <dgm:spPr/>
-      <dgm:t>
-        <a:bodyPr/>
-        <a:lstStyle/>
-        <a:p>
-          <a:endParaRPr lang="ru-RU"/>
-        </a:p>
-      </dgm:t>
-    </dgm:pt>
-    <dgm:pt modelId="{92340ABC-24AE-43C4-AC3A-167DCFA9DA7A}" type="sibTrans" cxnId="{3D1FC8E3-E7D5-4990-BB69-11A34A8A3D1C}">
-      <dgm:prSet/>
-      <dgm:spPr/>
-      <dgm:t>
-        <a:bodyPr/>
-        <a:lstStyle/>
-        <a:p>
-          <a:endParaRPr lang="ru-RU"/>
-        </a:p>
-      </dgm:t>
-    </dgm:pt>
-    <dgm:pt modelId="{83FC2ACD-247E-4B50-ADE8-D9A12BCBEA1C}">
-      <dgm:prSet phldrT="[Text]"/>
-      <dgm:spPr/>
-      <dgm:t>
-        <a:bodyPr/>
-        <a:lstStyle/>
-        <a:p>
-          <a:r>
-            <a:rPr lang="ro-RO" b="1" dirty="0"/>
-            <a:t>De comparare</a:t>
-          </a:r>
-          <a:endParaRPr lang="ru-RU" b="1" dirty="0"/>
-        </a:p>
-      </dgm:t>
-    </dgm:pt>
-    <dgm:pt modelId="{0D827EA6-D463-4032-BE38-2FB3D3A604F3}" type="parTrans" cxnId="{C8D55340-AE98-41A5-93E7-169C108EF831}">
-      <dgm:prSet/>
-      <dgm:spPr/>
-      <dgm:t>
-        <a:bodyPr/>
-        <a:lstStyle/>
-        <a:p>
-          <a:endParaRPr lang="ru-RU"/>
-        </a:p>
-      </dgm:t>
-    </dgm:pt>
-    <dgm:pt modelId="{3A4FD749-7FA4-4F48-A37F-A422FBA2CB5A}" type="sibTrans" cxnId="{C8D55340-AE98-41A5-93E7-169C108EF831}">
-      <dgm:prSet/>
-      <dgm:spPr/>
-      <dgm:t>
-        <a:bodyPr/>
-        <a:lstStyle/>
-        <a:p>
-          <a:endParaRPr lang="ru-RU"/>
-        </a:p>
-      </dgm:t>
-    </dgm:pt>
-    <dgm:pt modelId="{58C09F0B-7E0D-4A47-9B02-275389698637}">
-      <dgm:prSet phldrT="[Text]"/>
-      <dgm:spPr/>
-      <dgm:t>
-        <a:bodyPr/>
-        <a:lstStyle/>
-        <a:p>
-          <a:r>
-            <a:rPr lang="ro-RO" b="1" dirty="0"/>
-            <a:t>Logici</a:t>
-          </a:r>
-          <a:endParaRPr lang="ru-RU" b="1" dirty="0"/>
-        </a:p>
-      </dgm:t>
-    </dgm:pt>
-    <dgm:pt modelId="{20DB64C5-7A78-44BF-B326-15B718B4930C}" type="parTrans" cxnId="{48AAD1A4-3065-427E-8906-0B7907C1F0B3}">
-      <dgm:prSet/>
-      <dgm:spPr/>
-      <dgm:t>
-        <a:bodyPr/>
-        <a:lstStyle/>
-        <a:p>
-          <a:endParaRPr lang="ru-RU"/>
-        </a:p>
-      </dgm:t>
-    </dgm:pt>
-    <dgm:pt modelId="{9F06A529-1FB1-4C75-8C79-38BDB5F464FC}" type="sibTrans" cxnId="{48AAD1A4-3065-427E-8906-0B7907C1F0B3}">
-      <dgm:prSet/>
-      <dgm:spPr/>
-      <dgm:t>
-        <a:bodyPr/>
-        <a:lstStyle/>
-        <a:p>
-          <a:endParaRPr lang="ru-RU"/>
-        </a:p>
-      </dgm:t>
-    </dgm:pt>
-    <dgm:pt modelId="{9955DE69-08DD-49FA-B09E-D435F1CAF8AC}">
-      <dgm:prSet phldrT="[Text]"/>
-      <dgm:spPr/>
-      <dgm:t>
-        <a:bodyPr/>
-        <a:lstStyle/>
-        <a:p>
-          <a:r>
-            <a:rPr lang="ro-RO" b="1" dirty="0"/>
-            <a:t>De apartenență</a:t>
-          </a:r>
-          <a:endParaRPr lang="ru-RU" b="1" dirty="0"/>
-        </a:p>
-      </dgm:t>
-    </dgm:pt>
-    <dgm:pt modelId="{D2AC30E2-70C3-4DDF-AB44-042CA6595BE6}" type="parTrans" cxnId="{E0BD43D2-E404-410C-9FFA-3B7E3C37035E}">
-      <dgm:prSet/>
-      <dgm:spPr/>
-      <dgm:t>
-        <a:bodyPr/>
-        <a:lstStyle/>
-        <a:p>
-          <a:endParaRPr lang="ru-RU"/>
-        </a:p>
-      </dgm:t>
-    </dgm:pt>
-    <dgm:pt modelId="{71883D20-D0C2-44FE-AFF7-F4566AB381AB}" type="sibTrans" cxnId="{E0BD43D2-E404-410C-9FFA-3B7E3C37035E}">
-      <dgm:prSet/>
-      <dgm:spPr/>
-      <dgm:t>
-        <a:bodyPr/>
-        <a:lstStyle/>
-        <a:p>
-          <a:endParaRPr lang="ru-RU"/>
-        </a:p>
-      </dgm:t>
-    </dgm:pt>
-    <dgm:pt modelId="{A105CD8E-73A7-439B-A7F7-55226DAB8ADE}" type="pres">
-      <dgm:prSet presAssocID="{318B0BEC-ABC5-40A0-BE61-C31ADD017E9E}" presName="linear" presStyleCnt="0">
-        <dgm:presLayoutVars>
-          <dgm:dir/>
-          <dgm:animLvl val="lvl"/>
-          <dgm:resizeHandles val="exact"/>
-        </dgm:presLayoutVars>
-      </dgm:prSet>
-      <dgm:spPr/>
-    </dgm:pt>
-    <dgm:pt modelId="{9BE32030-C060-46ED-A742-B9BA7D5F4CF2}" type="pres">
-      <dgm:prSet presAssocID="{20C88298-2388-4BE1-8CA6-77BE7F3F18A5}" presName="parentLin" presStyleCnt="0"/>
-      <dgm:spPr/>
-    </dgm:pt>
-    <dgm:pt modelId="{0C2E084E-8590-4938-A2BC-3250585CB5DA}" type="pres">
-      <dgm:prSet presAssocID="{20C88298-2388-4BE1-8CA6-77BE7F3F18A5}" presName="parentLeftMargin" presStyleLbl="node1" presStyleIdx="0" presStyleCnt="5"/>
-      <dgm:spPr/>
-    </dgm:pt>
-    <dgm:pt modelId="{37499B7D-8BA7-4B26-B271-4C08F7ECB450}" type="pres">
-      <dgm:prSet presAssocID="{20C88298-2388-4BE1-8CA6-77BE7F3F18A5}" presName="parentText" presStyleLbl="node1" presStyleIdx="0" presStyleCnt="5">
-        <dgm:presLayoutVars>
-          <dgm:chMax val="0"/>
-          <dgm:bulletEnabled val="1"/>
-        </dgm:presLayoutVars>
-      </dgm:prSet>
-      <dgm:spPr/>
-    </dgm:pt>
-    <dgm:pt modelId="{F0CF58CB-A529-4895-94F5-2847C15805D5}" type="pres">
-      <dgm:prSet presAssocID="{20C88298-2388-4BE1-8CA6-77BE7F3F18A5}" presName="negativeSpace" presStyleCnt="0"/>
-      <dgm:spPr/>
-    </dgm:pt>
-    <dgm:pt modelId="{B73A5C3F-EBEF-4FEB-8861-0A0A6E2175B4}" type="pres">
-      <dgm:prSet presAssocID="{20C88298-2388-4BE1-8CA6-77BE7F3F18A5}" presName="childText" presStyleLbl="conFgAcc1" presStyleIdx="0" presStyleCnt="5">
-        <dgm:presLayoutVars>
-          <dgm:bulletEnabled val="1"/>
-        </dgm:presLayoutVars>
-      </dgm:prSet>
-      <dgm:spPr/>
-    </dgm:pt>
-    <dgm:pt modelId="{AEE0EE67-C50C-49B5-B85F-17B710743F10}" type="pres">
-      <dgm:prSet presAssocID="{EF7C9734-4D63-4D6B-BBB0-D4D93DFBDB43}" presName="spaceBetweenRectangles" presStyleCnt="0"/>
-      <dgm:spPr/>
-    </dgm:pt>
-    <dgm:pt modelId="{05E8E80A-48F4-4C83-A830-076E97EB55A7}" type="pres">
-      <dgm:prSet presAssocID="{06F48261-21E7-491D-8F58-C2E780D58FB5}" presName="parentLin" presStyleCnt="0"/>
-      <dgm:spPr/>
-    </dgm:pt>
-    <dgm:pt modelId="{92F336D2-B18F-4857-8E04-155AE0606D3F}" type="pres">
-      <dgm:prSet presAssocID="{06F48261-21E7-491D-8F58-C2E780D58FB5}" presName="parentLeftMargin" presStyleLbl="node1" presStyleIdx="0" presStyleCnt="5"/>
-      <dgm:spPr/>
-    </dgm:pt>
-    <dgm:pt modelId="{188D7457-09B0-488F-8D6A-B9164A93EBC3}" type="pres">
-      <dgm:prSet presAssocID="{06F48261-21E7-491D-8F58-C2E780D58FB5}" presName="parentText" presStyleLbl="node1" presStyleIdx="1" presStyleCnt="5">
-        <dgm:presLayoutVars>
-          <dgm:chMax val="0"/>
-          <dgm:bulletEnabled val="1"/>
-        </dgm:presLayoutVars>
-      </dgm:prSet>
-      <dgm:spPr/>
-    </dgm:pt>
-    <dgm:pt modelId="{2FD186A8-A1BE-4254-99A7-1EDDE85257C6}" type="pres">
-      <dgm:prSet presAssocID="{06F48261-21E7-491D-8F58-C2E780D58FB5}" presName="negativeSpace" presStyleCnt="0"/>
-      <dgm:spPr/>
-    </dgm:pt>
-    <dgm:pt modelId="{934631A6-5639-4C23-A701-A4994F1B84F5}" type="pres">
-      <dgm:prSet presAssocID="{06F48261-21E7-491D-8F58-C2E780D58FB5}" presName="childText" presStyleLbl="conFgAcc1" presStyleIdx="1" presStyleCnt="5">
-        <dgm:presLayoutVars>
-          <dgm:bulletEnabled val="1"/>
-        </dgm:presLayoutVars>
-      </dgm:prSet>
-      <dgm:spPr/>
-    </dgm:pt>
-    <dgm:pt modelId="{B39FAD78-73DC-4AA7-83EF-9833243C9802}" type="pres">
-      <dgm:prSet presAssocID="{92340ABC-24AE-43C4-AC3A-167DCFA9DA7A}" presName="spaceBetweenRectangles" presStyleCnt="0"/>
-      <dgm:spPr/>
-    </dgm:pt>
-    <dgm:pt modelId="{9A5F12E6-E92B-4A5F-855B-BA82EF34B3C7}" type="pres">
-      <dgm:prSet presAssocID="{83FC2ACD-247E-4B50-ADE8-D9A12BCBEA1C}" presName="parentLin" presStyleCnt="0"/>
-      <dgm:spPr/>
-    </dgm:pt>
-    <dgm:pt modelId="{B7581995-C770-43E1-BF3A-F67E779C1486}" type="pres">
-      <dgm:prSet presAssocID="{83FC2ACD-247E-4B50-ADE8-D9A12BCBEA1C}" presName="parentLeftMargin" presStyleLbl="node1" presStyleIdx="1" presStyleCnt="5"/>
-      <dgm:spPr/>
-    </dgm:pt>
-    <dgm:pt modelId="{88690A73-D058-405B-A2CE-58B2BB70E031}" type="pres">
-      <dgm:prSet presAssocID="{83FC2ACD-247E-4B50-ADE8-D9A12BCBEA1C}" presName="parentText" presStyleLbl="node1" presStyleIdx="2" presStyleCnt="5">
-        <dgm:presLayoutVars>
-          <dgm:chMax val="0"/>
-          <dgm:bulletEnabled val="1"/>
-        </dgm:presLayoutVars>
-      </dgm:prSet>
-      <dgm:spPr/>
-    </dgm:pt>
-    <dgm:pt modelId="{26D3089C-EA6D-4D6D-8769-662E4001779E}" type="pres">
-      <dgm:prSet presAssocID="{83FC2ACD-247E-4B50-ADE8-D9A12BCBEA1C}" presName="negativeSpace" presStyleCnt="0"/>
-      <dgm:spPr/>
-    </dgm:pt>
-    <dgm:pt modelId="{3656033C-836C-4929-8135-F2229AE595B7}" type="pres">
-      <dgm:prSet presAssocID="{83FC2ACD-247E-4B50-ADE8-D9A12BCBEA1C}" presName="childText" presStyleLbl="conFgAcc1" presStyleIdx="2" presStyleCnt="5">
-        <dgm:presLayoutVars>
-          <dgm:bulletEnabled val="1"/>
-        </dgm:presLayoutVars>
-      </dgm:prSet>
-      <dgm:spPr/>
-    </dgm:pt>
-    <dgm:pt modelId="{86B03353-E0E0-4F11-9BF9-AE946D0A3CA3}" type="pres">
-      <dgm:prSet presAssocID="{3A4FD749-7FA4-4F48-A37F-A422FBA2CB5A}" presName="spaceBetweenRectangles" presStyleCnt="0"/>
-      <dgm:spPr/>
-    </dgm:pt>
-    <dgm:pt modelId="{E87F6A36-3C58-4EF9-84E9-664631B43DBA}" type="pres">
-      <dgm:prSet presAssocID="{58C09F0B-7E0D-4A47-9B02-275389698637}" presName="parentLin" presStyleCnt="0"/>
-      <dgm:spPr/>
-    </dgm:pt>
-    <dgm:pt modelId="{87FA8236-8309-4F37-8178-DBF9211BDDD5}" type="pres">
-      <dgm:prSet presAssocID="{58C09F0B-7E0D-4A47-9B02-275389698637}" presName="parentLeftMargin" presStyleLbl="node1" presStyleIdx="2" presStyleCnt="5"/>
-      <dgm:spPr/>
-    </dgm:pt>
-    <dgm:pt modelId="{341CF8C1-3003-4F8F-BE39-8CDEDA9D16E6}" type="pres">
-      <dgm:prSet presAssocID="{58C09F0B-7E0D-4A47-9B02-275389698637}" presName="parentText" presStyleLbl="node1" presStyleIdx="3" presStyleCnt="5">
-        <dgm:presLayoutVars>
-          <dgm:chMax val="0"/>
-          <dgm:bulletEnabled val="1"/>
-        </dgm:presLayoutVars>
-      </dgm:prSet>
-      <dgm:spPr/>
-    </dgm:pt>
-    <dgm:pt modelId="{5692ABD8-8731-46FF-82E3-A54B022DC87E}" type="pres">
-      <dgm:prSet presAssocID="{58C09F0B-7E0D-4A47-9B02-275389698637}" presName="negativeSpace" presStyleCnt="0"/>
-      <dgm:spPr/>
-    </dgm:pt>
-    <dgm:pt modelId="{08C09646-C84A-43BE-8931-3A1DB1A00E00}" type="pres">
-      <dgm:prSet presAssocID="{58C09F0B-7E0D-4A47-9B02-275389698637}" presName="childText" presStyleLbl="conFgAcc1" presStyleIdx="3" presStyleCnt="5">
-        <dgm:presLayoutVars>
-          <dgm:bulletEnabled val="1"/>
-        </dgm:presLayoutVars>
-      </dgm:prSet>
-      <dgm:spPr/>
-    </dgm:pt>
-    <dgm:pt modelId="{0BDA9EC9-E2E1-4A93-8EFF-8C33B6718E6B}" type="pres">
-      <dgm:prSet presAssocID="{9F06A529-1FB1-4C75-8C79-38BDB5F464FC}" presName="spaceBetweenRectangles" presStyleCnt="0"/>
-      <dgm:spPr/>
-    </dgm:pt>
-    <dgm:pt modelId="{FE0CD994-A43B-48AC-8E92-01B923B419C3}" type="pres">
-      <dgm:prSet presAssocID="{9955DE69-08DD-49FA-B09E-D435F1CAF8AC}" presName="parentLin" presStyleCnt="0"/>
-      <dgm:spPr/>
-    </dgm:pt>
-    <dgm:pt modelId="{F9E482D8-64FF-46DD-B73B-2E180D6FDF97}" type="pres">
-      <dgm:prSet presAssocID="{9955DE69-08DD-49FA-B09E-D435F1CAF8AC}" presName="parentLeftMargin" presStyleLbl="node1" presStyleIdx="3" presStyleCnt="5"/>
-      <dgm:spPr/>
-    </dgm:pt>
-    <dgm:pt modelId="{814C022F-7B3D-4F59-832E-BDC6C1C9917A}" type="pres">
-      <dgm:prSet presAssocID="{9955DE69-08DD-49FA-B09E-D435F1CAF8AC}" presName="parentText" presStyleLbl="node1" presStyleIdx="4" presStyleCnt="5">
-        <dgm:presLayoutVars>
-          <dgm:chMax val="0"/>
-          <dgm:bulletEnabled val="1"/>
-        </dgm:presLayoutVars>
-      </dgm:prSet>
-      <dgm:spPr/>
-    </dgm:pt>
-    <dgm:pt modelId="{4219DACA-CC9E-4B05-8151-2A663D53ACA8}" type="pres">
-      <dgm:prSet presAssocID="{9955DE69-08DD-49FA-B09E-D435F1CAF8AC}" presName="negativeSpace" presStyleCnt="0"/>
-      <dgm:spPr/>
-    </dgm:pt>
-    <dgm:pt modelId="{8DA63E09-88B9-4095-B617-F21766D136BA}" type="pres">
-      <dgm:prSet presAssocID="{9955DE69-08DD-49FA-B09E-D435F1CAF8AC}" presName="childText" presStyleLbl="conFgAcc1" presStyleIdx="4" presStyleCnt="5">
-        <dgm:presLayoutVars>
-          <dgm:bulletEnabled val="1"/>
-        </dgm:presLayoutVars>
-      </dgm:prSet>
-      <dgm:spPr/>
-    </dgm:pt>
-  </dgm:ptLst>
-  <dgm:cxnLst>
-    <dgm:cxn modelId="{A38BE809-D00E-444B-A919-4D7D065880F6}" type="presOf" srcId="{9955DE69-08DD-49FA-B09E-D435F1CAF8AC}" destId="{814C022F-7B3D-4F59-832E-BDC6C1C9917A}" srcOrd="1" destOrd="0" presId="urn:microsoft.com/office/officeart/2005/8/layout/list1"/>
-    <dgm:cxn modelId="{CA1F0F28-659A-4D79-9C86-0553DAE01DFF}" type="presOf" srcId="{06F48261-21E7-491D-8F58-C2E780D58FB5}" destId="{92F336D2-B18F-4857-8E04-155AE0606D3F}" srcOrd="0" destOrd="0" presId="urn:microsoft.com/office/officeart/2005/8/layout/list1"/>
-    <dgm:cxn modelId="{E6E5B137-61B5-43BB-B417-6BE6E5762BC7}" type="presOf" srcId="{318B0BEC-ABC5-40A0-BE61-C31ADD017E9E}" destId="{A105CD8E-73A7-439B-A7F7-55226DAB8ADE}" srcOrd="0" destOrd="0" presId="urn:microsoft.com/office/officeart/2005/8/layout/list1"/>
-    <dgm:cxn modelId="{C8D55340-AE98-41A5-93E7-169C108EF831}" srcId="{318B0BEC-ABC5-40A0-BE61-C31ADD017E9E}" destId="{83FC2ACD-247E-4B50-ADE8-D9A12BCBEA1C}" srcOrd="2" destOrd="0" parTransId="{0D827EA6-D463-4032-BE38-2FB3D3A604F3}" sibTransId="{3A4FD749-7FA4-4F48-A37F-A422FBA2CB5A}"/>
-    <dgm:cxn modelId="{31161F5E-4E47-429C-912E-933220B3CFC1}" type="presOf" srcId="{06F48261-21E7-491D-8F58-C2E780D58FB5}" destId="{188D7457-09B0-488F-8D6A-B9164A93EBC3}" srcOrd="1" destOrd="0" presId="urn:microsoft.com/office/officeart/2005/8/layout/list1"/>
-    <dgm:cxn modelId="{F0F5D64A-3E8C-4B21-AE07-478A3FFA8FD3}" type="presOf" srcId="{20C88298-2388-4BE1-8CA6-77BE7F3F18A5}" destId="{0C2E084E-8590-4938-A2BC-3250585CB5DA}" srcOrd="0" destOrd="0" presId="urn:microsoft.com/office/officeart/2005/8/layout/list1"/>
-    <dgm:cxn modelId="{C92E4895-05C8-4F77-AA85-670BDF8ED76C}" type="presOf" srcId="{58C09F0B-7E0D-4A47-9B02-275389698637}" destId="{87FA8236-8309-4F37-8178-DBF9211BDDD5}" srcOrd="0" destOrd="0" presId="urn:microsoft.com/office/officeart/2005/8/layout/list1"/>
-    <dgm:cxn modelId="{BF3B4B96-B475-4DB2-81B2-25E5552E0A00}" type="presOf" srcId="{9955DE69-08DD-49FA-B09E-D435F1CAF8AC}" destId="{F9E482D8-64FF-46DD-B73B-2E180D6FDF97}" srcOrd="0" destOrd="0" presId="urn:microsoft.com/office/officeart/2005/8/layout/list1"/>
-    <dgm:cxn modelId="{AE7DF897-4BCC-4862-B823-915D94895FF0}" type="presOf" srcId="{58C09F0B-7E0D-4A47-9B02-275389698637}" destId="{341CF8C1-3003-4F8F-BE39-8CDEDA9D16E6}" srcOrd="1" destOrd="0" presId="urn:microsoft.com/office/officeart/2005/8/layout/list1"/>
-    <dgm:cxn modelId="{49B0469D-A1AC-43AA-A072-F6CDF87DD265}" type="presOf" srcId="{20C88298-2388-4BE1-8CA6-77BE7F3F18A5}" destId="{37499B7D-8BA7-4B26-B271-4C08F7ECB450}" srcOrd="1" destOrd="0" presId="urn:microsoft.com/office/officeart/2005/8/layout/list1"/>
-    <dgm:cxn modelId="{48AAD1A4-3065-427E-8906-0B7907C1F0B3}" srcId="{318B0BEC-ABC5-40A0-BE61-C31ADD017E9E}" destId="{58C09F0B-7E0D-4A47-9B02-275389698637}" srcOrd="3" destOrd="0" parTransId="{20DB64C5-7A78-44BF-B326-15B718B4930C}" sibTransId="{9F06A529-1FB1-4C75-8C79-38BDB5F464FC}"/>
-    <dgm:cxn modelId="{B2A268B1-5C4D-4799-B705-F2C81DDE4B62}" srcId="{318B0BEC-ABC5-40A0-BE61-C31ADD017E9E}" destId="{20C88298-2388-4BE1-8CA6-77BE7F3F18A5}" srcOrd="0" destOrd="0" parTransId="{30BCD79E-AB6D-4AC2-8BCC-809AC3AD483F}" sibTransId="{EF7C9734-4D63-4D6B-BBB0-D4D93DFBDB43}"/>
-    <dgm:cxn modelId="{8A53D0BB-9774-48CB-A3CF-54AA2256AF11}" type="presOf" srcId="{83FC2ACD-247E-4B50-ADE8-D9A12BCBEA1C}" destId="{88690A73-D058-405B-A2CE-58B2BB70E031}" srcOrd="1" destOrd="0" presId="urn:microsoft.com/office/officeart/2005/8/layout/list1"/>
-    <dgm:cxn modelId="{4CD84DC8-8B6C-4333-A953-0B0F20F2A6EA}" type="presOf" srcId="{83FC2ACD-247E-4B50-ADE8-D9A12BCBEA1C}" destId="{B7581995-C770-43E1-BF3A-F67E779C1486}" srcOrd="0" destOrd="0" presId="urn:microsoft.com/office/officeart/2005/8/layout/list1"/>
-    <dgm:cxn modelId="{E0BD43D2-E404-410C-9FFA-3B7E3C37035E}" srcId="{318B0BEC-ABC5-40A0-BE61-C31ADD017E9E}" destId="{9955DE69-08DD-49FA-B09E-D435F1CAF8AC}" srcOrd="4" destOrd="0" parTransId="{D2AC30E2-70C3-4DDF-AB44-042CA6595BE6}" sibTransId="{71883D20-D0C2-44FE-AFF7-F4566AB381AB}"/>
-    <dgm:cxn modelId="{3D1FC8E3-E7D5-4990-BB69-11A34A8A3D1C}" srcId="{318B0BEC-ABC5-40A0-BE61-C31ADD017E9E}" destId="{06F48261-21E7-491D-8F58-C2E780D58FB5}" srcOrd="1" destOrd="0" parTransId="{AFB509B2-C4F1-45BC-A282-91946A318E60}" sibTransId="{92340ABC-24AE-43C4-AC3A-167DCFA9DA7A}"/>
-    <dgm:cxn modelId="{7B312E23-322C-42D2-BD7E-6B7343007270}" type="presParOf" srcId="{A105CD8E-73A7-439B-A7F7-55226DAB8ADE}" destId="{9BE32030-C060-46ED-A742-B9BA7D5F4CF2}" srcOrd="0" destOrd="0" presId="urn:microsoft.com/office/officeart/2005/8/layout/list1"/>
-    <dgm:cxn modelId="{56B7170F-CAD1-4219-9818-E068DDAAE60B}" type="presParOf" srcId="{9BE32030-C060-46ED-A742-B9BA7D5F4CF2}" destId="{0C2E084E-8590-4938-A2BC-3250585CB5DA}" srcOrd="0" destOrd="0" presId="urn:microsoft.com/office/officeart/2005/8/layout/list1"/>
-    <dgm:cxn modelId="{F637E6B9-A34E-4E46-A43E-2E967384D71F}" type="presParOf" srcId="{9BE32030-C060-46ED-A742-B9BA7D5F4CF2}" destId="{37499B7D-8BA7-4B26-B271-4C08F7ECB450}" srcOrd="1" destOrd="0" presId="urn:microsoft.com/office/officeart/2005/8/layout/list1"/>
-    <dgm:cxn modelId="{84AF58A8-E9DD-4C4C-8255-DEED9C94FEB1}" type="presParOf" srcId="{A105CD8E-73A7-439B-A7F7-55226DAB8ADE}" destId="{F0CF58CB-A529-4895-94F5-2847C15805D5}" srcOrd="1" destOrd="0" presId="urn:microsoft.com/office/officeart/2005/8/layout/list1"/>
-    <dgm:cxn modelId="{577187CF-5616-4F41-B481-6B9A4E4BC732}" type="presParOf" srcId="{A105CD8E-73A7-439B-A7F7-55226DAB8ADE}" destId="{B73A5C3F-EBEF-4FEB-8861-0A0A6E2175B4}" srcOrd="2" destOrd="0" presId="urn:microsoft.com/office/officeart/2005/8/layout/list1"/>
-    <dgm:cxn modelId="{0C0C053F-603E-47D5-A7FF-9004A05A8407}" type="presParOf" srcId="{A105CD8E-73A7-439B-A7F7-55226DAB8ADE}" destId="{AEE0EE67-C50C-49B5-B85F-17B710743F10}" srcOrd="3" destOrd="0" presId="urn:microsoft.com/office/officeart/2005/8/layout/list1"/>
-    <dgm:cxn modelId="{251CBAE4-8CAE-40F2-9DE7-46D922D7A2DA}" type="presParOf" srcId="{A105CD8E-73A7-439B-A7F7-55226DAB8ADE}" destId="{05E8E80A-48F4-4C83-A830-076E97EB55A7}" srcOrd="4" destOrd="0" presId="urn:microsoft.com/office/officeart/2005/8/layout/list1"/>
-    <dgm:cxn modelId="{2460020D-9E7B-4ED3-B1A9-D42FEA148EED}" type="presParOf" srcId="{05E8E80A-48F4-4C83-A830-076E97EB55A7}" destId="{92F336D2-B18F-4857-8E04-155AE0606D3F}" srcOrd="0" destOrd="0" presId="urn:microsoft.com/office/officeart/2005/8/layout/list1"/>
-    <dgm:cxn modelId="{71867A03-7585-44DC-99EE-BD8718BB1AC1}" type="presParOf" srcId="{05E8E80A-48F4-4C83-A830-076E97EB55A7}" destId="{188D7457-09B0-488F-8D6A-B9164A93EBC3}" srcOrd="1" destOrd="0" presId="urn:microsoft.com/office/officeart/2005/8/layout/list1"/>
-    <dgm:cxn modelId="{2AE69E3F-C645-4D45-A5CA-139A83F2E126}" type="presParOf" srcId="{A105CD8E-73A7-439B-A7F7-55226DAB8ADE}" destId="{2FD186A8-A1BE-4254-99A7-1EDDE85257C6}" srcOrd="5" destOrd="0" presId="urn:microsoft.com/office/officeart/2005/8/layout/list1"/>
-    <dgm:cxn modelId="{DDEB54CC-A180-4850-B5C7-D53B9AD14607}" type="presParOf" srcId="{A105CD8E-73A7-439B-A7F7-55226DAB8ADE}" destId="{934631A6-5639-4C23-A701-A4994F1B84F5}" srcOrd="6" destOrd="0" presId="urn:microsoft.com/office/officeart/2005/8/layout/list1"/>
-    <dgm:cxn modelId="{B4FF4D24-43AD-4A1F-B9ED-821242539756}" type="presParOf" srcId="{A105CD8E-73A7-439B-A7F7-55226DAB8ADE}" destId="{B39FAD78-73DC-4AA7-83EF-9833243C9802}" srcOrd="7" destOrd="0" presId="urn:microsoft.com/office/officeart/2005/8/layout/list1"/>
-    <dgm:cxn modelId="{AFAE271A-28E3-4F8F-BBA0-9EDF9E888931}" type="presParOf" srcId="{A105CD8E-73A7-439B-A7F7-55226DAB8ADE}" destId="{9A5F12E6-E92B-4A5F-855B-BA82EF34B3C7}" srcOrd="8" destOrd="0" presId="urn:microsoft.com/office/officeart/2005/8/layout/list1"/>
-    <dgm:cxn modelId="{5412D0E9-6E4C-4F48-9BA1-F491B39729ED}" type="presParOf" srcId="{9A5F12E6-E92B-4A5F-855B-BA82EF34B3C7}" destId="{B7581995-C770-43E1-BF3A-F67E779C1486}" srcOrd="0" destOrd="0" presId="urn:microsoft.com/office/officeart/2005/8/layout/list1"/>
-    <dgm:cxn modelId="{6E1AED07-80A6-4150-BC12-41B56462B691}" type="presParOf" srcId="{9A5F12E6-E92B-4A5F-855B-BA82EF34B3C7}" destId="{88690A73-D058-405B-A2CE-58B2BB70E031}" srcOrd="1" destOrd="0" presId="urn:microsoft.com/office/officeart/2005/8/layout/list1"/>
-    <dgm:cxn modelId="{BE402F77-C0E2-46FE-B240-952A00E28E57}" type="presParOf" srcId="{A105CD8E-73A7-439B-A7F7-55226DAB8ADE}" destId="{26D3089C-EA6D-4D6D-8769-662E4001779E}" srcOrd="9" destOrd="0" presId="urn:microsoft.com/office/officeart/2005/8/layout/list1"/>
-    <dgm:cxn modelId="{7335FCB5-6CAE-4942-A7CA-AADDB1F73831}" type="presParOf" srcId="{A105CD8E-73A7-439B-A7F7-55226DAB8ADE}" destId="{3656033C-836C-4929-8135-F2229AE595B7}" srcOrd="10" destOrd="0" presId="urn:microsoft.com/office/officeart/2005/8/layout/list1"/>
-    <dgm:cxn modelId="{8865785B-512B-42E7-B6B9-CF7E0E2DB9F3}" type="presParOf" srcId="{A105CD8E-73A7-439B-A7F7-55226DAB8ADE}" destId="{86B03353-E0E0-4F11-9BF9-AE946D0A3CA3}" srcOrd="11" destOrd="0" presId="urn:microsoft.com/office/officeart/2005/8/layout/list1"/>
-    <dgm:cxn modelId="{165A3491-462C-489E-BCB8-AF5A9BCD3099}" type="presParOf" srcId="{A105CD8E-73A7-439B-A7F7-55226DAB8ADE}" destId="{E87F6A36-3C58-4EF9-84E9-664631B43DBA}" srcOrd="12" destOrd="0" presId="urn:microsoft.com/office/officeart/2005/8/layout/list1"/>
-    <dgm:cxn modelId="{CC68E381-378A-4434-9C3C-65C2C2A4B8C5}" type="presParOf" srcId="{E87F6A36-3C58-4EF9-84E9-664631B43DBA}" destId="{87FA8236-8309-4F37-8178-DBF9211BDDD5}" srcOrd="0" destOrd="0" presId="urn:microsoft.com/office/officeart/2005/8/layout/list1"/>
-    <dgm:cxn modelId="{7820E9EF-9D67-4040-BBCD-513FEF9AC0CF}" type="presParOf" srcId="{E87F6A36-3C58-4EF9-84E9-664631B43DBA}" destId="{341CF8C1-3003-4F8F-BE39-8CDEDA9D16E6}" srcOrd="1" destOrd="0" presId="urn:microsoft.com/office/officeart/2005/8/layout/list1"/>
-    <dgm:cxn modelId="{A07D7216-F087-43F1-A1C1-44BD7F1D25EB}" type="presParOf" srcId="{A105CD8E-73A7-439B-A7F7-55226DAB8ADE}" destId="{5692ABD8-8731-46FF-82E3-A54B022DC87E}" srcOrd="13" destOrd="0" presId="urn:microsoft.com/office/officeart/2005/8/layout/list1"/>
-    <dgm:cxn modelId="{07674F0F-6370-4DAD-9558-FE2415131A0D}" type="presParOf" srcId="{A105CD8E-73A7-439B-A7F7-55226DAB8ADE}" destId="{08C09646-C84A-43BE-8931-3A1DB1A00E00}" srcOrd="14" destOrd="0" presId="urn:microsoft.com/office/officeart/2005/8/layout/list1"/>
-    <dgm:cxn modelId="{B8B1B65E-E294-41A5-8B4E-9311FDD741B0}" type="presParOf" srcId="{A105CD8E-73A7-439B-A7F7-55226DAB8ADE}" destId="{0BDA9EC9-E2E1-4A93-8EFF-8C33B6718E6B}" srcOrd="15" destOrd="0" presId="urn:microsoft.com/office/officeart/2005/8/layout/list1"/>
-    <dgm:cxn modelId="{DD0F13DE-B1CD-4AD8-A552-E029EC51B846}" type="presParOf" srcId="{A105CD8E-73A7-439B-A7F7-55226DAB8ADE}" destId="{FE0CD994-A43B-48AC-8E92-01B923B419C3}" srcOrd="16" destOrd="0" presId="urn:microsoft.com/office/officeart/2005/8/layout/list1"/>
-    <dgm:cxn modelId="{39A7F760-4E81-4E1E-A20F-11D8ED2FC794}" type="presParOf" srcId="{FE0CD994-A43B-48AC-8E92-01B923B419C3}" destId="{F9E482D8-64FF-46DD-B73B-2E180D6FDF97}" srcOrd="0" destOrd="0" presId="urn:microsoft.com/office/officeart/2005/8/layout/list1"/>
-    <dgm:cxn modelId="{1C807E7E-95D2-4B9F-BF79-EE423BB7420B}" type="presParOf" srcId="{FE0CD994-A43B-48AC-8E92-01B923B419C3}" destId="{814C022F-7B3D-4F59-832E-BDC6C1C9917A}" srcOrd="1" destOrd="0" presId="urn:microsoft.com/office/officeart/2005/8/layout/list1"/>
-    <dgm:cxn modelId="{AC61A23B-D3F1-4368-A88C-1CED14923C51}" type="presParOf" srcId="{A105CD8E-73A7-439B-A7F7-55226DAB8ADE}" destId="{4219DACA-CC9E-4B05-8151-2A663D53ACA8}" srcOrd="17" destOrd="0" presId="urn:microsoft.com/office/officeart/2005/8/layout/list1"/>
-    <dgm:cxn modelId="{42219E05-B3B9-4DDA-93A0-CB497820A741}" type="presParOf" srcId="{A105CD8E-73A7-439B-A7F7-55226DAB8ADE}" destId="{8DA63E09-88B9-4095-B617-F21766D136BA}" srcOrd="18" destOrd="0" presId="urn:microsoft.com/office/officeart/2005/8/layout/list1"/>
-  </dgm:cxnLst>
-  <dgm:bg/>
-  <dgm:whole/>
-  <dgm:extLst>
-    <a:ext uri="http://schemas.microsoft.com/office/drawing/2008/diagram">
-      <dsp:dataModelExt xmlns:dsp="http://schemas.microsoft.com/office/drawing/2008/diagram" relId="rId6" minVer="http://schemas.openxmlformats.org/drawingml/2006/diagram"/>
-    </a:ext>
-  </dgm:extLst>
-</dgm:dataModel>
+<file path=ppt/diagrams/colors4.xml><?xml version="1.0" encoding="utf-8"?>
+<dgm:colorsDef xmlns:dgm="http://schemas.openxmlformats.org/drawingml/2006/diagram" xmlns:a="http://schemas.openxmlformats.org/drawingml/2006/main" uniqueId="urn:microsoft.com/office/officeart/2005/8/colors/accent1_2">
+  <dgm:title val=""/>
+  <dgm:desc val=""/>
+  <dgm:catLst>
+    <dgm:cat type="accent1" pri="11200"/>
+  </dgm:catLst>
+  <dgm:styleLbl name="node0">
+    <dgm:fillClrLst meth="repeat">
+      <a:schemeClr val="accent1"/>
+    </dgm:fillClrLst>
+    <dgm:linClrLst meth="repeat">
+      <a:schemeClr val="lt1"/>
+    </dgm:linClrLst>
+    <dgm:effectClrLst/>
+    <dgm:txLinClrLst/>
+    <dgm:txFillClrLst/>
+    <dgm:txEffectClrLst/>
+  </dgm:styleLbl>
+  <dgm:styleLbl name="alignNode1">
+    <dgm:fillClrLst meth="repeat">
+      <a:schemeClr val="accent1"/>
+    </dgm:fillClrLst>
+    <dgm:linClrLst meth="repeat">
+      <a:schemeClr val="accent1"/>
+    </dgm:linClrLst>
+    <dgm:effectClrLst/>
+    <dgm:txLinClrLst/>
+    <dgm:txFillClrLst/>
+    <dgm:txEffectClrLst/>
+  </dgm:styleLbl>
+  <dgm:styleLbl name="node1">
+    <dgm:fillClrLst meth="repeat">
+      <a:schemeClr val="accent1"/>
+    </dgm:fillClrLst>
+    <dgm:linClrLst meth="repeat">
+      <a:schemeClr val="lt1"/>
+    </dgm:linClrLst>
+    <dgm:effectClrLst/>
+    <dgm:txLinClrLst/>
+    <dgm:txFillClrLst/>
+    <dgm:txEffectClrLst/>
+  </dgm:styleLbl>
+  <dgm:styleLbl name="lnNode1">
+    <dgm:fillClrLst meth="repeat">
+      <a:schemeClr val="accent1"/>
+    </dgm:fillClrLst>
+    <dgm:linClrLst meth="repeat">
+      <a:schemeClr val="lt1"/>
+    </dgm:linClrLst>
+    <dgm:effectClrLst/>
+    <dgm:txLinClrLst/>
+    <dgm:txFillClrLst/>
+    <dgm:txEffectClrLst/>
+  </dgm:styleLbl>
+  <dgm:styleLbl name="vennNode1">
+    <dgm:fillClrLst meth="repeat">
+      <a:schemeClr val="accent1">
+        <a:alpha val="50000"/>
+      </a:schemeClr>
+    </dgm:fillClrLst>
+    <dgm:linClrLst meth="repeat">
+      <a:schemeClr val="lt1"/>
+    </dgm:linClrLst>
+    <dgm:effectClrLst/>
+    <dgm:txLinClrLst/>
+    <dgm:txFillClrLst/>
+    <dgm:txEffectClrLst/>
+  </dgm:styleLbl>
+  <dgm:styleLbl name="node2">
+    <dgm:fillClrLst meth="repeat">
+      <a:schemeClr val="accent1"/>
+    </dgm:fillClrLst>
+    <dgm:linClrLst meth="repeat">
+      <a:schemeClr val="lt1"/>
+    </dgm:linClrLst>
+    <dgm:effectClrLst/>
+    <dgm:txLinClrLst/>
+    <dgm:txFillClrLst/>
+    <dgm:txEffectClrLst/>
+  </dgm:styleLbl>
+  <dgm:styleLbl name="node3">
+    <dgm:fillClrLst meth="repeat">
+      <a:schemeClr val="accent1"/>
+    </dgm:fillClrLst>
+    <dgm:linClrLst meth="repeat">
+      <a:schemeClr val="lt1"/>
+    </dgm:linClrLst>
+    <dgm:effectClrLst/>
+    <dgm:txLinClrLst/>
+    <dgm:txFillClrLst/>
+    <dgm:txEffectClrLst/>
+  </dgm:styleLbl>
+  <dgm:styleLbl name="node4">
+    <dgm:fillClrLst meth="repeat">
+      <a:schemeClr val="accent1"/>
+    </dgm:fillClrLst>
+    <dgm:linClrLst meth="repeat">
+      <a:schemeClr val="lt1"/>
+    </dgm:linClrLst>
+    <dgm:effectClrLst/>
+    <dgm:txLinClrLst/>
+    <dgm:txFillClrLst/>
+    <dgm:txEffectClrLst/>
+  </dgm:styleLbl>
+  <dgm:styleLbl name="fgImgPlace1">
+    <dgm:fillClrLst meth="repeat">
+      <a:schemeClr val="accent1">
+        <a:tint val="50000"/>
+      </a:schemeClr>
+    </dgm:fillClrLst>
+    <dgm:linClrLst meth="repeat">
+      <a:schemeClr val="lt1"/>
+    </dgm:linClrLst>
+    <dgm:effectClrLst/>
+    <dgm:txLinClrLst/>
+    <dgm:txFillClrLst meth="repeat">
+      <a:schemeClr val="lt1"/>
+    </dgm:txFillClrLst>
+    <dgm:txEffectClrLst/>
+  </dgm:styleLbl>
+  <dgm:styleLbl name="alignImgPlace1">
+    <dgm:fillClrLst meth="repeat">
+      <a:schemeClr val="accent1">
+        <a:tint val="50000"/>
+      </a:schemeClr>
+    </dgm:fillClrLst>
+    <dgm:linClrLst meth="repeat">
+      <a:schemeClr val="lt1"/>
+    </dgm:linClrLst>
+    <dgm:effectClrLst/>
+    <dgm:txLinClrLst/>
+    <dgm:txFillClrLst meth="repeat">
+      <a:schemeClr val="lt1"/>
+    </dgm:txFillClrLst>
+    <dgm:txEffectClrLst/>
+  </dgm:styleLbl>
+  <dgm:styleLbl name="bgImgPlace1">
+    <dgm:fillClrLst meth="repeat">
+      <a:schemeClr val="accent1">
+        <a:tint val="50000"/>
+      </a:schemeClr>
+    </dgm:fillClrLst>
+    <dgm:linClrLst meth="repeat">
+      <a:schemeClr val="lt1"/>
+    </dgm:linClrLst>
+    <dgm:effectClrLst/>
+    <dgm:txLinClrLst/>
+    <dgm:txFillClrLst meth="repeat">
+      <a:schemeClr val="lt1"/>
+    </dgm:txFillClrLst>
+    <dgm:txEffectClrLst/>
+  </dgm:styleLbl>
+  <dgm:styleLbl name="sibTrans2D1">
+    <dgm:fillClrLst meth="repeat">
+      <a:schemeClr val="accent1">
+        <a:tint val="60000"/>
+      </a:schemeClr>
+    </dgm:fillClrLst>
+    <dgm:linClrLst meth="repeat">
+      <a:schemeClr val="accent1">
+        <a:tint val="60000"/>
+      </a:schemeClr>
+    </dgm:linClrLst>
+    <dgm:effectClrLst/>
+    <dgm:txLinClrLst/>
+    <dgm:txFillClrLst/>
+    <dgm:txEffectClrLst/>
+  </dgm:styleLbl>
+  <dgm:styleLbl name="fgSibTrans2D1">
+    <dgm:fillClrLst meth="repeat">
+      <a:schemeClr val="accent1">
+        <a:tint val="60000"/>
+      </a:schemeClr>
+    </dgm:fillClrLst>
+    <dgm:linClrLst meth="repeat">
+      <a:schemeClr val="accent1">
+        <a:tint val="60000"/>
+      </a:schemeClr>
+    </dgm:linClrLst>
+    <dgm:effectClrLst/>
+    <dgm:txLinClrLst/>
+    <dgm:txFillClrLst/>
+    <dgm:txEffectClrLst/>
+  </dgm:styleLbl>
+  <dgm:styleLbl name="bgSibTrans2D1">
+    <dgm:fillClrLst meth="repeat">
+      <a:schemeClr val="accent1">
+        <a:tint val="60000"/>
+      </a:schemeClr>
+    </dgm:fillClrLst>
+    <dgm:linClrLst meth="repeat">
+      <a:schemeClr val="accent1">
+        <a:tint val="60000"/>
+      </a:schemeClr>
+    </dgm:linClrLst>
+    <dgm:effectClrLst/>
+    <dgm:txLinClrLst/>
+    <dgm:txFillClrLst/>
+    <dgm:txEffectClrLst/>
+  </dgm:styleLbl>
+  <dgm:styleLbl name="sibTrans1D1">
+    <dgm:fillClrLst meth="repeat">
+      <a:schemeClr val="accent1"/>
+    </dgm:fillClrLst>
+    <dgm:linClrLst meth="repeat">
+      <a:schemeClr val="accent1"/>
+    </dgm:linClrLst>
+    <dgm:effectClrLst/>
+    <dgm:txLinClrLst/>
+    <dgm:txFillClrLst meth="repeat">
+      <a:schemeClr val="tx1"/>
+    </dgm:txFillClrLst>
+    <dgm:txEffectClrLst/>
+  </dgm:styleLbl>
+  <dgm:styleLbl name="callout">
+    <dgm:fillClrLst meth="repeat">
+      <a:schemeClr val="accent1"/>
+    </dgm:fillClrLst>
+    <dgm:linClrLst meth="repeat">
+      <a:schemeClr val="accent1">
+        <a:tint val="50000"/>
+      </a:schemeClr>
+    </dgm:linClrLst>
+    <dgm:effectClrLst/>
+    <dgm:txLinClrLst/>
+    <dgm:txFillClrLst meth="repeat">
+      <a:schemeClr val="tx1"/>
+    </dgm:txFillClrLst>
+    <dgm:txEffectClrLst/>
+  </dgm:styleLbl>
+  <dgm:styleLbl name="asst0">
+    <dgm:fillClrLst meth="repeat">
+      <a:schemeClr val="accent1"/>
+    </dgm:fillClrLst>
+    <dgm:linClrLst meth="repeat">
+      <a:schemeClr val="lt1"/>
+    </dgm:linClrLst>
+    <dgm:effectClrLst/>
+    <dgm:txLinClrLst/>
+    <dgm:txFillClrLst/>
+    <dgm:txEffectClrLst/>
+  </dgm:styleLbl>
+  <dgm:styleLbl name="asst1">
+    <dgm:fillClrLst meth="repeat">
+      <a:schemeClr val="accent1"/>
+    </dgm:fillClrLst>
+    <dgm:linClrLst meth="repeat">
+      <a:schemeClr val="lt1"/>
+    </dgm:linClrLst>
+    <dgm:effectClrLst/>
+    <dgm:txLinClrLst/>
+    <dgm:txFillClrLst/>
+    <dgm:txEffectClrLst/>
+  </dgm:styleLbl>
+  <dgm:styleLbl name="asst2">
+    <dgm:fillClrLst meth="repeat">
+      <a:schemeClr val="accent1"/>
+    </dgm:fillClrLst>
+    <dgm:linClrLst meth="repeat">
+      <a:schemeClr val="lt1"/>
+    </dgm:linClrLst>
+    <dgm:effectClrLst/>
+    <dgm:txLinClrLst/>
+    <dgm:txFillClrLst/>
+    <dgm:txEffectClrLst/>
+  </dgm:styleLbl>
+  <dgm:styleLbl name="asst3">
+    <dgm:fillClrLst meth="repeat">
+      <a:schemeClr val="accent1"/>
+    </dgm:fillClrLst>
+    <dgm:linClrLst meth="repeat">
+      <a:schemeClr val="lt1"/>
+    </dgm:linClrLst>
+    <dgm:effectClrLst/>
+    <dgm:txLinClrLst/>
+    <dgm:txFillClrLst/>
+    <dgm:txEffectClrLst/>
+  </dgm:styleLbl>
+  <dgm:styleLbl name="asst4">
+    <dgm:fillClrLst meth="repeat">
+      <a:schemeClr val="accent1"/>
+    </dgm:fillClrLst>
+    <dgm:linClrLst meth="repeat">
+      <a:schemeClr val="lt1"/>
+    </dgm:linClrLst>
+    <dgm:effectClrLst/>
+    <dgm:txLinClrLst/>
+    <dgm:txFillClrLst/>
+    <dgm:txEffectClrLst/>
+  </dgm:styleLbl>
+  <dgm:styleLbl name="parChTrans2D1">
+    <dgm:fillClrLst meth="repeat">
+      <a:schemeClr val="accent1">
+        <a:tint val="60000"/>
+      </a:schemeClr>
+    </dgm:fillClrLst>
+    <dgm:linClrLst meth="repeat">
+      <a:schemeClr val="accent1">
+        <a:tint val="60000"/>
+      </a:schemeClr>
+    </dgm:linClrLst>
+    <dgm:effectClrLst/>
+    <dgm:txLinClrLst/>
+    <dgm:txFillClrLst meth="repeat">
+      <a:schemeClr val="lt1"/>
+    </dgm:txFillClrLst>
+    <dgm:txEffectClrLst/>
+  </dgm:styleLbl>
+  <dgm:styleLbl name="parChTrans2D2">
+    <dgm:fillClrLst meth="repeat">
+      <a:schemeClr val="accent1"/>
+    </dgm:fillClrLst>
+    <dgm:linClrLst meth="repeat">
+      <a:schemeClr val="accent1"/>
+    </dgm:linClrLst>
+    <dgm:effectClrLst/>
+    <dgm:txLinClrLst/>
+    <dgm:txFillClrLst meth="repeat">
+      <a:schemeClr val="lt1"/>
+    </dgm:txFillClrLst>
+    <dgm:txEffectClrLst/>
+  </dgm:styleLbl>
+  <dgm:styleLbl name="parChTrans2D3">
+    <dgm:fillClrLst meth="repeat">
+      <a:schemeClr val="accent1"/>
+    </dgm:fillClrLst>
+    <dgm:linClrLst meth="repeat">
+      <a:schemeClr val="accent1"/>
+    </dgm:linClrLst>
+    <dgm:effectClrLst/>
+    <dgm:txLinClrLst/>
+    <dgm:txFillClrLst meth="repeat">
+      <a:schemeClr val="lt1"/>
+    </dgm:txFillClrLst>
+    <dgm:txEffectClrLst/>
+  </dgm:styleLbl>
+  <dgm:styleLbl name="parChTrans2D4">
+    <dgm:fillClrLst meth="repeat">
+      <a:schemeClr val="accent1"/>
+    </dgm:fillClrLst>
+    <dgm:linClrLst meth="repeat">
+      <a:schemeClr val="accent1"/>
+    </dgm:linClrLst>
+    <dgm:effectClrLst/>
+    <dgm:txLinClrLst/>
+    <dgm:txFillClrLst meth="repeat">
+      <a:schemeClr val="lt1"/>
+    </dgm:txFillClrLst>
+    <dgm:txEffectClrLst/>
+  </dgm:styleLbl>
+  <dgm:styleLbl name="parChTrans1D1">
+    <dgm:fillClrLst meth="repeat">
+      <a:schemeClr val="accent1"/>
+    </dgm:fillClrLst>
+    <dgm:linClrLst meth="repeat">
+      <a:schemeClr val="accent1">
+        <a:shade val="60000"/>
+      </a:schemeClr>
+    </dgm:linClrLst>
+    <dgm:effectClrLst/>
+    <dgm:txLinClrLst/>
+    <dgm:txFillClrLst meth="repeat">
+      <a:schemeClr val="tx1"/>
+    </dgm:txFillClrLst>
+    <dgm:txEffectClrLst/>
+  </dgm:styleLbl>
+  <dgm:styleLbl name="parChTrans1D2">
+    <dgm:fillClrLst meth="repeat">
+      <a:schemeClr val="accent1"/>
+    </dgm:fillClrLst>
+    <dgm:linClrLst meth="repeat">
+      <a:schemeClr val="accent1">
+        <a:shade val="60000"/>
+      </a:schemeClr>
+    </dgm:linClrLst>
+    <dgm:effectClrLst/>
+    <dgm:txLinClrLst/>
+    <dgm:txFillClrLst meth="repeat">
+      <a:schemeClr val="tx1"/>
+    </dgm:txFillClrLst>
+    <dgm:txEffectClrLst/>
+  </dgm:styleLbl>
+  <dgm:styleLbl name="parChTrans1D3">
+    <dgm:fillClrLst meth="repeat">
+      <a:schemeClr val="accent1"/>
+    </dgm:fillClrLst>
+    <dgm:linClrLst meth="repeat">
+      <a:schemeClr val="accent1">
+        <a:shade val="80000"/>
+      </a:schemeClr>
+    </dgm:linClrLst>
+    <dgm:effectClrLst/>
+    <dgm:txLinClrLst/>
+    <dgm:txFillClrLst meth="repeat">
+      <a:schemeClr val="tx1"/>
+    </dgm:txFillClrLst>
+    <dgm:txEffectClrLst/>
+  </dgm:styleLbl>
+  <dgm:styleLbl name="parChTrans1D4">
+    <dgm:fillClrLst meth="repeat">
+      <a:schemeClr val="accent1"/>
+    </dgm:fillClrLst>
+    <dgm:linClrLst meth="repeat">
+      <a:schemeClr val="accent1">
+        <a:shade val="80000"/>
+      </a:schemeClr>
+    </dgm:linClrLst>
+    <dgm:effectClrLst/>
+    <dgm:txLinClrLst/>
+    <dgm:txFillClrLst meth="repeat">
+      <a:schemeClr val="tx1"/>
+    </dgm:txFillClrLst>
+    <dgm:txEffectClrLst/>
+  </dgm:styleLbl>
+  <dgm:styleLbl name="fgAcc1">
+    <dgm:fillClrLst meth="repeat">
+      <a:schemeClr val="lt1">
+        <a:alpha val="90000"/>
+      </a:schemeClr>
+    </dgm:fillClrLst>
+    <dgm:linClrLst meth="repeat">
+      <a:schemeClr val="accent1"/>
+    </dgm:linClrLst>
+    <dgm:effectClrLst/>
+    <dgm:txLinClrLst/>
+    <dgm:txFillClrLst meth="repeat">
+      <a:schemeClr val="dk1"/>
+    </dgm:txFillClrLst>
+    <dgm:txEffectClrLst/>
+  </dgm:styleLbl>
+  <dgm:styleLbl name="conFgAcc1">
+    <dgm:fillClrLst meth="repeat">
+      <a:schemeClr val="lt1">
+        <a:alpha val="90000"/>
+      </a:schemeClr>
+    </dgm:fillClrLst>
+    <dgm:linClrLst meth="repeat">
+      <a:schemeClr val="accent1"/>
+    </dgm:linClrLst>
+    <dgm:effectClrLst/>
+    <dgm:txLinClrLst/>
+    <dgm:txFillClrLst meth="repeat">
+      <a:schemeClr val="dk1"/>
+    </dgm:txFillClrLst>
+    <dgm:txEffectClrLst/>
+  </dgm:styleLbl>
+  <dgm:styleLbl name="alignAcc1">
+    <dgm:fillClrLst meth="repeat">
+      <a:schemeClr val="lt1">
+        <a:alpha val="90000"/>
+      </a:schemeClr>
+    </dgm:fillClrLst>
+    <dgm:linClrLst meth="repeat">
+      <a:schemeClr val="accent1"/>
+    </dgm:linClrLst>
+    <dgm:effectClrLst/>
+    <dgm:txLinClrLst/>
+    <dgm:txFillClrLst meth="repeat">
+      <a:schemeClr val="dk1"/>
+    </dgm:txFillClrLst>
+    <dgm:txEffectClrLst/>
+  </dgm:styleLbl>
+  <dgm:styleLbl name="trAlignAcc1">
+    <dgm:fillClrLst meth="repeat">
+      <a:schemeClr val="lt1">
+        <a:alpha val="40000"/>
+      </a:schemeClr>
+    </dgm:fillClrLst>
+    <dgm:linClrLst meth="repeat">
+      <a:schemeClr val="accent1"/>
+    </dgm:linClrLst>
+    <dgm:effectClrLst/>
+    <dgm:txLinClrLst/>
+    <dgm:txFillClrLst meth="repeat">
+      <a:schemeClr val="dk1"/>
+    </dgm:txFillClrLst>
+    <dgm:txEffectClrLst/>
+  </dgm:styleLbl>
+  <dgm:styleLbl name="bgAcc1">
+    <dgm:fillClrLst meth="repeat">
+      <a:schemeClr val="lt1">
+        <a:alpha val="90000"/>
+      </a:schemeClr>
+    </dgm:fillClrLst>
+    <dgm:linClrLst meth="repeat">
+      <a:schemeClr val="accent1"/>
+    </dgm:linClrLst>
+    <dgm:effectClrLst/>
+    <dgm:txLinClrLst/>
+    <dgm:txFillClrLst meth="repeat">
+      <a:schemeClr val="dk1"/>
+    </dgm:txFillClrLst>
+    <dgm:txEffectClrLst/>
+  </dgm:styleLbl>
+  <dgm:styleLbl name="solidFgAcc1">
+    <dgm:fillClrLst meth="repeat">
+      <a:schemeClr val="lt1"/>
+    </dgm:fillClrLst>
+    <dgm:linClrLst meth="repeat">
+      <a:schemeClr val="accent1"/>
+    </dgm:linClrLst>
+    <dgm:effectClrLst/>
+    <dgm:txLinClrLst/>
+    <dgm:txFillClrLst meth="repeat">
+      <a:schemeClr val="dk1"/>
+    </dgm:txFillClrLst>
+    <dgm:txEffectClrLst/>
+  </dgm:styleLbl>
+  <dgm:styleLbl name="solidAlignAcc1">
+    <dgm:fillClrLst meth="repeat">
+      <a:schemeClr val="lt1"/>
+    </dgm:fillClrLst>
+    <dgm:linClrLst meth="repeat">
+      <a:schemeClr val="accent1"/>
+    </dgm:linClrLst>
+    <dgm:effectClrLst/>
+    <dgm:txLinClrLst/>
+    <dgm:txFillClrLst meth="repeat">
+      <a:schemeClr val="dk1"/>
+    </dgm:txFillClrLst>
+    <dgm:txEffectClrLst/>
+  </dgm:styleLbl>
+  <dgm:styleLbl name="solidBgAcc1">
+    <dgm:fillClrLst meth="repeat">
+      <a:schemeClr val="lt1"/>
+    </dgm:fillClrLst>
+    <dgm:linClrLst meth="repeat">
+      <a:schemeClr val="accent1"/>
+    </dgm:linClrLst>
+    <dgm:effectClrLst/>
+    <dgm:txLinClrLst/>
+    <dgm:txFillClrLst meth="repeat">
+      <a:schemeClr val="dk1"/>
+    </dgm:txFillClrLst>
+    <dgm:txEffectClrLst/>
+  </dgm:styleLbl>
+  <dgm:styleLbl name="fgAccFollowNode1">
+    <dgm:fillClrLst meth="repeat">
+      <a:schemeClr val="accent1">
+        <a:alpha val="90000"/>
+        <a:tint val="40000"/>
+      </a:schemeClr>
+    </dgm:fillClrLst>
+    <dgm:linClrLst meth="repeat">
+      <a:schemeClr val="accent1">
+        <a:alpha val="90000"/>
+        <a:tint val="40000"/>
+      </a:schemeClr>
+    </dgm:linClrLst>
+    <dgm:effectClrLst/>
+    <dgm:txLinClrLst/>
+    <dgm:txFillClrLst meth="repeat">
+      <a:schemeClr val="dk1"/>
+    </dgm:txFillClrLst>
+    <dgm:txEffectClrLst/>
+  </dgm:styleLbl>
+  <dgm:styleLbl name="alignAccFollowNode1">
+    <dgm:fillClrLst meth="repeat">
+      <a:schemeClr val="accent1">
+        <a:alpha val="90000"/>
+        <a:tint val="40000"/>
+      </a:schemeClr>
+    </dgm:fillClrLst>
+    <dgm:linClrLst meth="repeat">
+      <a:schemeClr val="accent1">
+        <a:alpha val="90000"/>
+        <a:tint val="40000"/>
+      </a:schemeClr>
+    </dgm:linClrLst>
+    <dgm:effectClrLst/>
+    <dgm:txLinClrLst/>
+    <dgm:txFillClrLst meth="repeat">
+      <a:schemeClr val="dk1"/>
+    </dgm:txFillClrLst>
+    <dgm:txEffectClrLst/>
+  </dgm:styleLbl>
+  <dgm:styleLbl name="bgAccFollowNode1">
+    <dgm:fillClrLst meth="repeat">
+      <a:schemeClr val="accent1">
+        <a:alpha val="90000"/>
+        <a:tint val="40000"/>
+      </a:schemeClr>
+    </dgm:fillClrLst>
+    <dgm:linClrLst meth="repeat">
+      <a:schemeClr val="accent1">
+        <a:alpha val="90000"/>
+        <a:tint val="40000"/>
+      </a:schemeClr>
+    </dgm:linClrLst>
+    <dgm:effectClrLst/>
+    <dgm:txLinClrLst/>
+    <dgm:txFillClrLst meth="repeat">
+      <a:schemeClr val="dk1"/>
+    </dgm:txFillClrLst>
+    <dgm:txEffectClrLst/>
+  </dgm:styleLbl>
+  <dgm:styleLbl name="fgAcc0">
+    <dgm:fillClrLst meth="repeat">
+      <a:schemeClr val="lt1">
+        <a:alpha val="90000"/>
+      </a:schemeClr>
+    </dgm:fillClrLst>
+    <dgm:linClrLst meth="repeat">
+      <a:schemeClr val="accent1"/>
+    </dgm:linClrLst>
+    <dgm:effectClrLst/>
+    <dgm:txLinClrLst/>
+    <dgm:txFillClrLst meth="repeat">
+      <a:schemeClr val="dk1"/>
+    </dgm:txFillClrLst>
+    <dgm:txEffectClrLst/>
+  </dgm:styleLbl>
+  <dgm:styleLbl name="fgAcc2">
+    <dgm:fillClrLst meth="repeat">
+      <a:schemeClr val="lt1">
+        <a:alpha val="90000"/>
+      </a:schemeClr>
+    </dgm:fillClrLst>
+    <dgm:linClrLst meth="repeat">
+      <a:schemeClr val="accent1"/>
+    </dgm:linClrLst>
+    <dgm:effectClrLst/>
+    <dgm:txLinClrLst/>
+    <dgm:txFillClrLst meth="repeat">
+      <a:schemeClr val="dk1"/>
+    </dgm:txFillClrLst>
+    <dgm:txEffectClrLst/>
+  </dgm:styleLbl>
+  <dgm:styleLbl name="fgAcc3">
+    <dgm:fillClrLst meth="repeat">
+      <a:schemeClr val="lt1">
+        <a:alpha val="90000"/>
+      </a:schemeClr>
+    </dgm:fillClrLst>
+    <dgm:linClrLst meth="repeat">
+      <a:schemeClr val="accent1"/>
+    </dgm:linClrLst>
+    <dgm:effectClrLst/>
+    <dgm:txLinClrLst/>
+    <dgm:txFillClrLst meth="repeat">
+      <a:schemeClr val="dk1"/>
+    </dgm:txFillClrLst>
+    <dgm:txEffectClrLst/>
+  </dgm:styleLbl>
+  <dgm:styleLbl name="fgAcc4">
+    <dgm:fillClrLst meth="repeat">
+      <a:schemeClr val="lt1">
+        <a:alpha val="90000"/>
+      </a:schemeClr>
+    </dgm:fillClrLst>
+    <dgm:linClrLst meth="repeat">
+      <a:schemeClr val="accent1"/>
+    </dgm:linClrLst>
+    <dgm:effectClrLst/>
+    <dgm:txLinClrLst/>
+    <dgm:txFillClrLst meth="repeat">
+      <a:schemeClr val="dk1"/>
+    </dgm:txFillClrLst>
+    <dgm:txEffectClrLst/>
+  </dgm:styleLbl>
+  <dgm:styleLbl name="bgShp">
+    <dgm:fillClrLst meth="repeat">
+      <a:schemeClr val="accent1">
+        <a:tint val="40000"/>
+      </a:schemeClr>
+    </dgm:fillClrLst>
+    <dgm:linClrLst meth="repeat">
+      <a:schemeClr val="accent1"/>
+    </dgm:linClrLst>
+    <dgm:effectClrLst/>
+    <dgm:txLinClrLst/>
+    <dgm:txFillClrLst meth="repeat">
+      <a:schemeClr val="dk1"/>
+    </dgm:txFillClrLst>
+    <dgm:txEffectClrLst/>
+  </dgm:styleLbl>
+  <dgm:styleLbl name="dkBgShp">
+    <dgm:fillClrLst meth="repeat">
+      <a:schemeClr val="accent1">
+        <a:shade val="80000"/>
+      </a:schemeClr>
+    </dgm:fillClrLst>
+    <dgm:linClrLst meth="repeat">
+      <a:schemeClr val="accent1"/>
+    </dgm:linClrLst>
+    <dgm:effectClrLst/>
+    <dgm:txLinClrLst/>
+    <dgm:txFillClrLst meth="repeat">
+      <a:schemeClr val="lt1"/>
+    </dgm:txFillClrLst>
+    <dgm:txEffectClrLst/>
+  </dgm:styleLbl>
+  <dgm:styleLbl name="trBgShp">
+    <dgm:fillClrLst meth="repeat">
+      <a:schemeClr val="accent1">
+        <a:tint val="50000"/>
+        <a:alpha val="40000"/>
+      </a:schemeClr>
+    </dgm:fillClrLst>
+    <dgm:linClrLst meth="repeat">
+      <a:schemeClr val="accent1"/>
+    </dgm:linClrLst>
+    <dgm:effectClrLst/>
+    <dgm:txLinClrLst/>
+    <dgm:txFillClrLst meth="repeat">
+      <a:schemeClr val="lt1"/>
+    </dgm:txFillClrLst>
+    <dgm:txEffectClrLst/>
+  </dgm:styleLbl>
+  <dgm:styleLbl name="fgShp">
+    <dgm:fillClrLst meth="repeat">
+      <a:schemeClr val="accent1">
+        <a:tint val="60000"/>
+      </a:schemeClr>
+    </dgm:fillClrLst>
+    <dgm:linClrLst meth="repeat">
+      <a:schemeClr val="lt1"/>
+    </dgm:linClrLst>
+    <dgm:effectClrLst/>
+    <dgm:txLinClrLst/>
+    <dgm:txFillClrLst meth="repeat">
+      <a:schemeClr val="dk1"/>
+    </dgm:txFillClrLst>
+    <dgm:txEffectClrLst/>
+  </dgm:styleLbl>
+  <dgm:styleLbl name="revTx">
+    <dgm:fillClrLst meth="repeat">
+      <a:schemeClr val="lt1">
+        <a:alpha val="0"/>
+      </a:schemeClr>
+    </dgm:fillClrLst>
+    <dgm:linClrLst meth="repeat">
+      <a:schemeClr val="dk1">
+        <a:alpha val="0"/>
+      </a:schemeClr>
+    </dgm:linClrLst>
+    <dgm:effectClrLst/>
+    <dgm:txLinClrLst/>
+    <dgm:txFillClrLst meth="repeat">
+      <a:schemeClr val="tx1"/>
+    </dgm:txFillClrLst>
+    <dgm:txEffectClrLst/>
+  </dgm:styleLbl>
+</dgm:colorsDef>
 </file>
 
-<file path=ppt/diagrams/data2.xml><?xml version="1.0" encoding="utf-8"?>
+<file path=ppt/diagrams/data1.xml><?xml version="1.0" encoding="utf-8"?>
 <dgm:dataModel xmlns:dgm="http://schemas.openxmlformats.org/drawingml/2006/diagram" xmlns:a="http://schemas.openxmlformats.org/drawingml/2006/main">
   <dgm:ptLst>
     <dgm:pt modelId="{61F91E73-2FB4-4795-AE98-CC0EC3934A12}" type="doc">
@@ -2818,7 +3138,7 @@
         <a:p>
           <a:r>
             <a:rPr lang="ro-RO" dirty="0"/>
-            <a:t>Tip de dte numere</a:t>
+            <a:t>Tip de date numere</a:t>
           </a:r>
           <a:endParaRPr lang="ru-RU" dirty="0"/>
         </a:p>
@@ -3086,6 +3406,434 @@
     <dgm:cxn modelId="{7A06FB30-5091-4324-A62F-B06BBBC20B13}" type="presParOf" srcId="{42E18DC7-74E1-43FD-BB5D-2C44F75F333C}" destId="{441D8B3E-21DC-4549-A19D-AC0C11D6292F}" srcOrd="6" destOrd="0" presId="urn:microsoft.com/office/officeart/2005/8/layout/vList2"/>
     <dgm:cxn modelId="{6649FA2D-304E-4A1B-A069-A744093E5269}" type="presParOf" srcId="{42E18DC7-74E1-43FD-BB5D-2C44F75F333C}" destId="{8B83F338-A148-4107-8D40-C354CAD9C963}" srcOrd="7" destOrd="0" presId="urn:microsoft.com/office/officeart/2005/8/layout/vList2"/>
     <dgm:cxn modelId="{4DB06735-02E1-4629-B01E-C5A9394DA117}" type="presParOf" srcId="{42E18DC7-74E1-43FD-BB5D-2C44F75F333C}" destId="{8ABDE74B-967D-4EBB-B0A3-D0278A1822EB}" srcOrd="8" destOrd="0" presId="urn:microsoft.com/office/officeart/2005/8/layout/vList2"/>
+  </dgm:cxnLst>
+  <dgm:bg/>
+  <dgm:whole/>
+  <dgm:extLst>
+    <a:ext uri="http://schemas.microsoft.com/office/drawing/2008/diagram">
+      <dsp:dataModelExt xmlns:dsp="http://schemas.microsoft.com/office/drawing/2008/diagram" relId="rId6" minVer="http://schemas.openxmlformats.org/drawingml/2006/diagram"/>
+    </a:ext>
+  </dgm:extLst>
+</dgm:dataModel>
+</file>
+
+<file path=ppt/diagrams/data2.xml><?xml version="1.0" encoding="utf-8"?>
+<dgm:dataModel xmlns:dgm="http://schemas.openxmlformats.org/drawingml/2006/diagram" xmlns:a="http://schemas.openxmlformats.org/drawingml/2006/main">
+  <dgm:ptLst>
+    <dgm:pt modelId="{318B0BEC-ABC5-40A0-BE61-C31ADD017E9E}" type="doc">
+      <dgm:prSet loTypeId="urn:microsoft.com/office/officeart/2005/8/layout/list1" loCatId="list" qsTypeId="urn:microsoft.com/office/officeart/2005/8/quickstyle/simple1" qsCatId="simple" csTypeId="urn:microsoft.com/office/officeart/2005/8/colors/accent1_2" csCatId="accent1" phldr="1"/>
+      <dgm:spPr/>
+      <dgm:t>
+        <a:bodyPr/>
+        <a:lstStyle/>
+        <a:p>
+          <a:endParaRPr lang="ru-RU"/>
+        </a:p>
+      </dgm:t>
+    </dgm:pt>
+    <dgm:pt modelId="{20C88298-2388-4BE1-8CA6-77BE7F3F18A5}">
+      <dgm:prSet phldrT="[Text]"/>
+      <dgm:spPr/>
+      <dgm:t>
+        <a:bodyPr/>
+        <a:lstStyle/>
+        <a:p>
+          <a:r>
+            <a:rPr lang="ro-RO" b="0" dirty="0"/>
+            <a:t>Aritmetici</a:t>
+          </a:r>
+          <a:endParaRPr lang="ru-RU" b="0" dirty="0"/>
+        </a:p>
+      </dgm:t>
+    </dgm:pt>
+    <dgm:pt modelId="{30BCD79E-AB6D-4AC2-8BCC-809AC3AD483F}" type="parTrans" cxnId="{B2A268B1-5C4D-4799-B705-F2C81DDE4B62}">
+      <dgm:prSet/>
+      <dgm:spPr/>
+      <dgm:t>
+        <a:bodyPr/>
+        <a:lstStyle/>
+        <a:p>
+          <a:endParaRPr lang="ru-RU" b="0"/>
+        </a:p>
+      </dgm:t>
+    </dgm:pt>
+    <dgm:pt modelId="{EF7C9734-4D63-4D6B-BBB0-D4D93DFBDB43}" type="sibTrans" cxnId="{B2A268B1-5C4D-4799-B705-F2C81DDE4B62}">
+      <dgm:prSet/>
+      <dgm:spPr/>
+      <dgm:t>
+        <a:bodyPr/>
+        <a:lstStyle/>
+        <a:p>
+          <a:endParaRPr lang="ru-RU" b="0"/>
+        </a:p>
+      </dgm:t>
+    </dgm:pt>
+    <dgm:pt modelId="{06F48261-21E7-491D-8F58-C2E780D58FB5}">
+      <dgm:prSet phldrT="[Text]"/>
+      <dgm:spPr/>
+      <dgm:t>
+        <a:bodyPr/>
+        <a:lstStyle/>
+        <a:p>
+          <a:r>
+            <a:rPr lang="ro-RO" b="0" dirty="0"/>
+            <a:t>De atribuire</a:t>
+          </a:r>
+          <a:endParaRPr lang="ru-RU" b="0" dirty="0"/>
+        </a:p>
+      </dgm:t>
+    </dgm:pt>
+    <dgm:pt modelId="{AFB509B2-C4F1-45BC-A282-91946A318E60}" type="parTrans" cxnId="{3D1FC8E3-E7D5-4990-BB69-11A34A8A3D1C}">
+      <dgm:prSet/>
+      <dgm:spPr/>
+      <dgm:t>
+        <a:bodyPr/>
+        <a:lstStyle/>
+        <a:p>
+          <a:endParaRPr lang="ru-RU" b="0"/>
+        </a:p>
+      </dgm:t>
+    </dgm:pt>
+    <dgm:pt modelId="{92340ABC-24AE-43C4-AC3A-167DCFA9DA7A}" type="sibTrans" cxnId="{3D1FC8E3-E7D5-4990-BB69-11A34A8A3D1C}">
+      <dgm:prSet/>
+      <dgm:spPr/>
+      <dgm:t>
+        <a:bodyPr/>
+        <a:lstStyle/>
+        <a:p>
+          <a:endParaRPr lang="ru-RU" b="0"/>
+        </a:p>
+      </dgm:t>
+    </dgm:pt>
+    <dgm:pt modelId="{83FC2ACD-247E-4B50-ADE8-D9A12BCBEA1C}">
+      <dgm:prSet phldrT="[Text]"/>
+      <dgm:spPr/>
+      <dgm:t>
+        <a:bodyPr/>
+        <a:lstStyle/>
+        <a:p>
+          <a:r>
+            <a:rPr lang="ro-RO" b="0" dirty="0"/>
+            <a:t>De comparare</a:t>
+          </a:r>
+          <a:endParaRPr lang="ru-RU" b="0" dirty="0"/>
+        </a:p>
+      </dgm:t>
+    </dgm:pt>
+    <dgm:pt modelId="{0D827EA6-D463-4032-BE38-2FB3D3A604F3}" type="parTrans" cxnId="{C8D55340-AE98-41A5-93E7-169C108EF831}">
+      <dgm:prSet/>
+      <dgm:spPr/>
+      <dgm:t>
+        <a:bodyPr/>
+        <a:lstStyle/>
+        <a:p>
+          <a:endParaRPr lang="ru-RU" b="0"/>
+        </a:p>
+      </dgm:t>
+    </dgm:pt>
+    <dgm:pt modelId="{3A4FD749-7FA4-4F48-A37F-A422FBA2CB5A}" type="sibTrans" cxnId="{C8D55340-AE98-41A5-93E7-169C108EF831}">
+      <dgm:prSet/>
+      <dgm:spPr/>
+      <dgm:t>
+        <a:bodyPr/>
+        <a:lstStyle/>
+        <a:p>
+          <a:endParaRPr lang="ru-RU" b="0"/>
+        </a:p>
+      </dgm:t>
+    </dgm:pt>
+    <dgm:pt modelId="{58C09F0B-7E0D-4A47-9B02-275389698637}">
+      <dgm:prSet phldrT="[Text]"/>
+      <dgm:spPr/>
+      <dgm:t>
+        <a:bodyPr/>
+        <a:lstStyle/>
+        <a:p>
+          <a:r>
+            <a:rPr lang="ro-RO" b="0" dirty="0"/>
+            <a:t>Logici</a:t>
+          </a:r>
+          <a:endParaRPr lang="ru-RU" b="0" dirty="0"/>
+        </a:p>
+      </dgm:t>
+    </dgm:pt>
+    <dgm:pt modelId="{20DB64C5-7A78-44BF-B326-15B718B4930C}" type="parTrans" cxnId="{48AAD1A4-3065-427E-8906-0B7907C1F0B3}">
+      <dgm:prSet/>
+      <dgm:spPr/>
+      <dgm:t>
+        <a:bodyPr/>
+        <a:lstStyle/>
+        <a:p>
+          <a:endParaRPr lang="ru-RU" b="0"/>
+        </a:p>
+      </dgm:t>
+    </dgm:pt>
+    <dgm:pt modelId="{9F06A529-1FB1-4C75-8C79-38BDB5F464FC}" type="sibTrans" cxnId="{48AAD1A4-3065-427E-8906-0B7907C1F0B3}">
+      <dgm:prSet/>
+      <dgm:spPr/>
+      <dgm:t>
+        <a:bodyPr/>
+        <a:lstStyle/>
+        <a:p>
+          <a:endParaRPr lang="ru-RU" b="0"/>
+        </a:p>
+      </dgm:t>
+    </dgm:pt>
+    <dgm:pt modelId="{9955DE69-08DD-49FA-B09E-D435F1CAF8AC}">
+      <dgm:prSet phldrT="[Text]"/>
+      <dgm:spPr/>
+      <dgm:t>
+        <a:bodyPr/>
+        <a:lstStyle/>
+        <a:p>
+          <a:r>
+            <a:rPr lang="ro-RO" b="0" dirty="0"/>
+            <a:t>De apartenență</a:t>
+          </a:r>
+          <a:endParaRPr lang="ru-RU" b="0" dirty="0"/>
+        </a:p>
+      </dgm:t>
+    </dgm:pt>
+    <dgm:pt modelId="{D2AC30E2-70C3-4DDF-AB44-042CA6595BE6}" type="parTrans" cxnId="{E0BD43D2-E404-410C-9FFA-3B7E3C37035E}">
+      <dgm:prSet/>
+      <dgm:spPr/>
+      <dgm:t>
+        <a:bodyPr/>
+        <a:lstStyle/>
+        <a:p>
+          <a:endParaRPr lang="ru-RU" b="0"/>
+        </a:p>
+      </dgm:t>
+    </dgm:pt>
+    <dgm:pt modelId="{71883D20-D0C2-44FE-AFF7-F4566AB381AB}" type="sibTrans" cxnId="{E0BD43D2-E404-410C-9FFA-3B7E3C37035E}">
+      <dgm:prSet/>
+      <dgm:spPr/>
+      <dgm:t>
+        <a:bodyPr/>
+        <a:lstStyle/>
+        <a:p>
+          <a:endParaRPr lang="ru-RU" b="0"/>
+        </a:p>
+      </dgm:t>
+    </dgm:pt>
+    <dgm:pt modelId="{A105CD8E-73A7-439B-A7F7-55226DAB8ADE}" type="pres">
+      <dgm:prSet presAssocID="{318B0BEC-ABC5-40A0-BE61-C31ADD017E9E}" presName="linear" presStyleCnt="0">
+        <dgm:presLayoutVars>
+          <dgm:dir/>
+          <dgm:animLvl val="lvl"/>
+          <dgm:resizeHandles val="exact"/>
+        </dgm:presLayoutVars>
+      </dgm:prSet>
+      <dgm:spPr/>
+    </dgm:pt>
+    <dgm:pt modelId="{9BE32030-C060-46ED-A742-B9BA7D5F4CF2}" type="pres">
+      <dgm:prSet presAssocID="{20C88298-2388-4BE1-8CA6-77BE7F3F18A5}" presName="parentLin" presStyleCnt="0"/>
+      <dgm:spPr/>
+    </dgm:pt>
+    <dgm:pt modelId="{0C2E084E-8590-4938-A2BC-3250585CB5DA}" type="pres">
+      <dgm:prSet presAssocID="{20C88298-2388-4BE1-8CA6-77BE7F3F18A5}" presName="parentLeftMargin" presStyleLbl="node1" presStyleIdx="0" presStyleCnt="5"/>
+      <dgm:spPr/>
+    </dgm:pt>
+    <dgm:pt modelId="{37499B7D-8BA7-4B26-B271-4C08F7ECB450}" type="pres">
+      <dgm:prSet presAssocID="{20C88298-2388-4BE1-8CA6-77BE7F3F18A5}" presName="parentText" presStyleLbl="node1" presStyleIdx="0" presStyleCnt="5">
+        <dgm:presLayoutVars>
+          <dgm:chMax val="0"/>
+          <dgm:bulletEnabled val="1"/>
+        </dgm:presLayoutVars>
+      </dgm:prSet>
+      <dgm:spPr/>
+    </dgm:pt>
+    <dgm:pt modelId="{F0CF58CB-A529-4895-94F5-2847C15805D5}" type="pres">
+      <dgm:prSet presAssocID="{20C88298-2388-4BE1-8CA6-77BE7F3F18A5}" presName="negativeSpace" presStyleCnt="0"/>
+      <dgm:spPr/>
+    </dgm:pt>
+    <dgm:pt modelId="{B73A5C3F-EBEF-4FEB-8861-0A0A6E2175B4}" type="pres">
+      <dgm:prSet presAssocID="{20C88298-2388-4BE1-8CA6-77BE7F3F18A5}" presName="childText" presStyleLbl="conFgAcc1" presStyleIdx="0" presStyleCnt="5">
+        <dgm:presLayoutVars>
+          <dgm:bulletEnabled val="1"/>
+        </dgm:presLayoutVars>
+      </dgm:prSet>
+      <dgm:spPr/>
+    </dgm:pt>
+    <dgm:pt modelId="{AEE0EE67-C50C-49B5-B85F-17B710743F10}" type="pres">
+      <dgm:prSet presAssocID="{EF7C9734-4D63-4D6B-BBB0-D4D93DFBDB43}" presName="spaceBetweenRectangles" presStyleCnt="0"/>
+      <dgm:spPr/>
+    </dgm:pt>
+    <dgm:pt modelId="{05E8E80A-48F4-4C83-A830-076E97EB55A7}" type="pres">
+      <dgm:prSet presAssocID="{06F48261-21E7-491D-8F58-C2E780D58FB5}" presName="parentLin" presStyleCnt="0"/>
+      <dgm:spPr/>
+    </dgm:pt>
+    <dgm:pt modelId="{92F336D2-B18F-4857-8E04-155AE0606D3F}" type="pres">
+      <dgm:prSet presAssocID="{06F48261-21E7-491D-8F58-C2E780D58FB5}" presName="parentLeftMargin" presStyleLbl="node1" presStyleIdx="0" presStyleCnt="5"/>
+      <dgm:spPr/>
+    </dgm:pt>
+    <dgm:pt modelId="{188D7457-09B0-488F-8D6A-B9164A93EBC3}" type="pres">
+      <dgm:prSet presAssocID="{06F48261-21E7-491D-8F58-C2E780D58FB5}" presName="parentText" presStyleLbl="node1" presStyleIdx="1" presStyleCnt="5">
+        <dgm:presLayoutVars>
+          <dgm:chMax val="0"/>
+          <dgm:bulletEnabled val="1"/>
+        </dgm:presLayoutVars>
+      </dgm:prSet>
+      <dgm:spPr/>
+    </dgm:pt>
+    <dgm:pt modelId="{2FD186A8-A1BE-4254-99A7-1EDDE85257C6}" type="pres">
+      <dgm:prSet presAssocID="{06F48261-21E7-491D-8F58-C2E780D58FB5}" presName="negativeSpace" presStyleCnt="0"/>
+      <dgm:spPr/>
+    </dgm:pt>
+    <dgm:pt modelId="{934631A6-5639-4C23-A701-A4994F1B84F5}" type="pres">
+      <dgm:prSet presAssocID="{06F48261-21E7-491D-8F58-C2E780D58FB5}" presName="childText" presStyleLbl="conFgAcc1" presStyleIdx="1" presStyleCnt="5">
+        <dgm:presLayoutVars>
+          <dgm:bulletEnabled val="1"/>
+        </dgm:presLayoutVars>
+      </dgm:prSet>
+      <dgm:spPr/>
+    </dgm:pt>
+    <dgm:pt modelId="{B39FAD78-73DC-4AA7-83EF-9833243C9802}" type="pres">
+      <dgm:prSet presAssocID="{92340ABC-24AE-43C4-AC3A-167DCFA9DA7A}" presName="spaceBetweenRectangles" presStyleCnt="0"/>
+      <dgm:spPr/>
+    </dgm:pt>
+    <dgm:pt modelId="{9A5F12E6-E92B-4A5F-855B-BA82EF34B3C7}" type="pres">
+      <dgm:prSet presAssocID="{83FC2ACD-247E-4B50-ADE8-D9A12BCBEA1C}" presName="parentLin" presStyleCnt="0"/>
+      <dgm:spPr/>
+    </dgm:pt>
+    <dgm:pt modelId="{B7581995-C770-43E1-BF3A-F67E779C1486}" type="pres">
+      <dgm:prSet presAssocID="{83FC2ACD-247E-4B50-ADE8-D9A12BCBEA1C}" presName="parentLeftMargin" presStyleLbl="node1" presStyleIdx="1" presStyleCnt="5"/>
+      <dgm:spPr/>
+    </dgm:pt>
+    <dgm:pt modelId="{88690A73-D058-405B-A2CE-58B2BB70E031}" type="pres">
+      <dgm:prSet presAssocID="{83FC2ACD-247E-4B50-ADE8-D9A12BCBEA1C}" presName="parentText" presStyleLbl="node1" presStyleIdx="2" presStyleCnt="5">
+        <dgm:presLayoutVars>
+          <dgm:chMax val="0"/>
+          <dgm:bulletEnabled val="1"/>
+        </dgm:presLayoutVars>
+      </dgm:prSet>
+      <dgm:spPr/>
+    </dgm:pt>
+    <dgm:pt modelId="{26D3089C-EA6D-4D6D-8769-662E4001779E}" type="pres">
+      <dgm:prSet presAssocID="{83FC2ACD-247E-4B50-ADE8-D9A12BCBEA1C}" presName="negativeSpace" presStyleCnt="0"/>
+      <dgm:spPr/>
+    </dgm:pt>
+    <dgm:pt modelId="{3656033C-836C-4929-8135-F2229AE595B7}" type="pres">
+      <dgm:prSet presAssocID="{83FC2ACD-247E-4B50-ADE8-D9A12BCBEA1C}" presName="childText" presStyleLbl="conFgAcc1" presStyleIdx="2" presStyleCnt="5">
+        <dgm:presLayoutVars>
+          <dgm:bulletEnabled val="1"/>
+        </dgm:presLayoutVars>
+      </dgm:prSet>
+      <dgm:spPr/>
+    </dgm:pt>
+    <dgm:pt modelId="{86B03353-E0E0-4F11-9BF9-AE946D0A3CA3}" type="pres">
+      <dgm:prSet presAssocID="{3A4FD749-7FA4-4F48-A37F-A422FBA2CB5A}" presName="spaceBetweenRectangles" presStyleCnt="0"/>
+      <dgm:spPr/>
+    </dgm:pt>
+    <dgm:pt modelId="{E87F6A36-3C58-4EF9-84E9-664631B43DBA}" type="pres">
+      <dgm:prSet presAssocID="{58C09F0B-7E0D-4A47-9B02-275389698637}" presName="parentLin" presStyleCnt="0"/>
+      <dgm:spPr/>
+    </dgm:pt>
+    <dgm:pt modelId="{87FA8236-8309-4F37-8178-DBF9211BDDD5}" type="pres">
+      <dgm:prSet presAssocID="{58C09F0B-7E0D-4A47-9B02-275389698637}" presName="parentLeftMargin" presStyleLbl="node1" presStyleIdx="2" presStyleCnt="5"/>
+      <dgm:spPr/>
+    </dgm:pt>
+    <dgm:pt modelId="{341CF8C1-3003-4F8F-BE39-8CDEDA9D16E6}" type="pres">
+      <dgm:prSet presAssocID="{58C09F0B-7E0D-4A47-9B02-275389698637}" presName="parentText" presStyleLbl="node1" presStyleIdx="3" presStyleCnt="5">
+        <dgm:presLayoutVars>
+          <dgm:chMax val="0"/>
+          <dgm:bulletEnabled val="1"/>
+        </dgm:presLayoutVars>
+      </dgm:prSet>
+      <dgm:spPr/>
+    </dgm:pt>
+    <dgm:pt modelId="{5692ABD8-8731-46FF-82E3-A54B022DC87E}" type="pres">
+      <dgm:prSet presAssocID="{58C09F0B-7E0D-4A47-9B02-275389698637}" presName="negativeSpace" presStyleCnt="0"/>
+      <dgm:spPr/>
+    </dgm:pt>
+    <dgm:pt modelId="{08C09646-C84A-43BE-8931-3A1DB1A00E00}" type="pres">
+      <dgm:prSet presAssocID="{58C09F0B-7E0D-4A47-9B02-275389698637}" presName="childText" presStyleLbl="conFgAcc1" presStyleIdx="3" presStyleCnt="5">
+        <dgm:presLayoutVars>
+          <dgm:bulletEnabled val="1"/>
+        </dgm:presLayoutVars>
+      </dgm:prSet>
+      <dgm:spPr/>
+    </dgm:pt>
+    <dgm:pt modelId="{0BDA9EC9-E2E1-4A93-8EFF-8C33B6718E6B}" type="pres">
+      <dgm:prSet presAssocID="{9F06A529-1FB1-4C75-8C79-38BDB5F464FC}" presName="spaceBetweenRectangles" presStyleCnt="0"/>
+      <dgm:spPr/>
+    </dgm:pt>
+    <dgm:pt modelId="{FE0CD994-A43B-48AC-8E92-01B923B419C3}" type="pres">
+      <dgm:prSet presAssocID="{9955DE69-08DD-49FA-B09E-D435F1CAF8AC}" presName="parentLin" presStyleCnt="0"/>
+      <dgm:spPr/>
+    </dgm:pt>
+    <dgm:pt modelId="{F9E482D8-64FF-46DD-B73B-2E180D6FDF97}" type="pres">
+      <dgm:prSet presAssocID="{9955DE69-08DD-49FA-B09E-D435F1CAF8AC}" presName="parentLeftMargin" presStyleLbl="node1" presStyleIdx="3" presStyleCnt="5"/>
+      <dgm:spPr/>
+    </dgm:pt>
+    <dgm:pt modelId="{814C022F-7B3D-4F59-832E-BDC6C1C9917A}" type="pres">
+      <dgm:prSet presAssocID="{9955DE69-08DD-49FA-B09E-D435F1CAF8AC}" presName="parentText" presStyleLbl="node1" presStyleIdx="4" presStyleCnt="5">
+        <dgm:presLayoutVars>
+          <dgm:chMax val="0"/>
+          <dgm:bulletEnabled val="1"/>
+        </dgm:presLayoutVars>
+      </dgm:prSet>
+      <dgm:spPr/>
+    </dgm:pt>
+    <dgm:pt modelId="{4219DACA-CC9E-4B05-8151-2A663D53ACA8}" type="pres">
+      <dgm:prSet presAssocID="{9955DE69-08DD-49FA-B09E-D435F1CAF8AC}" presName="negativeSpace" presStyleCnt="0"/>
+      <dgm:spPr/>
+    </dgm:pt>
+    <dgm:pt modelId="{8DA63E09-88B9-4095-B617-F21766D136BA}" type="pres">
+      <dgm:prSet presAssocID="{9955DE69-08DD-49FA-B09E-D435F1CAF8AC}" presName="childText" presStyleLbl="conFgAcc1" presStyleIdx="4" presStyleCnt="5">
+        <dgm:presLayoutVars>
+          <dgm:bulletEnabled val="1"/>
+        </dgm:presLayoutVars>
+      </dgm:prSet>
+      <dgm:spPr/>
+    </dgm:pt>
+  </dgm:ptLst>
+  <dgm:cxnLst>
+    <dgm:cxn modelId="{A38BE809-D00E-444B-A919-4D7D065880F6}" type="presOf" srcId="{9955DE69-08DD-49FA-B09E-D435F1CAF8AC}" destId="{814C022F-7B3D-4F59-832E-BDC6C1C9917A}" srcOrd="1" destOrd="0" presId="urn:microsoft.com/office/officeart/2005/8/layout/list1"/>
+    <dgm:cxn modelId="{CA1F0F28-659A-4D79-9C86-0553DAE01DFF}" type="presOf" srcId="{06F48261-21E7-491D-8F58-C2E780D58FB5}" destId="{92F336D2-B18F-4857-8E04-155AE0606D3F}" srcOrd="0" destOrd="0" presId="urn:microsoft.com/office/officeart/2005/8/layout/list1"/>
+    <dgm:cxn modelId="{E6E5B137-61B5-43BB-B417-6BE6E5762BC7}" type="presOf" srcId="{318B0BEC-ABC5-40A0-BE61-C31ADD017E9E}" destId="{A105CD8E-73A7-439B-A7F7-55226DAB8ADE}" srcOrd="0" destOrd="0" presId="urn:microsoft.com/office/officeart/2005/8/layout/list1"/>
+    <dgm:cxn modelId="{C8D55340-AE98-41A5-93E7-169C108EF831}" srcId="{318B0BEC-ABC5-40A0-BE61-C31ADD017E9E}" destId="{83FC2ACD-247E-4B50-ADE8-D9A12BCBEA1C}" srcOrd="2" destOrd="0" parTransId="{0D827EA6-D463-4032-BE38-2FB3D3A604F3}" sibTransId="{3A4FD749-7FA4-4F48-A37F-A422FBA2CB5A}"/>
+    <dgm:cxn modelId="{31161F5E-4E47-429C-912E-933220B3CFC1}" type="presOf" srcId="{06F48261-21E7-491D-8F58-C2E780D58FB5}" destId="{188D7457-09B0-488F-8D6A-B9164A93EBC3}" srcOrd="1" destOrd="0" presId="urn:microsoft.com/office/officeart/2005/8/layout/list1"/>
+    <dgm:cxn modelId="{F0F5D64A-3E8C-4B21-AE07-478A3FFA8FD3}" type="presOf" srcId="{20C88298-2388-4BE1-8CA6-77BE7F3F18A5}" destId="{0C2E084E-8590-4938-A2BC-3250585CB5DA}" srcOrd="0" destOrd="0" presId="urn:microsoft.com/office/officeart/2005/8/layout/list1"/>
+    <dgm:cxn modelId="{C92E4895-05C8-4F77-AA85-670BDF8ED76C}" type="presOf" srcId="{58C09F0B-7E0D-4A47-9B02-275389698637}" destId="{87FA8236-8309-4F37-8178-DBF9211BDDD5}" srcOrd="0" destOrd="0" presId="urn:microsoft.com/office/officeart/2005/8/layout/list1"/>
+    <dgm:cxn modelId="{BF3B4B96-B475-4DB2-81B2-25E5552E0A00}" type="presOf" srcId="{9955DE69-08DD-49FA-B09E-D435F1CAF8AC}" destId="{F9E482D8-64FF-46DD-B73B-2E180D6FDF97}" srcOrd="0" destOrd="0" presId="urn:microsoft.com/office/officeart/2005/8/layout/list1"/>
+    <dgm:cxn modelId="{AE7DF897-4BCC-4862-B823-915D94895FF0}" type="presOf" srcId="{58C09F0B-7E0D-4A47-9B02-275389698637}" destId="{341CF8C1-3003-4F8F-BE39-8CDEDA9D16E6}" srcOrd="1" destOrd="0" presId="urn:microsoft.com/office/officeart/2005/8/layout/list1"/>
+    <dgm:cxn modelId="{49B0469D-A1AC-43AA-A072-F6CDF87DD265}" type="presOf" srcId="{20C88298-2388-4BE1-8CA6-77BE7F3F18A5}" destId="{37499B7D-8BA7-4B26-B271-4C08F7ECB450}" srcOrd="1" destOrd="0" presId="urn:microsoft.com/office/officeart/2005/8/layout/list1"/>
+    <dgm:cxn modelId="{48AAD1A4-3065-427E-8906-0B7907C1F0B3}" srcId="{318B0BEC-ABC5-40A0-BE61-C31ADD017E9E}" destId="{58C09F0B-7E0D-4A47-9B02-275389698637}" srcOrd="3" destOrd="0" parTransId="{20DB64C5-7A78-44BF-B326-15B718B4930C}" sibTransId="{9F06A529-1FB1-4C75-8C79-38BDB5F464FC}"/>
+    <dgm:cxn modelId="{B2A268B1-5C4D-4799-B705-F2C81DDE4B62}" srcId="{318B0BEC-ABC5-40A0-BE61-C31ADD017E9E}" destId="{20C88298-2388-4BE1-8CA6-77BE7F3F18A5}" srcOrd="0" destOrd="0" parTransId="{30BCD79E-AB6D-4AC2-8BCC-809AC3AD483F}" sibTransId="{EF7C9734-4D63-4D6B-BBB0-D4D93DFBDB43}"/>
+    <dgm:cxn modelId="{8A53D0BB-9774-48CB-A3CF-54AA2256AF11}" type="presOf" srcId="{83FC2ACD-247E-4B50-ADE8-D9A12BCBEA1C}" destId="{88690A73-D058-405B-A2CE-58B2BB70E031}" srcOrd="1" destOrd="0" presId="urn:microsoft.com/office/officeart/2005/8/layout/list1"/>
+    <dgm:cxn modelId="{4CD84DC8-8B6C-4333-A953-0B0F20F2A6EA}" type="presOf" srcId="{83FC2ACD-247E-4B50-ADE8-D9A12BCBEA1C}" destId="{B7581995-C770-43E1-BF3A-F67E779C1486}" srcOrd="0" destOrd="0" presId="urn:microsoft.com/office/officeart/2005/8/layout/list1"/>
+    <dgm:cxn modelId="{E0BD43D2-E404-410C-9FFA-3B7E3C37035E}" srcId="{318B0BEC-ABC5-40A0-BE61-C31ADD017E9E}" destId="{9955DE69-08DD-49FA-B09E-D435F1CAF8AC}" srcOrd="4" destOrd="0" parTransId="{D2AC30E2-70C3-4DDF-AB44-042CA6595BE6}" sibTransId="{71883D20-D0C2-44FE-AFF7-F4566AB381AB}"/>
+    <dgm:cxn modelId="{3D1FC8E3-E7D5-4990-BB69-11A34A8A3D1C}" srcId="{318B0BEC-ABC5-40A0-BE61-C31ADD017E9E}" destId="{06F48261-21E7-491D-8F58-C2E780D58FB5}" srcOrd="1" destOrd="0" parTransId="{AFB509B2-C4F1-45BC-A282-91946A318E60}" sibTransId="{92340ABC-24AE-43C4-AC3A-167DCFA9DA7A}"/>
+    <dgm:cxn modelId="{7B312E23-322C-42D2-BD7E-6B7343007270}" type="presParOf" srcId="{A105CD8E-73A7-439B-A7F7-55226DAB8ADE}" destId="{9BE32030-C060-46ED-A742-B9BA7D5F4CF2}" srcOrd="0" destOrd="0" presId="urn:microsoft.com/office/officeart/2005/8/layout/list1"/>
+    <dgm:cxn modelId="{56B7170F-CAD1-4219-9818-E068DDAAE60B}" type="presParOf" srcId="{9BE32030-C060-46ED-A742-B9BA7D5F4CF2}" destId="{0C2E084E-8590-4938-A2BC-3250585CB5DA}" srcOrd="0" destOrd="0" presId="urn:microsoft.com/office/officeart/2005/8/layout/list1"/>
+    <dgm:cxn modelId="{F637E6B9-A34E-4E46-A43E-2E967384D71F}" type="presParOf" srcId="{9BE32030-C060-46ED-A742-B9BA7D5F4CF2}" destId="{37499B7D-8BA7-4B26-B271-4C08F7ECB450}" srcOrd="1" destOrd="0" presId="urn:microsoft.com/office/officeart/2005/8/layout/list1"/>
+    <dgm:cxn modelId="{84AF58A8-E9DD-4C4C-8255-DEED9C94FEB1}" type="presParOf" srcId="{A105CD8E-73A7-439B-A7F7-55226DAB8ADE}" destId="{F0CF58CB-A529-4895-94F5-2847C15805D5}" srcOrd="1" destOrd="0" presId="urn:microsoft.com/office/officeart/2005/8/layout/list1"/>
+    <dgm:cxn modelId="{577187CF-5616-4F41-B481-6B9A4E4BC732}" type="presParOf" srcId="{A105CD8E-73A7-439B-A7F7-55226DAB8ADE}" destId="{B73A5C3F-EBEF-4FEB-8861-0A0A6E2175B4}" srcOrd="2" destOrd="0" presId="urn:microsoft.com/office/officeart/2005/8/layout/list1"/>
+    <dgm:cxn modelId="{0C0C053F-603E-47D5-A7FF-9004A05A8407}" type="presParOf" srcId="{A105CD8E-73A7-439B-A7F7-55226DAB8ADE}" destId="{AEE0EE67-C50C-49B5-B85F-17B710743F10}" srcOrd="3" destOrd="0" presId="urn:microsoft.com/office/officeart/2005/8/layout/list1"/>
+    <dgm:cxn modelId="{251CBAE4-8CAE-40F2-9DE7-46D922D7A2DA}" type="presParOf" srcId="{A105CD8E-73A7-439B-A7F7-55226DAB8ADE}" destId="{05E8E80A-48F4-4C83-A830-076E97EB55A7}" srcOrd="4" destOrd="0" presId="urn:microsoft.com/office/officeart/2005/8/layout/list1"/>
+    <dgm:cxn modelId="{2460020D-9E7B-4ED3-B1A9-D42FEA148EED}" type="presParOf" srcId="{05E8E80A-48F4-4C83-A830-076E97EB55A7}" destId="{92F336D2-B18F-4857-8E04-155AE0606D3F}" srcOrd="0" destOrd="0" presId="urn:microsoft.com/office/officeart/2005/8/layout/list1"/>
+    <dgm:cxn modelId="{71867A03-7585-44DC-99EE-BD8718BB1AC1}" type="presParOf" srcId="{05E8E80A-48F4-4C83-A830-076E97EB55A7}" destId="{188D7457-09B0-488F-8D6A-B9164A93EBC3}" srcOrd="1" destOrd="0" presId="urn:microsoft.com/office/officeart/2005/8/layout/list1"/>
+    <dgm:cxn modelId="{2AE69E3F-C645-4D45-A5CA-139A83F2E126}" type="presParOf" srcId="{A105CD8E-73A7-439B-A7F7-55226DAB8ADE}" destId="{2FD186A8-A1BE-4254-99A7-1EDDE85257C6}" srcOrd="5" destOrd="0" presId="urn:microsoft.com/office/officeart/2005/8/layout/list1"/>
+    <dgm:cxn modelId="{DDEB54CC-A180-4850-B5C7-D53B9AD14607}" type="presParOf" srcId="{A105CD8E-73A7-439B-A7F7-55226DAB8ADE}" destId="{934631A6-5639-4C23-A701-A4994F1B84F5}" srcOrd="6" destOrd="0" presId="urn:microsoft.com/office/officeart/2005/8/layout/list1"/>
+    <dgm:cxn modelId="{B4FF4D24-43AD-4A1F-B9ED-821242539756}" type="presParOf" srcId="{A105CD8E-73A7-439B-A7F7-55226DAB8ADE}" destId="{B39FAD78-73DC-4AA7-83EF-9833243C9802}" srcOrd="7" destOrd="0" presId="urn:microsoft.com/office/officeart/2005/8/layout/list1"/>
+    <dgm:cxn modelId="{AFAE271A-28E3-4F8F-BBA0-9EDF9E888931}" type="presParOf" srcId="{A105CD8E-73A7-439B-A7F7-55226DAB8ADE}" destId="{9A5F12E6-E92B-4A5F-855B-BA82EF34B3C7}" srcOrd="8" destOrd="0" presId="urn:microsoft.com/office/officeart/2005/8/layout/list1"/>
+    <dgm:cxn modelId="{5412D0E9-6E4C-4F48-9BA1-F491B39729ED}" type="presParOf" srcId="{9A5F12E6-E92B-4A5F-855B-BA82EF34B3C7}" destId="{B7581995-C770-43E1-BF3A-F67E779C1486}" srcOrd="0" destOrd="0" presId="urn:microsoft.com/office/officeart/2005/8/layout/list1"/>
+    <dgm:cxn modelId="{6E1AED07-80A6-4150-BC12-41B56462B691}" type="presParOf" srcId="{9A5F12E6-E92B-4A5F-855B-BA82EF34B3C7}" destId="{88690A73-D058-405B-A2CE-58B2BB70E031}" srcOrd="1" destOrd="0" presId="urn:microsoft.com/office/officeart/2005/8/layout/list1"/>
+    <dgm:cxn modelId="{BE402F77-C0E2-46FE-B240-952A00E28E57}" type="presParOf" srcId="{A105CD8E-73A7-439B-A7F7-55226DAB8ADE}" destId="{26D3089C-EA6D-4D6D-8769-662E4001779E}" srcOrd="9" destOrd="0" presId="urn:microsoft.com/office/officeart/2005/8/layout/list1"/>
+    <dgm:cxn modelId="{7335FCB5-6CAE-4942-A7CA-AADDB1F73831}" type="presParOf" srcId="{A105CD8E-73A7-439B-A7F7-55226DAB8ADE}" destId="{3656033C-836C-4929-8135-F2229AE595B7}" srcOrd="10" destOrd="0" presId="urn:microsoft.com/office/officeart/2005/8/layout/list1"/>
+    <dgm:cxn modelId="{8865785B-512B-42E7-B6B9-CF7E0E2DB9F3}" type="presParOf" srcId="{A105CD8E-73A7-439B-A7F7-55226DAB8ADE}" destId="{86B03353-E0E0-4F11-9BF9-AE946D0A3CA3}" srcOrd="11" destOrd="0" presId="urn:microsoft.com/office/officeart/2005/8/layout/list1"/>
+    <dgm:cxn modelId="{165A3491-462C-489E-BCB8-AF5A9BCD3099}" type="presParOf" srcId="{A105CD8E-73A7-439B-A7F7-55226DAB8ADE}" destId="{E87F6A36-3C58-4EF9-84E9-664631B43DBA}" srcOrd="12" destOrd="0" presId="urn:microsoft.com/office/officeart/2005/8/layout/list1"/>
+    <dgm:cxn modelId="{CC68E381-378A-4434-9C3C-65C2C2A4B8C5}" type="presParOf" srcId="{E87F6A36-3C58-4EF9-84E9-664631B43DBA}" destId="{87FA8236-8309-4F37-8178-DBF9211BDDD5}" srcOrd="0" destOrd="0" presId="urn:microsoft.com/office/officeart/2005/8/layout/list1"/>
+    <dgm:cxn modelId="{7820E9EF-9D67-4040-BBCD-513FEF9AC0CF}" type="presParOf" srcId="{E87F6A36-3C58-4EF9-84E9-664631B43DBA}" destId="{341CF8C1-3003-4F8F-BE39-8CDEDA9D16E6}" srcOrd="1" destOrd="0" presId="urn:microsoft.com/office/officeart/2005/8/layout/list1"/>
+    <dgm:cxn modelId="{A07D7216-F087-43F1-A1C1-44BD7F1D25EB}" type="presParOf" srcId="{A105CD8E-73A7-439B-A7F7-55226DAB8ADE}" destId="{5692ABD8-8731-46FF-82E3-A54B022DC87E}" srcOrd="13" destOrd="0" presId="urn:microsoft.com/office/officeart/2005/8/layout/list1"/>
+    <dgm:cxn modelId="{07674F0F-6370-4DAD-9558-FE2415131A0D}" type="presParOf" srcId="{A105CD8E-73A7-439B-A7F7-55226DAB8ADE}" destId="{08C09646-C84A-43BE-8931-3A1DB1A00E00}" srcOrd="14" destOrd="0" presId="urn:microsoft.com/office/officeart/2005/8/layout/list1"/>
+    <dgm:cxn modelId="{B8B1B65E-E294-41A5-8B4E-9311FDD741B0}" type="presParOf" srcId="{A105CD8E-73A7-439B-A7F7-55226DAB8ADE}" destId="{0BDA9EC9-E2E1-4A93-8EFF-8C33B6718E6B}" srcOrd="15" destOrd="0" presId="urn:microsoft.com/office/officeart/2005/8/layout/list1"/>
+    <dgm:cxn modelId="{DD0F13DE-B1CD-4AD8-A552-E029EC51B846}" type="presParOf" srcId="{A105CD8E-73A7-439B-A7F7-55226DAB8ADE}" destId="{FE0CD994-A43B-48AC-8E92-01B923B419C3}" srcOrd="16" destOrd="0" presId="urn:microsoft.com/office/officeart/2005/8/layout/list1"/>
+    <dgm:cxn modelId="{39A7F760-4E81-4E1E-A20F-11D8ED2FC794}" type="presParOf" srcId="{FE0CD994-A43B-48AC-8E92-01B923B419C3}" destId="{F9E482D8-64FF-46DD-B73B-2E180D6FDF97}" srcOrd="0" destOrd="0" presId="urn:microsoft.com/office/officeart/2005/8/layout/list1"/>
+    <dgm:cxn modelId="{1C807E7E-95D2-4B9F-BF79-EE423BB7420B}" type="presParOf" srcId="{FE0CD994-A43B-48AC-8E92-01B923B419C3}" destId="{814C022F-7B3D-4F59-832E-BDC6C1C9917A}" srcOrd="1" destOrd="0" presId="urn:microsoft.com/office/officeart/2005/8/layout/list1"/>
+    <dgm:cxn modelId="{AC61A23B-D3F1-4368-A88C-1CED14923C51}" type="presParOf" srcId="{A105CD8E-73A7-439B-A7F7-55226DAB8ADE}" destId="{4219DACA-CC9E-4B05-8151-2A663D53ACA8}" srcOrd="17" destOrd="0" presId="urn:microsoft.com/office/officeart/2005/8/layout/list1"/>
+    <dgm:cxn modelId="{42219E05-B3B9-4DDA-93A0-CB497820A741}" type="presParOf" srcId="{A105CD8E-73A7-439B-A7F7-55226DAB8ADE}" destId="{8DA63E09-88B9-4095-B617-F21766D136BA}" srcOrd="18" destOrd="0" presId="urn:microsoft.com/office/officeart/2005/8/layout/list1"/>
   </dgm:cxnLst>
   <dgm:bg/>
   <dgm:whole/>
@@ -3501,7 +4249,1074 @@
 </dgm:dataModel>
 </file>
 
+<file path=ppt/diagrams/data4.xml><?xml version="1.0" encoding="utf-8"?>
+<dgm:dataModel xmlns:dgm="http://schemas.openxmlformats.org/drawingml/2006/diagram" xmlns:a="http://schemas.openxmlformats.org/drawingml/2006/main">
+  <dgm:ptLst>
+    <dgm:pt modelId="{56C31A7A-12B0-4DD0-B0BF-081CE9E1F479}" type="doc">
+      <dgm:prSet loTypeId="urn:microsoft.com/office/officeart/2005/8/layout/list1" loCatId="list" qsTypeId="urn:microsoft.com/office/officeart/2005/8/quickstyle/simple1" qsCatId="simple" csTypeId="urn:microsoft.com/office/officeart/2005/8/colors/accent1_2" csCatId="accent1" phldr="1"/>
+      <dgm:spPr/>
+      <dgm:t>
+        <a:bodyPr/>
+        <a:lstStyle/>
+        <a:p>
+          <a:endParaRPr lang="ru-RU"/>
+        </a:p>
+      </dgm:t>
+    </dgm:pt>
+    <dgm:pt modelId="{55A0546F-86ED-47DC-B95E-78AA13C7ACD1}">
+      <dgm:prSet phldrT="[Text]" custT="1"/>
+      <dgm:spPr/>
+      <dgm:t>
+        <a:bodyPr/>
+        <a:lstStyle/>
+        <a:p>
+          <a:r>
+            <a:rPr lang="ro-RO" sz="2400" b="0"/>
+            <a:t>Știința datelor</a:t>
+          </a:r>
+          <a:endParaRPr lang="ru-RU" sz="2400" b="0"/>
+        </a:p>
+      </dgm:t>
+    </dgm:pt>
+    <dgm:pt modelId="{930C5280-C892-4910-8777-40E14355AD02}" type="parTrans" cxnId="{E0F7833F-3911-4F2A-9C0F-B1B35B79AF8E}">
+      <dgm:prSet/>
+      <dgm:spPr/>
+      <dgm:t>
+        <a:bodyPr/>
+        <a:lstStyle/>
+        <a:p>
+          <a:endParaRPr lang="ru-RU" sz="3600" b="0"/>
+        </a:p>
+      </dgm:t>
+    </dgm:pt>
+    <dgm:pt modelId="{18946436-F6E5-4957-9E99-FE5DAD2613DE}" type="sibTrans" cxnId="{E0F7833F-3911-4F2A-9C0F-B1B35B79AF8E}">
+      <dgm:prSet/>
+      <dgm:spPr/>
+      <dgm:t>
+        <a:bodyPr/>
+        <a:lstStyle/>
+        <a:p>
+          <a:endParaRPr lang="ru-RU" sz="3600" b="0"/>
+        </a:p>
+      </dgm:t>
+    </dgm:pt>
+    <dgm:pt modelId="{A4E2C32C-962F-4494-B90B-7938A2F33842}">
+      <dgm:prSet phldrT="[Text]" custT="1"/>
+      <dgm:spPr/>
+      <dgm:t>
+        <a:bodyPr/>
+        <a:lstStyle/>
+        <a:p>
+          <a:r>
+            <a:rPr lang="ro-RO" sz="2400" b="0" dirty="0"/>
+            <a:t>Învățarea autonomă</a:t>
+          </a:r>
+          <a:endParaRPr lang="ru-RU" sz="2400" b="0" dirty="0"/>
+        </a:p>
+      </dgm:t>
+    </dgm:pt>
+    <dgm:pt modelId="{97F6714F-CE26-4D8F-98BC-D8A7B7CD8E22}" type="parTrans" cxnId="{BFEFB0E8-41C9-4B89-8526-DA8FAF7FE196}">
+      <dgm:prSet/>
+      <dgm:spPr/>
+      <dgm:t>
+        <a:bodyPr/>
+        <a:lstStyle/>
+        <a:p>
+          <a:endParaRPr lang="ru-RU" sz="3600" b="0"/>
+        </a:p>
+      </dgm:t>
+    </dgm:pt>
+    <dgm:pt modelId="{5F0DBEF8-3B83-4EEE-9B3F-7AD892BA719C}" type="sibTrans" cxnId="{BFEFB0E8-41C9-4B89-8526-DA8FAF7FE196}">
+      <dgm:prSet/>
+      <dgm:spPr/>
+      <dgm:t>
+        <a:bodyPr/>
+        <a:lstStyle/>
+        <a:p>
+          <a:endParaRPr lang="ru-RU" sz="3600" b="0"/>
+        </a:p>
+      </dgm:t>
+    </dgm:pt>
+    <dgm:pt modelId="{7871CD70-A75B-4AB6-A86A-9060CFE24483}">
+      <dgm:prSet phldrT="[Text]" custT="1"/>
+      <dgm:spPr/>
+      <dgm:t>
+        <a:bodyPr/>
+        <a:lstStyle/>
+        <a:p>
+          <a:r>
+            <a:rPr lang="ro-RO" sz="2400" b="0" dirty="0"/>
+            <a:t>Dezvoltarea web</a:t>
+          </a:r>
+          <a:endParaRPr lang="ru-RU" sz="2400" b="0" dirty="0"/>
+        </a:p>
+      </dgm:t>
+    </dgm:pt>
+    <dgm:pt modelId="{26567FE2-3E05-42A1-85F8-AE0215124651}" type="parTrans" cxnId="{9AF307FE-E152-4964-9A7F-90D33F219BE4}">
+      <dgm:prSet/>
+      <dgm:spPr/>
+      <dgm:t>
+        <a:bodyPr/>
+        <a:lstStyle/>
+        <a:p>
+          <a:endParaRPr lang="ru-RU" sz="3600" b="0"/>
+        </a:p>
+      </dgm:t>
+    </dgm:pt>
+    <dgm:pt modelId="{A1D76D64-247E-4C37-8BC5-9FBDF0B5B1C3}" type="sibTrans" cxnId="{9AF307FE-E152-4964-9A7F-90D33F219BE4}">
+      <dgm:prSet/>
+      <dgm:spPr/>
+      <dgm:t>
+        <a:bodyPr/>
+        <a:lstStyle/>
+        <a:p>
+          <a:endParaRPr lang="ru-RU" sz="3600" b="0"/>
+        </a:p>
+      </dgm:t>
+    </dgm:pt>
+    <dgm:pt modelId="{9DC73D84-0F43-4B0D-B2D9-AF0BBA433908}">
+      <dgm:prSet phldrT="[Text]" custT="1"/>
+      <dgm:spPr/>
+      <dgm:t>
+        <a:bodyPr/>
+        <a:lstStyle/>
+        <a:p>
+          <a:r>
+            <a:rPr lang="ro-RO" sz="2400" b="0" dirty="0"/>
+            <a:t>Educație în informatică</a:t>
+          </a:r>
+          <a:endParaRPr lang="ru-RU" sz="2400" b="0" dirty="0"/>
+        </a:p>
+      </dgm:t>
+    </dgm:pt>
+    <dgm:pt modelId="{6B4B4C96-CAEC-42E1-8323-2375740ADC1B}" type="parTrans" cxnId="{A225958D-6D19-4BD8-8DD3-64C9646DA219}">
+      <dgm:prSet/>
+      <dgm:spPr/>
+      <dgm:t>
+        <a:bodyPr/>
+        <a:lstStyle/>
+        <a:p>
+          <a:endParaRPr lang="ru-RU" sz="3600" b="0"/>
+        </a:p>
+      </dgm:t>
+    </dgm:pt>
+    <dgm:pt modelId="{EE0AB252-EECF-4C6C-8395-03601A1BD11D}" type="sibTrans" cxnId="{A225958D-6D19-4BD8-8DD3-64C9646DA219}">
+      <dgm:prSet/>
+      <dgm:spPr/>
+      <dgm:t>
+        <a:bodyPr/>
+        <a:lstStyle/>
+        <a:p>
+          <a:endParaRPr lang="ru-RU" sz="3600" b="0"/>
+        </a:p>
+      </dgm:t>
+    </dgm:pt>
+    <dgm:pt modelId="{C632BEC4-209C-4C8E-A607-8CD0FE1C3CCF}">
+      <dgm:prSet phldrT="[Text]" custT="1"/>
+      <dgm:spPr/>
+      <dgm:t>
+        <a:bodyPr/>
+        <a:lstStyle/>
+        <a:p>
+          <a:r>
+            <a:rPr lang="ro-RO" sz="2400" b="0" dirty="0"/>
+            <a:t>Prelucrarea imaginilor</a:t>
+          </a:r>
+          <a:endParaRPr lang="ru-RU" sz="2400" b="0" dirty="0"/>
+        </a:p>
+      </dgm:t>
+    </dgm:pt>
+    <dgm:pt modelId="{55850A2E-367D-4C68-86BC-1B5F88AD1F7A}" type="parTrans" cxnId="{13942AED-591E-4DCC-B156-9647A01C4EEA}">
+      <dgm:prSet/>
+      <dgm:spPr/>
+      <dgm:t>
+        <a:bodyPr/>
+        <a:lstStyle/>
+        <a:p>
+          <a:endParaRPr lang="ru-RU" sz="3600" b="0"/>
+        </a:p>
+      </dgm:t>
+    </dgm:pt>
+    <dgm:pt modelId="{8CC446F7-3FDD-4D8D-B4EA-9D46BA40E118}" type="sibTrans" cxnId="{13942AED-591E-4DCC-B156-9647A01C4EEA}">
+      <dgm:prSet/>
+      <dgm:spPr/>
+      <dgm:t>
+        <a:bodyPr/>
+        <a:lstStyle/>
+        <a:p>
+          <a:endParaRPr lang="ru-RU" sz="3600" b="0"/>
+        </a:p>
+      </dgm:t>
+    </dgm:pt>
+    <dgm:pt modelId="{1DB0FE5F-051D-497E-8A27-EC665286D0AC}">
+      <dgm:prSet phldrT="[Text]" custT="1"/>
+      <dgm:spPr/>
+      <dgm:t>
+        <a:bodyPr/>
+        <a:lstStyle/>
+        <a:p>
+          <a:r>
+            <a:rPr lang="ro-RO" sz="2400" b="0" dirty="0"/>
+            <a:t>Dezvoltarea jocurilor</a:t>
+          </a:r>
+          <a:endParaRPr lang="ru-RU" sz="2400" b="0" dirty="0"/>
+        </a:p>
+      </dgm:t>
+    </dgm:pt>
+    <dgm:pt modelId="{9B53F386-7384-4E1E-99B7-E92375821E4B}" type="parTrans" cxnId="{1E025E64-615E-4D05-8A8C-433C8BEDE949}">
+      <dgm:prSet/>
+      <dgm:spPr/>
+      <dgm:t>
+        <a:bodyPr/>
+        <a:lstStyle/>
+        <a:p>
+          <a:endParaRPr lang="ru-RU" sz="3600" b="0"/>
+        </a:p>
+      </dgm:t>
+    </dgm:pt>
+    <dgm:pt modelId="{20E52515-9249-4432-9E78-F270F4C08DD9}" type="sibTrans" cxnId="{1E025E64-615E-4D05-8A8C-433C8BEDE949}">
+      <dgm:prSet/>
+      <dgm:spPr/>
+      <dgm:t>
+        <a:bodyPr/>
+        <a:lstStyle/>
+        <a:p>
+          <a:endParaRPr lang="ru-RU" sz="3600" b="0"/>
+        </a:p>
+      </dgm:t>
+    </dgm:pt>
+    <dgm:pt modelId="{4EA2EAC7-A834-4E5B-B4E2-ABAD552E857C}">
+      <dgm:prSet phldrT="[Text]" custT="1"/>
+      <dgm:spPr/>
+      <dgm:t>
+        <a:bodyPr/>
+        <a:lstStyle/>
+        <a:p>
+          <a:r>
+            <a:rPr lang="ro-RO" sz="2400" b="0" dirty="0"/>
+            <a:t>Medicină și farmacie</a:t>
+          </a:r>
+          <a:endParaRPr lang="ru-RU" sz="2400" b="0" dirty="0"/>
+        </a:p>
+      </dgm:t>
+    </dgm:pt>
+    <dgm:pt modelId="{FD762C6E-B127-4F70-A33F-566F78E370DF}" type="parTrans" cxnId="{122A3A66-4B45-49B2-BF60-E1A695C58DB3}">
+      <dgm:prSet/>
+      <dgm:spPr/>
+      <dgm:t>
+        <a:bodyPr/>
+        <a:lstStyle/>
+        <a:p>
+          <a:endParaRPr lang="ru-RU" sz="3600" b="0"/>
+        </a:p>
+      </dgm:t>
+    </dgm:pt>
+    <dgm:pt modelId="{3A614B60-351C-482E-8EC1-06D88568B96A}" type="sibTrans" cxnId="{122A3A66-4B45-49B2-BF60-E1A695C58DB3}">
+      <dgm:prSet/>
+      <dgm:spPr/>
+      <dgm:t>
+        <a:bodyPr/>
+        <a:lstStyle/>
+        <a:p>
+          <a:endParaRPr lang="ru-RU" sz="3600" b="0"/>
+        </a:p>
+      </dgm:t>
+    </dgm:pt>
+    <dgm:pt modelId="{4C60FAE9-FE5E-4D1B-82B7-73AEA814A81B}">
+      <dgm:prSet phldrT="[Text]" custT="1"/>
+      <dgm:spPr/>
+      <dgm:t>
+        <a:bodyPr/>
+        <a:lstStyle/>
+        <a:p>
+          <a:r>
+            <a:rPr lang="ro-RO" sz="2400" b="0" dirty="0"/>
+            <a:t>Biologie și bioinformatică</a:t>
+          </a:r>
+          <a:endParaRPr lang="ru-RU" sz="2400" b="0" dirty="0"/>
+        </a:p>
+      </dgm:t>
+    </dgm:pt>
+    <dgm:pt modelId="{40224454-EDB4-4ACB-8C12-D2CCE392DA5F}" type="parTrans" cxnId="{0B588374-8DF4-4A90-8E0E-BC910B0707DF}">
+      <dgm:prSet/>
+      <dgm:spPr/>
+      <dgm:t>
+        <a:bodyPr/>
+        <a:lstStyle/>
+        <a:p>
+          <a:endParaRPr lang="ru-RU" sz="3600" b="0"/>
+        </a:p>
+      </dgm:t>
+    </dgm:pt>
+    <dgm:pt modelId="{88D35227-EF40-4E16-B2DE-569AE46F9B85}" type="sibTrans" cxnId="{0B588374-8DF4-4A90-8E0E-BC910B0707DF}">
+      <dgm:prSet/>
+      <dgm:spPr/>
+      <dgm:t>
+        <a:bodyPr/>
+        <a:lstStyle/>
+        <a:p>
+          <a:endParaRPr lang="ru-RU" sz="3600" b="0"/>
+        </a:p>
+      </dgm:t>
+    </dgm:pt>
+    <dgm:pt modelId="{06BF4197-D3F7-4AC4-AB71-A7A155AACA25}" type="pres">
+      <dgm:prSet presAssocID="{56C31A7A-12B0-4DD0-B0BF-081CE9E1F479}" presName="linear" presStyleCnt="0">
+        <dgm:presLayoutVars>
+          <dgm:dir/>
+          <dgm:animLvl val="lvl"/>
+          <dgm:resizeHandles val="exact"/>
+        </dgm:presLayoutVars>
+      </dgm:prSet>
+      <dgm:spPr/>
+    </dgm:pt>
+    <dgm:pt modelId="{0A5F4338-EF3B-401A-BF2D-908966047FB5}" type="pres">
+      <dgm:prSet presAssocID="{55A0546F-86ED-47DC-B95E-78AA13C7ACD1}" presName="parentLin" presStyleCnt="0"/>
+      <dgm:spPr/>
+    </dgm:pt>
+    <dgm:pt modelId="{A3E23E25-A32E-4610-91EF-A8DC71C25CC6}" type="pres">
+      <dgm:prSet presAssocID="{55A0546F-86ED-47DC-B95E-78AA13C7ACD1}" presName="parentLeftMargin" presStyleLbl="node1" presStyleIdx="0" presStyleCnt="8"/>
+      <dgm:spPr/>
+    </dgm:pt>
+    <dgm:pt modelId="{EB657ECB-38A6-4479-A4F7-3F01C3A97120}" type="pres">
+      <dgm:prSet presAssocID="{55A0546F-86ED-47DC-B95E-78AA13C7ACD1}" presName="parentText" presStyleLbl="node1" presStyleIdx="0" presStyleCnt="8">
+        <dgm:presLayoutVars>
+          <dgm:chMax val="0"/>
+          <dgm:bulletEnabled val="1"/>
+        </dgm:presLayoutVars>
+      </dgm:prSet>
+      <dgm:spPr/>
+    </dgm:pt>
+    <dgm:pt modelId="{BE33E373-4506-4D97-BF39-E9DB290BA97A}" type="pres">
+      <dgm:prSet presAssocID="{55A0546F-86ED-47DC-B95E-78AA13C7ACD1}" presName="negativeSpace" presStyleCnt="0"/>
+      <dgm:spPr/>
+    </dgm:pt>
+    <dgm:pt modelId="{8C55B7B8-11CB-4B58-A099-B342BDA3E5D9}" type="pres">
+      <dgm:prSet presAssocID="{55A0546F-86ED-47DC-B95E-78AA13C7ACD1}" presName="childText" presStyleLbl="conFgAcc1" presStyleIdx="0" presStyleCnt="8">
+        <dgm:presLayoutVars>
+          <dgm:bulletEnabled val="1"/>
+        </dgm:presLayoutVars>
+      </dgm:prSet>
+      <dgm:spPr/>
+    </dgm:pt>
+    <dgm:pt modelId="{27456C4B-06B5-461D-A61D-19C1C397CE88}" type="pres">
+      <dgm:prSet presAssocID="{18946436-F6E5-4957-9E99-FE5DAD2613DE}" presName="spaceBetweenRectangles" presStyleCnt="0"/>
+      <dgm:spPr/>
+    </dgm:pt>
+    <dgm:pt modelId="{93D12CF6-6A15-463F-9BA4-87865E26F1F7}" type="pres">
+      <dgm:prSet presAssocID="{A4E2C32C-962F-4494-B90B-7938A2F33842}" presName="parentLin" presStyleCnt="0"/>
+      <dgm:spPr/>
+    </dgm:pt>
+    <dgm:pt modelId="{FF65C131-0F42-45AD-8D03-6734047BAB2B}" type="pres">
+      <dgm:prSet presAssocID="{A4E2C32C-962F-4494-B90B-7938A2F33842}" presName="parentLeftMargin" presStyleLbl="node1" presStyleIdx="0" presStyleCnt="8"/>
+      <dgm:spPr/>
+    </dgm:pt>
+    <dgm:pt modelId="{4F822618-BCC5-4556-8B32-E54703466214}" type="pres">
+      <dgm:prSet presAssocID="{A4E2C32C-962F-4494-B90B-7938A2F33842}" presName="parentText" presStyleLbl="node1" presStyleIdx="1" presStyleCnt="8">
+        <dgm:presLayoutVars>
+          <dgm:chMax val="0"/>
+          <dgm:bulletEnabled val="1"/>
+        </dgm:presLayoutVars>
+      </dgm:prSet>
+      <dgm:spPr/>
+    </dgm:pt>
+    <dgm:pt modelId="{3545DA84-4B60-4155-B966-5CA03480B2FC}" type="pres">
+      <dgm:prSet presAssocID="{A4E2C32C-962F-4494-B90B-7938A2F33842}" presName="negativeSpace" presStyleCnt="0"/>
+      <dgm:spPr/>
+    </dgm:pt>
+    <dgm:pt modelId="{BF750CF5-B02D-4C89-9755-E091F6FB2FA9}" type="pres">
+      <dgm:prSet presAssocID="{A4E2C32C-962F-4494-B90B-7938A2F33842}" presName="childText" presStyleLbl="conFgAcc1" presStyleIdx="1" presStyleCnt="8">
+        <dgm:presLayoutVars>
+          <dgm:bulletEnabled val="1"/>
+        </dgm:presLayoutVars>
+      </dgm:prSet>
+      <dgm:spPr/>
+    </dgm:pt>
+    <dgm:pt modelId="{2F060C82-CEDF-4105-AF99-4EEE79D676A9}" type="pres">
+      <dgm:prSet presAssocID="{5F0DBEF8-3B83-4EEE-9B3F-7AD892BA719C}" presName="spaceBetweenRectangles" presStyleCnt="0"/>
+      <dgm:spPr/>
+    </dgm:pt>
+    <dgm:pt modelId="{DADD08F0-4480-4803-A4D1-5181598F6F4A}" type="pres">
+      <dgm:prSet presAssocID="{7871CD70-A75B-4AB6-A86A-9060CFE24483}" presName="parentLin" presStyleCnt="0"/>
+      <dgm:spPr/>
+    </dgm:pt>
+    <dgm:pt modelId="{5116F42A-339B-4CD5-AE6C-D6FACDAC8983}" type="pres">
+      <dgm:prSet presAssocID="{7871CD70-A75B-4AB6-A86A-9060CFE24483}" presName="parentLeftMargin" presStyleLbl="node1" presStyleIdx="1" presStyleCnt="8"/>
+      <dgm:spPr/>
+    </dgm:pt>
+    <dgm:pt modelId="{2B410752-7BC1-4BA4-85A9-7B0637E963F9}" type="pres">
+      <dgm:prSet presAssocID="{7871CD70-A75B-4AB6-A86A-9060CFE24483}" presName="parentText" presStyleLbl="node1" presStyleIdx="2" presStyleCnt="8">
+        <dgm:presLayoutVars>
+          <dgm:chMax val="0"/>
+          <dgm:bulletEnabled val="1"/>
+        </dgm:presLayoutVars>
+      </dgm:prSet>
+      <dgm:spPr/>
+    </dgm:pt>
+    <dgm:pt modelId="{40958F23-947C-4D8D-AF00-A6592F828655}" type="pres">
+      <dgm:prSet presAssocID="{7871CD70-A75B-4AB6-A86A-9060CFE24483}" presName="negativeSpace" presStyleCnt="0"/>
+      <dgm:spPr/>
+    </dgm:pt>
+    <dgm:pt modelId="{F42671B2-F4AF-4094-A3BC-E35156A7781F}" type="pres">
+      <dgm:prSet presAssocID="{7871CD70-A75B-4AB6-A86A-9060CFE24483}" presName="childText" presStyleLbl="conFgAcc1" presStyleIdx="2" presStyleCnt="8">
+        <dgm:presLayoutVars>
+          <dgm:bulletEnabled val="1"/>
+        </dgm:presLayoutVars>
+      </dgm:prSet>
+      <dgm:spPr/>
+    </dgm:pt>
+    <dgm:pt modelId="{C19DEB13-841C-415C-B5F6-A7B1D08CF1A5}" type="pres">
+      <dgm:prSet presAssocID="{A1D76D64-247E-4C37-8BC5-9FBDF0B5B1C3}" presName="spaceBetweenRectangles" presStyleCnt="0"/>
+      <dgm:spPr/>
+    </dgm:pt>
+    <dgm:pt modelId="{4552AE4C-6DC6-4FE2-B93E-C4CABD334651}" type="pres">
+      <dgm:prSet presAssocID="{9DC73D84-0F43-4B0D-B2D9-AF0BBA433908}" presName="parentLin" presStyleCnt="0"/>
+      <dgm:spPr/>
+    </dgm:pt>
+    <dgm:pt modelId="{0508642F-74AD-4702-A069-900D6B6EA66C}" type="pres">
+      <dgm:prSet presAssocID="{9DC73D84-0F43-4B0D-B2D9-AF0BBA433908}" presName="parentLeftMargin" presStyleLbl="node1" presStyleIdx="2" presStyleCnt="8"/>
+      <dgm:spPr/>
+    </dgm:pt>
+    <dgm:pt modelId="{33A56AC6-B8FB-45A7-9D54-D6166BE98BCD}" type="pres">
+      <dgm:prSet presAssocID="{9DC73D84-0F43-4B0D-B2D9-AF0BBA433908}" presName="parentText" presStyleLbl="node1" presStyleIdx="3" presStyleCnt="8">
+        <dgm:presLayoutVars>
+          <dgm:chMax val="0"/>
+          <dgm:bulletEnabled val="1"/>
+        </dgm:presLayoutVars>
+      </dgm:prSet>
+      <dgm:spPr/>
+    </dgm:pt>
+    <dgm:pt modelId="{896BEEF8-FBBC-4133-B02D-F77A4A120BA4}" type="pres">
+      <dgm:prSet presAssocID="{9DC73D84-0F43-4B0D-B2D9-AF0BBA433908}" presName="negativeSpace" presStyleCnt="0"/>
+      <dgm:spPr/>
+    </dgm:pt>
+    <dgm:pt modelId="{C53FB2BC-54B8-4EEF-926F-82AB89D64EB7}" type="pres">
+      <dgm:prSet presAssocID="{9DC73D84-0F43-4B0D-B2D9-AF0BBA433908}" presName="childText" presStyleLbl="conFgAcc1" presStyleIdx="3" presStyleCnt="8">
+        <dgm:presLayoutVars>
+          <dgm:bulletEnabled val="1"/>
+        </dgm:presLayoutVars>
+      </dgm:prSet>
+      <dgm:spPr/>
+    </dgm:pt>
+    <dgm:pt modelId="{D9119EF1-B8C2-417F-9B88-54CC7C904C85}" type="pres">
+      <dgm:prSet presAssocID="{EE0AB252-EECF-4C6C-8395-03601A1BD11D}" presName="spaceBetweenRectangles" presStyleCnt="0"/>
+      <dgm:spPr/>
+    </dgm:pt>
+    <dgm:pt modelId="{02BC46CA-6F82-467F-AC4A-72EA039DAFCF}" type="pres">
+      <dgm:prSet presAssocID="{C632BEC4-209C-4C8E-A607-8CD0FE1C3CCF}" presName="parentLin" presStyleCnt="0"/>
+      <dgm:spPr/>
+    </dgm:pt>
+    <dgm:pt modelId="{0AD691B3-63E4-4D63-9B8F-02C81CB7CE53}" type="pres">
+      <dgm:prSet presAssocID="{C632BEC4-209C-4C8E-A607-8CD0FE1C3CCF}" presName="parentLeftMargin" presStyleLbl="node1" presStyleIdx="3" presStyleCnt="8"/>
+      <dgm:spPr/>
+    </dgm:pt>
+    <dgm:pt modelId="{14B251D9-D4E2-4E01-ABAD-9B26D322C033}" type="pres">
+      <dgm:prSet presAssocID="{C632BEC4-209C-4C8E-A607-8CD0FE1C3CCF}" presName="parentText" presStyleLbl="node1" presStyleIdx="4" presStyleCnt="8">
+        <dgm:presLayoutVars>
+          <dgm:chMax val="0"/>
+          <dgm:bulletEnabled val="1"/>
+        </dgm:presLayoutVars>
+      </dgm:prSet>
+      <dgm:spPr/>
+    </dgm:pt>
+    <dgm:pt modelId="{58D1A68B-3CFE-4BFA-A13D-6ECDD2FF6474}" type="pres">
+      <dgm:prSet presAssocID="{C632BEC4-209C-4C8E-A607-8CD0FE1C3CCF}" presName="negativeSpace" presStyleCnt="0"/>
+      <dgm:spPr/>
+    </dgm:pt>
+    <dgm:pt modelId="{155FC359-F02A-418C-AAB5-044D58997A89}" type="pres">
+      <dgm:prSet presAssocID="{C632BEC4-209C-4C8E-A607-8CD0FE1C3CCF}" presName="childText" presStyleLbl="conFgAcc1" presStyleIdx="4" presStyleCnt="8">
+        <dgm:presLayoutVars>
+          <dgm:bulletEnabled val="1"/>
+        </dgm:presLayoutVars>
+      </dgm:prSet>
+      <dgm:spPr/>
+    </dgm:pt>
+    <dgm:pt modelId="{D496C86B-5681-4DFE-AD03-579E7B90A60C}" type="pres">
+      <dgm:prSet presAssocID="{8CC446F7-3FDD-4D8D-B4EA-9D46BA40E118}" presName="spaceBetweenRectangles" presStyleCnt="0"/>
+      <dgm:spPr/>
+    </dgm:pt>
+    <dgm:pt modelId="{E63001D0-B014-47C7-A685-1C7841B12BFE}" type="pres">
+      <dgm:prSet presAssocID="{1DB0FE5F-051D-497E-8A27-EC665286D0AC}" presName="parentLin" presStyleCnt="0"/>
+      <dgm:spPr/>
+    </dgm:pt>
+    <dgm:pt modelId="{AB1FDA02-F05E-4FAF-B39C-D91B7305445C}" type="pres">
+      <dgm:prSet presAssocID="{1DB0FE5F-051D-497E-8A27-EC665286D0AC}" presName="parentLeftMargin" presStyleLbl="node1" presStyleIdx="4" presStyleCnt="8"/>
+      <dgm:spPr/>
+    </dgm:pt>
+    <dgm:pt modelId="{8D870F79-8F18-4842-911F-24D965A50830}" type="pres">
+      <dgm:prSet presAssocID="{1DB0FE5F-051D-497E-8A27-EC665286D0AC}" presName="parentText" presStyleLbl="node1" presStyleIdx="5" presStyleCnt="8">
+        <dgm:presLayoutVars>
+          <dgm:chMax val="0"/>
+          <dgm:bulletEnabled val="1"/>
+        </dgm:presLayoutVars>
+      </dgm:prSet>
+      <dgm:spPr/>
+    </dgm:pt>
+    <dgm:pt modelId="{D90006A7-F694-40FE-B2F8-CFF2A5CCA0BD}" type="pres">
+      <dgm:prSet presAssocID="{1DB0FE5F-051D-497E-8A27-EC665286D0AC}" presName="negativeSpace" presStyleCnt="0"/>
+      <dgm:spPr/>
+    </dgm:pt>
+    <dgm:pt modelId="{DC624300-58AB-4239-BEA9-62B2EF3D4EFE}" type="pres">
+      <dgm:prSet presAssocID="{1DB0FE5F-051D-497E-8A27-EC665286D0AC}" presName="childText" presStyleLbl="conFgAcc1" presStyleIdx="5" presStyleCnt="8">
+        <dgm:presLayoutVars>
+          <dgm:bulletEnabled val="1"/>
+        </dgm:presLayoutVars>
+      </dgm:prSet>
+      <dgm:spPr/>
+    </dgm:pt>
+    <dgm:pt modelId="{069DBAD1-7D1D-4ECE-8B1D-0DED50DE169F}" type="pres">
+      <dgm:prSet presAssocID="{20E52515-9249-4432-9E78-F270F4C08DD9}" presName="spaceBetweenRectangles" presStyleCnt="0"/>
+      <dgm:spPr/>
+    </dgm:pt>
+    <dgm:pt modelId="{82267929-0D3C-4EF3-8C34-5EAE13170462}" type="pres">
+      <dgm:prSet presAssocID="{4EA2EAC7-A834-4E5B-B4E2-ABAD552E857C}" presName="parentLin" presStyleCnt="0"/>
+      <dgm:spPr/>
+    </dgm:pt>
+    <dgm:pt modelId="{0ACB890B-3E21-484F-915A-6B21F113B6D8}" type="pres">
+      <dgm:prSet presAssocID="{4EA2EAC7-A834-4E5B-B4E2-ABAD552E857C}" presName="parentLeftMargin" presStyleLbl="node1" presStyleIdx="5" presStyleCnt="8"/>
+      <dgm:spPr/>
+    </dgm:pt>
+    <dgm:pt modelId="{F1DFB18C-A2E2-4E49-9169-7650A8F1F09F}" type="pres">
+      <dgm:prSet presAssocID="{4EA2EAC7-A834-4E5B-B4E2-ABAD552E857C}" presName="parentText" presStyleLbl="node1" presStyleIdx="6" presStyleCnt="8">
+        <dgm:presLayoutVars>
+          <dgm:chMax val="0"/>
+          <dgm:bulletEnabled val="1"/>
+        </dgm:presLayoutVars>
+      </dgm:prSet>
+      <dgm:spPr/>
+    </dgm:pt>
+    <dgm:pt modelId="{DD049D62-E4C5-431C-97D3-E790B9EB3F63}" type="pres">
+      <dgm:prSet presAssocID="{4EA2EAC7-A834-4E5B-B4E2-ABAD552E857C}" presName="negativeSpace" presStyleCnt="0"/>
+      <dgm:spPr/>
+    </dgm:pt>
+    <dgm:pt modelId="{FB670159-4749-4906-AFCC-1072C73D4559}" type="pres">
+      <dgm:prSet presAssocID="{4EA2EAC7-A834-4E5B-B4E2-ABAD552E857C}" presName="childText" presStyleLbl="conFgAcc1" presStyleIdx="6" presStyleCnt="8">
+        <dgm:presLayoutVars>
+          <dgm:bulletEnabled val="1"/>
+        </dgm:presLayoutVars>
+      </dgm:prSet>
+      <dgm:spPr/>
+    </dgm:pt>
+    <dgm:pt modelId="{4CBFFA2C-3135-44B8-AB85-18522C1EDF0C}" type="pres">
+      <dgm:prSet presAssocID="{3A614B60-351C-482E-8EC1-06D88568B96A}" presName="spaceBetweenRectangles" presStyleCnt="0"/>
+      <dgm:spPr/>
+    </dgm:pt>
+    <dgm:pt modelId="{C1846663-17CE-46D4-BD96-C84E4047AE16}" type="pres">
+      <dgm:prSet presAssocID="{4C60FAE9-FE5E-4D1B-82B7-73AEA814A81B}" presName="parentLin" presStyleCnt="0"/>
+      <dgm:spPr/>
+    </dgm:pt>
+    <dgm:pt modelId="{05C667A2-D0B6-4DF7-946D-0184AF25B6AE}" type="pres">
+      <dgm:prSet presAssocID="{4C60FAE9-FE5E-4D1B-82B7-73AEA814A81B}" presName="parentLeftMargin" presStyleLbl="node1" presStyleIdx="6" presStyleCnt="8"/>
+      <dgm:spPr/>
+    </dgm:pt>
+    <dgm:pt modelId="{F377E794-1C5F-40F9-AAD9-F877ED4E644F}" type="pres">
+      <dgm:prSet presAssocID="{4C60FAE9-FE5E-4D1B-82B7-73AEA814A81B}" presName="parentText" presStyleLbl="node1" presStyleIdx="7" presStyleCnt="8">
+        <dgm:presLayoutVars>
+          <dgm:chMax val="0"/>
+          <dgm:bulletEnabled val="1"/>
+        </dgm:presLayoutVars>
+      </dgm:prSet>
+      <dgm:spPr/>
+    </dgm:pt>
+    <dgm:pt modelId="{7B06E353-D83E-4910-A25D-765C98D79D4C}" type="pres">
+      <dgm:prSet presAssocID="{4C60FAE9-FE5E-4D1B-82B7-73AEA814A81B}" presName="negativeSpace" presStyleCnt="0"/>
+      <dgm:spPr/>
+    </dgm:pt>
+    <dgm:pt modelId="{82F38D02-25C3-483C-9FF0-EF5D3B16A94B}" type="pres">
+      <dgm:prSet presAssocID="{4C60FAE9-FE5E-4D1B-82B7-73AEA814A81B}" presName="childText" presStyleLbl="conFgAcc1" presStyleIdx="7" presStyleCnt="8">
+        <dgm:presLayoutVars>
+          <dgm:bulletEnabled val="1"/>
+        </dgm:presLayoutVars>
+      </dgm:prSet>
+      <dgm:spPr/>
+    </dgm:pt>
+  </dgm:ptLst>
+  <dgm:cxnLst>
+    <dgm:cxn modelId="{35286700-9C84-4EF5-A13E-0ADF2D777EAC}" type="presOf" srcId="{4EA2EAC7-A834-4E5B-B4E2-ABAD552E857C}" destId="{F1DFB18C-A2E2-4E49-9169-7650A8F1F09F}" srcOrd="1" destOrd="0" presId="urn:microsoft.com/office/officeart/2005/8/layout/list1"/>
+    <dgm:cxn modelId="{57498D16-6E06-4E7B-8759-8DDBBE6346C1}" type="presOf" srcId="{55A0546F-86ED-47DC-B95E-78AA13C7ACD1}" destId="{EB657ECB-38A6-4479-A4F7-3F01C3A97120}" srcOrd="1" destOrd="0" presId="urn:microsoft.com/office/officeart/2005/8/layout/list1"/>
+    <dgm:cxn modelId="{E0F7833F-3911-4F2A-9C0F-B1B35B79AF8E}" srcId="{56C31A7A-12B0-4DD0-B0BF-081CE9E1F479}" destId="{55A0546F-86ED-47DC-B95E-78AA13C7ACD1}" srcOrd="0" destOrd="0" parTransId="{930C5280-C892-4910-8777-40E14355AD02}" sibTransId="{18946436-F6E5-4957-9E99-FE5DAD2613DE}"/>
+    <dgm:cxn modelId="{72244240-A515-4123-B728-DCBCDE310801}" type="presOf" srcId="{7871CD70-A75B-4AB6-A86A-9060CFE24483}" destId="{2B410752-7BC1-4BA4-85A9-7B0637E963F9}" srcOrd="1" destOrd="0" presId="urn:microsoft.com/office/officeart/2005/8/layout/list1"/>
+    <dgm:cxn modelId="{1E025E64-615E-4D05-8A8C-433C8BEDE949}" srcId="{56C31A7A-12B0-4DD0-B0BF-081CE9E1F479}" destId="{1DB0FE5F-051D-497E-8A27-EC665286D0AC}" srcOrd="5" destOrd="0" parTransId="{9B53F386-7384-4E1E-99B7-E92375821E4B}" sibTransId="{20E52515-9249-4432-9E78-F270F4C08DD9}"/>
+    <dgm:cxn modelId="{122A3A66-4B45-49B2-BF60-E1A695C58DB3}" srcId="{56C31A7A-12B0-4DD0-B0BF-081CE9E1F479}" destId="{4EA2EAC7-A834-4E5B-B4E2-ABAD552E857C}" srcOrd="6" destOrd="0" parTransId="{FD762C6E-B127-4F70-A33F-566F78E370DF}" sibTransId="{3A614B60-351C-482E-8EC1-06D88568B96A}"/>
+    <dgm:cxn modelId="{A4E24E68-5A67-4162-9EEE-6EDB9B099835}" type="presOf" srcId="{1DB0FE5F-051D-497E-8A27-EC665286D0AC}" destId="{8D870F79-8F18-4842-911F-24D965A50830}" srcOrd="1" destOrd="0" presId="urn:microsoft.com/office/officeart/2005/8/layout/list1"/>
+    <dgm:cxn modelId="{882EB56A-BE11-4667-B5FE-05B14B40ADC6}" type="presOf" srcId="{C632BEC4-209C-4C8E-A607-8CD0FE1C3CCF}" destId="{0AD691B3-63E4-4D63-9B8F-02C81CB7CE53}" srcOrd="0" destOrd="0" presId="urn:microsoft.com/office/officeart/2005/8/layout/list1"/>
+    <dgm:cxn modelId="{89252153-F9FF-452F-B483-A67065CAD5A1}" type="presOf" srcId="{1DB0FE5F-051D-497E-8A27-EC665286D0AC}" destId="{AB1FDA02-F05E-4FAF-B39C-D91B7305445C}" srcOrd="0" destOrd="0" presId="urn:microsoft.com/office/officeart/2005/8/layout/list1"/>
+    <dgm:cxn modelId="{0B588374-8DF4-4A90-8E0E-BC910B0707DF}" srcId="{56C31A7A-12B0-4DD0-B0BF-081CE9E1F479}" destId="{4C60FAE9-FE5E-4D1B-82B7-73AEA814A81B}" srcOrd="7" destOrd="0" parTransId="{40224454-EDB4-4ACB-8C12-D2CCE392DA5F}" sibTransId="{88D35227-EF40-4E16-B2DE-569AE46F9B85}"/>
+    <dgm:cxn modelId="{EFFBEB56-C757-4248-AC23-856D03C167B8}" type="presOf" srcId="{A4E2C32C-962F-4494-B90B-7938A2F33842}" destId="{FF65C131-0F42-45AD-8D03-6734047BAB2B}" srcOrd="0" destOrd="0" presId="urn:microsoft.com/office/officeart/2005/8/layout/list1"/>
+    <dgm:cxn modelId="{A225958D-6D19-4BD8-8DD3-64C9646DA219}" srcId="{56C31A7A-12B0-4DD0-B0BF-081CE9E1F479}" destId="{9DC73D84-0F43-4B0D-B2D9-AF0BBA433908}" srcOrd="3" destOrd="0" parTransId="{6B4B4C96-CAEC-42E1-8323-2375740ADC1B}" sibTransId="{EE0AB252-EECF-4C6C-8395-03601A1BD11D}"/>
+    <dgm:cxn modelId="{5253BD94-5376-4E42-8151-E1FE44A9017B}" type="presOf" srcId="{A4E2C32C-962F-4494-B90B-7938A2F33842}" destId="{4F822618-BCC5-4556-8B32-E54703466214}" srcOrd="1" destOrd="0" presId="urn:microsoft.com/office/officeart/2005/8/layout/list1"/>
+    <dgm:cxn modelId="{7AF785C7-1634-405C-AEF7-A8A1533E623C}" type="presOf" srcId="{55A0546F-86ED-47DC-B95E-78AA13C7ACD1}" destId="{A3E23E25-A32E-4610-91EF-A8DC71C25CC6}" srcOrd="0" destOrd="0" presId="urn:microsoft.com/office/officeart/2005/8/layout/list1"/>
+    <dgm:cxn modelId="{3F5E12D4-5813-4FC0-9A2F-8601E1464FE7}" type="presOf" srcId="{7871CD70-A75B-4AB6-A86A-9060CFE24483}" destId="{5116F42A-339B-4CD5-AE6C-D6FACDAC8983}" srcOrd="0" destOrd="0" presId="urn:microsoft.com/office/officeart/2005/8/layout/list1"/>
+    <dgm:cxn modelId="{1DD274D7-8234-424D-B767-549F092562BA}" type="presOf" srcId="{9DC73D84-0F43-4B0D-B2D9-AF0BBA433908}" destId="{33A56AC6-B8FB-45A7-9D54-D6166BE98BCD}" srcOrd="1" destOrd="0" presId="urn:microsoft.com/office/officeart/2005/8/layout/list1"/>
+    <dgm:cxn modelId="{91E3D8D9-4B08-4EEF-8BCD-DC684FA0B060}" type="presOf" srcId="{C632BEC4-209C-4C8E-A607-8CD0FE1C3CCF}" destId="{14B251D9-D4E2-4E01-ABAD-9B26D322C033}" srcOrd="1" destOrd="0" presId="urn:microsoft.com/office/officeart/2005/8/layout/list1"/>
+    <dgm:cxn modelId="{F374B8DB-B2C1-44D6-B250-6472E7A20A2E}" type="presOf" srcId="{9DC73D84-0F43-4B0D-B2D9-AF0BBA433908}" destId="{0508642F-74AD-4702-A069-900D6B6EA66C}" srcOrd="0" destOrd="0" presId="urn:microsoft.com/office/officeart/2005/8/layout/list1"/>
+    <dgm:cxn modelId="{3208E2E2-F60E-4C1F-B62E-45748684BF0D}" type="presOf" srcId="{4C60FAE9-FE5E-4D1B-82B7-73AEA814A81B}" destId="{05C667A2-D0B6-4DF7-946D-0184AF25B6AE}" srcOrd="0" destOrd="0" presId="urn:microsoft.com/office/officeart/2005/8/layout/list1"/>
+    <dgm:cxn modelId="{BFEFB0E8-41C9-4B89-8526-DA8FAF7FE196}" srcId="{56C31A7A-12B0-4DD0-B0BF-081CE9E1F479}" destId="{A4E2C32C-962F-4494-B90B-7938A2F33842}" srcOrd="1" destOrd="0" parTransId="{97F6714F-CE26-4D8F-98BC-D8A7B7CD8E22}" sibTransId="{5F0DBEF8-3B83-4EEE-9B3F-7AD892BA719C}"/>
+    <dgm:cxn modelId="{13942AED-591E-4DCC-B156-9647A01C4EEA}" srcId="{56C31A7A-12B0-4DD0-B0BF-081CE9E1F479}" destId="{C632BEC4-209C-4C8E-A607-8CD0FE1C3CCF}" srcOrd="4" destOrd="0" parTransId="{55850A2E-367D-4C68-86BC-1B5F88AD1F7A}" sibTransId="{8CC446F7-3FDD-4D8D-B4EA-9D46BA40E118}"/>
+    <dgm:cxn modelId="{680F07FA-7FA3-41F3-B73B-17CBE9DA1AB5}" type="presOf" srcId="{56C31A7A-12B0-4DD0-B0BF-081CE9E1F479}" destId="{06BF4197-D3F7-4AC4-AB71-A7A155AACA25}" srcOrd="0" destOrd="0" presId="urn:microsoft.com/office/officeart/2005/8/layout/list1"/>
+    <dgm:cxn modelId="{82292FFD-EBF2-4520-9920-8860DF3193AC}" type="presOf" srcId="{4EA2EAC7-A834-4E5B-B4E2-ABAD552E857C}" destId="{0ACB890B-3E21-484F-915A-6B21F113B6D8}" srcOrd="0" destOrd="0" presId="urn:microsoft.com/office/officeart/2005/8/layout/list1"/>
+    <dgm:cxn modelId="{63925EFD-C55B-4793-ACE4-CD41EBA95025}" type="presOf" srcId="{4C60FAE9-FE5E-4D1B-82B7-73AEA814A81B}" destId="{F377E794-1C5F-40F9-AAD9-F877ED4E644F}" srcOrd="1" destOrd="0" presId="urn:microsoft.com/office/officeart/2005/8/layout/list1"/>
+    <dgm:cxn modelId="{9AF307FE-E152-4964-9A7F-90D33F219BE4}" srcId="{56C31A7A-12B0-4DD0-B0BF-081CE9E1F479}" destId="{7871CD70-A75B-4AB6-A86A-9060CFE24483}" srcOrd="2" destOrd="0" parTransId="{26567FE2-3E05-42A1-85F8-AE0215124651}" sibTransId="{A1D76D64-247E-4C37-8BC5-9FBDF0B5B1C3}"/>
+    <dgm:cxn modelId="{DFFC9202-1106-4E32-A415-EE7A095E5417}" type="presParOf" srcId="{06BF4197-D3F7-4AC4-AB71-A7A155AACA25}" destId="{0A5F4338-EF3B-401A-BF2D-908966047FB5}" srcOrd="0" destOrd="0" presId="urn:microsoft.com/office/officeart/2005/8/layout/list1"/>
+    <dgm:cxn modelId="{D25B7544-23C2-40C9-9375-77C4C8802895}" type="presParOf" srcId="{0A5F4338-EF3B-401A-BF2D-908966047FB5}" destId="{A3E23E25-A32E-4610-91EF-A8DC71C25CC6}" srcOrd="0" destOrd="0" presId="urn:microsoft.com/office/officeart/2005/8/layout/list1"/>
+    <dgm:cxn modelId="{2D7601DB-2C7F-43AF-8F63-FB8F24C4EFC4}" type="presParOf" srcId="{0A5F4338-EF3B-401A-BF2D-908966047FB5}" destId="{EB657ECB-38A6-4479-A4F7-3F01C3A97120}" srcOrd="1" destOrd="0" presId="urn:microsoft.com/office/officeart/2005/8/layout/list1"/>
+    <dgm:cxn modelId="{058F98B9-0CF2-4479-9969-4427CDE31A4F}" type="presParOf" srcId="{06BF4197-D3F7-4AC4-AB71-A7A155AACA25}" destId="{BE33E373-4506-4D97-BF39-E9DB290BA97A}" srcOrd="1" destOrd="0" presId="urn:microsoft.com/office/officeart/2005/8/layout/list1"/>
+    <dgm:cxn modelId="{7D975F2B-DB38-4E6E-AA57-2483003656C0}" type="presParOf" srcId="{06BF4197-D3F7-4AC4-AB71-A7A155AACA25}" destId="{8C55B7B8-11CB-4B58-A099-B342BDA3E5D9}" srcOrd="2" destOrd="0" presId="urn:microsoft.com/office/officeart/2005/8/layout/list1"/>
+    <dgm:cxn modelId="{78FFF894-735D-4E19-976D-41A7F4C28885}" type="presParOf" srcId="{06BF4197-D3F7-4AC4-AB71-A7A155AACA25}" destId="{27456C4B-06B5-461D-A61D-19C1C397CE88}" srcOrd="3" destOrd="0" presId="urn:microsoft.com/office/officeart/2005/8/layout/list1"/>
+    <dgm:cxn modelId="{AA4F2D8E-9BE9-48F9-A335-B8770E5B62B0}" type="presParOf" srcId="{06BF4197-D3F7-4AC4-AB71-A7A155AACA25}" destId="{93D12CF6-6A15-463F-9BA4-87865E26F1F7}" srcOrd="4" destOrd="0" presId="urn:microsoft.com/office/officeart/2005/8/layout/list1"/>
+    <dgm:cxn modelId="{B87E6620-BFCB-4C76-982A-59CEE824BC27}" type="presParOf" srcId="{93D12CF6-6A15-463F-9BA4-87865E26F1F7}" destId="{FF65C131-0F42-45AD-8D03-6734047BAB2B}" srcOrd="0" destOrd="0" presId="urn:microsoft.com/office/officeart/2005/8/layout/list1"/>
+    <dgm:cxn modelId="{23E1B9EE-C317-40CE-8F52-AC1D5B0062CB}" type="presParOf" srcId="{93D12CF6-6A15-463F-9BA4-87865E26F1F7}" destId="{4F822618-BCC5-4556-8B32-E54703466214}" srcOrd="1" destOrd="0" presId="urn:microsoft.com/office/officeart/2005/8/layout/list1"/>
+    <dgm:cxn modelId="{3F533E08-23FA-4CCC-A140-5C1C9B4E78E8}" type="presParOf" srcId="{06BF4197-D3F7-4AC4-AB71-A7A155AACA25}" destId="{3545DA84-4B60-4155-B966-5CA03480B2FC}" srcOrd="5" destOrd="0" presId="urn:microsoft.com/office/officeart/2005/8/layout/list1"/>
+    <dgm:cxn modelId="{D7E250D7-6CC1-4B36-AFF4-4DC7E7C9EE53}" type="presParOf" srcId="{06BF4197-D3F7-4AC4-AB71-A7A155AACA25}" destId="{BF750CF5-B02D-4C89-9755-E091F6FB2FA9}" srcOrd="6" destOrd="0" presId="urn:microsoft.com/office/officeart/2005/8/layout/list1"/>
+    <dgm:cxn modelId="{A480A040-5311-4BEB-AD64-5C32B35C0972}" type="presParOf" srcId="{06BF4197-D3F7-4AC4-AB71-A7A155AACA25}" destId="{2F060C82-CEDF-4105-AF99-4EEE79D676A9}" srcOrd="7" destOrd="0" presId="urn:microsoft.com/office/officeart/2005/8/layout/list1"/>
+    <dgm:cxn modelId="{584CF3E5-6D1D-4C1F-98EE-1F7842ABE7C8}" type="presParOf" srcId="{06BF4197-D3F7-4AC4-AB71-A7A155AACA25}" destId="{DADD08F0-4480-4803-A4D1-5181598F6F4A}" srcOrd="8" destOrd="0" presId="urn:microsoft.com/office/officeart/2005/8/layout/list1"/>
+    <dgm:cxn modelId="{6E8057D3-2EE2-4739-AC56-0536DC235BF4}" type="presParOf" srcId="{DADD08F0-4480-4803-A4D1-5181598F6F4A}" destId="{5116F42A-339B-4CD5-AE6C-D6FACDAC8983}" srcOrd="0" destOrd="0" presId="urn:microsoft.com/office/officeart/2005/8/layout/list1"/>
+    <dgm:cxn modelId="{A9C81328-6E4F-4014-B7CA-ECB084410A11}" type="presParOf" srcId="{DADD08F0-4480-4803-A4D1-5181598F6F4A}" destId="{2B410752-7BC1-4BA4-85A9-7B0637E963F9}" srcOrd="1" destOrd="0" presId="urn:microsoft.com/office/officeart/2005/8/layout/list1"/>
+    <dgm:cxn modelId="{DF0499F2-329E-4FA5-B59A-4FF8E6A8B7B5}" type="presParOf" srcId="{06BF4197-D3F7-4AC4-AB71-A7A155AACA25}" destId="{40958F23-947C-4D8D-AF00-A6592F828655}" srcOrd="9" destOrd="0" presId="urn:microsoft.com/office/officeart/2005/8/layout/list1"/>
+    <dgm:cxn modelId="{7E9257D9-66CC-4E38-AD76-D7ED68C2D45F}" type="presParOf" srcId="{06BF4197-D3F7-4AC4-AB71-A7A155AACA25}" destId="{F42671B2-F4AF-4094-A3BC-E35156A7781F}" srcOrd="10" destOrd="0" presId="urn:microsoft.com/office/officeart/2005/8/layout/list1"/>
+    <dgm:cxn modelId="{361BDAE5-5FE7-497B-9583-8BC1304E0F0A}" type="presParOf" srcId="{06BF4197-D3F7-4AC4-AB71-A7A155AACA25}" destId="{C19DEB13-841C-415C-B5F6-A7B1D08CF1A5}" srcOrd="11" destOrd="0" presId="urn:microsoft.com/office/officeart/2005/8/layout/list1"/>
+    <dgm:cxn modelId="{B8D5C7DD-9634-4EEE-9329-6CA7E5473672}" type="presParOf" srcId="{06BF4197-D3F7-4AC4-AB71-A7A155AACA25}" destId="{4552AE4C-6DC6-4FE2-B93E-C4CABD334651}" srcOrd="12" destOrd="0" presId="urn:microsoft.com/office/officeart/2005/8/layout/list1"/>
+    <dgm:cxn modelId="{3B4DFBA9-756E-4B7C-BE9C-9A039A8960CA}" type="presParOf" srcId="{4552AE4C-6DC6-4FE2-B93E-C4CABD334651}" destId="{0508642F-74AD-4702-A069-900D6B6EA66C}" srcOrd="0" destOrd="0" presId="urn:microsoft.com/office/officeart/2005/8/layout/list1"/>
+    <dgm:cxn modelId="{DC774A0B-41EB-4D94-A81C-D5EF4757E2BB}" type="presParOf" srcId="{4552AE4C-6DC6-4FE2-B93E-C4CABD334651}" destId="{33A56AC6-B8FB-45A7-9D54-D6166BE98BCD}" srcOrd="1" destOrd="0" presId="urn:microsoft.com/office/officeart/2005/8/layout/list1"/>
+    <dgm:cxn modelId="{8159835E-5728-463A-8140-752D6F0965D9}" type="presParOf" srcId="{06BF4197-D3F7-4AC4-AB71-A7A155AACA25}" destId="{896BEEF8-FBBC-4133-B02D-F77A4A120BA4}" srcOrd="13" destOrd="0" presId="urn:microsoft.com/office/officeart/2005/8/layout/list1"/>
+    <dgm:cxn modelId="{F00764C2-35A9-4E9E-A1CC-A5522F740908}" type="presParOf" srcId="{06BF4197-D3F7-4AC4-AB71-A7A155AACA25}" destId="{C53FB2BC-54B8-4EEF-926F-82AB89D64EB7}" srcOrd="14" destOrd="0" presId="urn:microsoft.com/office/officeart/2005/8/layout/list1"/>
+    <dgm:cxn modelId="{F7C276BF-77F6-45F0-B9DD-37DE4BE12D6E}" type="presParOf" srcId="{06BF4197-D3F7-4AC4-AB71-A7A155AACA25}" destId="{D9119EF1-B8C2-417F-9B88-54CC7C904C85}" srcOrd="15" destOrd="0" presId="urn:microsoft.com/office/officeart/2005/8/layout/list1"/>
+    <dgm:cxn modelId="{0DA027C8-3AA6-4A01-9D25-BB521FB40DEF}" type="presParOf" srcId="{06BF4197-D3F7-4AC4-AB71-A7A155AACA25}" destId="{02BC46CA-6F82-467F-AC4A-72EA039DAFCF}" srcOrd="16" destOrd="0" presId="urn:microsoft.com/office/officeart/2005/8/layout/list1"/>
+    <dgm:cxn modelId="{9627CD1A-71E9-4570-A688-340015B02C4D}" type="presParOf" srcId="{02BC46CA-6F82-467F-AC4A-72EA039DAFCF}" destId="{0AD691B3-63E4-4D63-9B8F-02C81CB7CE53}" srcOrd="0" destOrd="0" presId="urn:microsoft.com/office/officeart/2005/8/layout/list1"/>
+    <dgm:cxn modelId="{E34F8684-8D97-443A-9332-07AA5817E5AE}" type="presParOf" srcId="{02BC46CA-6F82-467F-AC4A-72EA039DAFCF}" destId="{14B251D9-D4E2-4E01-ABAD-9B26D322C033}" srcOrd="1" destOrd="0" presId="urn:microsoft.com/office/officeart/2005/8/layout/list1"/>
+    <dgm:cxn modelId="{BB3951AB-749B-4019-817B-E0BBDF474A1A}" type="presParOf" srcId="{06BF4197-D3F7-4AC4-AB71-A7A155AACA25}" destId="{58D1A68B-3CFE-4BFA-A13D-6ECDD2FF6474}" srcOrd="17" destOrd="0" presId="urn:microsoft.com/office/officeart/2005/8/layout/list1"/>
+    <dgm:cxn modelId="{7B69B241-0499-4884-97FC-AE3B90128EC0}" type="presParOf" srcId="{06BF4197-D3F7-4AC4-AB71-A7A155AACA25}" destId="{155FC359-F02A-418C-AAB5-044D58997A89}" srcOrd="18" destOrd="0" presId="urn:microsoft.com/office/officeart/2005/8/layout/list1"/>
+    <dgm:cxn modelId="{7483DD51-9F06-483D-A474-D43CA234DE14}" type="presParOf" srcId="{06BF4197-D3F7-4AC4-AB71-A7A155AACA25}" destId="{D496C86B-5681-4DFE-AD03-579E7B90A60C}" srcOrd="19" destOrd="0" presId="urn:microsoft.com/office/officeart/2005/8/layout/list1"/>
+    <dgm:cxn modelId="{D03FCE00-DCBA-43B2-A128-570EF1C41B36}" type="presParOf" srcId="{06BF4197-D3F7-4AC4-AB71-A7A155AACA25}" destId="{E63001D0-B014-47C7-A685-1C7841B12BFE}" srcOrd="20" destOrd="0" presId="urn:microsoft.com/office/officeart/2005/8/layout/list1"/>
+    <dgm:cxn modelId="{98B77653-AFF9-4ACD-9447-6E31F64A7BF2}" type="presParOf" srcId="{E63001D0-B014-47C7-A685-1C7841B12BFE}" destId="{AB1FDA02-F05E-4FAF-B39C-D91B7305445C}" srcOrd="0" destOrd="0" presId="urn:microsoft.com/office/officeart/2005/8/layout/list1"/>
+    <dgm:cxn modelId="{F7FF98BB-2195-468A-A3AC-7FC7317105A9}" type="presParOf" srcId="{E63001D0-B014-47C7-A685-1C7841B12BFE}" destId="{8D870F79-8F18-4842-911F-24D965A50830}" srcOrd="1" destOrd="0" presId="urn:microsoft.com/office/officeart/2005/8/layout/list1"/>
+    <dgm:cxn modelId="{BC8F6A7A-DA89-47F4-B3EB-AF50D7A280FD}" type="presParOf" srcId="{06BF4197-D3F7-4AC4-AB71-A7A155AACA25}" destId="{D90006A7-F694-40FE-B2F8-CFF2A5CCA0BD}" srcOrd="21" destOrd="0" presId="urn:microsoft.com/office/officeart/2005/8/layout/list1"/>
+    <dgm:cxn modelId="{EB70C38E-D17A-4C5D-8EA5-89F037BF51BB}" type="presParOf" srcId="{06BF4197-D3F7-4AC4-AB71-A7A155AACA25}" destId="{DC624300-58AB-4239-BEA9-62B2EF3D4EFE}" srcOrd="22" destOrd="0" presId="urn:microsoft.com/office/officeart/2005/8/layout/list1"/>
+    <dgm:cxn modelId="{ADB58299-5589-45EE-BC8F-1E7AECE49121}" type="presParOf" srcId="{06BF4197-D3F7-4AC4-AB71-A7A155AACA25}" destId="{069DBAD1-7D1D-4ECE-8B1D-0DED50DE169F}" srcOrd="23" destOrd="0" presId="urn:microsoft.com/office/officeart/2005/8/layout/list1"/>
+    <dgm:cxn modelId="{D12DCF0F-E9EF-44AF-BBA5-F0ABAA565CD6}" type="presParOf" srcId="{06BF4197-D3F7-4AC4-AB71-A7A155AACA25}" destId="{82267929-0D3C-4EF3-8C34-5EAE13170462}" srcOrd="24" destOrd="0" presId="urn:microsoft.com/office/officeart/2005/8/layout/list1"/>
+    <dgm:cxn modelId="{505278EF-B4A7-4B89-BD3C-B3201CC2D4B9}" type="presParOf" srcId="{82267929-0D3C-4EF3-8C34-5EAE13170462}" destId="{0ACB890B-3E21-484F-915A-6B21F113B6D8}" srcOrd="0" destOrd="0" presId="urn:microsoft.com/office/officeart/2005/8/layout/list1"/>
+    <dgm:cxn modelId="{DB90342B-FA0F-4E5F-8690-5FB41D986CA5}" type="presParOf" srcId="{82267929-0D3C-4EF3-8C34-5EAE13170462}" destId="{F1DFB18C-A2E2-4E49-9169-7650A8F1F09F}" srcOrd="1" destOrd="0" presId="urn:microsoft.com/office/officeart/2005/8/layout/list1"/>
+    <dgm:cxn modelId="{1F207CE1-56EA-44CD-92CD-873EB19531E9}" type="presParOf" srcId="{06BF4197-D3F7-4AC4-AB71-A7A155AACA25}" destId="{DD049D62-E4C5-431C-97D3-E790B9EB3F63}" srcOrd="25" destOrd="0" presId="urn:microsoft.com/office/officeart/2005/8/layout/list1"/>
+    <dgm:cxn modelId="{68CF76B0-E071-4BE6-96CA-0E5C2591E5BE}" type="presParOf" srcId="{06BF4197-D3F7-4AC4-AB71-A7A155AACA25}" destId="{FB670159-4749-4906-AFCC-1072C73D4559}" srcOrd="26" destOrd="0" presId="urn:microsoft.com/office/officeart/2005/8/layout/list1"/>
+    <dgm:cxn modelId="{D1BF9D02-9086-4394-B712-934A2E978491}" type="presParOf" srcId="{06BF4197-D3F7-4AC4-AB71-A7A155AACA25}" destId="{4CBFFA2C-3135-44B8-AB85-18522C1EDF0C}" srcOrd="27" destOrd="0" presId="urn:microsoft.com/office/officeart/2005/8/layout/list1"/>
+    <dgm:cxn modelId="{9FCA2347-237C-4B13-BC3A-17C9EB40924A}" type="presParOf" srcId="{06BF4197-D3F7-4AC4-AB71-A7A155AACA25}" destId="{C1846663-17CE-46D4-BD96-C84E4047AE16}" srcOrd="28" destOrd="0" presId="urn:microsoft.com/office/officeart/2005/8/layout/list1"/>
+    <dgm:cxn modelId="{1E47EFBD-3C51-4813-B315-9A7EB4CF2433}" type="presParOf" srcId="{C1846663-17CE-46D4-BD96-C84E4047AE16}" destId="{05C667A2-D0B6-4DF7-946D-0184AF25B6AE}" srcOrd="0" destOrd="0" presId="urn:microsoft.com/office/officeart/2005/8/layout/list1"/>
+    <dgm:cxn modelId="{852598E8-0DF4-4756-B1F6-BFE96FA5025E}" type="presParOf" srcId="{C1846663-17CE-46D4-BD96-C84E4047AE16}" destId="{F377E794-1C5F-40F9-AAD9-F877ED4E644F}" srcOrd="1" destOrd="0" presId="urn:microsoft.com/office/officeart/2005/8/layout/list1"/>
+    <dgm:cxn modelId="{F4AD1C93-C1D1-4FA1-8BBA-6BCA0B866D41}" type="presParOf" srcId="{06BF4197-D3F7-4AC4-AB71-A7A155AACA25}" destId="{7B06E353-D83E-4910-A25D-765C98D79D4C}" srcOrd="29" destOrd="0" presId="urn:microsoft.com/office/officeart/2005/8/layout/list1"/>
+    <dgm:cxn modelId="{CD1C586F-75EC-412E-B44B-6C6DE4CA2140}" type="presParOf" srcId="{06BF4197-D3F7-4AC4-AB71-A7A155AACA25}" destId="{82F38D02-25C3-483C-9FF0-EF5D3B16A94B}" srcOrd="30" destOrd="0" presId="urn:microsoft.com/office/officeart/2005/8/layout/list1"/>
+  </dgm:cxnLst>
+  <dgm:bg/>
+  <dgm:whole/>
+  <dgm:extLst>
+    <a:ext uri="http://schemas.microsoft.com/office/drawing/2008/diagram">
+      <dsp:dataModelExt xmlns:dsp="http://schemas.microsoft.com/office/drawing/2008/diagram" relId="rId7" minVer="http://schemas.openxmlformats.org/drawingml/2006/diagram"/>
+    </a:ext>
+  </dgm:extLst>
+</dgm:dataModel>
+</file>
+
 <file path=ppt/diagrams/drawing1.xml><?xml version="1.0" encoding="utf-8"?>
+<dsp:drawing xmlns:dgm="http://schemas.openxmlformats.org/drawingml/2006/diagram" xmlns:dsp="http://schemas.microsoft.com/office/drawing/2008/diagram" xmlns:a="http://schemas.openxmlformats.org/drawingml/2006/main">
+  <dsp:spTree>
+    <dsp:nvGrpSpPr>
+      <dsp:cNvPr id="0" name=""/>
+      <dsp:cNvGrpSpPr/>
+    </dsp:nvGrpSpPr>
+    <dsp:grpSpPr/>
+    <dsp:sp modelId="{6237B6D6-8536-4491-9026-E73BF2679FB7}">
+      <dsp:nvSpPr>
+        <dsp:cNvPr id="0" name=""/>
+        <dsp:cNvSpPr/>
+      </dsp:nvSpPr>
+      <dsp:spPr>
+        <a:xfrm>
+          <a:off x="0" y="51022"/>
+          <a:ext cx="5285999" cy="585000"/>
+        </a:xfrm>
+        <a:prstGeom prst="roundRect">
+          <a:avLst/>
+        </a:prstGeom>
+        <a:solidFill>
+          <a:schemeClr val="accent1">
+            <a:hueOff val="0"/>
+            <a:satOff val="0"/>
+            <a:lumOff val="0"/>
+            <a:alphaOff val="0"/>
+          </a:schemeClr>
+        </a:solidFill>
+        <a:ln w="15875" cap="rnd" cmpd="sng" algn="ctr">
+          <a:solidFill>
+            <a:schemeClr val="lt1">
+              <a:hueOff val="0"/>
+              <a:satOff val="0"/>
+              <a:lumOff val="0"/>
+              <a:alphaOff val="0"/>
+            </a:schemeClr>
+          </a:solidFill>
+          <a:prstDash val="solid"/>
+        </a:ln>
+        <a:effectLst/>
+      </dsp:spPr>
+      <dsp:style>
+        <a:lnRef idx="2">
+          <a:scrgbClr r="0" g="0" b="0"/>
+        </a:lnRef>
+        <a:fillRef idx="1">
+          <a:scrgbClr r="0" g="0" b="0"/>
+        </a:fillRef>
+        <a:effectRef idx="0">
+          <a:scrgbClr r="0" g="0" b="0"/>
+        </a:effectRef>
+        <a:fontRef idx="minor">
+          <a:schemeClr val="lt1"/>
+        </a:fontRef>
+      </dsp:style>
+      <dsp:txBody>
+        <a:bodyPr spcFirstLastPara="0" vert="horz" wrap="square" lIns="95250" tIns="95250" rIns="95250" bIns="95250" numCol="1" spcCol="1270" anchor="ctr" anchorCtr="0">
+          <a:noAutofit/>
+        </a:bodyPr>
+        <a:lstStyle/>
+        <a:p>
+          <a:pPr marL="0" lvl="0" indent="0" algn="l" defTabSz="1111250">
+            <a:lnSpc>
+              <a:spcPct val="90000"/>
+            </a:lnSpc>
+            <a:spcBef>
+              <a:spcPct val="0"/>
+            </a:spcBef>
+            <a:spcAft>
+              <a:spcPct val="35000"/>
+            </a:spcAft>
+            <a:buNone/>
+          </a:pPr>
+          <a:r>
+            <a:rPr lang="ro-RO" sz="2500" kern="1200" dirty="0"/>
+            <a:t>Tip de date numere</a:t>
+          </a:r>
+          <a:endParaRPr lang="ru-RU" sz="2500" kern="1200" dirty="0"/>
+        </a:p>
+      </dsp:txBody>
+      <dsp:txXfrm>
+        <a:off x="28557" y="79579"/>
+        <a:ext cx="5228885" cy="527886"/>
+      </dsp:txXfrm>
+    </dsp:sp>
+    <dsp:sp modelId="{E798A1D0-BBC0-42FD-9DA7-D692D5EFF728}">
+      <dsp:nvSpPr>
+        <dsp:cNvPr id="0" name=""/>
+        <dsp:cNvSpPr/>
+      </dsp:nvSpPr>
+      <dsp:spPr>
+        <a:xfrm>
+          <a:off x="0" y="708022"/>
+          <a:ext cx="5285999" cy="585000"/>
+        </a:xfrm>
+        <a:prstGeom prst="roundRect">
+          <a:avLst/>
+        </a:prstGeom>
+        <a:solidFill>
+          <a:schemeClr val="accent1">
+            <a:hueOff val="0"/>
+            <a:satOff val="0"/>
+            <a:lumOff val="0"/>
+            <a:alphaOff val="0"/>
+          </a:schemeClr>
+        </a:solidFill>
+        <a:ln w="15875" cap="rnd" cmpd="sng" algn="ctr">
+          <a:solidFill>
+            <a:schemeClr val="lt1">
+              <a:hueOff val="0"/>
+              <a:satOff val="0"/>
+              <a:lumOff val="0"/>
+              <a:alphaOff val="0"/>
+            </a:schemeClr>
+          </a:solidFill>
+          <a:prstDash val="solid"/>
+        </a:ln>
+        <a:effectLst/>
+      </dsp:spPr>
+      <dsp:style>
+        <a:lnRef idx="2">
+          <a:scrgbClr r="0" g="0" b="0"/>
+        </a:lnRef>
+        <a:fillRef idx="1">
+          <a:scrgbClr r="0" g="0" b="0"/>
+        </a:fillRef>
+        <a:effectRef idx="0">
+          <a:scrgbClr r="0" g="0" b="0"/>
+        </a:effectRef>
+        <a:fontRef idx="minor">
+          <a:schemeClr val="lt1"/>
+        </a:fontRef>
+      </dsp:style>
+      <dsp:txBody>
+        <a:bodyPr spcFirstLastPara="0" vert="horz" wrap="square" lIns="95250" tIns="95250" rIns="95250" bIns="95250" numCol="1" spcCol="1270" anchor="ctr" anchorCtr="0">
+          <a:noAutofit/>
+        </a:bodyPr>
+        <a:lstStyle/>
+        <a:p>
+          <a:pPr marL="0" lvl="0" indent="0" algn="l" defTabSz="1111250">
+            <a:lnSpc>
+              <a:spcPct val="90000"/>
+            </a:lnSpc>
+            <a:spcBef>
+              <a:spcPct val="0"/>
+            </a:spcBef>
+            <a:spcAft>
+              <a:spcPct val="35000"/>
+            </a:spcAft>
+            <a:buNone/>
+          </a:pPr>
+          <a:r>
+            <a:rPr lang="ro-RO" sz="2500" kern="1200" dirty="0"/>
+            <a:t>Tip de date boolean</a:t>
+          </a:r>
+          <a:endParaRPr lang="ru-RU" sz="2500" kern="1200" dirty="0"/>
+        </a:p>
+      </dsp:txBody>
+      <dsp:txXfrm>
+        <a:off x="28557" y="736579"/>
+        <a:ext cx="5228885" cy="527886"/>
+      </dsp:txXfrm>
+    </dsp:sp>
+    <dsp:sp modelId="{56482E4D-7174-4258-B1D6-AB6EC4B0B338}">
+      <dsp:nvSpPr>
+        <dsp:cNvPr id="0" name=""/>
+        <dsp:cNvSpPr/>
+      </dsp:nvSpPr>
+      <dsp:spPr>
+        <a:xfrm>
+          <a:off x="0" y="1365022"/>
+          <a:ext cx="5285999" cy="585000"/>
+        </a:xfrm>
+        <a:prstGeom prst="roundRect">
+          <a:avLst/>
+        </a:prstGeom>
+        <a:solidFill>
+          <a:schemeClr val="accent1">
+            <a:hueOff val="0"/>
+            <a:satOff val="0"/>
+            <a:lumOff val="0"/>
+            <a:alphaOff val="0"/>
+          </a:schemeClr>
+        </a:solidFill>
+        <a:ln w="15875" cap="rnd" cmpd="sng" algn="ctr">
+          <a:solidFill>
+            <a:schemeClr val="lt1">
+              <a:hueOff val="0"/>
+              <a:satOff val="0"/>
+              <a:lumOff val="0"/>
+              <a:alphaOff val="0"/>
+            </a:schemeClr>
+          </a:solidFill>
+          <a:prstDash val="solid"/>
+        </a:ln>
+        <a:effectLst/>
+      </dsp:spPr>
+      <dsp:style>
+        <a:lnRef idx="2">
+          <a:scrgbClr r="0" g="0" b="0"/>
+        </a:lnRef>
+        <a:fillRef idx="1">
+          <a:scrgbClr r="0" g="0" b="0"/>
+        </a:fillRef>
+        <a:effectRef idx="0">
+          <a:scrgbClr r="0" g="0" b="0"/>
+        </a:effectRef>
+        <a:fontRef idx="minor">
+          <a:schemeClr val="lt1"/>
+        </a:fontRef>
+      </dsp:style>
+      <dsp:txBody>
+        <a:bodyPr spcFirstLastPara="0" vert="horz" wrap="square" lIns="95250" tIns="95250" rIns="95250" bIns="95250" numCol="1" spcCol="1270" anchor="ctr" anchorCtr="0">
+          <a:noAutofit/>
+        </a:bodyPr>
+        <a:lstStyle/>
+        <a:p>
+          <a:pPr marL="0" lvl="0" indent="0" algn="l" defTabSz="1111250">
+            <a:lnSpc>
+              <a:spcPct val="90000"/>
+            </a:lnSpc>
+            <a:spcBef>
+              <a:spcPct val="0"/>
+            </a:spcBef>
+            <a:spcAft>
+              <a:spcPct val="35000"/>
+            </a:spcAft>
+            <a:buNone/>
+          </a:pPr>
+          <a:r>
+            <a:rPr lang="ro-RO" sz="2500" kern="1200" dirty="0"/>
+            <a:t>Tip de date șir de caractere</a:t>
+          </a:r>
+          <a:endParaRPr lang="ru-RU" sz="2500" kern="1200" dirty="0"/>
+        </a:p>
+      </dsp:txBody>
+      <dsp:txXfrm>
+        <a:off x="28557" y="1393579"/>
+        <a:ext cx="5228885" cy="527886"/>
+      </dsp:txXfrm>
+    </dsp:sp>
+    <dsp:sp modelId="{441D8B3E-21DC-4549-A19D-AC0C11D6292F}">
+      <dsp:nvSpPr>
+        <dsp:cNvPr id="0" name=""/>
+        <dsp:cNvSpPr/>
+      </dsp:nvSpPr>
+      <dsp:spPr>
+        <a:xfrm>
+          <a:off x="0" y="2022022"/>
+          <a:ext cx="5285999" cy="585000"/>
+        </a:xfrm>
+        <a:prstGeom prst="roundRect">
+          <a:avLst/>
+        </a:prstGeom>
+        <a:solidFill>
+          <a:schemeClr val="accent1">
+            <a:hueOff val="0"/>
+            <a:satOff val="0"/>
+            <a:lumOff val="0"/>
+            <a:alphaOff val="0"/>
+          </a:schemeClr>
+        </a:solidFill>
+        <a:ln w="15875" cap="rnd" cmpd="sng" algn="ctr">
+          <a:solidFill>
+            <a:schemeClr val="lt1">
+              <a:hueOff val="0"/>
+              <a:satOff val="0"/>
+              <a:lumOff val="0"/>
+              <a:alphaOff val="0"/>
+            </a:schemeClr>
+          </a:solidFill>
+          <a:prstDash val="solid"/>
+        </a:ln>
+        <a:effectLst/>
+      </dsp:spPr>
+      <dsp:style>
+        <a:lnRef idx="2">
+          <a:scrgbClr r="0" g="0" b="0"/>
+        </a:lnRef>
+        <a:fillRef idx="1">
+          <a:scrgbClr r="0" g="0" b="0"/>
+        </a:fillRef>
+        <a:effectRef idx="0">
+          <a:scrgbClr r="0" g="0" b="0"/>
+        </a:effectRef>
+        <a:fontRef idx="minor">
+          <a:schemeClr val="lt1"/>
+        </a:fontRef>
+      </dsp:style>
+      <dsp:txBody>
+        <a:bodyPr spcFirstLastPara="0" vert="horz" wrap="square" lIns="95250" tIns="95250" rIns="95250" bIns="95250" numCol="1" spcCol="1270" anchor="ctr" anchorCtr="0">
+          <a:noAutofit/>
+        </a:bodyPr>
+        <a:lstStyle/>
+        <a:p>
+          <a:pPr marL="0" lvl="0" indent="0" algn="l" defTabSz="1111250">
+            <a:lnSpc>
+              <a:spcPct val="90000"/>
+            </a:lnSpc>
+            <a:spcBef>
+              <a:spcPct val="0"/>
+            </a:spcBef>
+            <a:spcAft>
+              <a:spcPct val="35000"/>
+            </a:spcAft>
+            <a:buNone/>
+          </a:pPr>
+          <a:r>
+            <a:rPr lang="ro-RO" sz="2500" kern="1200" dirty="0"/>
+            <a:t>Liste(Vectori)</a:t>
+          </a:r>
+          <a:endParaRPr lang="ru-RU" sz="2500" kern="1200" dirty="0"/>
+        </a:p>
+      </dsp:txBody>
+      <dsp:txXfrm>
+        <a:off x="28557" y="2050579"/>
+        <a:ext cx="5228885" cy="527886"/>
+      </dsp:txXfrm>
+    </dsp:sp>
+    <dsp:sp modelId="{8ABDE74B-967D-4EBB-B0A3-D0278A1822EB}">
+      <dsp:nvSpPr>
+        <dsp:cNvPr id="0" name=""/>
+        <dsp:cNvSpPr/>
+      </dsp:nvSpPr>
+      <dsp:spPr>
+        <a:xfrm>
+          <a:off x="0" y="2679022"/>
+          <a:ext cx="5285999" cy="585000"/>
+        </a:xfrm>
+        <a:prstGeom prst="roundRect">
+          <a:avLst/>
+        </a:prstGeom>
+        <a:solidFill>
+          <a:schemeClr val="accent1">
+            <a:hueOff val="0"/>
+            <a:satOff val="0"/>
+            <a:lumOff val="0"/>
+            <a:alphaOff val="0"/>
+          </a:schemeClr>
+        </a:solidFill>
+        <a:ln w="15875" cap="rnd" cmpd="sng" algn="ctr">
+          <a:solidFill>
+            <a:schemeClr val="lt1">
+              <a:hueOff val="0"/>
+              <a:satOff val="0"/>
+              <a:lumOff val="0"/>
+              <a:alphaOff val="0"/>
+            </a:schemeClr>
+          </a:solidFill>
+          <a:prstDash val="solid"/>
+        </a:ln>
+        <a:effectLst/>
+      </dsp:spPr>
+      <dsp:style>
+        <a:lnRef idx="2">
+          <a:scrgbClr r="0" g="0" b="0"/>
+        </a:lnRef>
+        <a:fillRef idx="1">
+          <a:scrgbClr r="0" g="0" b="0"/>
+        </a:fillRef>
+        <a:effectRef idx="0">
+          <a:scrgbClr r="0" g="0" b="0"/>
+        </a:effectRef>
+        <a:fontRef idx="minor">
+          <a:schemeClr val="lt1"/>
+        </a:fontRef>
+      </dsp:style>
+      <dsp:txBody>
+        <a:bodyPr spcFirstLastPara="0" vert="horz" wrap="square" lIns="95250" tIns="95250" rIns="95250" bIns="95250" numCol="1" spcCol="1270" anchor="ctr" anchorCtr="0">
+          <a:noAutofit/>
+        </a:bodyPr>
+        <a:lstStyle/>
+        <a:p>
+          <a:pPr marL="0" lvl="0" indent="0" algn="l" defTabSz="1111250">
+            <a:lnSpc>
+              <a:spcPct val="90000"/>
+            </a:lnSpc>
+            <a:spcBef>
+              <a:spcPct val="0"/>
+            </a:spcBef>
+            <a:spcAft>
+              <a:spcPct val="35000"/>
+            </a:spcAft>
+            <a:buNone/>
+          </a:pPr>
+          <a:r>
+            <a:rPr lang="ro-RO" sz="2500" kern="1200" dirty="0"/>
+            <a:t>Dicționare</a:t>
+          </a:r>
+          <a:endParaRPr lang="ru-RU" sz="2500" kern="1200" dirty="0"/>
+        </a:p>
+      </dsp:txBody>
+      <dsp:txXfrm>
+        <a:off x="28557" y="2707579"/>
+        <a:ext cx="5228885" cy="527886"/>
+      </dsp:txXfrm>
+    </dsp:sp>
+  </dsp:spTree>
+</dsp:drawing>
+</file>
+
+<file path=ppt/diagrams/drawing2.xml><?xml version="1.0" encoding="utf-8"?>
 <dsp:drawing xmlns:dgm="http://schemas.openxmlformats.org/drawingml/2006/diagram" xmlns:dsp="http://schemas.microsoft.com/office/drawing/2008/diagram" xmlns:a="http://schemas.openxmlformats.org/drawingml/2006/main">
   <dsp:spTree>
     <dsp:nvGrpSpPr>
@@ -3624,10 +5439,10 @@
             <a:buNone/>
           </a:pPr>
           <a:r>
-            <a:rPr lang="ro-RO" sz="1900" b="1" kern="1200" dirty="0"/>
+            <a:rPr lang="ro-RO" sz="1900" b="0" kern="1200" dirty="0"/>
             <a:t>Aritmetici</a:t>
           </a:r>
-          <a:endParaRPr lang="ru-RU" sz="1900" b="1" kern="1200" dirty="0"/>
+          <a:endParaRPr lang="ru-RU" sz="1900" b="0" kern="1200" dirty="0"/>
         </a:p>
       </dsp:txBody>
       <dsp:txXfrm>
@@ -3750,10 +5565,10 @@
             <a:buNone/>
           </a:pPr>
           <a:r>
-            <a:rPr lang="ro-RO" sz="1900" b="1" kern="1200" dirty="0"/>
+            <a:rPr lang="ro-RO" sz="1900" b="0" kern="1200" dirty="0"/>
             <a:t>De atribuire</a:t>
           </a:r>
-          <a:endParaRPr lang="ru-RU" sz="1900" b="1" kern="1200" dirty="0"/>
+          <a:endParaRPr lang="ru-RU" sz="1900" b="0" kern="1200" dirty="0"/>
         </a:p>
       </dsp:txBody>
       <dsp:txXfrm>
@@ -3876,10 +5691,10 @@
             <a:buNone/>
           </a:pPr>
           <a:r>
-            <a:rPr lang="ro-RO" sz="1900" b="1" kern="1200" dirty="0"/>
+            <a:rPr lang="ro-RO" sz="1900" b="0" kern="1200" dirty="0"/>
             <a:t>De comparare</a:t>
           </a:r>
-          <a:endParaRPr lang="ru-RU" sz="1900" b="1" kern="1200" dirty="0"/>
+          <a:endParaRPr lang="ru-RU" sz="1900" b="0" kern="1200" dirty="0"/>
         </a:p>
       </dsp:txBody>
       <dsp:txXfrm>
@@ -4002,10 +5817,10 @@
             <a:buNone/>
           </a:pPr>
           <a:r>
-            <a:rPr lang="ro-RO" sz="1900" b="1" kern="1200" dirty="0"/>
+            <a:rPr lang="ro-RO" sz="1900" b="0" kern="1200" dirty="0"/>
             <a:t>Logici</a:t>
           </a:r>
-          <a:endParaRPr lang="ru-RU" sz="1900" b="1" kern="1200" dirty="0"/>
+          <a:endParaRPr lang="ru-RU" sz="1900" b="0" kern="1200" dirty="0"/>
         </a:p>
       </dsp:txBody>
       <dsp:txXfrm>
@@ -4128,417 +5943,15 @@
             <a:buNone/>
           </a:pPr>
           <a:r>
-            <a:rPr lang="ro-RO" sz="1900" b="1" kern="1200" dirty="0"/>
+            <a:rPr lang="ro-RO" sz="1900" b="0" kern="1200" dirty="0"/>
             <a:t>De apartenență</a:t>
           </a:r>
-          <a:endParaRPr lang="ru-RU" sz="1900" b="1" kern="1200" dirty="0"/>
+          <a:endParaRPr lang="ru-RU" sz="1900" b="0" kern="1200" dirty="0"/>
         </a:p>
       </dsp:txBody>
       <dsp:txXfrm>
         <a:off x="379618" y="3511666"/>
         <a:ext cx="4876581" cy="506120"/>
-      </dsp:txXfrm>
-    </dsp:sp>
-  </dsp:spTree>
-</dsp:drawing>
-</file>
-
-<file path=ppt/diagrams/drawing2.xml><?xml version="1.0" encoding="utf-8"?>
-<dsp:drawing xmlns:dgm="http://schemas.openxmlformats.org/drawingml/2006/diagram" xmlns:dsp="http://schemas.microsoft.com/office/drawing/2008/diagram" xmlns:a="http://schemas.openxmlformats.org/drawingml/2006/main">
-  <dsp:spTree>
-    <dsp:nvGrpSpPr>
-      <dsp:cNvPr id="0" name=""/>
-      <dsp:cNvGrpSpPr/>
-    </dsp:nvGrpSpPr>
-    <dsp:grpSpPr/>
-    <dsp:sp modelId="{6237B6D6-8536-4491-9026-E73BF2679FB7}">
-      <dsp:nvSpPr>
-        <dsp:cNvPr id="0" name=""/>
-        <dsp:cNvSpPr/>
-      </dsp:nvSpPr>
-      <dsp:spPr>
-        <a:xfrm>
-          <a:off x="0" y="19201"/>
-          <a:ext cx="5409371" cy="655200"/>
-        </a:xfrm>
-        <a:prstGeom prst="roundRect">
-          <a:avLst/>
-        </a:prstGeom>
-        <a:solidFill>
-          <a:schemeClr val="accent1">
-            <a:hueOff val="0"/>
-            <a:satOff val="0"/>
-            <a:lumOff val="0"/>
-            <a:alphaOff val="0"/>
-          </a:schemeClr>
-        </a:solidFill>
-        <a:ln w="15875" cap="rnd" cmpd="sng" algn="ctr">
-          <a:solidFill>
-            <a:schemeClr val="lt1">
-              <a:hueOff val="0"/>
-              <a:satOff val="0"/>
-              <a:lumOff val="0"/>
-              <a:alphaOff val="0"/>
-            </a:schemeClr>
-          </a:solidFill>
-          <a:prstDash val="solid"/>
-        </a:ln>
-        <a:effectLst/>
-      </dsp:spPr>
-      <dsp:style>
-        <a:lnRef idx="2">
-          <a:scrgbClr r="0" g="0" b="0"/>
-        </a:lnRef>
-        <a:fillRef idx="1">
-          <a:scrgbClr r="0" g="0" b="0"/>
-        </a:fillRef>
-        <a:effectRef idx="0">
-          <a:scrgbClr r="0" g="0" b="0"/>
-        </a:effectRef>
-        <a:fontRef idx="minor">
-          <a:schemeClr val="lt1"/>
-        </a:fontRef>
-      </dsp:style>
-      <dsp:txBody>
-        <a:bodyPr spcFirstLastPara="0" vert="horz" wrap="square" lIns="106680" tIns="106680" rIns="106680" bIns="106680" numCol="1" spcCol="1270" anchor="ctr" anchorCtr="0">
-          <a:noAutofit/>
-        </a:bodyPr>
-        <a:lstStyle/>
-        <a:p>
-          <a:pPr marL="0" lvl="0" indent="0" algn="l" defTabSz="1244600">
-            <a:lnSpc>
-              <a:spcPct val="90000"/>
-            </a:lnSpc>
-            <a:spcBef>
-              <a:spcPct val="0"/>
-            </a:spcBef>
-            <a:spcAft>
-              <a:spcPct val="35000"/>
-            </a:spcAft>
-            <a:buNone/>
-          </a:pPr>
-          <a:r>
-            <a:rPr lang="ro-RO" sz="2800" kern="1200" dirty="0"/>
-            <a:t>Tip de dte numere</a:t>
-          </a:r>
-          <a:endParaRPr lang="ru-RU" sz="2800" kern="1200" dirty="0"/>
-        </a:p>
-      </dsp:txBody>
-      <dsp:txXfrm>
-        <a:off x="31984" y="51185"/>
-        <a:ext cx="5345403" cy="591232"/>
-      </dsp:txXfrm>
-    </dsp:sp>
-    <dsp:sp modelId="{E798A1D0-BBC0-42FD-9DA7-D692D5EFF728}">
-      <dsp:nvSpPr>
-        <dsp:cNvPr id="0" name=""/>
-        <dsp:cNvSpPr/>
-      </dsp:nvSpPr>
-      <dsp:spPr>
-        <a:xfrm>
-          <a:off x="0" y="755041"/>
-          <a:ext cx="5409371" cy="655200"/>
-        </a:xfrm>
-        <a:prstGeom prst="roundRect">
-          <a:avLst/>
-        </a:prstGeom>
-        <a:solidFill>
-          <a:schemeClr val="accent1">
-            <a:hueOff val="0"/>
-            <a:satOff val="0"/>
-            <a:lumOff val="0"/>
-            <a:alphaOff val="0"/>
-          </a:schemeClr>
-        </a:solidFill>
-        <a:ln w="15875" cap="rnd" cmpd="sng" algn="ctr">
-          <a:solidFill>
-            <a:schemeClr val="lt1">
-              <a:hueOff val="0"/>
-              <a:satOff val="0"/>
-              <a:lumOff val="0"/>
-              <a:alphaOff val="0"/>
-            </a:schemeClr>
-          </a:solidFill>
-          <a:prstDash val="solid"/>
-        </a:ln>
-        <a:effectLst/>
-      </dsp:spPr>
-      <dsp:style>
-        <a:lnRef idx="2">
-          <a:scrgbClr r="0" g="0" b="0"/>
-        </a:lnRef>
-        <a:fillRef idx="1">
-          <a:scrgbClr r="0" g="0" b="0"/>
-        </a:fillRef>
-        <a:effectRef idx="0">
-          <a:scrgbClr r="0" g="0" b="0"/>
-        </a:effectRef>
-        <a:fontRef idx="minor">
-          <a:schemeClr val="lt1"/>
-        </a:fontRef>
-      </dsp:style>
-      <dsp:txBody>
-        <a:bodyPr spcFirstLastPara="0" vert="horz" wrap="square" lIns="106680" tIns="106680" rIns="106680" bIns="106680" numCol="1" spcCol="1270" anchor="ctr" anchorCtr="0">
-          <a:noAutofit/>
-        </a:bodyPr>
-        <a:lstStyle/>
-        <a:p>
-          <a:pPr marL="0" lvl="0" indent="0" algn="l" defTabSz="1244600">
-            <a:lnSpc>
-              <a:spcPct val="90000"/>
-            </a:lnSpc>
-            <a:spcBef>
-              <a:spcPct val="0"/>
-            </a:spcBef>
-            <a:spcAft>
-              <a:spcPct val="35000"/>
-            </a:spcAft>
-            <a:buNone/>
-          </a:pPr>
-          <a:r>
-            <a:rPr lang="ro-RO" sz="2800" kern="1200" dirty="0"/>
-            <a:t>Tip de date boolean</a:t>
-          </a:r>
-          <a:endParaRPr lang="ru-RU" sz="2800" kern="1200" dirty="0"/>
-        </a:p>
-      </dsp:txBody>
-      <dsp:txXfrm>
-        <a:off x="31984" y="787025"/>
-        <a:ext cx="5345403" cy="591232"/>
-      </dsp:txXfrm>
-    </dsp:sp>
-    <dsp:sp modelId="{56482E4D-7174-4258-B1D6-AB6EC4B0B338}">
-      <dsp:nvSpPr>
-        <dsp:cNvPr id="0" name=""/>
-        <dsp:cNvSpPr/>
-      </dsp:nvSpPr>
-      <dsp:spPr>
-        <a:xfrm>
-          <a:off x="0" y="1490881"/>
-          <a:ext cx="5409371" cy="655200"/>
-        </a:xfrm>
-        <a:prstGeom prst="roundRect">
-          <a:avLst/>
-        </a:prstGeom>
-        <a:solidFill>
-          <a:schemeClr val="accent1">
-            <a:hueOff val="0"/>
-            <a:satOff val="0"/>
-            <a:lumOff val="0"/>
-            <a:alphaOff val="0"/>
-          </a:schemeClr>
-        </a:solidFill>
-        <a:ln w="15875" cap="rnd" cmpd="sng" algn="ctr">
-          <a:solidFill>
-            <a:schemeClr val="lt1">
-              <a:hueOff val="0"/>
-              <a:satOff val="0"/>
-              <a:lumOff val="0"/>
-              <a:alphaOff val="0"/>
-            </a:schemeClr>
-          </a:solidFill>
-          <a:prstDash val="solid"/>
-        </a:ln>
-        <a:effectLst/>
-      </dsp:spPr>
-      <dsp:style>
-        <a:lnRef idx="2">
-          <a:scrgbClr r="0" g="0" b="0"/>
-        </a:lnRef>
-        <a:fillRef idx="1">
-          <a:scrgbClr r="0" g="0" b="0"/>
-        </a:fillRef>
-        <a:effectRef idx="0">
-          <a:scrgbClr r="0" g="0" b="0"/>
-        </a:effectRef>
-        <a:fontRef idx="minor">
-          <a:schemeClr val="lt1"/>
-        </a:fontRef>
-      </dsp:style>
-      <dsp:txBody>
-        <a:bodyPr spcFirstLastPara="0" vert="horz" wrap="square" lIns="106680" tIns="106680" rIns="106680" bIns="106680" numCol="1" spcCol="1270" anchor="ctr" anchorCtr="0">
-          <a:noAutofit/>
-        </a:bodyPr>
-        <a:lstStyle/>
-        <a:p>
-          <a:pPr marL="0" lvl="0" indent="0" algn="l" defTabSz="1244600">
-            <a:lnSpc>
-              <a:spcPct val="90000"/>
-            </a:lnSpc>
-            <a:spcBef>
-              <a:spcPct val="0"/>
-            </a:spcBef>
-            <a:spcAft>
-              <a:spcPct val="35000"/>
-            </a:spcAft>
-            <a:buNone/>
-          </a:pPr>
-          <a:r>
-            <a:rPr lang="ro-RO" sz="2800" kern="1200" dirty="0"/>
-            <a:t>Tip de date șir de caractere</a:t>
-          </a:r>
-          <a:endParaRPr lang="ru-RU" sz="2800" kern="1200" dirty="0"/>
-        </a:p>
-      </dsp:txBody>
-      <dsp:txXfrm>
-        <a:off x="31984" y="1522865"/>
-        <a:ext cx="5345403" cy="591232"/>
-      </dsp:txXfrm>
-    </dsp:sp>
-    <dsp:sp modelId="{441D8B3E-21DC-4549-A19D-AC0C11D6292F}">
-      <dsp:nvSpPr>
-        <dsp:cNvPr id="0" name=""/>
-        <dsp:cNvSpPr/>
-      </dsp:nvSpPr>
-      <dsp:spPr>
-        <a:xfrm>
-          <a:off x="0" y="2226721"/>
-          <a:ext cx="5409371" cy="655200"/>
-        </a:xfrm>
-        <a:prstGeom prst="roundRect">
-          <a:avLst/>
-        </a:prstGeom>
-        <a:solidFill>
-          <a:schemeClr val="accent1">
-            <a:hueOff val="0"/>
-            <a:satOff val="0"/>
-            <a:lumOff val="0"/>
-            <a:alphaOff val="0"/>
-          </a:schemeClr>
-        </a:solidFill>
-        <a:ln w="15875" cap="rnd" cmpd="sng" algn="ctr">
-          <a:solidFill>
-            <a:schemeClr val="lt1">
-              <a:hueOff val="0"/>
-              <a:satOff val="0"/>
-              <a:lumOff val="0"/>
-              <a:alphaOff val="0"/>
-            </a:schemeClr>
-          </a:solidFill>
-          <a:prstDash val="solid"/>
-        </a:ln>
-        <a:effectLst/>
-      </dsp:spPr>
-      <dsp:style>
-        <a:lnRef idx="2">
-          <a:scrgbClr r="0" g="0" b="0"/>
-        </a:lnRef>
-        <a:fillRef idx="1">
-          <a:scrgbClr r="0" g="0" b="0"/>
-        </a:fillRef>
-        <a:effectRef idx="0">
-          <a:scrgbClr r="0" g="0" b="0"/>
-        </a:effectRef>
-        <a:fontRef idx="minor">
-          <a:schemeClr val="lt1"/>
-        </a:fontRef>
-      </dsp:style>
-      <dsp:txBody>
-        <a:bodyPr spcFirstLastPara="0" vert="horz" wrap="square" lIns="106680" tIns="106680" rIns="106680" bIns="106680" numCol="1" spcCol="1270" anchor="ctr" anchorCtr="0">
-          <a:noAutofit/>
-        </a:bodyPr>
-        <a:lstStyle/>
-        <a:p>
-          <a:pPr marL="0" lvl="0" indent="0" algn="l" defTabSz="1244600">
-            <a:lnSpc>
-              <a:spcPct val="90000"/>
-            </a:lnSpc>
-            <a:spcBef>
-              <a:spcPct val="0"/>
-            </a:spcBef>
-            <a:spcAft>
-              <a:spcPct val="35000"/>
-            </a:spcAft>
-            <a:buNone/>
-          </a:pPr>
-          <a:r>
-            <a:rPr lang="ro-RO" sz="2800" kern="1200" dirty="0"/>
-            <a:t>Liste(Vectori)</a:t>
-          </a:r>
-          <a:endParaRPr lang="ru-RU" sz="2800" kern="1200" dirty="0"/>
-        </a:p>
-      </dsp:txBody>
-      <dsp:txXfrm>
-        <a:off x="31984" y="2258705"/>
-        <a:ext cx="5345403" cy="591232"/>
-      </dsp:txXfrm>
-    </dsp:sp>
-    <dsp:sp modelId="{8ABDE74B-967D-4EBB-B0A3-D0278A1822EB}">
-      <dsp:nvSpPr>
-        <dsp:cNvPr id="0" name=""/>
-        <dsp:cNvSpPr/>
-      </dsp:nvSpPr>
-      <dsp:spPr>
-        <a:xfrm>
-          <a:off x="0" y="2962561"/>
-          <a:ext cx="5409371" cy="655200"/>
-        </a:xfrm>
-        <a:prstGeom prst="roundRect">
-          <a:avLst/>
-        </a:prstGeom>
-        <a:solidFill>
-          <a:schemeClr val="accent1">
-            <a:hueOff val="0"/>
-            <a:satOff val="0"/>
-            <a:lumOff val="0"/>
-            <a:alphaOff val="0"/>
-          </a:schemeClr>
-        </a:solidFill>
-        <a:ln w="15875" cap="rnd" cmpd="sng" algn="ctr">
-          <a:solidFill>
-            <a:schemeClr val="lt1">
-              <a:hueOff val="0"/>
-              <a:satOff val="0"/>
-              <a:lumOff val="0"/>
-              <a:alphaOff val="0"/>
-            </a:schemeClr>
-          </a:solidFill>
-          <a:prstDash val="solid"/>
-        </a:ln>
-        <a:effectLst/>
-      </dsp:spPr>
-      <dsp:style>
-        <a:lnRef idx="2">
-          <a:scrgbClr r="0" g="0" b="0"/>
-        </a:lnRef>
-        <a:fillRef idx="1">
-          <a:scrgbClr r="0" g="0" b="0"/>
-        </a:fillRef>
-        <a:effectRef idx="0">
-          <a:scrgbClr r="0" g="0" b="0"/>
-        </a:effectRef>
-        <a:fontRef idx="minor">
-          <a:schemeClr val="lt1"/>
-        </a:fontRef>
-      </dsp:style>
-      <dsp:txBody>
-        <a:bodyPr spcFirstLastPara="0" vert="horz" wrap="square" lIns="106680" tIns="106680" rIns="106680" bIns="106680" numCol="1" spcCol="1270" anchor="ctr" anchorCtr="0">
-          <a:noAutofit/>
-        </a:bodyPr>
-        <a:lstStyle/>
-        <a:p>
-          <a:pPr marL="0" lvl="0" indent="0" algn="l" defTabSz="1244600">
-            <a:lnSpc>
-              <a:spcPct val="90000"/>
-            </a:lnSpc>
-            <a:spcBef>
-              <a:spcPct val="0"/>
-            </a:spcBef>
-            <a:spcAft>
-              <a:spcPct val="35000"/>
-            </a:spcAft>
-            <a:buNone/>
-          </a:pPr>
-          <a:r>
-            <a:rPr lang="ro-RO" sz="2800" kern="1200" dirty="0"/>
-            <a:t>Dicționare</a:t>
-          </a:r>
-          <a:endParaRPr lang="ru-RU" sz="2800" kern="1200" dirty="0"/>
-        </a:p>
-      </dsp:txBody>
-      <dsp:txXfrm>
-        <a:off x="31984" y="2994545"/>
-        <a:ext cx="5345403" cy="591232"/>
       </dsp:txXfrm>
     </dsp:sp>
   </dsp:spTree>
@@ -5526,7 +6939,1194 @@
 </dsp:drawing>
 </file>
 
+<file path=ppt/diagrams/drawing4.xml><?xml version="1.0" encoding="utf-8"?>
+<dsp:drawing xmlns:dgm="http://schemas.openxmlformats.org/drawingml/2006/diagram" xmlns:dsp="http://schemas.microsoft.com/office/drawing/2008/diagram" xmlns:a="http://schemas.openxmlformats.org/drawingml/2006/main">
+  <dsp:spTree>
+    <dsp:nvGrpSpPr>
+      <dsp:cNvPr id="0" name=""/>
+      <dsp:cNvGrpSpPr/>
+    </dsp:nvGrpSpPr>
+    <dsp:grpSpPr/>
+    <dsp:sp modelId="{8C55B7B8-11CB-4B58-A099-B342BDA3E5D9}">
+      <dsp:nvSpPr>
+        <dsp:cNvPr id="0" name=""/>
+        <dsp:cNvSpPr/>
+      </dsp:nvSpPr>
+      <dsp:spPr>
+        <a:xfrm>
+          <a:off x="0" y="230532"/>
+          <a:ext cx="5655881" cy="327600"/>
+        </a:xfrm>
+        <a:prstGeom prst="rect">
+          <a:avLst/>
+        </a:prstGeom>
+        <a:solidFill>
+          <a:schemeClr val="lt1">
+            <a:alpha val="90000"/>
+            <a:hueOff val="0"/>
+            <a:satOff val="0"/>
+            <a:lumOff val="0"/>
+            <a:alphaOff val="0"/>
+          </a:schemeClr>
+        </a:solidFill>
+        <a:ln w="15875" cap="rnd" cmpd="sng" algn="ctr">
+          <a:solidFill>
+            <a:schemeClr val="accent1">
+              <a:hueOff val="0"/>
+              <a:satOff val="0"/>
+              <a:lumOff val="0"/>
+              <a:alphaOff val="0"/>
+            </a:schemeClr>
+          </a:solidFill>
+          <a:prstDash val="solid"/>
+        </a:ln>
+        <a:effectLst/>
+      </dsp:spPr>
+      <dsp:style>
+        <a:lnRef idx="2">
+          <a:scrgbClr r="0" g="0" b="0"/>
+        </a:lnRef>
+        <a:fillRef idx="1">
+          <a:scrgbClr r="0" g="0" b="0"/>
+        </a:fillRef>
+        <a:effectRef idx="0">
+          <a:scrgbClr r="0" g="0" b="0"/>
+        </a:effectRef>
+        <a:fontRef idx="minor"/>
+      </dsp:style>
+    </dsp:sp>
+    <dsp:sp modelId="{EB657ECB-38A6-4479-A4F7-3F01C3A97120}">
+      <dsp:nvSpPr>
+        <dsp:cNvPr id="0" name=""/>
+        <dsp:cNvSpPr/>
+      </dsp:nvSpPr>
+      <dsp:spPr>
+        <a:xfrm>
+          <a:off x="282794" y="38652"/>
+          <a:ext cx="3959116" cy="383760"/>
+        </a:xfrm>
+        <a:prstGeom prst="roundRect">
+          <a:avLst/>
+        </a:prstGeom>
+        <a:solidFill>
+          <a:schemeClr val="accent1">
+            <a:hueOff val="0"/>
+            <a:satOff val="0"/>
+            <a:lumOff val="0"/>
+            <a:alphaOff val="0"/>
+          </a:schemeClr>
+        </a:solidFill>
+        <a:ln w="15875" cap="rnd" cmpd="sng" algn="ctr">
+          <a:solidFill>
+            <a:schemeClr val="lt1">
+              <a:hueOff val="0"/>
+              <a:satOff val="0"/>
+              <a:lumOff val="0"/>
+              <a:alphaOff val="0"/>
+            </a:schemeClr>
+          </a:solidFill>
+          <a:prstDash val="solid"/>
+        </a:ln>
+        <a:effectLst/>
+      </dsp:spPr>
+      <dsp:style>
+        <a:lnRef idx="2">
+          <a:scrgbClr r="0" g="0" b="0"/>
+        </a:lnRef>
+        <a:fillRef idx="1">
+          <a:scrgbClr r="0" g="0" b="0"/>
+        </a:fillRef>
+        <a:effectRef idx="0">
+          <a:scrgbClr r="0" g="0" b="0"/>
+        </a:effectRef>
+        <a:fontRef idx="minor">
+          <a:schemeClr val="lt1"/>
+        </a:fontRef>
+      </dsp:style>
+      <dsp:txBody>
+        <a:bodyPr spcFirstLastPara="0" vert="horz" wrap="square" lIns="149645" tIns="0" rIns="149645" bIns="0" numCol="1" spcCol="1270" anchor="ctr" anchorCtr="0">
+          <a:noAutofit/>
+        </a:bodyPr>
+        <a:lstStyle/>
+        <a:p>
+          <a:pPr marL="0" lvl="0" indent="0" algn="l" defTabSz="1066800">
+            <a:lnSpc>
+              <a:spcPct val="90000"/>
+            </a:lnSpc>
+            <a:spcBef>
+              <a:spcPct val="0"/>
+            </a:spcBef>
+            <a:spcAft>
+              <a:spcPct val="35000"/>
+            </a:spcAft>
+            <a:buNone/>
+          </a:pPr>
+          <a:r>
+            <a:rPr lang="ro-RO" sz="2400" b="0" kern="1200"/>
+            <a:t>Știința datelor</a:t>
+          </a:r>
+          <a:endParaRPr lang="ru-RU" sz="2400" b="0" kern="1200"/>
+        </a:p>
+      </dsp:txBody>
+      <dsp:txXfrm>
+        <a:off x="301528" y="57386"/>
+        <a:ext cx="3921648" cy="346292"/>
+      </dsp:txXfrm>
+    </dsp:sp>
+    <dsp:sp modelId="{BF750CF5-B02D-4C89-9755-E091F6FB2FA9}">
+      <dsp:nvSpPr>
+        <dsp:cNvPr id="0" name=""/>
+        <dsp:cNvSpPr/>
+      </dsp:nvSpPr>
+      <dsp:spPr>
+        <a:xfrm>
+          <a:off x="0" y="820212"/>
+          <a:ext cx="5655881" cy="327600"/>
+        </a:xfrm>
+        <a:prstGeom prst="rect">
+          <a:avLst/>
+        </a:prstGeom>
+        <a:solidFill>
+          <a:schemeClr val="lt1">
+            <a:alpha val="90000"/>
+            <a:hueOff val="0"/>
+            <a:satOff val="0"/>
+            <a:lumOff val="0"/>
+            <a:alphaOff val="0"/>
+          </a:schemeClr>
+        </a:solidFill>
+        <a:ln w="15875" cap="rnd" cmpd="sng" algn="ctr">
+          <a:solidFill>
+            <a:schemeClr val="accent1">
+              <a:hueOff val="0"/>
+              <a:satOff val="0"/>
+              <a:lumOff val="0"/>
+              <a:alphaOff val="0"/>
+            </a:schemeClr>
+          </a:solidFill>
+          <a:prstDash val="solid"/>
+        </a:ln>
+        <a:effectLst/>
+      </dsp:spPr>
+      <dsp:style>
+        <a:lnRef idx="2">
+          <a:scrgbClr r="0" g="0" b="0"/>
+        </a:lnRef>
+        <a:fillRef idx="1">
+          <a:scrgbClr r="0" g="0" b="0"/>
+        </a:fillRef>
+        <a:effectRef idx="0">
+          <a:scrgbClr r="0" g="0" b="0"/>
+        </a:effectRef>
+        <a:fontRef idx="minor"/>
+      </dsp:style>
+    </dsp:sp>
+    <dsp:sp modelId="{4F822618-BCC5-4556-8B32-E54703466214}">
+      <dsp:nvSpPr>
+        <dsp:cNvPr id="0" name=""/>
+        <dsp:cNvSpPr/>
+      </dsp:nvSpPr>
+      <dsp:spPr>
+        <a:xfrm>
+          <a:off x="282794" y="628332"/>
+          <a:ext cx="3959116" cy="383760"/>
+        </a:xfrm>
+        <a:prstGeom prst="roundRect">
+          <a:avLst/>
+        </a:prstGeom>
+        <a:solidFill>
+          <a:schemeClr val="accent1">
+            <a:hueOff val="0"/>
+            <a:satOff val="0"/>
+            <a:lumOff val="0"/>
+            <a:alphaOff val="0"/>
+          </a:schemeClr>
+        </a:solidFill>
+        <a:ln w="15875" cap="rnd" cmpd="sng" algn="ctr">
+          <a:solidFill>
+            <a:schemeClr val="lt1">
+              <a:hueOff val="0"/>
+              <a:satOff val="0"/>
+              <a:lumOff val="0"/>
+              <a:alphaOff val="0"/>
+            </a:schemeClr>
+          </a:solidFill>
+          <a:prstDash val="solid"/>
+        </a:ln>
+        <a:effectLst/>
+      </dsp:spPr>
+      <dsp:style>
+        <a:lnRef idx="2">
+          <a:scrgbClr r="0" g="0" b="0"/>
+        </a:lnRef>
+        <a:fillRef idx="1">
+          <a:scrgbClr r="0" g="0" b="0"/>
+        </a:fillRef>
+        <a:effectRef idx="0">
+          <a:scrgbClr r="0" g="0" b="0"/>
+        </a:effectRef>
+        <a:fontRef idx="minor">
+          <a:schemeClr val="lt1"/>
+        </a:fontRef>
+      </dsp:style>
+      <dsp:txBody>
+        <a:bodyPr spcFirstLastPara="0" vert="horz" wrap="square" lIns="149645" tIns="0" rIns="149645" bIns="0" numCol="1" spcCol="1270" anchor="ctr" anchorCtr="0">
+          <a:noAutofit/>
+        </a:bodyPr>
+        <a:lstStyle/>
+        <a:p>
+          <a:pPr marL="0" lvl="0" indent="0" algn="l" defTabSz="1066800">
+            <a:lnSpc>
+              <a:spcPct val="90000"/>
+            </a:lnSpc>
+            <a:spcBef>
+              <a:spcPct val="0"/>
+            </a:spcBef>
+            <a:spcAft>
+              <a:spcPct val="35000"/>
+            </a:spcAft>
+            <a:buNone/>
+          </a:pPr>
+          <a:r>
+            <a:rPr lang="ro-RO" sz="2400" b="0" kern="1200" dirty="0"/>
+            <a:t>Învățarea autonomă</a:t>
+          </a:r>
+          <a:endParaRPr lang="ru-RU" sz="2400" b="0" kern="1200" dirty="0"/>
+        </a:p>
+      </dsp:txBody>
+      <dsp:txXfrm>
+        <a:off x="301528" y="647066"/>
+        <a:ext cx="3921648" cy="346292"/>
+      </dsp:txXfrm>
+    </dsp:sp>
+    <dsp:sp modelId="{F42671B2-F4AF-4094-A3BC-E35156A7781F}">
+      <dsp:nvSpPr>
+        <dsp:cNvPr id="0" name=""/>
+        <dsp:cNvSpPr/>
+      </dsp:nvSpPr>
+      <dsp:spPr>
+        <a:xfrm>
+          <a:off x="0" y="1409892"/>
+          <a:ext cx="5655881" cy="327600"/>
+        </a:xfrm>
+        <a:prstGeom prst="rect">
+          <a:avLst/>
+        </a:prstGeom>
+        <a:solidFill>
+          <a:schemeClr val="lt1">
+            <a:alpha val="90000"/>
+            <a:hueOff val="0"/>
+            <a:satOff val="0"/>
+            <a:lumOff val="0"/>
+            <a:alphaOff val="0"/>
+          </a:schemeClr>
+        </a:solidFill>
+        <a:ln w="15875" cap="rnd" cmpd="sng" algn="ctr">
+          <a:solidFill>
+            <a:schemeClr val="accent1">
+              <a:hueOff val="0"/>
+              <a:satOff val="0"/>
+              <a:lumOff val="0"/>
+              <a:alphaOff val="0"/>
+            </a:schemeClr>
+          </a:solidFill>
+          <a:prstDash val="solid"/>
+        </a:ln>
+        <a:effectLst/>
+      </dsp:spPr>
+      <dsp:style>
+        <a:lnRef idx="2">
+          <a:scrgbClr r="0" g="0" b="0"/>
+        </a:lnRef>
+        <a:fillRef idx="1">
+          <a:scrgbClr r="0" g="0" b="0"/>
+        </a:fillRef>
+        <a:effectRef idx="0">
+          <a:scrgbClr r="0" g="0" b="0"/>
+        </a:effectRef>
+        <a:fontRef idx="minor"/>
+      </dsp:style>
+    </dsp:sp>
+    <dsp:sp modelId="{2B410752-7BC1-4BA4-85A9-7B0637E963F9}">
+      <dsp:nvSpPr>
+        <dsp:cNvPr id="0" name=""/>
+        <dsp:cNvSpPr/>
+      </dsp:nvSpPr>
+      <dsp:spPr>
+        <a:xfrm>
+          <a:off x="282794" y="1218012"/>
+          <a:ext cx="3959116" cy="383760"/>
+        </a:xfrm>
+        <a:prstGeom prst="roundRect">
+          <a:avLst/>
+        </a:prstGeom>
+        <a:solidFill>
+          <a:schemeClr val="accent1">
+            <a:hueOff val="0"/>
+            <a:satOff val="0"/>
+            <a:lumOff val="0"/>
+            <a:alphaOff val="0"/>
+          </a:schemeClr>
+        </a:solidFill>
+        <a:ln w="15875" cap="rnd" cmpd="sng" algn="ctr">
+          <a:solidFill>
+            <a:schemeClr val="lt1">
+              <a:hueOff val="0"/>
+              <a:satOff val="0"/>
+              <a:lumOff val="0"/>
+              <a:alphaOff val="0"/>
+            </a:schemeClr>
+          </a:solidFill>
+          <a:prstDash val="solid"/>
+        </a:ln>
+        <a:effectLst/>
+      </dsp:spPr>
+      <dsp:style>
+        <a:lnRef idx="2">
+          <a:scrgbClr r="0" g="0" b="0"/>
+        </a:lnRef>
+        <a:fillRef idx="1">
+          <a:scrgbClr r="0" g="0" b="0"/>
+        </a:fillRef>
+        <a:effectRef idx="0">
+          <a:scrgbClr r="0" g="0" b="0"/>
+        </a:effectRef>
+        <a:fontRef idx="minor">
+          <a:schemeClr val="lt1"/>
+        </a:fontRef>
+      </dsp:style>
+      <dsp:txBody>
+        <a:bodyPr spcFirstLastPara="0" vert="horz" wrap="square" lIns="149645" tIns="0" rIns="149645" bIns="0" numCol="1" spcCol="1270" anchor="ctr" anchorCtr="0">
+          <a:noAutofit/>
+        </a:bodyPr>
+        <a:lstStyle/>
+        <a:p>
+          <a:pPr marL="0" lvl="0" indent="0" algn="l" defTabSz="1066800">
+            <a:lnSpc>
+              <a:spcPct val="90000"/>
+            </a:lnSpc>
+            <a:spcBef>
+              <a:spcPct val="0"/>
+            </a:spcBef>
+            <a:spcAft>
+              <a:spcPct val="35000"/>
+            </a:spcAft>
+            <a:buNone/>
+          </a:pPr>
+          <a:r>
+            <a:rPr lang="ro-RO" sz="2400" b="0" kern="1200" dirty="0"/>
+            <a:t>Dezvoltarea web</a:t>
+          </a:r>
+          <a:endParaRPr lang="ru-RU" sz="2400" b="0" kern="1200" dirty="0"/>
+        </a:p>
+      </dsp:txBody>
+      <dsp:txXfrm>
+        <a:off x="301528" y="1236746"/>
+        <a:ext cx="3921648" cy="346292"/>
+      </dsp:txXfrm>
+    </dsp:sp>
+    <dsp:sp modelId="{C53FB2BC-54B8-4EEF-926F-82AB89D64EB7}">
+      <dsp:nvSpPr>
+        <dsp:cNvPr id="0" name=""/>
+        <dsp:cNvSpPr/>
+      </dsp:nvSpPr>
+      <dsp:spPr>
+        <a:xfrm>
+          <a:off x="0" y="1999572"/>
+          <a:ext cx="5655881" cy="327600"/>
+        </a:xfrm>
+        <a:prstGeom prst="rect">
+          <a:avLst/>
+        </a:prstGeom>
+        <a:solidFill>
+          <a:schemeClr val="lt1">
+            <a:alpha val="90000"/>
+            <a:hueOff val="0"/>
+            <a:satOff val="0"/>
+            <a:lumOff val="0"/>
+            <a:alphaOff val="0"/>
+          </a:schemeClr>
+        </a:solidFill>
+        <a:ln w="15875" cap="rnd" cmpd="sng" algn="ctr">
+          <a:solidFill>
+            <a:schemeClr val="accent1">
+              <a:hueOff val="0"/>
+              <a:satOff val="0"/>
+              <a:lumOff val="0"/>
+              <a:alphaOff val="0"/>
+            </a:schemeClr>
+          </a:solidFill>
+          <a:prstDash val="solid"/>
+        </a:ln>
+        <a:effectLst/>
+      </dsp:spPr>
+      <dsp:style>
+        <a:lnRef idx="2">
+          <a:scrgbClr r="0" g="0" b="0"/>
+        </a:lnRef>
+        <a:fillRef idx="1">
+          <a:scrgbClr r="0" g="0" b="0"/>
+        </a:fillRef>
+        <a:effectRef idx="0">
+          <a:scrgbClr r="0" g="0" b="0"/>
+        </a:effectRef>
+        <a:fontRef idx="minor"/>
+      </dsp:style>
+    </dsp:sp>
+    <dsp:sp modelId="{33A56AC6-B8FB-45A7-9D54-D6166BE98BCD}">
+      <dsp:nvSpPr>
+        <dsp:cNvPr id="0" name=""/>
+        <dsp:cNvSpPr/>
+      </dsp:nvSpPr>
+      <dsp:spPr>
+        <a:xfrm>
+          <a:off x="282794" y="1807692"/>
+          <a:ext cx="3959116" cy="383760"/>
+        </a:xfrm>
+        <a:prstGeom prst="roundRect">
+          <a:avLst/>
+        </a:prstGeom>
+        <a:solidFill>
+          <a:schemeClr val="accent1">
+            <a:hueOff val="0"/>
+            <a:satOff val="0"/>
+            <a:lumOff val="0"/>
+            <a:alphaOff val="0"/>
+          </a:schemeClr>
+        </a:solidFill>
+        <a:ln w="15875" cap="rnd" cmpd="sng" algn="ctr">
+          <a:solidFill>
+            <a:schemeClr val="lt1">
+              <a:hueOff val="0"/>
+              <a:satOff val="0"/>
+              <a:lumOff val="0"/>
+              <a:alphaOff val="0"/>
+            </a:schemeClr>
+          </a:solidFill>
+          <a:prstDash val="solid"/>
+        </a:ln>
+        <a:effectLst/>
+      </dsp:spPr>
+      <dsp:style>
+        <a:lnRef idx="2">
+          <a:scrgbClr r="0" g="0" b="0"/>
+        </a:lnRef>
+        <a:fillRef idx="1">
+          <a:scrgbClr r="0" g="0" b="0"/>
+        </a:fillRef>
+        <a:effectRef idx="0">
+          <a:scrgbClr r="0" g="0" b="0"/>
+        </a:effectRef>
+        <a:fontRef idx="minor">
+          <a:schemeClr val="lt1"/>
+        </a:fontRef>
+      </dsp:style>
+      <dsp:txBody>
+        <a:bodyPr spcFirstLastPara="0" vert="horz" wrap="square" lIns="149645" tIns="0" rIns="149645" bIns="0" numCol="1" spcCol="1270" anchor="ctr" anchorCtr="0">
+          <a:noAutofit/>
+        </a:bodyPr>
+        <a:lstStyle/>
+        <a:p>
+          <a:pPr marL="0" lvl="0" indent="0" algn="l" defTabSz="1066800">
+            <a:lnSpc>
+              <a:spcPct val="90000"/>
+            </a:lnSpc>
+            <a:spcBef>
+              <a:spcPct val="0"/>
+            </a:spcBef>
+            <a:spcAft>
+              <a:spcPct val="35000"/>
+            </a:spcAft>
+            <a:buNone/>
+          </a:pPr>
+          <a:r>
+            <a:rPr lang="ro-RO" sz="2400" b="0" kern="1200" dirty="0"/>
+            <a:t>Educație în informatică</a:t>
+          </a:r>
+          <a:endParaRPr lang="ru-RU" sz="2400" b="0" kern="1200" dirty="0"/>
+        </a:p>
+      </dsp:txBody>
+      <dsp:txXfrm>
+        <a:off x="301528" y="1826426"/>
+        <a:ext cx="3921648" cy="346292"/>
+      </dsp:txXfrm>
+    </dsp:sp>
+    <dsp:sp modelId="{155FC359-F02A-418C-AAB5-044D58997A89}">
+      <dsp:nvSpPr>
+        <dsp:cNvPr id="0" name=""/>
+        <dsp:cNvSpPr/>
+      </dsp:nvSpPr>
+      <dsp:spPr>
+        <a:xfrm>
+          <a:off x="0" y="2589252"/>
+          <a:ext cx="5655881" cy="327600"/>
+        </a:xfrm>
+        <a:prstGeom prst="rect">
+          <a:avLst/>
+        </a:prstGeom>
+        <a:solidFill>
+          <a:schemeClr val="lt1">
+            <a:alpha val="90000"/>
+            <a:hueOff val="0"/>
+            <a:satOff val="0"/>
+            <a:lumOff val="0"/>
+            <a:alphaOff val="0"/>
+          </a:schemeClr>
+        </a:solidFill>
+        <a:ln w="15875" cap="rnd" cmpd="sng" algn="ctr">
+          <a:solidFill>
+            <a:schemeClr val="accent1">
+              <a:hueOff val="0"/>
+              <a:satOff val="0"/>
+              <a:lumOff val="0"/>
+              <a:alphaOff val="0"/>
+            </a:schemeClr>
+          </a:solidFill>
+          <a:prstDash val="solid"/>
+        </a:ln>
+        <a:effectLst/>
+      </dsp:spPr>
+      <dsp:style>
+        <a:lnRef idx="2">
+          <a:scrgbClr r="0" g="0" b="0"/>
+        </a:lnRef>
+        <a:fillRef idx="1">
+          <a:scrgbClr r="0" g="0" b="0"/>
+        </a:fillRef>
+        <a:effectRef idx="0">
+          <a:scrgbClr r="0" g="0" b="0"/>
+        </a:effectRef>
+        <a:fontRef idx="minor"/>
+      </dsp:style>
+    </dsp:sp>
+    <dsp:sp modelId="{14B251D9-D4E2-4E01-ABAD-9B26D322C033}">
+      <dsp:nvSpPr>
+        <dsp:cNvPr id="0" name=""/>
+        <dsp:cNvSpPr/>
+      </dsp:nvSpPr>
+      <dsp:spPr>
+        <a:xfrm>
+          <a:off x="282794" y="2397372"/>
+          <a:ext cx="3959116" cy="383760"/>
+        </a:xfrm>
+        <a:prstGeom prst="roundRect">
+          <a:avLst/>
+        </a:prstGeom>
+        <a:solidFill>
+          <a:schemeClr val="accent1">
+            <a:hueOff val="0"/>
+            <a:satOff val="0"/>
+            <a:lumOff val="0"/>
+            <a:alphaOff val="0"/>
+          </a:schemeClr>
+        </a:solidFill>
+        <a:ln w="15875" cap="rnd" cmpd="sng" algn="ctr">
+          <a:solidFill>
+            <a:schemeClr val="lt1">
+              <a:hueOff val="0"/>
+              <a:satOff val="0"/>
+              <a:lumOff val="0"/>
+              <a:alphaOff val="0"/>
+            </a:schemeClr>
+          </a:solidFill>
+          <a:prstDash val="solid"/>
+        </a:ln>
+        <a:effectLst/>
+      </dsp:spPr>
+      <dsp:style>
+        <a:lnRef idx="2">
+          <a:scrgbClr r="0" g="0" b="0"/>
+        </a:lnRef>
+        <a:fillRef idx="1">
+          <a:scrgbClr r="0" g="0" b="0"/>
+        </a:fillRef>
+        <a:effectRef idx="0">
+          <a:scrgbClr r="0" g="0" b="0"/>
+        </a:effectRef>
+        <a:fontRef idx="minor">
+          <a:schemeClr val="lt1"/>
+        </a:fontRef>
+      </dsp:style>
+      <dsp:txBody>
+        <a:bodyPr spcFirstLastPara="0" vert="horz" wrap="square" lIns="149645" tIns="0" rIns="149645" bIns="0" numCol="1" spcCol="1270" anchor="ctr" anchorCtr="0">
+          <a:noAutofit/>
+        </a:bodyPr>
+        <a:lstStyle/>
+        <a:p>
+          <a:pPr marL="0" lvl="0" indent="0" algn="l" defTabSz="1066800">
+            <a:lnSpc>
+              <a:spcPct val="90000"/>
+            </a:lnSpc>
+            <a:spcBef>
+              <a:spcPct val="0"/>
+            </a:spcBef>
+            <a:spcAft>
+              <a:spcPct val="35000"/>
+            </a:spcAft>
+            <a:buNone/>
+          </a:pPr>
+          <a:r>
+            <a:rPr lang="ro-RO" sz="2400" b="0" kern="1200" dirty="0"/>
+            <a:t>Prelucrarea imaginilor</a:t>
+          </a:r>
+          <a:endParaRPr lang="ru-RU" sz="2400" b="0" kern="1200" dirty="0"/>
+        </a:p>
+      </dsp:txBody>
+      <dsp:txXfrm>
+        <a:off x="301528" y="2416106"/>
+        <a:ext cx="3921648" cy="346292"/>
+      </dsp:txXfrm>
+    </dsp:sp>
+    <dsp:sp modelId="{DC624300-58AB-4239-BEA9-62B2EF3D4EFE}">
+      <dsp:nvSpPr>
+        <dsp:cNvPr id="0" name=""/>
+        <dsp:cNvSpPr/>
+      </dsp:nvSpPr>
+      <dsp:spPr>
+        <a:xfrm>
+          <a:off x="0" y="3178932"/>
+          <a:ext cx="5655881" cy="327600"/>
+        </a:xfrm>
+        <a:prstGeom prst="rect">
+          <a:avLst/>
+        </a:prstGeom>
+        <a:solidFill>
+          <a:schemeClr val="lt1">
+            <a:alpha val="90000"/>
+            <a:hueOff val="0"/>
+            <a:satOff val="0"/>
+            <a:lumOff val="0"/>
+            <a:alphaOff val="0"/>
+          </a:schemeClr>
+        </a:solidFill>
+        <a:ln w="15875" cap="rnd" cmpd="sng" algn="ctr">
+          <a:solidFill>
+            <a:schemeClr val="accent1">
+              <a:hueOff val="0"/>
+              <a:satOff val="0"/>
+              <a:lumOff val="0"/>
+              <a:alphaOff val="0"/>
+            </a:schemeClr>
+          </a:solidFill>
+          <a:prstDash val="solid"/>
+        </a:ln>
+        <a:effectLst/>
+      </dsp:spPr>
+      <dsp:style>
+        <a:lnRef idx="2">
+          <a:scrgbClr r="0" g="0" b="0"/>
+        </a:lnRef>
+        <a:fillRef idx="1">
+          <a:scrgbClr r="0" g="0" b="0"/>
+        </a:fillRef>
+        <a:effectRef idx="0">
+          <a:scrgbClr r="0" g="0" b="0"/>
+        </a:effectRef>
+        <a:fontRef idx="minor"/>
+      </dsp:style>
+    </dsp:sp>
+    <dsp:sp modelId="{8D870F79-8F18-4842-911F-24D965A50830}">
+      <dsp:nvSpPr>
+        <dsp:cNvPr id="0" name=""/>
+        <dsp:cNvSpPr/>
+      </dsp:nvSpPr>
+      <dsp:spPr>
+        <a:xfrm>
+          <a:off x="282794" y="2987052"/>
+          <a:ext cx="3959116" cy="383760"/>
+        </a:xfrm>
+        <a:prstGeom prst="roundRect">
+          <a:avLst/>
+        </a:prstGeom>
+        <a:solidFill>
+          <a:schemeClr val="accent1">
+            <a:hueOff val="0"/>
+            <a:satOff val="0"/>
+            <a:lumOff val="0"/>
+            <a:alphaOff val="0"/>
+          </a:schemeClr>
+        </a:solidFill>
+        <a:ln w="15875" cap="rnd" cmpd="sng" algn="ctr">
+          <a:solidFill>
+            <a:schemeClr val="lt1">
+              <a:hueOff val="0"/>
+              <a:satOff val="0"/>
+              <a:lumOff val="0"/>
+              <a:alphaOff val="0"/>
+            </a:schemeClr>
+          </a:solidFill>
+          <a:prstDash val="solid"/>
+        </a:ln>
+        <a:effectLst/>
+      </dsp:spPr>
+      <dsp:style>
+        <a:lnRef idx="2">
+          <a:scrgbClr r="0" g="0" b="0"/>
+        </a:lnRef>
+        <a:fillRef idx="1">
+          <a:scrgbClr r="0" g="0" b="0"/>
+        </a:fillRef>
+        <a:effectRef idx="0">
+          <a:scrgbClr r="0" g="0" b="0"/>
+        </a:effectRef>
+        <a:fontRef idx="minor">
+          <a:schemeClr val="lt1"/>
+        </a:fontRef>
+      </dsp:style>
+      <dsp:txBody>
+        <a:bodyPr spcFirstLastPara="0" vert="horz" wrap="square" lIns="149645" tIns="0" rIns="149645" bIns="0" numCol="1" spcCol="1270" anchor="ctr" anchorCtr="0">
+          <a:noAutofit/>
+        </a:bodyPr>
+        <a:lstStyle/>
+        <a:p>
+          <a:pPr marL="0" lvl="0" indent="0" algn="l" defTabSz="1066800">
+            <a:lnSpc>
+              <a:spcPct val="90000"/>
+            </a:lnSpc>
+            <a:spcBef>
+              <a:spcPct val="0"/>
+            </a:spcBef>
+            <a:spcAft>
+              <a:spcPct val="35000"/>
+            </a:spcAft>
+            <a:buNone/>
+          </a:pPr>
+          <a:r>
+            <a:rPr lang="ro-RO" sz="2400" b="0" kern="1200" dirty="0"/>
+            <a:t>Dezvoltarea jocurilor</a:t>
+          </a:r>
+          <a:endParaRPr lang="ru-RU" sz="2400" b="0" kern="1200" dirty="0"/>
+        </a:p>
+      </dsp:txBody>
+      <dsp:txXfrm>
+        <a:off x="301528" y="3005786"/>
+        <a:ext cx="3921648" cy="346292"/>
+      </dsp:txXfrm>
+    </dsp:sp>
+    <dsp:sp modelId="{FB670159-4749-4906-AFCC-1072C73D4559}">
+      <dsp:nvSpPr>
+        <dsp:cNvPr id="0" name=""/>
+        <dsp:cNvSpPr/>
+      </dsp:nvSpPr>
+      <dsp:spPr>
+        <a:xfrm>
+          <a:off x="0" y="3768612"/>
+          <a:ext cx="5655881" cy="327600"/>
+        </a:xfrm>
+        <a:prstGeom prst="rect">
+          <a:avLst/>
+        </a:prstGeom>
+        <a:solidFill>
+          <a:schemeClr val="lt1">
+            <a:alpha val="90000"/>
+            <a:hueOff val="0"/>
+            <a:satOff val="0"/>
+            <a:lumOff val="0"/>
+            <a:alphaOff val="0"/>
+          </a:schemeClr>
+        </a:solidFill>
+        <a:ln w="15875" cap="rnd" cmpd="sng" algn="ctr">
+          <a:solidFill>
+            <a:schemeClr val="accent1">
+              <a:hueOff val="0"/>
+              <a:satOff val="0"/>
+              <a:lumOff val="0"/>
+              <a:alphaOff val="0"/>
+            </a:schemeClr>
+          </a:solidFill>
+          <a:prstDash val="solid"/>
+        </a:ln>
+        <a:effectLst/>
+      </dsp:spPr>
+      <dsp:style>
+        <a:lnRef idx="2">
+          <a:scrgbClr r="0" g="0" b="0"/>
+        </a:lnRef>
+        <a:fillRef idx="1">
+          <a:scrgbClr r="0" g="0" b="0"/>
+        </a:fillRef>
+        <a:effectRef idx="0">
+          <a:scrgbClr r="0" g="0" b="0"/>
+        </a:effectRef>
+        <a:fontRef idx="minor"/>
+      </dsp:style>
+    </dsp:sp>
+    <dsp:sp modelId="{F1DFB18C-A2E2-4E49-9169-7650A8F1F09F}">
+      <dsp:nvSpPr>
+        <dsp:cNvPr id="0" name=""/>
+        <dsp:cNvSpPr/>
+      </dsp:nvSpPr>
+      <dsp:spPr>
+        <a:xfrm>
+          <a:off x="282794" y="3576732"/>
+          <a:ext cx="3959116" cy="383760"/>
+        </a:xfrm>
+        <a:prstGeom prst="roundRect">
+          <a:avLst/>
+        </a:prstGeom>
+        <a:solidFill>
+          <a:schemeClr val="accent1">
+            <a:hueOff val="0"/>
+            <a:satOff val="0"/>
+            <a:lumOff val="0"/>
+            <a:alphaOff val="0"/>
+          </a:schemeClr>
+        </a:solidFill>
+        <a:ln w="15875" cap="rnd" cmpd="sng" algn="ctr">
+          <a:solidFill>
+            <a:schemeClr val="lt1">
+              <a:hueOff val="0"/>
+              <a:satOff val="0"/>
+              <a:lumOff val="0"/>
+              <a:alphaOff val="0"/>
+            </a:schemeClr>
+          </a:solidFill>
+          <a:prstDash val="solid"/>
+        </a:ln>
+        <a:effectLst/>
+      </dsp:spPr>
+      <dsp:style>
+        <a:lnRef idx="2">
+          <a:scrgbClr r="0" g="0" b="0"/>
+        </a:lnRef>
+        <a:fillRef idx="1">
+          <a:scrgbClr r="0" g="0" b="0"/>
+        </a:fillRef>
+        <a:effectRef idx="0">
+          <a:scrgbClr r="0" g="0" b="0"/>
+        </a:effectRef>
+        <a:fontRef idx="minor">
+          <a:schemeClr val="lt1"/>
+        </a:fontRef>
+      </dsp:style>
+      <dsp:txBody>
+        <a:bodyPr spcFirstLastPara="0" vert="horz" wrap="square" lIns="149645" tIns="0" rIns="149645" bIns="0" numCol="1" spcCol="1270" anchor="ctr" anchorCtr="0">
+          <a:noAutofit/>
+        </a:bodyPr>
+        <a:lstStyle/>
+        <a:p>
+          <a:pPr marL="0" lvl="0" indent="0" algn="l" defTabSz="1066800">
+            <a:lnSpc>
+              <a:spcPct val="90000"/>
+            </a:lnSpc>
+            <a:spcBef>
+              <a:spcPct val="0"/>
+            </a:spcBef>
+            <a:spcAft>
+              <a:spcPct val="35000"/>
+            </a:spcAft>
+            <a:buNone/>
+          </a:pPr>
+          <a:r>
+            <a:rPr lang="ro-RO" sz="2400" b="0" kern="1200" dirty="0"/>
+            <a:t>Medicină și farmacie</a:t>
+          </a:r>
+          <a:endParaRPr lang="ru-RU" sz="2400" b="0" kern="1200" dirty="0"/>
+        </a:p>
+      </dsp:txBody>
+      <dsp:txXfrm>
+        <a:off x="301528" y="3595466"/>
+        <a:ext cx="3921648" cy="346292"/>
+      </dsp:txXfrm>
+    </dsp:sp>
+    <dsp:sp modelId="{82F38D02-25C3-483C-9FF0-EF5D3B16A94B}">
+      <dsp:nvSpPr>
+        <dsp:cNvPr id="0" name=""/>
+        <dsp:cNvSpPr/>
+      </dsp:nvSpPr>
+      <dsp:spPr>
+        <a:xfrm>
+          <a:off x="0" y="4358292"/>
+          <a:ext cx="5655881" cy="327600"/>
+        </a:xfrm>
+        <a:prstGeom prst="rect">
+          <a:avLst/>
+        </a:prstGeom>
+        <a:solidFill>
+          <a:schemeClr val="lt1">
+            <a:alpha val="90000"/>
+            <a:hueOff val="0"/>
+            <a:satOff val="0"/>
+            <a:lumOff val="0"/>
+            <a:alphaOff val="0"/>
+          </a:schemeClr>
+        </a:solidFill>
+        <a:ln w="15875" cap="rnd" cmpd="sng" algn="ctr">
+          <a:solidFill>
+            <a:schemeClr val="accent1">
+              <a:hueOff val="0"/>
+              <a:satOff val="0"/>
+              <a:lumOff val="0"/>
+              <a:alphaOff val="0"/>
+            </a:schemeClr>
+          </a:solidFill>
+          <a:prstDash val="solid"/>
+        </a:ln>
+        <a:effectLst/>
+      </dsp:spPr>
+      <dsp:style>
+        <a:lnRef idx="2">
+          <a:scrgbClr r="0" g="0" b="0"/>
+        </a:lnRef>
+        <a:fillRef idx="1">
+          <a:scrgbClr r="0" g="0" b="0"/>
+        </a:fillRef>
+        <a:effectRef idx="0">
+          <a:scrgbClr r="0" g="0" b="0"/>
+        </a:effectRef>
+        <a:fontRef idx="minor"/>
+      </dsp:style>
+    </dsp:sp>
+    <dsp:sp modelId="{F377E794-1C5F-40F9-AAD9-F877ED4E644F}">
+      <dsp:nvSpPr>
+        <dsp:cNvPr id="0" name=""/>
+        <dsp:cNvSpPr/>
+      </dsp:nvSpPr>
+      <dsp:spPr>
+        <a:xfrm>
+          <a:off x="282794" y="4166412"/>
+          <a:ext cx="3959116" cy="383760"/>
+        </a:xfrm>
+        <a:prstGeom prst="roundRect">
+          <a:avLst/>
+        </a:prstGeom>
+        <a:solidFill>
+          <a:schemeClr val="accent1">
+            <a:hueOff val="0"/>
+            <a:satOff val="0"/>
+            <a:lumOff val="0"/>
+            <a:alphaOff val="0"/>
+          </a:schemeClr>
+        </a:solidFill>
+        <a:ln w="15875" cap="rnd" cmpd="sng" algn="ctr">
+          <a:solidFill>
+            <a:schemeClr val="lt1">
+              <a:hueOff val="0"/>
+              <a:satOff val="0"/>
+              <a:lumOff val="0"/>
+              <a:alphaOff val="0"/>
+            </a:schemeClr>
+          </a:solidFill>
+          <a:prstDash val="solid"/>
+        </a:ln>
+        <a:effectLst/>
+      </dsp:spPr>
+      <dsp:style>
+        <a:lnRef idx="2">
+          <a:scrgbClr r="0" g="0" b="0"/>
+        </a:lnRef>
+        <a:fillRef idx="1">
+          <a:scrgbClr r="0" g="0" b="0"/>
+        </a:fillRef>
+        <a:effectRef idx="0">
+          <a:scrgbClr r="0" g="0" b="0"/>
+        </a:effectRef>
+        <a:fontRef idx="minor">
+          <a:schemeClr val="lt1"/>
+        </a:fontRef>
+      </dsp:style>
+      <dsp:txBody>
+        <a:bodyPr spcFirstLastPara="0" vert="horz" wrap="square" lIns="149645" tIns="0" rIns="149645" bIns="0" numCol="1" spcCol="1270" anchor="ctr" anchorCtr="0">
+          <a:noAutofit/>
+        </a:bodyPr>
+        <a:lstStyle/>
+        <a:p>
+          <a:pPr marL="0" lvl="0" indent="0" algn="l" defTabSz="1066800">
+            <a:lnSpc>
+              <a:spcPct val="90000"/>
+            </a:lnSpc>
+            <a:spcBef>
+              <a:spcPct val="0"/>
+            </a:spcBef>
+            <a:spcAft>
+              <a:spcPct val="35000"/>
+            </a:spcAft>
+            <a:buNone/>
+          </a:pPr>
+          <a:r>
+            <a:rPr lang="ro-RO" sz="2400" b="0" kern="1200" dirty="0"/>
+            <a:t>Biologie și bioinformatică</a:t>
+          </a:r>
+          <a:endParaRPr lang="ru-RU" sz="2400" b="0" kern="1200" dirty="0"/>
+        </a:p>
+      </dsp:txBody>
+      <dsp:txXfrm>
+        <a:off x="301528" y="4185146"/>
+        <a:ext cx="3921648" cy="346292"/>
+      </dsp:txXfrm>
+    </dsp:sp>
+  </dsp:spTree>
+</dsp:drawing>
+</file>
+
 <file path=ppt/diagrams/layout1.xml><?xml version="1.0" encoding="utf-8"?>
+<dgm:layoutDef xmlns:dgm="http://schemas.openxmlformats.org/drawingml/2006/diagram" xmlns:a="http://schemas.openxmlformats.org/drawingml/2006/main" uniqueId="urn:microsoft.com/office/officeart/2005/8/layout/vList2">
+  <dgm:title val=""/>
+  <dgm:desc val=""/>
+  <dgm:catLst>
+    <dgm:cat type="list" pri="3000"/>
+    <dgm:cat type="convert" pri="1000"/>
+  </dgm:catLst>
+  <dgm:sampData>
+    <dgm:dataModel>
+      <dgm:ptLst>
+        <dgm:pt modelId="0" type="doc"/>
+        <dgm:pt modelId="1">
+          <dgm:prSet phldr="1"/>
+        </dgm:pt>
+        <dgm:pt modelId="11">
+          <dgm:prSet phldr="1"/>
+        </dgm:pt>
+        <dgm:pt modelId="2">
+          <dgm:prSet phldr="1"/>
+        </dgm:pt>
+        <dgm:pt modelId="21">
+          <dgm:prSet phldr="1"/>
+        </dgm:pt>
+      </dgm:ptLst>
+      <dgm:cxnLst>
+        <dgm:cxn modelId="4" srcId="0" destId="1" srcOrd="0" destOrd="0"/>
+        <dgm:cxn modelId="5" srcId="0" destId="2" srcOrd="1" destOrd="0"/>
+        <dgm:cxn modelId="12" srcId="1" destId="11" srcOrd="0" destOrd="0"/>
+        <dgm:cxn modelId="23" srcId="2" destId="21" srcOrd="0" destOrd="0"/>
+      </dgm:cxnLst>
+      <dgm:bg/>
+      <dgm:whole/>
+    </dgm:dataModel>
+  </dgm:sampData>
+  <dgm:styleData>
+    <dgm:dataModel>
+      <dgm:ptLst>
+        <dgm:pt modelId="0" type="doc"/>
+        <dgm:pt modelId="1"/>
+        <dgm:pt modelId="2"/>
+      </dgm:ptLst>
+      <dgm:cxnLst>
+        <dgm:cxn modelId="3" srcId="0" destId="1" srcOrd="0" destOrd="0"/>
+        <dgm:cxn modelId="4" srcId="0" destId="2" srcOrd="1" destOrd="0"/>
+      </dgm:cxnLst>
+      <dgm:bg/>
+      <dgm:whole/>
+    </dgm:dataModel>
+  </dgm:styleData>
+  <dgm:clrData>
+    <dgm:dataModel>
+      <dgm:ptLst>
+        <dgm:pt modelId="0" type="doc"/>
+        <dgm:pt modelId="1"/>
+        <dgm:pt modelId="2"/>
+        <dgm:pt modelId="3"/>
+        <dgm:pt modelId="4"/>
+      </dgm:ptLst>
+      <dgm:cxnLst>
+        <dgm:cxn modelId="5" srcId="0" destId="1" srcOrd="0" destOrd="0"/>
+        <dgm:cxn modelId="6" srcId="0" destId="2" srcOrd="1" destOrd="0"/>
+        <dgm:cxn modelId="7" srcId="0" destId="3" srcOrd="2" destOrd="0"/>
+        <dgm:cxn modelId="8" srcId="0" destId="4" srcOrd="3" destOrd="0"/>
+      </dgm:cxnLst>
+      <dgm:bg/>
+      <dgm:whole/>
+    </dgm:dataModel>
+  </dgm:clrData>
+  <dgm:layoutNode name="linear">
+    <dgm:varLst>
+      <dgm:animLvl val="lvl"/>
+      <dgm:resizeHandles val="exact"/>
+    </dgm:varLst>
+    <dgm:alg type="lin">
+      <dgm:param type="linDir" val="fromT"/>
+      <dgm:param type="vertAlign" val="mid"/>
+    </dgm:alg>
+    <dgm:shape xmlns:r="http://schemas.openxmlformats.org/officeDocument/2006/relationships" r:blip="">
+      <dgm:adjLst/>
+    </dgm:shape>
+    <dgm:presOf/>
+    <dgm:constrLst>
+      <dgm:constr type="w" for="ch" forName="parentText" refType="w"/>
+      <dgm:constr type="h" for="ch" forName="parentText" refType="primFontSz" refFor="ch" refForName="parentText" fact="0.52"/>
+      <dgm:constr type="w" for="ch" forName="childText" refType="w"/>
+      <dgm:constr type="h" for="ch" forName="childText" refType="primFontSz" refFor="ch" refForName="parentText" fact="0.46"/>
+      <dgm:constr type="h" for="ch" forName="parentText" op="equ"/>
+      <dgm:constr type="primFontSz" for="ch" forName="parentText" op="equ" val="65"/>
+      <dgm:constr type="primFontSz" for="ch" forName="childText" refType="primFontSz" refFor="ch" refForName="parentText" op="equ"/>
+      <dgm:constr type="h" for="ch" forName="spacer" refType="primFontSz" refFor="ch" refForName="parentText" fact="0.08"/>
+    </dgm:constrLst>
+    <dgm:ruleLst>
+      <dgm:rule type="primFontSz" for="ch" forName="parentText" val="5" fact="NaN" max="NaN"/>
+    </dgm:ruleLst>
+    <dgm:forEach name="Name0" axis="ch" ptType="node">
+      <dgm:layoutNode name="parentText" styleLbl="node1">
+        <dgm:varLst>
+          <dgm:chMax val="0"/>
+          <dgm:bulletEnabled val="1"/>
+        </dgm:varLst>
+        <dgm:alg type="tx">
+          <dgm:param type="parTxLTRAlign" val="l"/>
+          <dgm:param type="parTxRTLAlign" val="r"/>
+        </dgm:alg>
+        <dgm:shape xmlns:r="http://schemas.openxmlformats.org/officeDocument/2006/relationships" type="roundRect" r:blip="">
+          <dgm:adjLst/>
+        </dgm:shape>
+        <dgm:presOf axis="self"/>
+        <dgm:constrLst>
+          <dgm:constr type="tMarg" refType="primFontSz" fact="0.3"/>
+          <dgm:constr type="bMarg" refType="primFontSz" fact="0.3"/>
+          <dgm:constr type="lMarg" refType="primFontSz" fact="0.3"/>
+          <dgm:constr type="rMarg" refType="primFontSz" fact="0.3"/>
+        </dgm:constrLst>
+        <dgm:ruleLst>
+          <dgm:rule type="h" val="INF" fact="NaN" max="NaN"/>
+        </dgm:ruleLst>
+      </dgm:layoutNode>
+      <dgm:choose name="Name1">
+        <dgm:if name="Name2" axis="ch" ptType="node" func="cnt" op="gte" val="1">
+          <dgm:layoutNode name="childText" styleLbl="revTx">
+            <dgm:varLst>
+              <dgm:bulletEnabled val="1"/>
+            </dgm:varLst>
+            <dgm:alg type="tx">
+              <dgm:param type="stBulletLvl" val="1"/>
+              <dgm:param type="lnSpAfChP" val="20"/>
+            </dgm:alg>
+            <dgm:shape xmlns:r="http://schemas.openxmlformats.org/officeDocument/2006/relationships" type="rect" r:blip="">
+              <dgm:adjLst/>
+            </dgm:shape>
+            <dgm:presOf axis="des" ptType="node"/>
+            <dgm:constrLst>
+              <dgm:constr type="tMarg" refType="primFontSz" fact="0.1"/>
+              <dgm:constr type="bMarg" refType="primFontSz" fact="0.1"/>
+              <dgm:constr type="lMarg" refType="w" fact="0.09"/>
+            </dgm:constrLst>
+            <dgm:ruleLst>
+              <dgm:rule type="h" val="INF" fact="NaN" max="NaN"/>
+            </dgm:ruleLst>
+          </dgm:layoutNode>
+        </dgm:if>
+        <dgm:else name="Name3">
+          <dgm:choose name="Name4">
+            <dgm:if name="Name5" axis="par ch" ptType="doc node" func="cnt" op="gte" val="2">
+              <dgm:forEach name="Name6" axis="followSib" ptType="sibTrans" cnt="1">
+                <dgm:layoutNode name="spacer">
+                  <dgm:alg type="sp"/>
+                  <dgm:shape xmlns:r="http://schemas.openxmlformats.org/officeDocument/2006/relationships" r:blip="">
+                    <dgm:adjLst/>
+                  </dgm:shape>
+                  <dgm:presOf/>
+                  <dgm:constrLst/>
+                  <dgm:ruleLst/>
+                </dgm:layoutNode>
+              </dgm:forEach>
+            </dgm:if>
+            <dgm:else name="Name7"/>
+          </dgm:choose>
+        </dgm:else>
+      </dgm:choose>
+    </dgm:forEach>
+  </dgm:layoutNode>
+</dgm:layoutDef>
+</file>
+
+<file path=ppt/diagrams/layout2.xml><?xml version="1.0" encoding="utf-8"?>
 <dgm:layoutDef xmlns:dgm="http://schemas.openxmlformats.org/drawingml/2006/diagram" xmlns:a="http://schemas.openxmlformats.org/drawingml/2006/main" uniqueId="urn:microsoft.com/office/officeart/2005/8/layout/list1">
   <dgm:title val=""/>
   <dgm:desc val=""/>
@@ -5746,173 +8346,6 @@
           <dgm:ruleLst/>
         </dgm:layoutNode>
       </dgm:forEach>
-    </dgm:forEach>
-  </dgm:layoutNode>
-</dgm:layoutDef>
-</file>
-
-<file path=ppt/diagrams/layout2.xml><?xml version="1.0" encoding="utf-8"?>
-<dgm:layoutDef xmlns:dgm="http://schemas.openxmlformats.org/drawingml/2006/diagram" xmlns:a="http://schemas.openxmlformats.org/drawingml/2006/main" uniqueId="urn:microsoft.com/office/officeart/2005/8/layout/vList2">
-  <dgm:title val=""/>
-  <dgm:desc val=""/>
-  <dgm:catLst>
-    <dgm:cat type="list" pri="3000"/>
-    <dgm:cat type="convert" pri="1000"/>
-  </dgm:catLst>
-  <dgm:sampData>
-    <dgm:dataModel>
-      <dgm:ptLst>
-        <dgm:pt modelId="0" type="doc"/>
-        <dgm:pt modelId="1">
-          <dgm:prSet phldr="1"/>
-        </dgm:pt>
-        <dgm:pt modelId="11">
-          <dgm:prSet phldr="1"/>
-        </dgm:pt>
-        <dgm:pt modelId="2">
-          <dgm:prSet phldr="1"/>
-        </dgm:pt>
-        <dgm:pt modelId="21">
-          <dgm:prSet phldr="1"/>
-        </dgm:pt>
-      </dgm:ptLst>
-      <dgm:cxnLst>
-        <dgm:cxn modelId="4" srcId="0" destId="1" srcOrd="0" destOrd="0"/>
-        <dgm:cxn modelId="5" srcId="0" destId="2" srcOrd="1" destOrd="0"/>
-        <dgm:cxn modelId="12" srcId="1" destId="11" srcOrd="0" destOrd="0"/>
-        <dgm:cxn modelId="23" srcId="2" destId="21" srcOrd="0" destOrd="0"/>
-      </dgm:cxnLst>
-      <dgm:bg/>
-      <dgm:whole/>
-    </dgm:dataModel>
-  </dgm:sampData>
-  <dgm:styleData>
-    <dgm:dataModel>
-      <dgm:ptLst>
-        <dgm:pt modelId="0" type="doc"/>
-        <dgm:pt modelId="1"/>
-        <dgm:pt modelId="2"/>
-      </dgm:ptLst>
-      <dgm:cxnLst>
-        <dgm:cxn modelId="3" srcId="0" destId="1" srcOrd="0" destOrd="0"/>
-        <dgm:cxn modelId="4" srcId="0" destId="2" srcOrd="1" destOrd="0"/>
-      </dgm:cxnLst>
-      <dgm:bg/>
-      <dgm:whole/>
-    </dgm:dataModel>
-  </dgm:styleData>
-  <dgm:clrData>
-    <dgm:dataModel>
-      <dgm:ptLst>
-        <dgm:pt modelId="0" type="doc"/>
-        <dgm:pt modelId="1"/>
-        <dgm:pt modelId="2"/>
-        <dgm:pt modelId="3"/>
-        <dgm:pt modelId="4"/>
-      </dgm:ptLst>
-      <dgm:cxnLst>
-        <dgm:cxn modelId="5" srcId="0" destId="1" srcOrd="0" destOrd="0"/>
-        <dgm:cxn modelId="6" srcId="0" destId="2" srcOrd="1" destOrd="0"/>
-        <dgm:cxn modelId="7" srcId="0" destId="3" srcOrd="2" destOrd="0"/>
-        <dgm:cxn modelId="8" srcId="0" destId="4" srcOrd="3" destOrd="0"/>
-      </dgm:cxnLst>
-      <dgm:bg/>
-      <dgm:whole/>
-    </dgm:dataModel>
-  </dgm:clrData>
-  <dgm:layoutNode name="linear">
-    <dgm:varLst>
-      <dgm:animLvl val="lvl"/>
-      <dgm:resizeHandles val="exact"/>
-    </dgm:varLst>
-    <dgm:alg type="lin">
-      <dgm:param type="linDir" val="fromT"/>
-      <dgm:param type="vertAlign" val="mid"/>
-    </dgm:alg>
-    <dgm:shape xmlns:r="http://schemas.openxmlformats.org/officeDocument/2006/relationships" r:blip="">
-      <dgm:adjLst/>
-    </dgm:shape>
-    <dgm:presOf/>
-    <dgm:constrLst>
-      <dgm:constr type="w" for="ch" forName="parentText" refType="w"/>
-      <dgm:constr type="h" for="ch" forName="parentText" refType="primFontSz" refFor="ch" refForName="parentText" fact="0.52"/>
-      <dgm:constr type="w" for="ch" forName="childText" refType="w"/>
-      <dgm:constr type="h" for="ch" forName="childText" refType="primFontSz" refFor="ch" refForName="parentText" fact="0.46"/>
-      <dgm:constr type="h" for="ch" forName="parentText" op="equ"/>
-      <dgm:constr type="primFontSz" for="ch" forName="parentText" op="equ" val="65"/>
-      <dgm:constr type="primFontSz" for="ch" forName="childText" refType="primFontSz" refFor="ch" refForName="parentText" op="equ"/>
-      <dgm:constr type="h" for="ch" forName="spacer" refType="primFontSz" refFor="ch" refForName="parentText" fact="0.08"/>
-    </dgm:constrLst>
-    <dgm:ruleLst>
-      <dgm:rule type="primFontSz" for="ch" forName="parentText" val="5" fact="NaN" max="NaN"/>
-    </dgm:ruleLst>
-    <dgm:forEach name="Name0" axis="ch" ptType="node">
-      <dgm:layoutNode name="parentText" styleLbl="node1">
-        <dgm:varLst>
-          <dgm:chMax val="0"/>
-          <dgm:bulletEnabled val="1"/>
-        </dgm:varLst>
-        <dgm:alg type="tx">
-          <dgm:param type="parTxLTRAlign" val="l"/>
-          <dgm:param type="parTxRTLAlign" val="r"/>
-        </dgm:alg>
-        <dgm:shape xmlns:r="http://schemas.openxmlformats.org/officeDocument/2006/relationships" type="roundRect" r:blip="">
-          <dgm:adjLst/>
-        </dgm:shape>
-        <dgm:presOf axis="self"/>
-        <dgm:constrLst>
-          <dgm:constr type="tMarg" refType="primFontSz" fact="0.3"/>
-          <dgm:constr type="bMarg" refType="primFontSz" fact="0.3"/>
-          <dgm:constr type="lMarg" refType="primFontSz" fact="0.3"/>
-          <dgm:constr type="rMarg" refType="primFontSz" fact="0.3"/>
-        </dgm:constrLst>
-        <dgm:ruleLst>
-          <dgm:rule type="h" val="INF" fact="NaN" max="NaN"/>
-        </dgm:ruleLst>
-      </dgm:layoutNode>
-      <dgm:choose name="Name1">
-        <dgm:if name="Name2" axis="ch" ptType="node" func="cnt" op="gte" val="1">
-          <dgm:layoutNode name="childText" styleLbl="revTx">
-            <dgm:varLst>
-              <dgm:bulletEnabled val="1"/>
-            </dgm:varLst>
-            <dgm:alg type="tx">
-              <dgm:param type="stBulletLvl" val="1"/>
-              <dgm:param type="lnSpAfChP" val="20"/>
-            </dgm:alg>
-            <dgm:shape xmlns:r="http://schemas.openxmlformats.org/officeDocument/2006/relationships" type="rect" r:blip="">
-              <dgm:adjLst/>
-            </dgm:shape>
-            <dgm:presOf axis="des" ptType="node"/>
-            <dgm:constrLst>
-              <dgm:constr type="tMarg" refType="primFontSz" fact="0.1"/>
-              <dgm:constr type="bMarg" refType="primFontSz" fact="0.1"/>
-              <dgm:constr type="lMarg" refType="w" fact="0.09"/>
-            </dgm:constrLst>
-            <dgm:ruleLst>
-              <dgm:rule type="h" val="INF" fact="NaN" max="NaN"/>
-            </dgm:ruleLst>
-          </dgm:layoutNode>
-        </dgm:if>
-        <dgm:else name="Name3">
-          <dgm:choose name="Name4">
-            <dgm:if name="Name5" axis="par ch" ptType="doc node" func="cnt" op="gte" val="2">
-              <dgm:forEach name="Name6" axis="followSib" ptType="sibTrans" cnt="1">
-                <dgm:layoutNode name="spacer">
-                  <dgm:alg type="sp"/>
-                  <dgm:shape xmlns:r="http://schemas.openxmlformats.org/officeDocument/2006/relationships" r:blip="">
-                    <dgm:adjLst/>
-                  </dgm:shape>
-                  <dgm:presOf/>
-                  <dgm:constrLst/>
-                  <dgm:ruleLst/>
-                </dgm:layoutNode>
-              </dgm:forEach>
-            </dgm:if>
-            <dgm:else name="Name7"/>
-          </dgm:choose>
-        </dgm:else>
-      </dgm:choose>
     </dgm:forEach>
   </dgm:layoutNode>
 </dgm:layoutDef>
@@ -6481,6 +8914,231 @@
 </dgm:layoutDef>
 </file>
 
+<file path=ppt/diagrams/layout4.xml><?xml version="1.0" encoding="utf-8"?>
+<dgm:layoutDef xmlns:dgm="http://schemas.openxmlformats.org/drawingml/2006/diagram" xmlns:a="http://schemas.openxmlformats.org/drawingml/2006/main" uniqueId="urn:microsoft.com/office/officeart/2005/8/layout/list1">
+  <dgm:title val=""/>
+  <dgm:desc val=""/>
+  <dgm:catLst>
+    <dgm:cat type="list" pri="4000"/>
+  </dgm:catLst>
+  <dgm:sampData>
+    <dgm:dataModel>
+      <dgm:ptLst>
+        <dgm:pt modelId="0" type="doc"/>
+        <dgm:pt modelId="1">
+          <dgm:prSet phldr="1"/>
+        </dgm:pt>
+        <dgm:pt modelId="2">
+          <dgm:prSet phldr="1"/>
+        </dgm:pt>
+        <dgm:pt modelId="3">
+          <dgm:prSet phldr="1"/>
+        </dgm:pt>
+      </dgm:ptLst>
+      <dgm:cxnLst>
+        <dgm:cxn modelId="4" srcId="0" destId="1" srcOrd="0" destOrd="0"/>
+        <dgm:cxn modelId="5" srcId="0" destId="2" srcOrd="1" destOrd="0"/>
+        <dgm:cxn modelId="6" srcId="0" destId="3" srcOrd="2" destOrd="0"/>
+      </dgm:cxnLst>
+      <dgm:bg/>
+      <dgm:whole/>
+    </dgm:dataModel>
+  </dgm:sampData>
+  <dgm:styleData>
+    <dgm:dataModel>
+      <dgm:ptLst>
+        <dgm:pt modelId="0" type="doc"/>
+        <dgm:pt modelId="1"/>
+        <dgm:pt modelId="2"/>
+      </dgm:ptLst>
+      <dgm:cxnLst>
+        <dgm:cxn modelId="4" srcId="0" destId="1" srcOrd="0" destOrd="0"/>
+        <dgm:cxn modelId="5" srcId="0" destId="2" srcOrd="1" destOrd="0"/>
+      </dgm:cxnLst>
+      <dgm:bg/>
+      <dgm:whole/>
+    </dgm:dataModel>
+  </dgm:styleData>
+  <dgm:clrData>
+    <dgm:dataModel>
+      <dgm:ptLst>
+        <dgm:pt modelId="0" type="doc"/>
+        <dgm:pt modelId="1"/>
+        <dgm:pt modelId="2"/>
+        <dgm:pt modelId="3"/>
+        <dgm:pt modelId="4"/>
+      </dgm:ptLst>
+      <dgm:cxnLst>
+        <dgm:cxn modelId="5" srcId="0" destId="1" srcOrd="0" destOrd="0"/>
+        <dgm:cxn modelId="6" srcId="0" destId="2" srcOrd="1" destOrd="0"/>
+        <dgm:cxn modelId="7" srcId="0" destId="3" srcOrd="2" destOrd="0"/>
+        <dgm:cxn modelId="8" srcId="0" destId="4" srcOrd="3" destOrd="0"/>
+      </dgm:cxnLst>
+      <dgm:bg/>
+      <dgm:whole/>
+    </dgm:dataModel>
+  </dgm:clrData>
+  <dgm:layoutNode name="linear">
+    <dgm:varLst>
+      <dgm:dir/>
+      <dgm:animLvl val="lvl"/>
+      <dgm:resizeHandles val="exact"/>
+    </dgm:varLst>
+    <dgm:choose name="Name0">
+      <dgm:if name="Name1" func="var" arg="dir" op="equ" val="norm">
+        <dgm:alg type="lin">
+          <dgm:param type="linDir" val="fromT"/>
+          <dgm:param type="vertAlign" val="mid"/>
+          <dgm:param type="horzAlign" val="l"/>
+          <dgm:param type="nodeHorzAlign" val="l"/>
+        </dgm:alg>
+      </dgm:if>
+      <dgm:else name="Name2">
+        <dgm:alg type="lin">
+          <dgm:param type="linDir" val="fromT"/>
+          <dgm:param type="vertAlign" val="mid"/>
+          <dgm:param type="horzAlign" val="r"/>
+          <dgm:param type="nodeHorzAlign" val="r"/>
+        </dgm:alg>
+      </dgm:else>
+    </dgm:choose>
+    <dgm:shape xmlns:r="http://schemas.openxmlformats.org/officeDocument/2006/relationships" r:blip="">
+      <dgm:adjLst/>
+    </dgm:shape>
+    <dgm:presOf/>
+    <dgm:constrLst>
+      <dgm:constr type="w" for="ch" forName="parentLin" refType="w"/>
+      <dgm:constr type="h" for="ch" forName="parentLin" val="INF"/>
+      <dgm:constr type="w" for="des" forName="parentLeftMargin" refType="w" fact="0.05"/>
+      <dgm:constr type="w" for="des" forName="parentText" refType="w" fact="0.7"/>
+      <dgm:constr type="h" for="des" forName="parentText" refType="primFontSz" refFor="des" refForName="parentText" fact="0.82"/>
+      <dgm:constr type="h" for="ch" forName="negativeSpace" refType="primFontSz" refFor="des" refForName="parentText" fact="-0.41"/>
+      <dgm:constr type="h" for="ch" forName="negativeSpace" refType="h" refFor="des" refForName="parentText" op="lte" fact="-0.82"/>
+      <dgm:constr type="h" for="ch" forName="negativeSpace" refType="h" refFor="des" refForName="parentText" op="gte" fact="-0.82"/>
+      <dgm:constr type="w" for="ch" forName="childText" refType="w"/>
+      <dgm:constr type="h" for="ch" forName="childText" refType="primFontSz" refFor="des" refForName="parentText" fact="0.7"/>
+      <dgm:constr type="primFontSz" for="des" forName="parentText" val="65"/>
+      <dgm:constr type="primFontSz" for="ch" forName="childText" refType="primFontSz" refFor="des" refForName="parentText"/>
+      <dgm:constr type="tMarg" for="ch" forName="childText" refType="primFontSz" refFor="des" refForName="parentText" fact="1.64"/>
+      <dgm:constr type="tMarg" for="ch" forName="childText" refType="h" refFor="des" refForName="parentText" op="lte" fact="3.28"/>
+      <dgm:constr type="tMarg" for="ch" forName="childText" refType="h" refFor="des" refForName="parentText" op="gte" fact="3.28"/>
+      <dgm:constr type="lMarg" for="ch" forName="childText" refType="w" fact="0.22"/>
+      <dgm:constr type="rMarg" for="ch" forName="childText" refType="lMarg" refFor="ch" refForName="childText"/>
+      <dgm:constr type="lMarg" for="des" forName="parentText" refType="w" fact="0.075"/>
+      <dgm:constr type="rMarg" for="des" forName="parentText" refType="lMarg" refFor="des" refForName="parentText"/>
+      <dgm:constr type="h" for="ch" forName="spaceBetweenRectangles" refType="primFontSz" refFor="des" refForName="parentText" fact="0.15"/>
+    </dgm:constrLst>
+    <dgm:ruleLst>
+      <dgm:rule type="primFontSz" for="des" forName="parentText" val="5" fact="NaN" max="NaN"/>
+    </dgm:ruleLst>
+    <dgm:forEach name="Name3" axis="ch" ptType="node">
+      <dgm:layoutNode name="parentLin">
+        <dgm:choose name="Name4">
+          <dgm:if name="Name5" func="var" arg="dir" op="equ" val="norm">
+            <dgm:alg type="lin">
+              <dgm:param type="linDir" val="fromL"/>
+              <dgm:param type="horzAlign" val="l"/>
+              <dgm:param type="nodeHorzAlign" val="l"/>
+            </dgm:alg>
+          </dgm:if>
+          <dgm:else name="Name6">
+            <dgm:alg type="lin">
+              <dgm:param type="linDir" val="fromR"/>
+              <dgm:param type="horzAlign" val="r"/>
+              <dgm:param type="nodeHorzAlign" val="r"/>
+            </dgm:alg>
+          </dgm:else>
+        </dgm:choose>
+        <dgm:shape xmlns:r="http://schemas.openxmlformats.org/officeDocument/2006/relationships" r:blip="">
+          <dgm:adjLst/>
+        </dgm:shape>
+        <dgm:presOf/>
+        <dgm:constrLst/>
+        <dgm:ruleLst/>
+        <dgm:layoutNode name="parentLeftMargin">
+          <dgm:alg type="sp"/>
+          <dgm:shape xmlns:r="http://schemas.openxmlformats.org/officeDocument/2006/relationships" type="rect" r:blip="" hideGeom="1">
+            <dgm:adjLst/>
+          </dgm:shape>
+          <dgm:presOf axis="self"/>
+          <dgm:constrLst>
+            <dgm:constr type="h"/>
+          </dgm:constrLst>
+          <dgm:ruleLst/>
+        </dgm:layoutNode>
+        <dgm:layoutNode name="parentText" styleLbl="node1">
+          <dgm:varLst>
+            <dgm:chMax val="0"/>
+            <dgm:bulletEnabled val="1"/>
+          </dgm:varLst>
+          <dgm:choose name="Name7">
+            <dgm:if name="Name8" func="var" arg="dir" op="equ" val="norm">
+              <dgm:alg type="tx">
+                <dgm:param type="parTxLTRAlign" val="l"/>
+                <dgm:param type="parTxRTLAlign" val="l"/>
+              </dgm:alg>
+            </dgm:if>
+            <dgm:else name="Name9">
+              <dgm:alg type="tx">
+                <dgm:param type="parTxLTRAlign" val="r"/>
+                <dgm:param type="parTxRTLAlign" val="r"/>
+              </dgm:alg>
+            </dgm:else>
+          </dgm:choose>
+          <dgm:shape xmlns:r="http://schemas.openxmlformats.org/officeDocument/2006/relationships" type="roundRect" r:blip="">
+            <dgm:adjLst/>
+          </dgm:shape>
+          <dgm:presOf axis="self" ptType="node"/>
+          <dgm:constrLst>
+            <dgm:constr type="tMarg"/>
+            <dgm:constr type="bMarg"/>
+          </dgm:constrLst>
+          <dgm:ruleLst/>
+        </dgm:layoutNode>
+      </dgm:layoutNode>
+      <dgm:layoutNode name="negativeSpace">
+        <dgm:alg type="sp"/>
+        <dgm:shape xmlns:r="http://schemas.openxmlformats.org/officeDocument/2006/relationships" r:blip="">
+          <dgm:adjLst/>
+        </dgm:shape>
+        <dgm:presOf/>
+        <dgm:constrLst/>
+        <dgm:ruleLst/>
+      </dgm:layoutNode>
+      <dgm:layoutNode name="childText" styleLbl="conFgAcc1">
+        <dgm:varLst>
+          <dgm:bulletEnabled val="1"/>
+        </dgm:varLst>
+        <dgm:alg type="tx">
+          <dgm:param type="stBulletLvl" val="1"/>
+        </dgm:alg>
+        <dgm:shape xmlns:r="http://schemas.openxmlformats.org/officeDocument/2006/relationships" type="rect" r:blip="" zOrderOff="-2">
+          <dgm:adjLst/>
+        </dgm:shape>
+        <dgm:presOf axis="des" ptType="node"/>
+        <dgm:constrLst>
+          <dgm:constr type="secFontSz" refType="primFontSz"/>
+        </dgm:constrLst>
+        <dgm:ruleLst>
+          <dgm:rule type="h" val="INF" fact="NaN" max="NaN"/>
+        </dgm:ruleLst>
+      </dgm:layoutNode>
+      <dgm:forEach name="Name10" axis="followSib" ptType="sibTrans" cnt="1">
+        <dgm:layoutNode name="spaceBetweenRectangles">
+          <dgm:alg type="sp"/>
+          <dgm:shape xmlns:r="http://schemas.openxmlformats.org/officeDocument/2006/relationships" r:blip="">
+            <dgm:adjLst/>
+          </dgm:shape>
+          <dgm:presOf/>
+          <dgm:constrLst/>
+          <dgm:ruleLst/>
+        </dgm:layoutNode>
+      </dgm:forEach>
+    </dgm:forEach>
+  </dgm:layoutNode>
+</dgm:layoutDef>
+</file>
+
 <file path=ppt/diagrams/quickStyle1.xml><?xml version="1.0" encoding="utf-8"?>
 <dgm:styleDef xmlns:dgm="http://schemas.openxmlformats.org/drawingml/2006/diagram" xmlns:a="http://schemas.openxmlformats.org/drawingml/2006/main" uniqueId="urn:microsoft.com/office/officeart/2005/8/quickstyle/simple1">
   <dgm:title val=""/>
@@ -9581,6 +12239,1040 @@
         <a:scrgbClr r="0" g="0" b="0"/>
       </a:fillRef>
       <a:effectRef idx="1">
+        <a:scrgbClr r="0" g="0" b="0"/>
+      </a:effectRef>
+      <a:fontRef idx="minor"/>
+    </dgm:style>
+  </dgm:styleLbl>
+  <dgm:styleLbl name="revTx">
+    <dgm:scene3d>
+      <a:camera prst="orthographicFront"/>
+      <a:lightRig rig="threePt" dir="t"/>
+    </dgm:scene3d>
+    <dgm:sp3d/>
+    <dgm:txPr/>
+    <dgm:style>
+      <a:lnRef idx="0">
+        <a:scrgbClr r="0" g="0" b="0"/>
+      </a:lnRef>
+      <a:fillRef idx="0">
+        <a:scrgbClr r="0" g="0" b="0"/>
+      </a:fillRef>
+      <a:effectRef idx="0">
+        <a:scrgbClr r="0" g="0" b="0"/>
+      </a:effectRef>
+      <a:fontRef idx="minor"/>
+    </dgm:style>
+  </dgm:styleLbl>
+</dgm:styleDef>
+</file>
+
+<file path=ppt/diagrams/quickStyle4.xml><?xml version="1.0" encoding="utf-8"?>
+<dgm:styleDef xmlns:dgm="http://schemas.openxmlformats.org/drawingml/2006/diagram" xmlns:a="http://schemas.openxmlformats.org/drawingml/2006/main" uniqueId="urn:microsoft.com/office/officeart/2005/8/quickstyle/simple1">
+  <dgm:title val=""/>
+  <dgm:desc val=""/>
+  <dgm:catLst>
+    <dgm:cat type="simple" pri="10100"/>
+  </dgm:catLst>
+  <dgm:scene3d>
+    <a:camera prst="orthographicFront"/>
+    <a:lightRig rig="threePt" dir="t"/>
+  </dgm:scene3d>
+  <dgm:styleLbl name="node0">
+    <dgm:scene3d>
+      <a:camera prst="orthographicFront"/>
+      <a:lightRig rig="threePt" dir="t"/>
+    </dgm:scene3d>
+    <dgm:sp3d/>
+    <dgm:txPr/>
+    <dgm:style>
+      <a:lnRef idx="2">
+        <a:scrgbClr r="0" g="0" b="0"/>
+      </a:lnRef>
+      <a:fillRef idx="1">
+        <a:scrgbClr r="0" g="0" b="0"/>
+      </a:fillRef>
+      <a:effectRef idx="0">
+        <a:scrgbClr r="0" g="0" b="0"/>
+      </a:effectRef>
+      <a:fontRef idx="minor">
+        <a:schemeClr val="lt1"/>
+      </a:fontRef>
+    </dgm:style>
+  </dgm:styleLbl>
+  <dgm:styleLbl name="lnNode1">
+    <dgm:scene3d>
+      <a:camera prst="orthographicFront"/>
+      <a:lightRig rig="threePt" dir="t"/>
+    </dgm:scene3d>
+    <dgm:sp3d/>
+    <dgm:txPr/>
+    <dgm:style>
+      <a:lnRef idx="2">
+        <a:scrgbClr r="0" g="0" b="0"/>
+      </a:lnRef>
+      <a:fillRef idx="1">
+        <a:scrgbClr r="0" g="0" b="0"/>
+      </a:fillRef>
+      <a:effectRef idx="0">
+        <a:scrgbClr r="0" g="0" b="0"/>
+      </a:effectRef>
+      <a:fontRef idx="minor">
+        <a:schemeClr val="lt1"/>
+      </a:fontRef>
+    </dgm:style>
+  </dgm:styleLbl>
+  <dgm:styleLbl name="vennNode1">
+    <dgm:scene3d>
+      <a:camera prst="orthographicFront"/>
+      <a:lightRig rig="threePt" dir="t"/>
+    </dgm:scene3d>
+    <dgm:sp3d/>
+    <dgm:txPr/>
+    <dgm:style>
+      <a:lnRef idx="2">
+        <a:scrgbClr r="0" g="0" b="0"/>
+      </a:lnRef>
+      <a:fillRef idx="1">
+        <a:scrgbClr r="0" g="0" b="0"/>
+      </a:fillRef>
+      <a:effectRef idx="0">
+        <a:scrgbClr r="0" g="0" b="0"/>
+      </a:effectRef>
+      <a:fontRef idx="minor">
+        <a:schemeClr val="tx1"/>
+      </a:fontRef>
+    </dgm:style>
+  </dgm:styleLbl>
+  <dgm:styleLbl name="alignNode1">
+    <dgm:scene3d>
+      <a:camera prst="orthographicFront"/>
+      <a:lightRig rig="threePt" dir="t"/>
+    </dgm:scene3d>
+    <dgm:sp3d/>
+    <dgm:txPr/>
+    <dgm:style>
+      <a:lnRef idx="2">
+        <a:scrgbClr r="0" g="0" b="0"/>
+      </a:lnRef>
+      <a:fillRef idx="1">
+        <a:scrgbClr r="0" g="0" b="0"/>
+      </a:fillRef>
+      <a:effectRef idx="0">
+        <a:scrgbClr r="0" g="0" b="0"/>
+      </a:effectRef>
+      <a:fontRef idx="minor">
+        <a:schemeClr val="lt1"/>
+      </a:fontRef>
+    </dgm:style>
+  </dgm:styleLbl>
+  <dgm:styleLbl name="node1">
+    <dgm:scene3d>
+      <a:camera prst="orthographicFront"/>
+      <a:lightRig rig="threePt" dir="t"/>
+    </dgm:scene3d>
+    <dgm:sp3d/>
+    <dgm:txPr/>
+    <dgm:style>
+      <a:lnRef idx="2">
+        <a:scrgbClr r="0" g="0" b="0"/>
+      </a:lnRef>
+      <a:fillRef idx="1">
+        <a:scrgbClr r="0" g="0" b="0"/>
+      </a:fillRef>
+      <a:effectRef idx="0">
+        <a:scrgbClr r="0" g="0" b="0"/>
+      </a:effectRef>
+      <a:fontRef idx="minor">
+        <a:schemeClr val="lt1"/>
+      </a:fontRef>
+    </dgm:style>
+  </dgm:styleLbl>
+  <dgm:styleLbl name="node2">
+    <dgm:scene3d>
+      <a:camera prst="orthographicFront"/>
+      <a:lightRig rig="threePt" dir="t"/>
+    </dgm:scene3d>
+    <dgm:sp3d/>
+    <dgm:txPr/>
+    <dgm:style>
+      <a:lnRef idx="2">
+        <a:scrgbClr r="0" g="0" b="0"/>
+      </a:lnRef>
+      <a:fillRef idx="1">
+        <a:scrgbClr r="0" g="0" b="0"/>
+      </a:fillRef>
+      <a:effectRef idx="0">
+        <a:scrgbClr r="0" g="0" b="0"/>
+      </a:effectRef>
+      <a:fontRef idx="minor">
+        <a:schemeClr val="lt1"/>
+      </a:fontRef>
+    </dgm:style>
+  </dgm:styleLbl>
+  <dgm:styleLbl name="node3">
+    <dgm:scene3d>
+      <a:camera prst="orthographicFront"/>
+      <a:lightRig rig="threePt" dir="t"/>
+    </dgm:scene3d>
+    <dgm:sp3d/>
+    <dgm:txPr/>
+    <dgm:style>
+      <a:lnRef idx="2">
+        <a:scrgbClr r="0" g="0" b="0"/>
+      </a:lnRef>
+      <a:fillRef idx="1">
+        <a:scrgbClr r="0" g="0" b="0"/>
+      </a:fillRef>
+      <a:effectRef idx="0">
+        <a:scrgbClr r="0" g="0" b="0"/>
+      </a:effectRef>
+      <a:fontRef idx="minor">
+        <a:schemeClr val="lt1"/>
+      </a:fontRef>
+    </dgm:style>
+  </dgm:styleLbl>
+  <dgm:styleLbl name="node4">
+    <dgm:scene3d>
+      <a:camera prst="orthographicFront"/>
+      <a:lightRig rig="threePt" dir="t"/>
+    </dgm:scene3d>
+    <dgm:sp3d/>
+    <dgm:txPr/>
+    <dgm:style>
+      <a:lnRef idx="2">
+        <a:scrgbClr r="0" g="0" b="0"/>
+      </a:lnRef>
+      <a:fillRef idx="1">
+        <a:scrgbClr r="0" g="0" b="0"/>
+      </a:fillRef>
+      <a:effectRef idx="0">
+        <a:scrgbClr r="0" g="0" b="0"/>
+      </a:effectRef>
+      <a:fontRef idx="minor">
+        <a:schemeClr val="lt1"/>
+      </a:fontRef>
+    </dgm:style>
+  </dgm:styleLbl>
+  <dgm:styleLbl name="fgImgPlace1">
+    <dgm:scene3d>
+      <a:camera prst="orthographicFront"/>
+      <a:lightRig rig="threePt" dir="t"/>
+    </dgm:scene3d>
+    <dgm:sp3d/>
+    <dgm:txPr/>
+    <dgm:style>
+      <a:lnRef idx="2">
+        <a:scrgbClr r="0" g="0" b="0"/>
+      </a:lnRef>
+      <a:fillRef idx="1">
+        <a:scrgbClr r="0" g="0" b="0"/>
+      </a:fillRef>
+      <a:effectRef idx="0">
+        <a:scrgbClr r="0" g="0" b="0"/>
+      </a:effectRef>
+      <a:fontRef idx="minor"/>
+    </dgm:style>
+  </dgm:styleLbl>
+  <dgm:styleLbl name="alignImgPlace1">
+    <dgm:scene3d>
+      <a:camera prst="orthographicFront"/>
+      <a:lightRig rig="threePt" dir="t"/>
+    </dgm:scene3d>
+    <dgm:sp3d/>
+    <dgm:txPr/>
+    <dgm:style>
+      <a:lnRef idx="2">
+        <a:scrgbClr r="0" g="0" b="0"/>
+      </a:lnRef>
+      <a:fillRef idx="1">
+        <a:scrgbClr r="0" g="0" b="0"/>
+      </a:fillRef>
+      <a:effectRef idx="0">
+        <a:scrgbClr r="0" g="0" b="0"/>
+      </a:effectRef>
+      <a:fontRef idx="minor"/>
+    </dgm:style>
+  </dgm:styleLbl>
+  <dgm:styleLbl name="bgImgPlace1">
+    <dgm:scene3d>
+      <a:camera prst="orthographicFront"/>
+      <a:lightRig rig="threePt" dir="t"/>
+    </dgm:scene3d>
+    <dgm:sp3d/>
+    <dgm:txPr/>
+    <dgm:style>
+      <a:lnRef idx="2">
+        <a:scrgbClr r="0" g="0" b="0"/>
+      </a:lnRef>
+      <a:fillRef idx="1">
+        <a:scrgbClr r="0" g="0" b="0"/>
+      </a:fillRef>
+      <a:effectRef idx="0">
+        <a:scrgbClr r="0" g="0" b="0"/>
+      </a:effectRef>
+      <a:fontRef idx="minor"/>
+    </dgm:style>
+  </dgm:styleLbl>
+  <dgm:styleLbl name="sibTrans2D1">
+    <dgm:scene3d>
+      <a:camera prst="orthographicFront"/>
+      <a:lightRig rig="threePt" dir="t"/>
+    </dgm:scene3d>
+    <dgm:sp3d/>
+    <dgm:txPr/>
+    <dgm:style>
+      <a:lnRef idx="0">
+        <a:scrgbClr r="0" g="0" b="0"/>
+      </a:lnRef>
+      <a:fillRef idx="1">
+        <a:scrgbClr r="0" g="0" b="0"/>
+      </a:fillRef>
+      <a:effectRef idx="0">
+        <a:scrgbClr r="0" g="0" b="0"/>
+      </a:effectRef>
+      <a:fontRef idx="minor">
+        <a:schemeClr val="lt1"/>
+      </a:fontRef>
+    </dgm:style>
+  </dgm:styleLbl>
+  <dgm:styleLbl name="fgSibTrans2D1">
+    <dgm:scene3d>
+      <a:camera prst="orthographicFront"/>
+      <a:lightRig rig="threePt" dir="t"/>
+    </dgm:scene3d>
+    <dgm:sp3d/>
+    <dgm:txPr/>
+    <dgm:style>
+      <a:lnRef idx="0">
+        <a:scrgbClr r="0" g="0" b="0"/>
+      </a:lnRef>
+      <a:fillRef idx="1">
+        <a:scrgbClr r="0" g="0" b="0"/>
+      </a:fillRef>
+      <a:effectRef idx="0">
+        <a:scrgbClr r="0" g="0" b="0"/>
+      </a:effectRef>
+      <a:fontRef idx="minor">
+        <a:schemeClr val="lt1"/>
+      </a:fontRef>
+    </dgm:style>
+  </dgm:styleLbl>
+  <dgm:styleLbl name="bgSibTrans2D1">
+    <dgm:scene3d>
+      <a:camera prst="orthographicFront"/>
+      <a:lightRig rig="threePt" dir="t"/>
+    </dgm:scene3d>
+    <dgm:sp3d/>
+    <dgm:txPr/>
+    <dgm:style>
+      <a:lnRef idx="0">
+        <a:scrgbClr r="0" g="0" b="0"/>
+      </a:lnRef>
+      <a:fillRef idx="1">
+        <a:scrgbClr r="0" g="0" b="0"/>
+      </a:fillRef>
+      <a:effectRef idx="0">
+        <a:scrgbClr r="0" g="0" b="0"/>
+      </a:effectRef>
+      <a:fontRef idx="minor">
+        <a:schemeClr val="lt1"/>
+      </a:fontRef>
+    </dgm:style>
+  </dgm:styleLbl>
+  <dgm:styleLbl name="sibTrans1D1">
+    <dgm:scene3d>
+      <a:camera prst="orthographicFront"/>
+      <a:lightRig rig="threePt" dir="t"/>
+    </dgm:scene3d>
+    <dgm:sp3d/>
+    <dgm:txPr/>
+    <dgm:style>
+      <a:lnRef idx="1">
+        <a:scrgbClr r="0" g="0" b="0"/>
+      </a:lnRef>
+      <a:fillRef idx="0">
+        <a:scrgbClr r="0" g="0" b="0"/>
+      </a:fillRef>
+      <a:effectRef idx="0">
+        <a:scrgbClr r="0" g="0" b="0"/>
+      </a:effectRef>
+      <a:fontRef idx="minor"/>
+    </dgm:style>
+  </dgm:styleLbl>
+  <dgm:styleLbl name="callout">
+    <dgm:scene3d>
+      <a:camera prst="orthographicFront"/>
+      <a:lightRig rig="threePt" dir="t"/>
+    </dgm:scene3d>
+    <dgm:sp3d/>
+    <dgm:txPr/>
+    <dgm:style>
+      <a:lnRef idx="2">
+        <a:scrgbClr r="0" g="0" b="0"/>
+      </a:lnRef>
+      <a:fillRef idx="1">
+        <a:scrgbClr r="0" g="0" b="0"/>
+      </a:fillRef>
+      <a:effectRef idx="0">
+        <a:scrgbClr r="0" g="0" b="0"/>
+      </a:effectRef>
+      <a:fontRef idx="minor"/>
+    </dgm:style>
+  </dgm:styleLbl>
+  <dgm:styleLbl name="asst0">
+    <dgm:scene3d>
+      <a:camera prst="orthographicFront"/>
+      <a:lightRig rig="threePt" dir="t"/>
+    </dgm:scene3d>
+    <dgm:sp3d/>
+    <dgm:txPr/>
+    <dgm:style>
+      <a:lnRef idx="2">
+        <a:scrgbClr r="0" g="0" b="0"/>
+      </a:lnRef>
+      <a:fillRef idx="1">
+        <a:scrgbClr r="0" g="0" b="0"/>
+      </a:fillRef>
+      <a:effectRef idx="0">
+        <a:scrgbClr r="0" g="0" b="0"/>
+      </a:effectRef>
+      <a:fontRef idx="minor">
+        <a:schemeClr val="lt1"/>
+      </a:fontRef>
+    </dgm:style>
+  </dgm:styleLbl>
+  <dgm:styleLbl name="asst1">
+    <dgm:scene3d>
+      <a:camera prst="orthographicFront"/>
+      <a:lightRig rig="threePt" dir="t"/>
+    </dgm:scene3d>
+    <dgm:sp3d/>
+    <dgm:txPr/>
+    <dgm:style>
+      <a:lnRef idx="2">
+        <a:scrgbClr r="0" g="0" b="0"/>
+      </a:lnRef>
+      <a:fillRef idx="1">
+        <a:scrgbClr r="0" g="0" b="0"/>
+      </a:fillRef>
+      <a:effectRef idx="0">
+        <a:scrgbClr r="0" g="0" b="0"/>
+      </a:effectRef>
+      <a:fontRef idx="minor">
+        <a:schemeClr val="lt1"/>
+      </a:fontRef>
+    </dgm:style>
+  </dgm:styleLbl>
+  <dgm:styleLbl name="asst2">
+    <dgm:scene3d>
+      <a:camera prst="orthographicFront"/>
+      <a:lightRig rig="threePt" dir="t"/>
+    </dgm:scene3d>
+    <dgm:sp3d/>
+    <dgm:txPr/>
+    <dgm:style>
+      <a:lnRef idx="2">
+        <a:scrgbClr r="0" g="0" b="0"/>
+      </a:lnRef>
+      <a:fillRef idx="1">
+        <a:scrgbClr r="0" g="0" b="0"/>
+      </a:fillRef>
+      <a:effectRef idx="0">
+        <a:scrgbClr r="0" g="0" b="0"/>
+      </a:effectRef>
+      <a:fontRef idx="minor">
+        <a:schemeClr val="lt1"/>
+      </a:fontRef>
+    </dgm:style>
+  </dgm:styleLbl>
+  <dgm:styleLbl name="asst3">
+    <dgm:scene3d>
+      <a:camera prst="orthographicFront"/>
+      <a:lightRig rig="threePt" dir="t"/>
+    </dgm:scene3d>
+    <dgm:sp3d/>
+    <dgm:txPr/>
+    <dgm:style>
+      <a:lnRef idx="2">
+        <a:scrgbClr r="0" g="0" b="0"/>
+      </a:lnRef>
+      <a:fillRef idx="1">
+        <a:scrgbClr r="0" g="0" b="0"/>
+      </a:fillRef>
+      <a:effectRef idx="0">
+        <a:scrgbClr r="0" g="0" b="0"/>
+      </a:effectRef>
+      <a:fontRef idx="minor">
+        <a:schemeClr val="lt1"/>
+      </a:fontRef>
+    </dgm:style>
+  </dgm:styleLbl>
+  <dgm:styleLbl name="asst4">
+    <dgm:scene3d>
+      <a:camera prst="orthographicFront"/>
+      <a:lightRig rig="threePt" dir="t"/>
+    </dgm:scene3d>
+    <dgm:sp3d/>
+    <dgm:txPr/>
+    <dgm:style>
+      <a:lnRef idx="2">
+        <a:scrgbClr r="0" g="0" b="0"/>
+      </a:lnRef>
+      <a:fillRef idx="1">
+        <a:scrgbClr r="0" g="0" b="0"/>
+      </a:fillRef>
+      <a:effectRef idx="0">
+        <a:scrgbClr r="0" g="0" b="0"/>
+      </a:effectRef>
+      <a:fontRef idx="minor">
+        <a:schemeClr val="lt1"/>
+      </a:fontRef>
+    </dgm:style>
+  </dgm:styleLbl>
+  <dgm:styleLbl name="parChTrans2D1">
+    <dgm:scene3d>
+      <a:camera prst="orthographicFront"/>
+      <a:lightRig rig="threePt" dir="t"/>
+    </dgm:scene3d>
+    <dgm:sp3d/>
+    <dgm:txPr/>
+    <dgm:style>
+      <a:lnRef idx="2">
+        <a:scrgbClr r="0" g="0" b="0"/>
+      </a:lnRef>
+      <a:fillRef idx="1">
+        <a:scrgbClr r="0" g="0" b="0"/>
+      </a:fillRef>
+      <a:effectRef idx="0">
+        <a:scrgbClr r="0" g="0" b="0"/>
+      </a:effectRef>
+      <a:fontRef idx="minor">
+        <a:schemeClr val="lt1"/>
+      </a:fontRef>
+    </dgm:style>
+  </dgm:styleLbl>
+  <dgm:styleLbl name="parChTrans2D2">
+    <dgm:scene3d>
+      <a:camera prst="orthographicFront"/>
+      <a:lightRig rig="threePt" dir="t"/>
+    </dgm:scene3d>
+    <dgm:sp3d/>
+    <dgm:txPr/>
+    <dgm:style>
+      <a:lnRef idx="2">
+        <a:scrgbClr r="0" g="0" b="0"/>
+      </a:lnRef>
+      <a:fillRef idx="1">
+        <a:scrgbClr r="0" g="0" b="0"/>
+      </a:fillRef>
+      <a:effectRef idx="0">
+        <a:scrgbClr r="0" g="0" b="0"/>
+      </a:effectRef>
+      <a:fontRef idx="minor">
+        <a:schemeClr val="lt1"/>
+      </a:fontRef>
+    </dgm:style>
+  </dgm:styleLbl>
+  <dgm:styleLbl name="parChTrans2D3">
+    <dgm:scene3d>
+      <a:camera prst="orthographicFront"/>
+      <a:lightRig rig="threePt" dir="t"/>
+    </dgm:scene3d>
+    <dgm:sp3d/>
+    <dgm:txPr/>
+    <dgm:style>
+      <a:lnRef idx="2">
+        <a:scrgbClr r="0" g="0" b="0"/>
+      </a:lnRef>
+      <a:fillRef idx="1">
+        <a:scrgbClr r="0" g="0" b="0"/>
+      </a:fillRef>
+      <a:effectRef idx="0">
+        <a:scrgbClr r="0" g="0" b="0"/>
+      </a:effectRef>
+      <a:fontRef idx="minor">
+        <a:schemeClr val="lt1"/>
+      </a:fontRef>
+    </dgm:style>
+  </dgm:styleLbl>
+  <dgm:styleLbl name="parChTrans2D4">
+    <dgm:scene3d>
+      <a:camera prst="orthographicFront"/>
+      <a:lightRig rig="threePt" dir="t"/>
+    </dgm:scene3d>
+    <dgm:sp3d/>
+    <dgm:txPr/>
+    <dgm:style>
+      <a:lnRef idx="2">
+        <a:scrgbClr r="0" g="0" b="0"/>
+      </a:lnRef>
+      <a:fillRef idx="1">
+        <a:scrgbClr r="0" g="0" b="0"/>
+      </a:fillRef>
+      <a:effectRef idx="0">
+        <a:scrgbClr r="0" g="0" b="0"/>
+      </a:effectRef>
+      <a:fontRef idx="minor">
+        <a:schemeClr val="lt1"/>
+      </a:fontRef>
+    </dgm:style>
+  </dgm:styleLbl>
+  <dgm:styleLbl name="parChTrans1D1">
+    <dgm:scene3d>
+      <a:camera prst="orthographicFront"/>
+      <a:lightRig rig="threePt" dir="t"/>
+    </dgm:scene3d>
+    <dgm:sp3d/>
+    <dgm:txPr/>
+    <dgm:style>
+      <a:lnRef idx="2">
+        <a:scrgbClr r="0" g="0" b="0"/>
+      </a:lnRef>
+      <a:fillRef idx="0">
+        <a:scrgbClr r="0" g="0" b="0"/>
+      </a:fillRef>
+      <a:effectRef idx="0">
+        <a:scrgbClr r="0" g="0" b="0"/>
+      </a:effectRef>
+      <a:fontRef idx="minor"/>
+    </dgm:style>
+  </dgm:styleLbl>
+  <dgm:styleLbl name="parChTrans1D2">
+    <dgm:scene3d>
+      <a:camera prst="orthographicFront"/>
+      <a:lightRig rig="threePt" dir="t"/>
+    </dgm:scene3d>
+    <dgm:sp3d/>
+    <dgm:txPr/>
+    <dgm:style>
+      <a:lnRef idx="2">
+        <a:scrgbClr r="0" g="0" b="0"/>
+      </a:lnRef>
+      <a:fillRef idx="0">
+        <a:scrgbClr r="0" g="0" b="0"/>
+      </a:fillRef>
+      <a:effectRef idx="0">
+        <a:scrgbClr r="0" g="0" b="0"/>
+      </a:effectRef>
+      <a:fontRef idx="minor"/>
+    </dgm:style>
+  </dgm:styleLbl>
+  <dgm:styleLbl name="parChTrans1D3">
+    <dgm:scene3d>
+      <a:camera prst="orthographicFront"/>
+      <a:lightRig rig="threePt" dir="t"/>
+    </dgm:scene3d>
+    <dgm:sp3d/>
+    <dgm:txPr/>
+    <dgm:style>
+      <a:lnRef idx="2">
+        <a:scrgbClr r="0" g="0" b="0"/>
+      </a:lnRef>
+      <a:fillRef idx="0">
+        <a:scrgbClr r="0" g="0" b="0"/>
+      </a:fillRef>
+      <a:effectRef idx="0">
+        <a:scrgbClr r="0" g="0" b="0"/>
+      </a:effectRef>
+      <a:fontRef idx="minor"/>
+    </dgm:style>
+  </dgm:styleLbl>
+  <dgm:styleLbl name="parChTrans1D4">
+    <dgm:scene3d>
+      <a:camera prst="orthographicFront"/>
+      <a:lightRig rig="threePt" dir="t"/>
+    </dgm:scene3d>
+    <dgm:sp3d/>
+    <dgm:txPr/>
+    <dgm:style>
+      <a:lnRef idx="2">
+        <a:scrgbClr r="0" g="0" b="0"/>
+      </a:lnRef>
+      <a:fillRef idx="0">
+        <a:scrgbClr r="0" g="0" b="0"/>
+      </a:fillRef>
+      <a:effectRef idx="0">
+        <a:scrgbClr r="0" g="0" b="0"/>
+      </a:effectRef>
+      <a:fontRef idx="minor"/>
+    </dgm:style>
+  </dgm:styleLbl>
+  <dgm:styleLbl name="fgAcc1">
+    <dgm:scene3d>
+      <a:camera prst="orthographicFront"/>
+      <a:lightRig rig="threePt" dir="t"/>
+    </dgm:scene3d>
+    <dgm:sp3d/>
+    <dgm:txPr/>
+    <dgm:style>
+      <a:lnRef idx="2">
+        <a:scrgbClr r="0" g="0" b="0"/>
+      </a:lnRef>
+      <a:fillRef idx="1">
+        <a:scrgbClr r="0" g="0" b="0"/>
+      </a:fillRef>
+      <a:effectRef idx="0">
+        <a:scrgbClr r="0" g="0" b="0"/>
+      </a:effectRef>
+      <a:fontRef idx="minor"/>
+    </dgm:style>
+  </dgm:styleLbl>
+  <dgm:styleLbl name="conFgAcc1">
+    <dgm:scene3d>
+      <a:camera prst="orthographicFront"/>
+      <a:lightRig rig="threePt" dir="t"/>
+    </dgm:scene3d>
+    <dgm:sp3d/>
+    <dgm:txPr/>
+    <dgm:style>
+      <a:lnRef idx="2">
+        <a:scrgbClr r="0" g="0" b="0"/>
+      </a:lnRef>
+      <a:fillRef idx="1">
+        <a:scrgbClr r="0" g="0" b="0"/>
+      </a:fillRef>
+      <a:effectRef idx="0">
+        <a:scrgbClr r="0" g="0" b="0"/>
+      </a:effectRef>
+      <a:fontRef idx="minor"/>
+    </dgm:style>
+  </dgm:styleLbl>
+  <dgm:styleLbl name="alignAcc1">
+    <dgm:scene3d>
+      <a:camera prst="orthographicFront"/>
+      <a:lightRig rig="threePt" dir="t"/>
+    </dgm:scene3d>
+    <dgm:sp3d/>
+    <dgm:txPr/>
+    <dgm:style>
+      <a:lnRef idx="2">
+        <a:scrgbClr r="0" g="0" b="0"/>
+      </a:lnRef>
+      <a:fillRef idx="1">
+        <a:scrgbClr r="0" g="0" b="0"/>
+      </a:fillRef>
+      <a:effectRef idx="0">
+        <a:scrgbClr r="0" g="0" b="0"/>
+      </a:effectRef>
+      <a:fontRef idx="minor"/>
+    </dgm:style>
+  </dgm:styleLbl>
+  <dgm:styleLbl name="trAlignAcc1">
+    <dgm:scene3d>
+      <a:camera prst="orthographicFront"/>
+      <a:lightRig rig="threePt" dir="t"/>
+    </dgm:scene3d>
+    <dgm:sp3d/>
+    <dgm:txPr/>
+    <dgm:style>
+      <a:lnRef idx="1">
+        <a:scrgbClr r="0" g="0" b="0"/>
+      </a:lnRef>
+      <a:fillRef idx="1">
+        <a:scrgbClr r="0" g="0" b="0"/>
+      </a:fillRef>
+      <a:effectRef idx="0">
+        <a:scrgbClr r="0" g="0" b="0"/>
+      </a:effectRef>
+      <a:fontRef idx="minor"/>
+    </dgm:style>
+  </dgm:styleLbl>
+  <dgm:styleLbl name="bgAcc1">
+    <dgm:scene3d>
+      <a:camera prst="orthographicFront"/>
+      <a:lightRig rig="threePt" dir="t"/>
+    </dgm:scene3d>
+    <dgm:sp3d/>
+    <dgm:txPr/>
+    <dgm:style>
+      <a:lnRef idx="2">
+        <a:scrgbClr r="0" g="0" b="0"/>
+      </a:lnRef>
+      <a:fillRef idx="1">
+        <a:scrgbClr r="0" g="0" b="0"/>
+      </a:fillRef>
+      <a:effectRef idx="0">
+        <a:scrgbClr r="0" g="0" b="0"/>
+      </a:effectRef>
+      <a:fontRef idx="minor"/>
+    </dgm:style>
+  </dgm:styleLbl>
+  <dgm:styleLbl name="solidFgAcc1">
+    <dgm:scene3d>
+      <a:camera prst="orthographicFront"/>
+      <a:lightRig rig="threePt" dir="t"/>
+    </dgm:scene3d>
+    <dgm:sp3d/>
+    <dgm:txPr/>
+    <dgm:style>
+      <a:lnRef idx="2">
+        <a:scrgbClr r="0" g="0" b="0"/>
+      </a:lnRef>
+      <a:fillRef idx="1">
+        <a:scrgbClr r="0" g="0" b="0"/>
+      </a:fillRef>
+      <a:effectRef idx="0">
+        <a:scrgbClr r="0" g="0" b="0"/>
+      </a:effectRef>
+      <a:fontRef idx="minor"/>
+    </dgm:style>
+  </dgm:styleLbl>
+  <dgm:styleLbl name="solidAlignAcc1">
+    <dgm:scene3d>
+      <a:camera prst="orthographicFront"/>
+      <a:lightRig rig="threePt" dir="t"/>
+    </dgm:scene3d>
+    <dgm:sp3d/>
+    <dgm:txPr/>
+    <dgm:style>
+      <a:lnRef idx="2">
+        <a:scrgbClr r="0" g="0" b="0"/>
+      </a:lnRef>
+      <a:fillRef idx="1">
+        <a:scrgbClr r="0" g="0" b="0"/>
+      </a:fillRef>
+      <a:effectRef idx="0">
+        <a:scrgbClr r="0" g="0" b="0"/>
+      </a:effectRef>
+      <a:fontRef idx="minor"/>
+    </dgm:style>
+  </dgm:styleLbl>
+  <dgm:styleLbl name="solidBgAcc1">
+    <dgm:scene3d>
+      <a:camera prst="orthographicFront"/>
+      <a:lightRig rig="threePt" dir="t"/>
+    </dgm:scene3d>
+    <dgm:sp3d/>
+    <dgm:txPr/>
+    <dgm:style>
+      <a:lnRef idx="2">
+        <a:scrgbClr r="0" g="0" b="0"/>
+      </a:lnRef>
+      <a:fillRef idx="1">
+        <a:scrgbClr r="0" g="0" b="0"/>
+      </a:fillRef>
+      <a:effectRef idx="0">
+        <a:scrgbClr r="0" g="0" b="0"/>
+      </a:effectRef>
+      <a:fontRef idx="minor"/>
+    </dgm:style>
+  </dgm:styleLbl>
+  <dgm:styleLbl name="fgAccFollowNode1">
+    <dgm:scene3d>
+      <a:camera prst="orthographicFront"/>
+      <a:lightRig rig="threePt" dir="t"/>
+    </dgm:scene3d>
+    <dgm:sp3d/>
+    <dgm:txPr/>
+    <dgm:style>
+      <a:lnRef idx="2">
+        <a:scrgbClr r="0" g="0" b="0"/>
+      </a:lnRef>
+      <a:fillRef idx="1">
+        <a:scrgbClr r="0" g="0" b="0"/>
+      </a:fillRef>
+      <a:effectRef idx="0">
+        <a:scrgbClr r="0" g="0" b="0"/>
+      </a:effectRef>
+      <a:fontRef idx="minor"/>
+    </dgm:style>
+  </dgm:styleLbl>
+  <dgm:styleLbl name="alignAccFollowNode1">
+    <dgm:scene3d>
+      <a:camera prst="orthographicFront"/>
+      <a:lightRig rig="threePt" dir="t"/>
+    </dgm:scene3d>
+    <dgm:sp3d/>
+    <dgm:txPr/>
+    <dgm:style>
+      <a:lnRef idx="2">
+        <a:scrgbClr r="0" g="0" b="0"/>
+      </a:lnRef>
+      <a:fillRef idx="1">
+        <a:scrgbClr r="0" g="0" b="0"/>
+      </a:fillRef>
+      <a:effectRef idx="0">
+        <a:scrgbClr r="0" g="0" b="0"/>
+      </a:effectRef>
+      <a:fontRef idx="minor"/>
+    </dgm:style>
+  </dgm:styleLbl>
+  <dgm:styleLbl name="bgAccFollowNode1">
+    <dgm:scene3d>
+      <a:camera prst="orthographicFront"/>
+      <a:lightRig rig="threePt" dir="t"/>
+    </dgm:scene3d>
+    <dgm:sp3d/>
+    <dgm:txPr/>
+    <dgm:style>
+      <a:lnRef idx="2">
+        <a:scrgbClr r="0" g="0" b="0"/>
+      </a:lnRef>
+      <a:fillRef idx="1">
+        <a:scrgbClr r="0" g="0" b="0"/>
+      </a:fillRef>
+      <a:effectRef idx="0">
+        <a:scrgbClr r="0" g="0" b="0"/>
+      </a:effectRef>
+      <a:fontRef idx="minor"/>
+    </dgm:style>
+  </dgm:styleLbl>
+  <dgm:styleLbl name="fgAcc0">
+    <dgm:scene3d>
+      <a:camera prst="orthographicFront"/>
+      <a:lightRig rig="threePt" dir="t"/>
+    </dgm:scene3d>
+    <dgm:sp3d/>
+    <dgm:txPr/>
+    <dgm:style>
+      <a:lnRef idx="2">
+        <a:scrgbClr r="0" g="0" b="0"/>
+      </a:lnRef>
+      <a:fillRef idx="1">
+        <a:scrgbClr r="0" g="0" b="0"/>
+      </a:fillRef>
+      <a:effectRef idx="0">
+        <a:scrgbClr r="0" g="0" b="0"/>
+      </a:effectRef>
+      <a:fontRef idx="minor"/>
+    </dgm:style>
+  </dgm:styleLbl>
+  <dgm:styleLbl name="fgAcc2">
+    <dgm:scene3d>
+      <a:camera prst="orthographicFront"/>
+      <a:lightRig rig="threePt" dir="t"/>
+    </dgm:scene3d>
+    <dgm:sp3d/>
+    <dgm:txPr/>
+    <dgm:style>
+      <a:lnRef idx="2">
+        <a:scrgbClr r="0" g="0" b="0"/>
+      </a:lnRef>
+      <a:fillRef idx="1">
+        <a:scrgbClr r="0" g="0" b="0"/>
+      </a:fillRef>
+      <a:effectRef idx="0">
+        <a:scrgbClr r="0" g="0" b="0"/>
+      </a:effectRef>
+      <a:fontRef idx="minor"/>
+    </dgm:style>
+  </dgm:styleLbl>
+  <dgm:styleLbl name="fgAcc3">
+    <dgm:scene3d>
+      <a:camera prst="orthographicFront"/>
+      <a:lightRig rig="threePt" dir="t"/>
+    </dgm:scene3d>
+    <dgm:sp3d/>
+    <dgm:txPr/>
+    <dgm:style>
+      <a:lnRef idx="2">
+        <a:scrgbClr r="0" g="0" b="0"/>
+      </a:lnRef>
+      <a:fillRef idx="1">
+        <a:scrgbClr r="0" g="0" b="0"/>
+      </a:fillRef>
+      <a:effectRef idx="0">
+        <a:scrgbClr r="0" g="0" b="0"/>
+      </a:effectRef>
+      <a:fontRef idx="minor"/>
+    </dgm:style>
+  </dgm:styleLbl>
+  <dgm:styleLbl name="fgAcc4">
+    <dgm:scene3d>
+      <a:camera prst="orthographicFront"/>
+      <a:lightRig rig="threePt" dir="t"/>
+    </dgm:scene3d>
+    <dgm:sp3d/>
+    <dgm:txPr/>
+    <dgm:style>
+      <a:lnRef idx="2">
+        <a:scrgbClr r="0" g="0" b="0"/>
+      </a:lnRef>
+      <a:fillRef idx="1">
+        <a:scrgbClr r="0" g="0" b="0"/>
+      </a:fillRef>
+      <a:effectRef idx="0">
+        <a:scrgbClr r="0" g="0" b="0"/>
+      </a:effectRef>
+      <a:fontRef idx="minor"/>
+    </dgm:style>
+  </dgm:styleLbl>
+  <dgm:styleLbl name="bgShp">
+    <dgm:scene3d>
+      <a:camera prst="orthographicFront"/>
+      <a:lightRig rig="threePt" dir="t"/>
+    </dgm:scene3d>
+    <dgm:sp3d/>
+    <dgm:txPr/>
+    <dgm:style>
+      <a:lnRef idx="0">
+        <a:scrgbClr r="0" g="0" b="0"/>
+      </a:lnRef>
+      <a:fillRef idx="1">
+        <a:scrgbClr r="0" g="0" b="0"/>
+      </a:fillRef>
+      <a:effectRef idx="0">
+        <a:scrgbClr r="0" g="0" b="0"/>
+      </a:effectRef>
+      <a:fontRef idx="minor"/>
+    </dgm:style>
+  </dgm:styleLbl>
+  <dgm:styleLbl name="dkBgShp">
+    <dgm:scene3d>
+      <a:camera prst="orthographicFront"/>
+      <a:lightRig rig="threePt" dir="t"/>
+    </dgm:scene3d>
+    <dgm:sp3d/>
+    <dgm:txPr/>
+    <dgm:style>
+      <a:lnRef idx="0">
+        <a:scrgbClr r="0" g="0" b="0"/>
+      </a:lnRef>
+      <a:fillRef idx="1">
+        <a:scrgbClr r="0" g="0" b="0"/>
+      </a:fillRef>
+      <a:effectRef idx="0">
+        <a:scrgbClr r="0" g="0" b="0"/>
+      </a:effectRef>
+      <a:fontRef idx="minor"/>
+    </dgm:style>
+  </dgm:styleLbl>
+  <dgm:styleLbl name="trBgShp">
+    <dgm:scene3d>
+      <a:camera prst="orthographicFront"/>
+      <a:lightRig rig="threePt" dir="t"/>
+    </dgm:scene3d>
+    <dgm:sp3d/>
+    <dgm:txPr/>
+    <dgm:style>
+      <a:lnRef idx="0">
+        <a:scrgbClr r="0" g="0" b="0"/>
+      </a:lnRef>
+      <a:fillRef idx="1">
+        <a:scrgbClr r="0" g="0" b="0"/>
+      </a:fillRef>
+      <a:effectRef idx="0">
+        <a:scrgbClr r="0" g="0" b="0"/>
+      </a:effectRef>
+      <a:fontRef idx="minor"/>
+    </dgm:style>
+  </dgm:styleLbl>
+  <dgm:styleLbl name="fgShp">
+    <dgm:scene3d>
+      <a:camera prst="orthographicFront"/>
+      <a:lightRig rig="threePt" dir="t"/>
+    </dgm:scene3d>
+    <dgm:sp3d/>
+    <dgm:txPr/>
+    <dgm:style>
+      <a:lnRef idx="2">
+        <a:scrgbClr r="0" g="0" b="0"/>
+      </a:lnRef>
+      <a:fillRef idx="1">
+        <a:scrgbClr r="0" g="0" b="0"/>
+      </a:fillRef>
+      <a:effectRef idx="0">
         <a:scrgbClr r="0" g="0" b="0"/>
       </a:effectRef>
       <a:fontRef idx="minor"/>
@@ -9704,7 +13396,7 @@
           <a:effectLst/>
           <a:extLst>
             <a:ext uri="{91240B29-F687-4f45-9708-019B960494DF}">
-              <a14:hiddenLine xmlns="" xmlns:a14="http://schemas.microsoft.com/office/drawing/2010/main" w="9525">
+              <a14:hiddenLine xmlns:a14="http://schemas.microsoft.com/office/drawing/2010/main" xmlns="" w="9525">
                 <a:solidFill>
                   <a:srgbClr val="000000"/>
                 </a:solidFill>
@@ -11234,7 +14926,7 @@
           <a:ln/>
           <a:extLst>
             <a:ext uri="{91240B29-F687-4f45-9708-019B960494DF}">
-              <a14:hiddenLine xmlns="" xmlns:a14="http://schemas.microsoft.com/office/drawing/2010/main" w="9525">
+              <a14:hiddenLine xmlns:a14="http://schemas.microsoft.com/office/drawing/2010/main" xmlns="" w="9525">
                 <a:solidFill>
                   <a:srgbClr val="000000"/>
                 </a:solidFill>
@@ -11511,7 +15203,7 @@
           <a:ln/>
           <a:extLst>
             <a:ext uri="{91240B29-F687-4f45-9708-019B960494DF}">
-              <a14:hiddenLine xmlns="" xmlns:a14="http://schemas.microsoft.com/office/drawing/2010/main" w="9525">
+              <a14:hiddenLine xmlns:a14="http://schemas.microsoft.com/office/drawing/2010/main" xmlns="" w="9525">
                 <a:solidFill>
                   <a:srgbClr val="000000"/>
                 </a:solidFill>
@@ -11796,7 +15488,7 @@
           <a:ln/>
           <a:extLst>
             <a:ext uri="{91240B29-F687-4f45-9708-019B960494DF}">
-              <a14:hiddenLine xmlns="" xmlns:a14="http://schemas.microsoft.com/office/drawing/2010/main" w="9525">
+              <a14:hiddenLine xmlns:a14="http://schemas.microsoft.com/office/drawing/2010/main" xmlns="" w="9525">
                 <a:solidFill>
                   <a:srgbClr val="000000"/>
                 </a:solidFill>
@@ -12426,7 +16118,7 @@
           <a:ln/>
           <a:extLst>
             <a:ext uri="{91240B29-F687-4f45-9708-019B960494DF}">
-              <a14:hiddenLine xmlns="" xmlns:a14="http://schemas.microsoft.com/office/drawing/2010/main" w="9525">
+              <a14:hiddenLine xmlns:a14="http://schemas.microsoft.com/office/drawing/2010/main" xmlns="" w="9525">
                 <a:solidFill>
                   <a:srgbClr val="000000"/>
                 </a:solidFill>
@@ -12767,7 +16459,7 @@
           <a:ln/>
           <a:extLst>
             <a:ext uri="{91240B29-F687-4f45-9708-019B960494DF}">
-              <a14:hiddenLine xmlns="" xmlns:a14="http://schemas.microsoft.com/office/drawing/2010/main" w="9525">
+              <a14:hiddenLine xmlns:a14="http://schemas.microsoft.com/office/drawing/2010/main" xmlns="" w="9525">
                 <a:solidFill>
                   <a:srgbClr val="000000"/>
                 </a:solidFill>
@@ -13246,7 +16938,7 @@
           <a:ln/>
           <a:extLst>
             <a:ext uri="{91240B29-F687-4f45-9708-019B960494DF}">
-              <a14:hiddenLine xmlns="" xmlns:a14="http://schemas.microsoft.com/office/drawing/2010/main" w="9525">
+              <a14:hiddenLine xmlns:a14="http://schemas.microsoft.com/office/drawing/2010/main" xmlns="" w="9525">
                 <a:solidFill>
                   <a:srgbClr val="000000"/>
                 </a:solidFill>
@@ -13679,7 +17371,7 @@
           <a:ln/>
           <a:extLst>
             <a:ext uri="{91240B29-F687-4f45-9708-019B960494DF}">
-              <a14:hiddenLine xmlns="" xmlns:a14="http://schemas.microsoft.com/office/drawing/2010/main" w="9525">
+              <a14:hiddenLine xmlns:a14="http://schemas.microsoft.com/office/drawing/2010/main" xmlns="" w="9525">
                 <a:solidFill>
                   <a:srgbClr val="000000"/>
                 </a:solidFill>
@@ -15408,7 +19100,7 @@
           <a:p>
             <a:r>
               <a:rPr lang="ro-RO" dirty="0"/>
-              <a:t>4. Decararea funcțiilor în Python</a:t>
+              <a:t>4. Declararea funcțiilor în Python</a:t>
             </a:r>
             <a:endParaRPr lang="ru-RU" dirty="0"/>
           </a:p>
@@ -15658,21 +19350,14 @@
               </a:rPr>
               <a:t>Scripturile Python pot fi utilizate pentru automatizarea sarcinilor;</a:t>
             </a:r>
-            <a:endParaRPr lang="ru-RU" sz="2400" dirty="0">
-              <a:latin typeface="Times New Roman" panose="02020603050405020304" pitchFamily="18" charset="0"/>
-              <a:cs typeface="Times New Roman" panose="02020603050405020304" pitchFamily="18" charset="0"/>
-            </a:endParaRPr>
-          </a:p>
-          <a:p>
-            <a:pPr lvl="0"/>
             <a:r>
-              <a:rPr lang="ro-RO" sz="2400" dirty="0">
+              <a:rPr lang="ru-RU" sz="2400" dirty="0">
                 <a:latin typeface="Times New Roman" panose="02020603050405020304" pitchFamily="18" charset="0"/>
                 <a:cs typeface="Times New Roman" panose="02020603050405020304" pitchFamily="18" charset="0"/>
               </a:rPr>
-              <a:t>Limbajul include numeroase biblioteci pentru data science;</a:t>
+              <a:t> </a:t>
             </a:r>
-            <a:endParaRPr lang="ru-RU" sz="2400" dirty="0">
+            <a:endParaRPr lang="ro-RO" sz="2400" dirty="0">
               <a:latin typeface="Times New Roman" panose="02020603050405020304" pitchFamily="18" charset="0"/>
               <a:cs typeface="Times New Roman" panose="02020603050405020304" pitchFamily="18" charset="0"/>
             </a:endParaRPr>
@@ -15859,8 +19544,8 @@
         </p:nvSpPr>
         <p:spPr>
           <a:xfrm>
-            <a:off x="810000" y="2341556"/>
-            <a:ext cx="10554574" cy="3963238"/>
+            <a:off x="810000" y="2107096"/>
+            <a:ext cx="4543878" cy="4287224"/>
           </a:xfrm>
         </p:spPr>
         <p:txBody>
@@ -15877,12 +19562,8 @@
                 <a:latin typeface="Times New Roman" panose="02020603050405020304" pitchFamily="18" charset="0"/>
                 <a:cs typeface="Times New Roman" panose="02020603050405020304" pitchFamily="18" charset="0"/>
               </a:rPr>
-              <a:t>Python este un limbaj de programare util, întrucât este utilizat în aproape orice industrie și domeniu științific: știința datelor, învățarea autonomă, dezvoltarea web, educație în informatică, viziune computerizată și prelucrarea imaginilor, dezvoltarea jocurilor, medicină și farmacie, biologie și bioinformatică, neuroștiințe și psihologie, astronomie, robotică, etc. Are o sintaxă simplă, fiind asemănătoare cu pseudocodul. Învățarea Python, va deschide cu siguranță multe uși, el este aici pentru a rămâne, a transforma și a îmbunătăți lumea noastră actuală și va continua să o facă mulți ani.</a:t>
+              <a:t>Python este un limbaj de programare util, întrucât este utilizat în majoritatea industriilor și domeniilor științifice.</a:t>
             </a:r>
-            <a:endParaRPr lang="ru-RU" sz="2800" dirty="0">
-              <a:latin typeface="Times New Roman" panose="02020603050405020304" pitchFamily="18" charset="0"/>
-              <a:cs typeface="Times New Roman" panose="02020603050405020304" pitchFamily="18" charset="0"/>
-            </a:endParaRPr>
           </a:p>
         </p:txBody>
       </p:sp>
@@ -15933,6 +19614,34 @@
           </a:p>
         </p:txBody>
       </p:sp>
+      <p:graphicFrame>
+        <p:nvGraphicFramePr>
+          <p:cNvPr id="7" name="Diagram 6">
+            <a:extLst>
+              <a:ext uri="{FF2B5EF4-FFF2-40B4-BE49-F238E27FC236}">
+                <a16:creationId xmlns:a16="http://schemas.microsoft.com/office/drawing/2014/main" id="{7AE0DAF7-69EA-437D-A620-EA393D218932}"/>
+              </a:ext>
+            </a:extLst>
+          </p:cNvPr>
+          <p:cNvGraphicFramePr/>
+          <p:nvPr>
+            <p:extLst>
+              <p:ext uri="{D42A27DB-BD31-4B8C-83A1-F6EECF244321}">
+                <p14:modId xmlns:p14="http://schemas.microsoft.com/office/powerpoint/2010/main" val="1477554148"/>
+              </p:ext>
+            </p:extLst>
+          </p:nvPr>
+        </p:nvGraphicFramePr>
+        <p:xfrm>
+          <a:off x="5966275" y="1987826"/>
+          <a:ext cx="5655881" cy="4724545"/>
+        </p:xfrm>
+        <a:graphic>
+          <a:graphicData uri="http://schemas.openxmlformats.org/drawingml/2006/diagram">
+            <dgm:relIds xmlns:dgm="http://schemas.openxmlformats.org/drawingml/2006/diagram" xmlns:r="http://schemas.openxmlformats.org/officeDocument/2006/relationships" r:dm="rId3" r:lo="rId4" r:qs="rId5" r:cs="rId6"/>
+          </a:graphicData>
+        </a:graphic>
+      </p:graphicFrame>
     </p:spTree>
     <p:extLst>
       <p:ext uri="{BB962C8B-B14F-4D97-AF65-F5344CB8AC3E}">
@@ -15947,6 +19656,213 @@
 </file>
 
 <file path=ppt/slides/slide14.xml><?xml version="1.0" encoding="utf-8"?>
+<p:sld xmlns:a="http://schemas.openxmlformats.org/drawingml/2006/main" xmlns:r="http://schemas.openxmlformats.org/officeDocument/2006/relationships" xmlns:p="http://schemas.openxmlformats.org/presentationml/2006/main">
+  <p:cSld>
+    <p:spTree>
+      <p:nvGrpSpPr>
+        <p:cNvPr id="1" name=""/>
+        <p:cNvGrpSpPr/>
+        <p:nvPr/>
+      </p:nvGrpSpPr>
+      <p:grpSpPr>
+        <a:xfrm>
+          <a:off x="0" y="0"/>
+          <a:ext cx="0" cy="0"/>
+          <a:chOff x="0" y="0"/>
+          <a:chExt cx="0" cy="0"/>
+        </a:xfrm>
+      </p:grpSpPr>
+      <p:sp>
+        <p:nvSpPr>
+          <p:cNvPr id="2" name="Title 1">
+            <a:extLst>
+              <a:ext uri="{FF2B5EF4-FFF2-40B4-BE49-F238E27FC236}">
+                <a16:creationId xmlns:a16="http://schemas.microsoft.com/office/drawing/2014/main" id="{BCFF3982-04DF-4918-B9E3-AF23CCD55759}"/>
+              </a:ext>
+            </a:extLst>
+          </p:cNvPr>
+          <p:cNvSpPr>
+            <a:spLocks noGrp="1"/>
+          </p:cNvSpPr>
+          <p:nvPr>
+            <p:ph type="title"/>
+          </p:nvPr>
+        </p:nvSpPr>
+        <p:spPr/>
+        <p:txBody>
+          <a:bodyPr/>
+          <a:lstStyle/>
+          <a:p>
+            <a:r>
+              <a:rPr lang="ro-RO" dirty="0"/>
+              <a:t>Concluzii</a:t>
+            </a:r>
+            <a:endParaRPr lang="ru-RU" dirty="0"/>
+          </a:p>
+        </p:txBody>
+      </p:sp>
+      <p:sp>
+        <p:nvSpPr>
+          <p:cNvPr id="3" name="Content Placeholder 2">
+            <a:extLst>
+              <a:ext uri="{FF2B5EF4-FFF2-40B4-BE49-F238E27FC236}">
+                <a16:creationId xmlns:a16="http://schemas.microsoft.com/office/drawing/2014/main" id="{1D7708A4-6F8F-4AC0-A325-0AB4169CB14F}"/>
+              </a:ext>
+            </a:extLst>
+          </p:cNvPr>
+          <p:cNvSpPr>
+            <a:spLocks noGrp="1"/>
+          </p:cNvSpPr>
+          <p:nvPr>
+            <p:ph idx="1"/>
+          </p:nvPr>
+        </p:nvSpPr>
+        <p:spPr>
+          <a:xfrm>
+            <a:off x="633181" y="2123438"/>
+            <a:ext cx="5093764" cy="4490942"/>
+          </a:xfrm>
+        </p:spPr>
+        <p:txBody>
+          <a:bodyPr>
+            <a:normAutofit/>
+          </a:bodyPr>
+          <a:lstStyle/>
+          <a:p>
+            <a:pPr marL="0" indent="0">
+              <a:buNone/>
+            </a:pPr>
+            <a:r>
+              <a:rPr lang="ro-RO" sz="2800" dirty="0">
+                <a:latin typeface="Times New Roman" panose="02020603050405020304" pitchFamily="18" charset="0"/>
+                <a:cs typeface="Times New Roman" panose="02020603050405020304" pitchFamily="18" charset="0"/>
+              </a:rPr>
+              <a:t>	Limbajul are o sintaxă simplă, fiind asemănătoare cu pseudocodul. </a:t>
+            </a:r>
+          </a:p>
+          <a:p>
+            <a:pPr marL="0" indent="0">
+              <a:buNone/>
+            </a:pPr>
+            <a:r>
+              <a:rPr lang="ro-RO" sz="2800" dirty="0">
+                <a:latin typeface="Times New Roman" panose="02020603050405020304" pitchFamily="18" charset="0"/>
+                <a:cs typeface="Times New Roman" panose="02020603050405020304" pitchFamily="18" charset="0"/>
+              </a:rPr>
+              <a:t>	Învățarea Python, va deschide cu siguranță multe uși, el este aici pentru a rămâne, a transforma și a îmbunătăți lumea noastră și va continua să o facă mulți ani.</a:t>
+            </a:r>
+            <a:endParaRPr lang="ru-RU" sz="2800" dirty="0"/>
+          </a:p>
+        </p:txBody>
+      </p:sp>
+      <p:pic>
+        <p:nvPicPr>
+          <p:cNvPr id="1026" name="Picture 2" descr="Python Programming Language Overview &amp; Why It Is So Popular?">
+            <a:extLst>
+              <a:ext uri="{FF2B5EF4-FFF2-40B4-BE49-F238E27FC236}">
+                <a16:creationId xmlns:a16="http://schemas.microsoft.com/office/drawing/2014/main" id="{F5159AC7-43A9-4C7D-97E2-BF27CD88B923}"/>
+              </a:ext>
+            </a:extLst>
+          </p:cNvPr>
+          <p:cNvPicPr>
+            <a:picLocks noChangeAspect="1" noChangeArrowheads="1"/>
+          </p:cNvPicPr>
+          <p:nvPr/>
+        </p:nvPicPr>
+        <p:blipFill>
+          <a:blip r:embed="rId2">
+            <a:extLst>
+              <a:ext uri="{28A0092B-C50C-407E-A947-70E740481C1C}">
+                <a14:useLocalDpi xmlns:a14="http://schemas.microsoft.com/office/drawing/2010/main" val="0"/>
+              </a:ext>
+            </a:extLst>
+          </a:blip>
+          <a:srcRect/>
+          <a:stretch>
+            <a:fillRect/>
+          </a:stretch>
+        </p:blipFill>
+        <p:spPr bwMode="auto">
+          <a:xfrm>
+            <a:off x="6465057" y="2602766"/>
+            <a:ext cx="4916942" cy="3532286"/>
+          </a:xfrm>
+          <a:prstGeom prst="rect">
+            <a:avLst/>
+          </a:prstGeom>
+          <a:noFill/>
+          <a:extLst>
+            <a:ext uri="{909E8E84-426E-40DD-AFC4-6F175D3DCCD1}">
+              <a14:hiddenFill xmlns:a14="http://schemas.microsoft.com/office/drawing/2010/main">
+                <a:solidFill>
+                  <a:srgbClr val="FFFFFF"/>
+                </a:solidFill>
+              </a14:hiddenFill>
+            </a:ext>
+          </a:extLst>
+        </p:spPr>
+      </p:pic>
+      <p:sp>
+        <p:nvSpPr>
+          <p:cNvPr id="5" name="Arrow: Left 4">
+            <a:hlinkClick r:id="rId3" action="ppaction://hlinksldjump"/>
+            <a:extLst>
+              <a:ext uri="{FF2B5EF4-FFF2-40B4-BE49-F238E27FC236}">
+                <a16:creationId xmlns:a16="http://schemas.microsoft.com/office/drawing/2014/main" id="{EFAD2E61-4A85-46B6-873E-708548AE9388}"/>
+              </a:ext>
+            </a:extLst>
+          </p:cNvPr>
+          <p:cNvSpPr/>
+          <p:nvPr/>
+        </p:nvSpPr>
+        <p:spPr>
+          <a:xfrm>
+            <a:off x="240157" y="6394320"/>
+            <a:ext cx="569843" cy="318051"/>
+          </a:xfrm>
+          <a:prstGeom prst="leftArrow">
+            <a:avLst/>
+          </a:prstGeom>
+        </p:spPr>
+        <p:style>
+          <a:lnRef idx="2">
+            <a:schemeClr val="dk1">
+              <a:shade val="50000"/>
+            </a:schemeClr>
+          </a:lnRef>
+          <a:fillRef idx="1">
+            <a:schemeClr val="dk1"/>
+          </a:fillRef>
+          <a:effectRef idx="0">
+            <a:schemeClr val="dk1"/>
+          </a:effectRef>
+          <a:fontRef idx="minor">
+            <a:schemeClr val="lt1"/>
+          </a:fontRef>
+        </p:style>
+        <p:txBody>
+          <a:bodyPr rtlCol="0" anchor="ctr"/>
+          <a:lstStyle/>
+          <a:p>
+            <a:pPr algn="ctr"/>
+            <a:endParaRPr lang="ru-RU"/>
+          </a:p>
+        </p:txBody>
+      </p:sp>
+    </p:spTree>
+    <p:extLst>
+      <p:ext uri="{BB962C8B-B14F-4D97-AF65-F5344CB8AC3E}">
+        <p14:creationId xmlns:p14="http://schemas.microsoft.com/office/powerpoint/2010/main" val="3992970449"/>
+      </p:ext>
+    </p:extLst>
+  </p:cSld>
+  <p:clrMapOvr>
+    <a:masterClrMapping/>
+  </p:clrMapOvr>
+</p:sld>
+</file>
+
+<file path=ppt/slides/slide15.xml><?xml version="1.0" encoding="utf-8"?>
 <p:sld xmlns:a="http://schemas.openxmlformats.org/drawingml/2006/main" xmlns:r="http://schemas.openxmlformats.org/officeDocument/2006/relationships" xmlns:p="http://schemas.openxmlformats.org/presentationml/2006/main">
   <p:cSld>
     <p:spTree>
@@ -16016,26 +19932,40 @@
         </p:spPr>
         <p:txBody>
           <a:bodyPr>
-            <a:normAutofit/>
+            <a:normAutofit lnSpcReduction="10000"/>
           </a:bodyPr>
           <a:lstStyle/>
           <a:p>
             <a:pPr lvl="0"/>
             <a:r>
               <a:rPr lang="ro-RO" dirty="0"/>
-              <a:t>Allen Downey </a:t>
+              <a:t>DOWNEY, Allen. </a:t>
             </a:r>
             <a:r>
               <a:rPr lang="ro-RO" i="1" dirty="0"/>
-              <a:t>Think Python. How to think like a computer scientist</a:t>
+              <a:t>Think Python. How to think like a computer scientist </a:t>
             </a:r>
             <a:r>
               <a:rPr lang="ro-RO" dirty="0"/>
-              <a:t> Editura Copyright, 2012, disponibil online la : </a:t>
+              <a:t>[online]</a:t>
+            </a:r>
+            <a:r>
+              <a:rPr lang="ro-RO" i="1" dirty="0"/>
+              <a:t>.</a:t>
+            </a:r>
+            <a:r>
+              <a:rPr lang="ro-RO" dirty="0"/>
+              <a:t> Ed. Copyright, 2012 [accesat 03.05.2022]. Disponibil: </a:t>
             </a:r>
             <a:r>
               <a:rPr lang="ro-RO" dirty="0">
-                <a:hlinkClick r:id="rId2"/>
+                <a:hlinkClick r:id="rId2">
+                  <a:extLst>
+                    <a:ext uri="{A12FA001-AC4F-418D-AE19-62706E023703}">
+                      <ahyp:hlinkClr xmlns:ahyp="http://schemas.microsoft.com/office/drawing/2018/hyperlinkcolor" val="tx"/>
+                    </a:ext>
+                  </a:extLst>
+                </a:hlinkClick>
               </a:rPr>
               <a:t>https://www.greenteapress.com/thinkpython/thinkpython.pdf</a:t>
             </a:r>
@@ -16049,27 +19979,37 @@
             <a:pPr lvl="0"/>
             <a:r>
               <a:rPr lang="ro-RO" dirty="0"/>
-              <a:t>Anand Chitipothu </a:t>
+              <a:t>CHITIPOTHU, Anand. </a:t>
             </a:r>
             <a:r>
               <a:rPr lang="ro-RO" i="1" dirty="0"/>
-              <a:t>Python practice book </a:t>
+              <a:t>Python practice book. </a:t>
             </a:r>
             <a:r>
               <a:rPr lang="ro-RO" dirty="0"/>
-              <a:t>Editura Copyright, 2019;</a:t>
+              <a:t>Ed. Copyright, 2019;</a:t>
             </a:r>
             <a:endParaRPr lang="ru-RU" dirty="0"/>
           </a:p>
           <a:p>
             <a:pPr lvl="0"/>
             <a:r>
+              <a:rPr lang="ro-RO" i="1" dirty="0"/>
+              <a:t>Python.Sintaxa și implementarea</a:t>
+            </a:r>
+            <a:r>
               <a:rPr lang="ro-RO" dirty="0"/>
-              <a:t>„Python.Sintaxa și implementarea.” [online] Disponibil la adresa:  </a:t>
+              <a:t> [online] [accesat 03.05.2022]  Disponibil: </a:t>
             </a:r>
             <a:r>
               <a:rPr lang="ro-RO" dirty="0">
-                <a:hlinkClick r:id="rId3"/>
+                <a:hlinkClick r:id="rId3">
+                  <a:extLst>
+                    <a:ext uri="{A12FA001-AC4F-418D-AE19-62706E023703}">
+                      <ahyp:hlinkClr xmlns:ahyp="http://schemas.microsoft.com/office/drawing/2018/hyperlinkcolor" val="tx"/>
+                    </a:ext>
+                  </a:extLst>
+                </a:hlinkClick>
               </a:rPr>
               <a:t>https://ro.wikipedia.org/wiki/Python</a:t>
             </a:r>
@@ -16082,12 +20022,22 @@
           <a:p>
             <a:pPr lvl="0"/>
             <a:r>
+              <a:rPr lang="ro-RO" i="1" dirty="0"/>
+              <a:t>De ce să învăț Python?</a:t>
+            </a:r>
+            <a:r>
               <a:rPr lang="ro-RO" dirty="0"/>
-              <a:t>„De ce să învăț Python?” [online] Disponibil la: </a:t>
+              <a:t> [online] [accesat 04.05.2022] Disponibil: </a:t>
             </a:r>
             <a:r>
               <a:rPr lang="ro-RO" dirty="0">
-                <a:hlinkClick r:id="rId4"/>
+                <a:hlinkClick r:id="rId4">
+                  <a:extLst>
+                    <a:ext uri="{A12FA001-AC4F-418D-AE19-62706E023703}">
+                      <ahyp:hlinkClr xmlns:ahyp="http://schemas.microsoft.com/office/drawing/2018/hyperlinkcolor" val="tx"/>
+                    </a:ext>
+                  </a:extLst>
+                </a:hlinkClick>
               </a:rPr>
               <a:t>https://www.telacad.ro/10-motive-pentru-python/</a:t>
             </a:r>
@@ -16100,20 +20050,30 @@
           <a:p>
             <a:pPr lvl="0"/>
             <a:r>
-              <a:rPr lang="ro-RO" dirty="0"/>
-              <a:t>„I</a:t>
+              <a:rPr lang="ro-RO" i="1" dirty="0"/>
+              <a:t>I</a:t>
             </a:r>
             <a:r>
-              <a:rPr lang="ru-RU" u="sng" dirty="0"/>
+              <a:rPr lang="ru-RU" i="1" dirty="0"/>
               <a:t>ntroducere în</a:t>
             </a:r>
             <a:r>
+              <a:rPr lang="ro-RO" i="1" dirty="0"/>
+              <a:t> Python</a:t>
+            </a:r>
+            <a:r>
               <a:rPr lang="ro-RO" dirty="0"/>
-              <a:t> Python” [online] Disponibil la: </a:t>
+              <a:t> [online] [accesat 04.05.2022] Disponibil: </a:t>
             </a:r>
             <a:r>
               <a:rPr lang="ro-RO" dirty="0">
-                <a:hlinkClick r:id="rId5"/>
+                <a:hlinkClick r:id="rId5">
+                  <a:extLst>
+                    <a:ext uri="{A12FA001-AC4F-418D-AE19-62706E023703}">
+                      <ahyp:hlinkClr xmlns:ahyp="http://schemas.microsoft.com/office/drawing/2018/hyperlinkcolor" val="tx"/>
+                    </a:ext>
+                  </a:extLst>
+                </a:hlinkClick>
               </a:rPr>
               <a:t>http://purepython.eaudeweb.ro/wiki/Cursuri/Introducere.html</a:t>
             </a:r>
@@ -16126,20 +20086,34 @@
           <a:p>
             <a:pPr lvl="0"/>
             <a:r>
+              <a:rPr lang="ro-RO" i="1" dirty="0"/>
+              <a:t>Utilizarea Python</a:t>
+            </a:r>
+            <a:r>
               <a:rPr lang="ro-RO" dirty="0"/>
-              <a:t>„Utilizarea Python” [online] </a:t>
+              <a:t> [online] [accesat 04.05.2022] </a:t>
             </a:r>
             <a:r>
               <a:rPr lang="ru-RU" u="sng" dirty="0"/>
-              <a:t>Disponibil</a:t>
+              <a:t>Disponibi</a:t>
+            </a:r>
+            <a:r>
+              <a:rPr lang="en-US" u="sng" dirty="0"/>
+              <a:t>l</a:t>
             </a:r>
             <a:r>
               <a:rPr lang="ro-RO" dirty="0"/>
-              <a:t> la: </a:t>
+              <a:t>: </a:t>
             </a:r>
             <a:r>
               <a:rPr lang="ro-RO" dirty="0">
-                <a:hlinkClick r:id="rId6"/>
+                <a:hlinkClick r:id="rId6">
+                  <a:extLst>
+                    <a:ext uri="{A12FA001-AC4F-418D-AE19-62706E023703}">
+                      <ahyp:hlinkClr xmlns:ahyp="http://schemas.microsoft.com/office/drawing/2018/hyperlinkcolor" val="tx"/>
+                    </a:ext>
+                  </a:extLst>
+                </a:hlinkClick>
               </a:rPr>
               <a:t>https://ro.ilusionity.com/107-what-is-python-used-for-10-coding-uses-for-the-python-programming-language</a:t>
             </a:r>
@@ -16152,8 +20126,12 @@
           <a:p>
             <a:pPr lvl="0"/>
             <a:r>
+              <a:rPr lang="ro-RO" i="1" dirty="0"/>
+              <a:t>Sintaxa Python</a:t>
+            </a:r>
+            <a:r>
               <a:rPr lang="ro-RO" dirty="0"/>
-              <a:t>„Sintaxa Python” [online] Disponibil la: https://ocw.cs.pub.ro/courses/programare/laboratoare/python.</a:t>
+              <a:t> [online] [accesat 05.05.2022] Disponibil la: https://ocw.cs.pub.ro/courses/programare/laboratoare/python.</a:t>
             </a:r>
             <a:endParaRPr lang="ru-RU" dirty="0"/>
           </a:p>
@@ -16225,7 +20203,7 @@
 </p:sld>
 </file>
 
-<file path=ppt/slides/slide15.xml><?xml version="1.0" encoding="utf-8"?>
+<file path=ppt/slides/slide16.xml><?xml version="1.0" encoding="utf-8"?>
 <p:sld xmlns:a="http://schemas.openxmlformats.org/drawingml/2006/main" xmlns:r="http://schemas.openxmlformats.org/officeDocument/2006/relationships" xmlns:p="http://schemas.openxmlformats.org/presentationml/2006/main">
   <p:cSld>
     <p:bg>
@@ -16345,7 +20323,7 @@
           <a:effectLst/>
           <a:extLst>
             <a:ext uri="{91240B29-F687-4f45-9708-019B960494DF}">
-              <a14:hiddenLine xmlns:a14="http://schemas.microsoft.com/office/drawing/2010/main" xmlns:p14="http://schemas.microsoft.com/office/powerpoint/2010/main" xmlns:a16="http://schemas.microsoft.com/office/drawing/2014/main" xmlns="" w="9525">
+              <a14:hiddenLine xmlns="" xmlns:a16="http://schemas.microsoft.com/office/drawing/2014/main" xmlns:p14="http://schemas.microsoft.com/office/powerpoint/2010/main" xmlns:a14="http://schemas.microsoft.com/office/drawing/2010/main" w="9525">
                 <a:solidFill>
                   <a:srgbClr val="000000"/>
                 </a:solidFill>
@@ -16879,7 +20857,21 @@
                 <a:latin typeface="Times New Roman" panose="02020603050405020304" pitchFamily="18" charset="0"/>
                 <a:cs typeface="Times New Roman" panose="02020603050405020304" pitchFamily="18" charset="0"/>
               </a:rPr>
-              <a:t>Studii: Universitatea de Stat „Alecu Russo” di Bălți</a:t>
+              <a:t>Studii: Universitatea de Stat „Alecu Russo” di</a:t>
+            </a:r>
+            <a:r>
+              <a:rPr lang="en-US" sz="2400" dirty="0">
+                <a:latin typeface="Times New Roman" panose="02020603050405020304" pitchFamily="18" charset="0"/>
+                <a:cs typeface="Times New Roman" panose="02020603050405020304" pitchFamily="18" charset="0"/>
+              </a:rPr>
+              <a:t>n</a:t>
+            </a:r>
+            <a:r>
+              <a:rPr lang="ro-RO" sz="2400" dirty="0">
+                <a:latin typeface="Times New Roman" panose="02020603050405020304" pitchFamily="18" charset="0"/>
+                <a:cs typeface="Times New Roman" panose="02020603050405020304" pitchFamily="18" charset="0"/>
+              </a:rPr>
+              <a:t> Bălți</a:t>
             </a:r>
           </a:p>
           <a:p>
@@ -17114,8 +21106,34 @@
             </a:r>
             <a:r>
               <a:rPr lang="ro-RO" sz="2400" dirty="0">
+                <a:hlinkClick r:id="rId6" action="ppaction://hlinksldjump">
+                  <a:extLst>
+                    <a:ext uri="{A12FA001-AC4F-418D-AE19-62706E023703}">
+                      <ahyp:hlinkClr xmlns:ahyp="http://schemas.microsoft.com/office/drawing/2018/hyperlinkcolor" val="tx"/>
+                    </a:ext>
+                  </a:extLst>
+                </a:hlinkClick>
+              </a:rPr>
+              <a:t>Tipurile de date în limbajul Python</a:t>
+            </a:r>
+            <a:r>
+              <a:rPr lang="ro-RO" sz="2400" dirty="0"/>
+              <a:t>;</a:t>
+            </a:r>
+            <a:endParaRPr lang="ro-RO" sz="2400" dirty="0">
+              <a:latin typeface="+mj-lt"/>
+            </a:endParaRPr>
+          </a:p>
+          <a:p>
+            <a:r>
+              <a:rPr lang="ro-RO" sz="2400" dirty="0">
                 <a:latin typeface="+mj-lt"/>
-                <a:hlinkClick r:id="rId6" action="ppaction://hlinksldjump">
+              </a:rPr>
+              <a:t>2.3. </a:t>
+            </a:r>
+            <a:r>
+              <a:rPr lang="ro-RO" sz="2400" dirty="0">
+                <a:hlinkClick r:id="rId7" action="ppaction://hlinksldjump">
                   <a:extLst>
                     <a:ext uri="{A12FA001-AC4F-418D-AE19-62706E023703}">
                       <ahyp:hlinkClr xmlns:ahyp="http://schemas.microsoft.com/office/drawing/2018/hyperlinkcolor" val="tx"/>
@@ -17126,38 +21144,12 @@
               <a:t>Tipurile de operatori ai limbajului</a:t>
             </a:r>
             <a:r>
-              <a:rPr lang="ro-RO" sz="2400" dirty="0">
-                <a:latin typeface="+mj-lt"/>
-              </a:rPr>
+              <a:rPr lang="ro-RO" sz="2400" dirty="0"/>
               <a:t>;</a:t>
             </a:r>
-          </a:p>
-          <a:p>
-            <a:r>
-              <a:rPr lang="ro-RO" sz="2400" dirty="0">
-                <a:latin typeface="+mj-lt"/>
-              </a:rPr>
-              <a:t>2.3. </a:t>
-            </a:r>
-            <a:r>
-              <a:rPr lang="ro-RO" sz="2400" dirty="0">
-                <a:latin typeface="+mj-lt"/>
-                <a:hlinkClick r:id="rId7" action="ppaction://hlinksldjump">
-                  <a:extLst>
-                    <a:ext uri="{A12FA001-AC4F-418D-AE19-62706E023703}">
-                      <ahyp:hlinkClr xmlns:ahyp="http://schemas.microsoft.com/office/drawing/2018/hyperlinkcolor" val="tx"/>
-                    </a:ext>
-                  </a:extLst>
-                </a:hlinkClick>
-              </a:rPr>
-              <a:t>Tipurile de date în limbajul Python</a:t>
-            </a:r>
-            <a:r>
-              <a:rPr lang="ro-RO" sz="2400" dirty="0">
-                <a:latin typeface="+mj-lt"/>
-              </a:rPr>
-              <a:t>;</a:t>
-            </a:r>
+            <a:endParaRPr lang="ro-RO" sz="2400" dirty="0">
+              <a:latin typeface="+mj-lt"/>
+            </a:endParaRPr>
           </a:p>
           <a:p>
             <a:pPr marL="342900" indent="-342900">
@@ -17430,7 +21422,63 @@
                 <a:latin typeface="Times New Roman" panose="02020603050405020304" pitchFamily="18" charset="0"/>
                 <a:cs typeface="Times New Roman" panose="02020603050405020304" pitchFamily="18" charset="0"/>
               </a:rPr>
-              <a:t>Python este un limbaj de programare dinamic, de nivel înalt, ce pune accent pe expresivitatea și înțelegerea ușoară a codului. Limbajul facilitează mai multe paradigme de programare, paradigma imperativa (C), orientată pe obiecte (Java) și funcțională.</a:t>
+              <a:t>Python este un limbaj de programare dinamic, de nivel înalt, ce pune accent pe expresivitatea și înțelegerea ușoară a codului. Limbajul facilitează mai multe paradigme de programare, paradigma</a:t>
+            </a:r>
+            <a:r>
+              <a:rPr lang="en-US" sz="2800" dirty="0">
+                <a:latin typeface="Times New Roman" panose="02020603050405020304" pitchFamily="18" charset="0"/>
+                <a:cs typeface="Times New Roman" panose="02020603050405020304" pitchFamily="18" charset="0"/>
+              </a:rPr>
+              <a:t> </a:t>
+            </a:r>
+            <a:r>
+              <a:rPr lang="ro-RO" sz="2800" dirty="0">
+                <a:latin typeface="Times New Roman" panose="02020603050405020304" pitchFamily="18" charset="0"/>
+                <a:cs typeface="Times New Roman" panose="02020603050405020304" pitchFamily="18" charset="0"/>
+              </a:rPr>
+              <a:t>funcțională</a:t>
+            </a:r>
+            <a:r>
+              <a:rPr lang="en-US" sz="2800" dirty="0">
+                <a:latin typeface="Times New Roman" panose="02020603050405020304" pitchFamily="18" charset="0"/>
+                <a:cs typeface="Times New Roman" panose="02020603050405020304" pitchFamily="18" charset="0"/>
+              </a:rPr>
+              <a:t>,</a:t>
+            </a:r>
+            <a:r>
+              <a:rPr lang="ro-RO" sz="2800" dirty="0">
+                <a:latin typeface="Times New Roman" panose="02020603050405020304" pitchFamily="18" charset="0"/>
+                <a:cs typeface="Times New Roman" panose="02020603050405020304" pitchFamily="18" charset="0"/>
+              </a:rPr>
+              <a:t> imperativa (C)</a:t>
+            </a:r>
+            <a:r>
+              <a:rPr lang="en-US" sz="2800" dirty="0">
+                <a:latin typeface="Times New Roman" panose="02020603050405020304" pitchFamily="18" charset="0"/>
+                <a:cs typeface="Times New Roman" panose="02020603050405020304" pitchFamily="18" charset="0"/>
+              </a:rPr>
+              <a:t> </a:t>
+            </a:r>
+            <a:r>
+              <a:rPr lang="ro-RO" sz="2800" dirty="0">
+                <a:latin typeface="Times New Roman" panose="02020603050405020304" pitchFamily="18" charset="0"/>
+                <a:cs typeface="Times New Roman" panose="02020603050405020304" pitchFamily="18" charset="0"/>
+              </a:rPr>
+              <a:t>ș</a:t>
+            </a:r>
+            <a:r>
+              <a:rPr lang="en-US" sz="2800" dirty="0" err="1">
+                <a:latin typeface="Times New Roman" panose="02020603050405020304" pitchFamily="18" charset="0"/>
+                <a:cs typeface="Times New Roman" panose="02020603050405020304" pitchFamily="18" charset="0"/>
+              </a:rPr>
+              <a:t>i</a:t>
+            </a:r>
+            <a:r>
+              <a:rPr lang="ro-RO" sz="2800" dirty="0">
+                <a:latin typeface="Times New Roman" panose="02020603050405020304" pitchFamily="18" charset="0"/>
+                <a:cs typeface="Times New Roman" panose="02020603050405020304" pitchFamily="18" charset="0"/>
+              </a:rPr>
+              <a:t> orientată pe obiecte (Java).</a:t>
             </a:r>
             <a:endParaRPr lang="ru-RU" sz="2800" dirty="0">
               <a:latin typeface="Times New Roman" panose="02020603050405020304" pitchFamily="18" charset="0"/>
@@ -17607,6 +21655,10 @@
               <a:buAutoNum type="arabicPeriod"/>
             </a:pPr>
             <a:r>
+              <a:rPr lang="en-US" dirty="0"/>
+              <a:t> </a:t>
+            </a:r>
+            <a:r>
               <a:rPr lang="ro-RO" dirty="0"/>
               <a:t>Lucru cu interpretatorul Python</a:t>
             </a:r>
@@ -17646,7 +21698,7 @@
                 <a:latin typeface="Times New Roman" panose="02020603050405020304" pitchFamily="18" charset="0"/>
                 <a:cs typeface="Times New Roman" panose="02020603050405020304" pitchFamily="18" charset="0"/>
               </a:rPr>
-              <a:t>Limbajul Python este interpretat, nu compilat. Asta înseamnă că programele Python sunt transformate într-un limbaj intermediar. Interpretorul seamănă foarte mult cu o linie de comanda. După ce este introdusă o instrucțiune, aceasta este evaluată și dacă există output, este afișat în continuare, începând cu o linie nouă.</a:t>
+              <a:t>Limbajul Python este interpretat, nu compilat. Asta înseamnă că programele Python sunt transformate într-un limbaj intermediar. Interpretorul seamănă foarte mult cu o linie de comandă. După ce este introdusă o instrucțiune, aceasta este evaluată și dacă există output, este afișat în continuare, începând cu o linie nouă.</a:t>
             </a:r>
             <a:endParaRPr lang="ru-RU" sz="2600" dirty="0">
               <a:latin typeface="Times New Roman" panose="02020603050405020304" pitchFamily="18" charset="0"/>
@@ -18132,6 +22184,181 @@
           <p:cNvPr id="2" name="Title 1">
             <a:extLst>
               <a:ext uri="{FF2B5EF4-FFF2-40B4-BE49-F238E27FC236}">
+                <a16:creationId xmlns:a16="http://schemas.microsoft.com/office/drawing/2014/main" id="{C7673E72-7858-4FA4-8370-AF8875430BC4}"/>
+              </a:ext>
+            </a:extLst>
+          </p:cNvPr>
+          <p:cNvSpPr>
+            <a:spLocks noGrp="1"/>
+          </p:cNvSpPr>
+          <p:nvPr>
+            <p:ph type="title"/>
+          </p:nvPr>
+        </p:nvSpPr>
+        <p:spPr/>
+        <p:txBody>
+          <a:bodyPr/>
+          <a:lstStyle/>
+          <a:p>
+            <a:r>
+              <a:rPr lang="ro-RO" dirty="0"/>
+              <a:t>2.2. Tipurile de date în limbajul Python</a:t>
+            </a:r>
+            <a:endParaRPr lang="ru-RU" dirty="0"/>
+          </a:p>
+        </p:txBody>
+      </p:sp>
+      <p:graphicFrame>
+        <p:nvGraphicFramePr>
+          <p:cNvPr id="6" name="Content Placeholder 5">
+            <a:extLst>
+              <a:ext uri="{FF2B5EF4-FFF2-40B4-BE49-F238E27FC236}">
+                <a16:creationId xmlns:a16="http://schemas.microsoft.com/office/drawing/2014/main" id="{ECAF3824-4DA6-4AC4-A82A-04B5630ECF71}"/>
+              </a:ext>
+            </a:extLst>
+          </p:cNvPr>
+          <p:cNvGraphicFramePr>
+            <a:graphicFrameLocks noGrp="1"/>
+          </p:cNvGraphicFramePr>
+          <p:nvPr>
+            <p:ph idx="1"/>
+            <p:extLst>
+              <p:ext uri="{D42A27DB-BD31-4B8C-83A1-F6EECF244321}">
+                <p14:modId xmlns:p14="http://schemas.microsoft.com/office/powerpoint/2010/main" val="2226243044"/>
+              </p:ext>
+            </p:extLst>
+          </p:nvPr>
+        </p:nvGraphicFramePr>
+        <p:xfrm>
+          <a:off x="810000" y="2558448"/>
+          <a:ext cx="5285999" cy="3315045"/>
+        </p:xfrm>
+        <a:graphic>
+          <a:graphicData uri="http://schemas.openxmlformats.org/drawingml/2006/diagram">
+            <dgm:relIds xmlns:dgm="http://schemas.openxmlformats.org/drawingml/2006/diagram" xmlns:r="http://schemas.openxmlformats.org/officeDocument/2006/relationships" r:dm="rId2" r:lo="rId3" r:qs="rId4" r:cs="rId5"/>
+          </a:graphicData>
+        </a:graphic>
+      </p:graphicFrame>
+      <p:sp>
+        <p:nvSpPr>
+          <p:cNvPr id="7" name="Rectangle 6">
+            <a:extLst>
+              <a:ext uri="{FF2B5EF4-FFF2-40B4-BE49-F238E27FC236}">
+                <a16:creationId xmlns:a16="http://schemas.microsoft.com/office/drawing/2014/main" id="{DCA86FCA-71B6-46A0-AA44-AD6FD5D6F4D9}"/>
+              </a:ext>
+            </a:extLst>
+          </p:cNvPr>
+          <p:cNvSpPr/>
+          <p:nvPr/>
+        </p:nvSpPr>
+        <p:spPr>
+          <a:xfrm>
+            <a:off x="6427304" y="2457173"/>
+            <a:ext cx="5409370" cy="3416320"/>
+          </a:xfrm>
+          <a:prstGeom prst="rect">
+            <a:avLst/>
+          </a:prstGeom>
+        </p:spPr>
+        <p:txBody>
+          <a:bodyPr wrap="square">
+            <a:spAutoFit/>
+          </a:bodyPr>
+          <a:lstStyle/>
+          <a:p>
+            <a:r>
+              <a:rPr lang="ro-RO" sz="3600" dirty="0">
+                <a:latin typeface="Times New Roman" panose="02020603050405020304" pitchFamily="18" charset="0"/>
+                <a:ea typeface="Calibri" panose="020F0502020204030204" pitchFamily="34" charset="0"/>
+              </a:rPr>
+              <a:t>Python este un limbaj dinamic și nu lucrează direct cu tipuri. Ele există, dar programatorul nu trebuie să specifice acest lucru.</a:t>
+            </a:r>
+            <a:endParaRPr lang="ru-RU" sz="3600" dirty="0"/>
+          </a:p>
+        </p:txBody>
+      </p:sp>
+      <p:sp>
+        <p:nvSpPr>
+          <p:cNvPr id="8" name="Arrow: Left 7">
+            <a:hlinkClick r:id="rId7" action="ppaction://hlinksldjump"/>
+            <a:extLst>
+              <a:ext uri="{FF2B5EF4-FFF2-40B4-BE49-F238E27FC236}">
+                <a16:creationId xmlns:a16="http://schemas.microsoft.com/office/drawing/2014/main" id="{2C8E6754-BCBA-47D0-A6CE-7573BA027147}"/>
+              </a:ext>
+            </a:extLst>
+          </p:cNvPr>
+          <p:cNvSpPr/>
+          <p:nvPr/>
+        </p:nvSpPr>
+        <p:spPr>
+          <a:xfrm>
+            <a:off x="240157" y="6394320"/>
+            <a:ext cx="569843" cy="318051"/>
+          </a:xfrm>
+          <a:prstGeom prst="leftArrow">
+            <a:avLst/>
+          </a:prstGeom>
+        </p:spPr>
+        <p:style>
+          <a:lnRef idx="2">
+            <a:schemeClr val="dk1">
+              <a:shade val="50000"/>
+            </a:schemeClr>
+          </a:lnRef>
+          <a:fillRef idx="1">
+            <a:schemeClr val="dk1"/>
+          </a:fillRef>
+          <a:effectRef idx="0">
+            <a:schemeClr val="dk1"/>
+          </a:effectRef>
+          <a:fontRef idx="minor">
+            <a:schemeClr val="lt1"/>
+          </a:fontRef>
+        </p:style>
+        <p:txBody>
+          <a:bodyPr rtlCol="0" anchor="ctr"/>
+          <a:lstStyle/>
+          <a:p>
+            <a:pPr algn="ctr"/>
+            <a:endParaRPr lang="ru-RU"/>
+          </a:p>
+        </p:txBody>
+      </p:sp>
+    </p:spTree>
+    <p:extLst>
+      <p:ext uri="{BB962C8B-B14F-4D97-AF65-F5344CB8AC3E}">
+        <p14:creationId xmlns:p14="http://schemas.microsoft.com/office/powerpoint/2010/main" val="141298748"/>
+      </p:ext>
+    </p:extLst>
+  </p:cSld>
+  <p:clrMapOvr>
+    <a:masterClrMapping/>
+  </p:clrMapOvr>
+</p:sld>
+</file>
+
+<file path=ppt/slides/slide9.xml><?xml version="1.0" encoding="utf-8"?>
+<p:sld xmlns:a="http://schemas.openxmlformats.org/drawingml/2006/main" xmlns:r="http://schemas.openxmlformats.org/officeDocument/2006/relationships" xmlns:p="http://schemas.openxmlformats.org/presentationml/2006/main">
+  <p:cSld>
+    <p:spTree>
+      <p:nvGrpSpPr>
+        <p:cNvPr id="1" name=""/>
+        <p:cNvGrpSpPr/>
+        <p:nvPr/>
+      </p:nvGrpSpPr>
+      <p:grpSpPr>
+        <a:xfrm>
+          <a:off x="0" y="0"/>
+          <a:ext cx="0" cy="0"/>
+          <a:chOff x="0" y="0"/>
+          <a:chExt cx="0" cy="0"/>
+        </a:xfrm>
+      </p:grpSpPr>
+      <p:sp>
+        <p:nvSpPr>
+          <p:cNvPr id="2" name="Title 1">
+            <a:extLst>
+              <a:ext uri="{FF2B5EF4-FFF2-40B4-BE49-F238E27FC236}">
                 <a16:creationId xmlns:a16="http://schemas.microsoft.com/office/drawing/2014/main" id="{B7513D0C-2B44-4E91-8DE5-53B4427C1439}"/>
               </a:ext>
             </a:extLst>
@@ -18150,7 +22377,7 @@
           <a:p>
             <a:r>
               <a:rPr lang="ro-RO" dirty="0"/>
-              <a:t>2.2. Tipurile de operatori ai limbajului</a:t>
+              <a:t>2.3. Tipurile de operatori ai limbajului</a:t>
             </a:r>
             <a:endParaRPr lang="ru-RU" dirty="0"/>
           </a:p>
@@ -18172,7 +22399,7 @@
             <p:ph idx="1"/>
             <p:extLst>
               <p:ext uri="{D42A27DB-BD31-4B8C-83A1-F6EECF244321}">
-                <p14:modId xmlns:p14="http://schemas.microsoft.com/office/powerpoint/2010/main" val="2640854174"/>
+                <p14:modId xmlns:p14="http://schemas.microsoft.com/office/powerpoint/2010/main" val="1650767172"/>
               </p:ext>
             </p:extLst>
           </p:nvPr>
@@ -18238,181 +22465,6 @@
     <p:extLst>
       <p:ext uri="{BB962C8B-B14F-4D97-AF65-F5344CB8AC3E}">
         <p14:creationId xmlns:p14="http://schemas.microsoft.com/office/powerpoint/2010/main" val="2246600587"/>
-      </p:ext>
-    </p:extLst>
-  </p:cSld>
-  <p:clrMapOvr>
-    <a:masterClrMapping/>
-  </p:clrMapOvr>
-</p:sld>
-</file>
-
-<file path=ppt/slides/slide9.xml><?xml version="1.0" encoding="utf-8"?>
-<p:sld xmlns:a="http://schemas.openxmlformats.org/drawingml/2006/main" xmlns:r="http://schemas.openxmlformats.org/officeDocument/2006/relationships" xmlns:p="http://schemas.openxmlformats.org/presentationml/2006/main">
-  <p:cSld>
-    <p:spTree>
-      <p:nvGrpSpPr>
-        <p:cNvPr id="1" name=""/>
-        <p:cNvGrpSpPr/>
-        <p:nvPr/>
-      </p:nvGrpSpPr>
-      <p:grpSpPr>
-        <a:xfrm>
-          <a:off x="0" y="0"/>
-          <a:ext cx="0" cy="0"/>
-          <a:chOff x="0" y="0"/>
-          <a:chExt cx="0" cy="0"/>
-        </a:xfrm>
-      </p:grpSpPr>
-      <p:sp>
-        <p:nvSpPr>
-          <p:cNvPr id="2" name="Title 1">
-            <a:extLst>
-              <a:ext uri="{FF2B5EF4-FFF2-40B4-BE49-F238E27FC236}">
-                <a16:creationId xmlns:a16="http://schemas.microsoft.com/office/drawing/2014/main" id="{C7673E72-7858-4FA4-8370-AF8875430BC4}"/>
-              </a:ext>
-            </a:extLst>
-          </p:cNvPr>
-          <p:cNvSpPr>
-            <a:spLocks noGrp="1"/>
-          </p:cNvSpPr>
-          <p:nvPr>
-            <p:ph type="title"/>
-          </p:nvPr>
-        </p:nvSpPr>
-        <p:spPr/>
-        <p:txBody>
-          <a:bodyPr/>
-          <a:lstStyle/>
-          <a:p>
-            <a:r>
-              <a:rPr lang="ro-RO" dirty="0"/>
-              <a:t>2.3. Tipurile de date în limbajul Python</a:t>
-            </a:r>
-            <a:endParaRPr lang="ru-RU" dirty="0"/>
-          </a:p>
-        </p:txBody>
-      </p:sp>
-      <p:graphicFrame>
-        <p:nvGraphicFramePr>
-          <p:cNvPr id="6" name="Content Placeholder 5">
-            <a:extLst>
-              <a:ext uri="{FF2B5EF4-FFF2-40B4-BE49-F238E27FC236}">
-                <a16:creationId xmlns:a16="http://schemas.microsoft.com/office/drawing/2014/main" id="{ECAF3824-4DA6-4AC4-A82A-04B5630ECF71}"/>
-              </a:ext>
-            </a:extLst>
-          </p:cNvPr>
-          <p:cNvGraphicFramePr>
-            <a:graphicFrameLocks noGrp="1"/>
-          </p:cNvGraphicFramePr>
-          <p:nvPr>
-            <p:ph idx="1"/>
-            <p:extLst>
-              <p:ext uri="{D42A27DB-BD31-4B8C-83A1-F6EECF244321}">
-                <p14:modId xmlns:p14="http://schemas.microsoft.com/office/powerpoint/2010/main" val="2303188650"/>
-              </p:ext>
-            </p:extLst>
-          </p:nvPr>
-        </p:nvGraphicFramePr>
-        <p:xfrm>
-          <a:off x="686628" y="2487543"/>
-          <a:ext cx="5409371" cy="3636963"/>
-        </p:xfrm>
-        <a:graphic>
-          <a:graphicData uri="http://schemas.openxmlformats.org/drawingml/2006/diagram">
-            <dgm:relIds xmlns:dgm="http://schemas.openxmlformats.org/drawingml/2006/diagram" xmlns:r="http://schemas.openxmlformats.org/officeDocument/2006/relationships" r:dm="rId2" r:lo="rId3" r:qs="rId4" r:cs="rId5"/>
-          </a:graphicData>
-        </a:graphic>
-      </p:graphicFrame>
-      <p:sp>
-        <p:nvSpPr>
-          <p:cNvPr id="7" name="Rectangle 6">
-            <a:extLst>
-              <a:ext uri="{FF2B5EF4-FFF2-40B4-BE49-F238E27FC236}">
-                <a16:creationId xmlns:a16="http://schemas.microsoft.com/office/drawing/2014/main" id="{DCA86FCA-71B6-46A0-AA44-AD6FD5D6F4D9}"/>
-              </a:ext>
-            </a:extLst>
-          </p:cNvPr>
-          <p:cNvSpPr/>
-          <p:nvPr/>
-        </p:nvSpPr>
-        <p:spPr>
-          <a:xfrm>
-            <a:off x="6586330" y="2845352"/>
-            <a:ext cx="4919042" cy="2554545"/>
-          </a:xfrm>
-          <a:prstGeom prst="rect">
-            <a:avLst/>
-          </a:prstGeom>
-        </p:spPr>
-        <p:txBody>
-          <a:bodyPr wrap="square">
-            <a:spAutoFit/>
-          </a:bodyPr>
-          <a:lstStyle/>
-          <a:p>
-            <a:r>
-              <a:rPr lang="ro-RO" sz="3200" dirty="0">
-                <a:latin typeface="Times New Roman" panose="02020603050405020304" pitchFamily="18" charset="0"/>
-                <a:ea typeface="Calibri" panose="020F0502020204030204" pitchFamily="34" charset="0"/>
-              </a:rPr>
-              <a:t>Python este un limbaj dinamic și nu lucrează direct cu tipuri. Ele există, dar programatorul nu trebuie să specifice acest lucru.</a:t>
-            </a:r>
-            <a:endParaRPr lang="ru-RU" sz="3200" dirty="0"/>
-          </a:p>
-        </p:txBody>
-      </p:sp>
-      <p:sp>
-        <p:nvSpPr>
-          <p:cNvPr id="8" name="Arrow: Left 7">
-            <a:hlinkClick r:id="rId7" action="ppaction://hlinksldjump"/>
-            <a:extLst>
-              <a:ext uri="{FF2B5EF4-FFF2-40B4-BE49-F238E27FC236}">
-                <a16:creationId xmlns:a16="http://schemas.microsoft.com/office/drawing/2014/main" id="{2C8E6754-BCBA-47D0-A6CE-7573BA027147}"/>
-              </a:ext>
-            </a:extLst>
-          </p:cNvPr>
-          <p:cNvSpPr/>
-          <p:nvPr/>
-        </p:nvSpPr>
-        <p:spPr>
-          <a:xfrm>
-            <a:off x="240157" y="6394320"/>
-            <a:ext cx="569843" cy="318051"/>
-          </a:xfrm>
-          <a:prstGeom prst="leftArrow">
-            <a:avLst/>
-          </a:prstGeom>
-        </p:spPr>
-        <p:style>
-          <a:lnRef idx="2">
-            <a:schemeClr val="dk1">
-              <a:shade val="50000"/>
-            </a:schemeClr>
-          </a:lnRef>
-          <a:fillRef idx="1">
-            <a:schemeClr val="dk1"/>
-          </a:fillRef>
-          <a:effectRef idx="0">
-            <a:schemeClr val="dk1"/>
-          </a:effectRef>
-          <a:fontRef idx="minor">
-            <a:schemeClr val="lt1"/>
-          </a:fontRef>
-        </p:style>
-        <p:txBody>
-          <a:bodyPr rtlCol="0" anchor="ctr"/>
-          <a:lstStyle/>
-          <a:p>
-            <a:pPr algn="ctr"/>
-            <a:endParaRPr lang="ru-RU"/>
-          </a:p>
-        </p:txBody>
-      </p:sp>
-    </p:spTree>
-    <p:extLst>
-      <p:ext uri="{BB962C8B-B14F-4D97-AF65-F5344CB8AC3E}">
-        <p14:creationId xmlns:p14="http://schemas.microsoft.com/office/powerpoint/2010/main" val="141298748"/>
       </p:ext>
     </p:extLst>
   </p:cSld>
@@ -18669,6 +22721,15 @@
 </file>
 
 <file path=customXml/item2.xml><?xml version="1.0" encoding="utf-8"?>
+<?mso-contentType ?>
+<FormTemplates xmlns="http://schemas.microsoft.com/sharepoint/v3/contenttype/forms">
+  <Display>DocumentLibraryForm</Display>
+  <Edit>DocumentLibraryForm</Edit>
+  <New>DocumentLibraryForm</New>
+</FormTemplates>
+</file>
+
+<file path=customXml/item3.xml><?xml version="1.0" encoding="utf-8"?>
 <ct:contentTypeSchema xmlns:ct="http://schemas.microsoft.com/office/2006/metadata/contentType" xmlns:ma="http://schemas.microsoft.com/office/2006/metadata/properties/metaAttributes" ct:_="" ma:_="" ma:contentTypeName="Document" ma:contentTypeID="0x01010079F111ED35F8CC479449609E8A0923A6" ma:contentTypeVersion="12" ma:contentTypeDescription="Create a new document." ma:contentTypeScope="" ma:versionID="b385d60f68dd989dca1fdc827799d853">
   <xsd:schema xmlns:xsd="http://www.w3.org/2001/XMLSchema" xmlns:xs="http://www.w3.org/2001/XMLSchema" xmlns:p="http://schemas.microsoft.com/office/2006/metadata/properties" xmlns:ns2="71af3243-3dd4-4a8d-8c0d-dd76da1f02a5" xmlns:ns3="16c05727-aa75-4e4a-9b5f-8a80a1165891" targetNamespace="http://schemas.microsoft.com/office/2006/metadata/properties" ma:root="true" ma:fieldsID="1911b479caf7b199da365455750e4572" ns2:_="" ns3:_="">
     <xsd:import namespace="71af3243-3dd4-4a8d-8c0d-dd76da1f02a5"/>
@@ -18889,15 +22950,6 @@
 </ct:contentTypeSchema>
 </file>
 
-<file path=customXml/item3.xml><?xml version="1.0" encoding="utf-8"?>
-<?mso-contentType ?>
-<FormTemplates xmlns="http://schemas.microsoft.com/sharepoint/v3/contenttype/forms">
-  <Display>DocumentLibraryForm</Display>
-  <Edit>DocumentLibraryForm</Edit>
-  <New>DocumentLibraryForm</New>
-</FormTemplates>
-</file>
-
 <file path=customXml/itemProps1.xml><?xml version="1.0" encoding="utf-8"?>
 <ds:datastoreItem xmlns:ds="http://schemas.openxmlformats.org/officeDocument/2006/customXml" ds:itemID="{05507FE6-F3A1-4DF8-A915-6F00F21B0B27}">
   <ds:schemaRefs>
@@ -18909,6 +22961,14 @@
 </file>
 
 <file path=customXml/itemProps2.xml><?xml version="1.0" encoding="utf-8"?>
+<ds:datastoreItem xmlns:ds="http://schemas.openxmlformats.org/officeDocument/2006/customXml" ds:itemID="{8AA7694F-727A-4E93-AD9E-902B06C1631E}">
+  <ds:schemaRefs>
+    <ds:schemaRef ds:uri="http://schemas.microsoft.com/sharepoint/v3/contenttype/forms"/>
+  </ds:schemaRefs>
+</ds:datastoreItem>
+</file>
+
+<file path=customXml/itemProps3.xml><?xml version="1.0" encoding="utf-8"?>
 <ds:datastoreItem xmlns:ds="http://schemas.openxmlformats.org/officeDocument/2006/customXml" ds:itemID="{238F9A98-A741-4930-A3C3-25DABF74C1CA}">
   <ds:schemaRefs>
     <ds:schemaRef ds:uri="http://schemas.microsoft.com/office/2006/metadata/contentType"/>
@@ -18925,12 +22985,4 @@
     <ds:schemaRef ds:uri="http://schemas.microsoft.com/internal/obd"/>
   </ds:schemaRefs>
 </ds:datastoreItem>
-</file>
-
-<file path=customXml/itemProps3.xml><?xml version="1.0" encoding="utf-8"?>
-<ds:datastoreItem xmlns:ds="http://schemas.openxmlformats.org/officeDocument/2006/customXml" ds:itemID="{8AA7694F-727A-4E93-AD9E-902B06C1631E}">
-  <ds:schemaRefs>
-    <ds:schemaRef ds:uri="http://schemas.microsoft.com/sharepoint/v3/contenttype/forms"/>
-  </ds:schemaRefs>
-</ds:datastoreItem>
 </file>
--- a/Introducere în limbajul de programare Python.pptx
+++ b/Introducere în limbajul de programare Python.pptx
@@ -17,10 +17,12 @@
     <p:sldId id="287" r:id="rId14"/>
     <p:sldId id="288" r:id="rId15"/>
     <p:sldId id="289" r:id="rId16"/>
-    <p:sldId id="290" r:id="rId17"/>
-    <p:sldId id="292" r:id="rId18"/>
-    <p:sldId id="291" r:id="rId19"/>
-    <p:sldId id="278" r:id="rId20"/>
+    <p:sldId id="293" r:id="rId17"/>
+    <p:sldId id="290" r:id="rId18"/>
+    <p:sldId id="292" r:id="rId19"/>
+    <p:sldId id="294" r:id="rId20"/>
+    <p:sldId id="291" r:id="rId21"/>
+    <p:sldId id="278" r:id="rId22"/>
   </p:sldIdLst>
   <p:sldSz cx="12192000" cy="6858000"/>
   <p:notesSz cx="6858000" cy="9144000"/>
@@ -121,7 +123,18 @@
   </p:defaultTextStyle>
   <p:extLst>
     <p:ext uri="{EFAFB233-063F-42B5-8137-9DF3F51BA10A}">
-      <p15:sldGuideLst xmlns:p15="http://schemas.microsoft.com/office/powerpoint/2012/main"/>
+      <p15:sldGuideLst xmlns:p15="http://schemas.microsoft.com/office/powerpoint/2012/main">
+        <p15:guide id="1" orient="horz" pos="2160">
+          <p15:clr>
+            <a:srgbClr val="A4A3A4"/>
+          </p15:clr>
+        </p15:guide>
+        <p15:guide id="2" pos="3840">
+          <p15:clr>
+            <a:srgbClr val="A4A3A4"/>
+          </p15:clr>
+        </p15:guide>
+      </p15:sldGuideLst>
     </p:ext>
   </p:extLst>
 </p:presentation>
@@ -2369,6 +2382,753 @@
 </file>
 
 <file path=ppt/diagrams/colors4.xml><?xml version="1.0" encoding="utf-8"?>
+<dgm:colorsDef xmlns:dgm="http://schemas.openxmlformats.org/drawingml/2006/diagram" xmlns:a="http://schemas.openxmlformats.org/drawingml/2006/main" uniqueId="urn:microsoft.com/office/officeart/2005/8/colors/accent1_2">
+  <dgm:title val=""/>
+  <dgm:desc val=""/>
+  <dgm:catLst>
+    <dgm:cat type="accent1" pri="11200"/>
+  </dgm:catLst>
+  <dgm:styleLbl name="node0">
+    <dgm:fillClrLst meth="repeat">
+      <a:schemeClr val="accent1"/>
+    </dgm:fillClrLst>
+    <dgm:linClrLst meth="repeat">
+      <a:schemeClr val="lt1"/>
+    </dgm:linClrLst>
+    <dgm:effectClrLst/>
+    <dgm:txLinClrLst/>
+    <dgm:txFillClrLst/>
+    <dgm:txEffectClrLst/>
+  </dgm:styleLbl>
+  <dgm:styleLbl name="alignNode1">
+    <dgm:fillClrLst meth="repeat">
+      <a:schemeClr val="accent1"/>
+    </dgm:fillClrLst>
+    <dgm:linClrLst meth="repeat">
+      <a:schemeClr val="accent1"/>
+    </dgm:linClrLst>
+    <dgm:effectClrLst/>
+    <dgm:txLinClrLst/>
+    <dgm:txFillClrLst/>
+    <dgm:txEffectClrLst/>
+  </dgm:styleLbl>
+  <dgm:styleLbl name="node1">
+    <dgm:fillClrLst meth="repeat">
+      <a:schemeClr val="accent1"/>
+    </dgm:fillClrLst>
+    <dgm:linClrLst meth="repeat">
+      <a:schemeClr val="lt1"/>
+    </dgm:linClrLst>
+    <dgm:effectClrLst/>
+    <dgm:txLinClrLst/>
+    <dgm:txFillClrLst/>
+    <dgm:txEffectClrLst/>
+  </dgm:styleLbl>
+  <dgm:styleLbl name="lnNode1">
+    <dgm:fillClrLst meth="repeat">
+      <a:schemeClr val="accent1"/>
+    </dgm:fillClrLst>
+    <dgm:linClrLst meth="repeat">
+      <a:schemeClr val="lt1"/>
+    </dgm:linClrLst>
+    <dgm:effectClrLst/>
+    <dgm:txLinClrLst/>
+    <dgm:txFillClrLst/>
+    <dgm:txEffectClrLst/>
+  </dgm:styleLbl>
+  <dgm:styleLbl name="vennNode1">
+    <dgm:fillClrLst meth="repeat">
+      <a:schemeClr val="accent1">
+        <a:alpha val="50000"/>
+      </a:schemeClr>
+    </dgm:fillClrLst>
+    <dgm:linClrLst meth="repeat">
+      <a:schemeClr val="lt1"/>
+    </dgm:linClrLst>
+    <dgm:effectClrLst/>
+    <dgm:txLinClrLst/>
+    <dgm:txFillClrLst/>
+    <dgm:txEffectClrLst/>
+  </dgm:styleLbl>
+  <dgm:styleLbl name="node2">
+    <dgm:fillClrLst meth="repeat">
+      <a:schemeClr val="accent1"/>
+    </dgm:fillClrLst>
+    <dgm:linClrLst meth="repeat">
+      <a:schemeClr val="lt1"/>
+    </dgm:linClrLst>
+    <dgm:effectClrLst/>
+    <dgm:txLinClrLst/>
+    <dgm:txFillClrLst/>
+    <dgm:txEffectClrLst/>
+  </dgm:styleLbl>
+  <dgm:styleLbl name="node3">
+    <dgm:fillClrLst meth="repeat">
+      <a:schemeClr val="accent1"/>
+    </dgm:fillClrLst>
+    <dgm:linClrLst meth="repeat">
+      <a:schemeClr val="lt1"/>
+    </dgm:linClrLst>
+    <dgm:effectClrLst/>
+    <dgm:txLinClrLst/>
+    <dgm:txFillClrLst/>
+    <dgm:txEffectClrLst/>
+  </dgm:styleLbl>
+  <dgm:styleLbl name="node4">
+    <dgm:fillClrLst meth="repeat">
+      <a:schemeClr val="accent1"/>
+    </dgm:fillClrLst>
+    <dgm:linClrLst meth="repeat">
+      <a:schemeClr val="lt1"/>
+    </dgm:linClrLst>
+    <dgm:effectClrLst/>
+    <dgm:txLinClrLst/>
+    <dgm:txFillClrLst/>
+    <dgm:txEffectClrLst/>
+  </dgm:styleLbl>
+  <dgm:styleLbl name="fgImgPlace1">
+    <dgm:fillClrLst meth="repeat">
+      <a:schemeClr val="accent1">
+        <a:tint val="50000"/>
+      </a:schemeClr>
+    </dgm:fillClrLst>
+    <dgm:linClrLst meth="repeat">
+      <a:schemeClr val="lt1"/>
+    </dgm:linClrLst>
+    <dgm:effectClrLst/>
+    <dgm:txLinClrLst/>
+    <dgm:txFillClrLst meth="repeat">
+      <a:schemeClr val="lt1"/>
+    </dgm:txFillClrLst>
+    <dgm:txEffectClrLst/>
+  </dgm:styleLbl>
+  <dgm:styleLbl name="alignImgPlace1">
+    <dgm:fillClrLst meth="repeat">
+      <a:schemeClr val="accent1">
+        <a:tint val="50000"/>
+      </a:schemeClr>
+    </dgm:fillClrLst>
+    <dgm:linClrLst meth="repeat">
+      <a:schemeClr val="lt1"/>
+    </dgm:linClrLst>
+    <dgm:effectClrLst/>
+    <dgm:txLinClrLst/>
+    <dgm:txFillClrLst meth="repeat">
+      <a:schemeClr val="lt1"/>
+    </dgm:txFillClrLst>
+    <dgm:txEffectClrLst/>
+  </dgm:styleLbl>
+  <dgm:styleLbl name="bgImgPlace1">
+    <dgm:fillClrLst meth="repeat">
+      <a:schemeClr val="accent1">
+        <a:tint val="50000"/>
+      </a:schemeClr>
+    </dgm:fillClrLst>
+    <dgm:linClrLst meth="repeat">
+      <a:schemeClr val="lt1"/>
+    </dgm:linClrLst>
+    <dgm:effectClrLst/>
+    <dgm:txLinClrLst/>
+    <dgm:txFillClrLst meth="repeat">
+      <a:schemeClr val="lt1"/>
+    </dgm:txFillClrLst>
+    <dgm:txEffectClrLst/>
+  </dgm:styleLbl>
+  <dgm:styleLbl name="sibTrans2D1">
+    <dgm:fillClrLst meth="repeat">
+      <a:schemeClr val="accent1">
+        <a:tint val="60000"/>
+      </a:schemeClr>
+    </dgm:fillClrLst>
+    <dgm:linClrLst meth="repeat">
+      <a:schemeClr val="accent1">
+        <a:tint val="60000"/>
+      </a:schemeClr>
+    </dgm:linClrLst>
+    <dgm:effectClrLst/>
+    <dgm:txLinClrLst/>
+    <dgm:txFillClrLst/>
+    <dgm:txEffectClrLst/>
+  </dgm:styleLbl>
+  <dgm:styleLbl name="fgSibTrans2D1">
+    <dgm:fillClrLst meth="repeat">
+      <a:schemeClr val="accent1">
+        <a:tint val="60000"/>
+      </a:schemeClr>
+    </dgm:fillClrLst>
+    <dgm:linClrLst meth="repeat">
+      <a:schemeClr val="accent1">
+        <a:tint val="60000"/>
+      </a:schemeClr>
+    </dgm:linClrLst>
+    <dgm:effectClrLst/>
+    <dgm:txLinClrLst/>
+    <dgm:txFillClrLst/>
+    <dgm:txEffectClrLst/>
+  </dgm:styleLbl>
+  <dgm:styleLbl name="bgSibTrans2D1">
+    <dgm:fillClrLst meth="repeat">
+      <a:schemeClr val="accent1">
+        <a:tint val="60000"/>
+      </a:schemeClr>
+    </dgm:fillClrLst>
+    <dgm:linClrLst meth="repeat">
+      <a:schemeClr val="accent1">
+        <a:tint val="60000"/>
+      </a:schemeClr>
+    </dgm:linClrLst>
+    <dgm:effectClrLst/>
+    <dgm:txLinClrLst/>
+    <dgm:txFillClrLst/>
+    <dgm:txEffectClrLst/>
+  </dgm:styleLbl>
+  <dgm:styleLbl name="sibTrans1D1">
+    <dgm:fillClrLst meth="repeat">
+      <a:schemeClr val="accent1"/>
+    </dgm:fillClrLst>
+    <dgm:linClrLst meth="repeat">
+      <a:schemeClr val="accent1"/>
+    </dgm:linClrLst>
+    <dgm:effectClrLst/>
+    <dgm:txLinClrLst/>
+    <dgm:txFillClrLst meth="repeat">
+      <a:schemeClr val="tx1"/>
+    </dgm:txFillClrLst>
+    <dgm:txEffectClrLst/>
+  </dgm:styleLbl>
+  <dgm:styleLbl name="callout">
+    <dgm:fillClrLst meth="repeat">
+      <a:schemeClr val="accent1"/>
+    </dgm:fillClrLst>
+    <dgm:linClrLst meth="repeat">
+      <a:schemeClr val="accent1">
+        <a:tint val="50000"/>
+      </a:schemeClr>
+    </dgm:linClrLst>
+    <dgm:effectClrLst/>
+    <dgm:txLinClrLst/>
+    <dgm:txFillClrLst meth="repeat">
+      <a:schemeClr val="tx1"/>
+    </dgm:txFillClrLst>
+    <dgm:txEffectClrLst/>
+  </dgm:styleLbl>
+  <dgm:styleLbl name="asst0">
+    <dgm:fillClrLst meth="repeat">
+      <a:schemeClr val="accent1"/>
+    </dgm:fillClrLst>
+    <dgm:linClrLst meth="repeat">
+      <a:schemeClr val="lt1"/>
+    </dgm:linClrLst>
+    <dgm:effectClrLst/>
+    <dgm:txLinClrLst/>
+    <dgm:txFillClrLst/>
+    <dgm:txEffectClrLst/>
+  </dgm:styleLbl>
+  <dgm:styleLbl name="asst1">
+    <dgm:fillClrLst meth="repeat">
+      <a:schemeClr val="accent1"/>
+    </dgm:fillClrLst>
+    <dgm:linClrLst meth="repeat">
+      <a:schemeClr val="lt1"/>
+    </dgm:linClrLst>
+    <dgm:effectClrLst/>
+    <dgm:txLinClrLst/>
+    <dgm:txFillClrLst/>
+    <dgm:txEffectClrLst/>
+  </dgm:styleLbl>
+  <dgm:styleLbl name="asst2">
+    <dgm:fillClrLst meth="repeat">
+      <a:schemeClr val="accent1"/>
+    </dgm:fillClrLst>
+    <dgm:linClrLst meth="repeat">
+      <a:schemeClr val="lt1"/>
+    </dgm:linClrLst>
+    <dgm:effectClrLst/>
+    <dgm:txLinClrLst/>
+    <dgm:txFillClrLst/>
+    <dgm:txEffectClrLst/>
+  </dgm:styleLbl>
+  <dgm:styleLbl name="asst3">
+    <dgm:fillClrLst meth="repeat">
+      <a:schemeClr val="accent1"/>
+    </dgm:fillClrLst>
+    <dgm:linClrLst meth="repeat">
+      <a:schemeClr val="lt1"/>
+    </dgm:linClrLst>
+    <dgm:effectClrLst/>
+    <dgm:txLinClrLst/>
+    <dgm:txFillClrLst/>
+    <dgm:txEffectClrLst/>
+  </dgm:styleLbl>
+  <dgm:styleLbl name="asst4">
+    <dgm:fillClrLst meth="repeat">
+      <a:schemeClr val="accent1"/>
+    </dgm:fillClrLst>
+    <dgm:linClrLst meth="repeat">
+      <a:schemeClr val="lt1"/>
+    </dgm:linClrLst>
+    <dgm:effectClrLst/>
+    <dgm:txLinClrLst/>
+    <dgm:txFillClrLst/>
+    <dgm:txEffectClrLst/>
+  </dgm:styleLbl>
+  <dgm:styleLbl name="parChTrans2D1">
+    <dgm:fillClrLst meth="repeat">
+      <a:schemeClr val="accent1">
+        <a:tint val="60000"/>
+      </a:schemeClr>
+    </dgm:fillClrLst>
+    <dgm:linClrLst meth="repeat">
+      <a:schemeClr val="accent1">
+        <a:tint val="60000"/>
+      </a:schemeClr>
+    </dgm:linClrLst>
+    <dgm:effectClrLst/>
+    <dgm:txLinClrLst/>
+    <dgm:txFillClrLst meth="repeat">
+      <a:schemeClr val="lt1"/>
+    </dgm:txFillClrLst>
+    <dgm:txEffectClrLst/>
+  </dgm:styleLbl>
+  <dgm:styleLbl name="parChTrans2D2">
+    <dgm:fillClrLst meth="repeat">
+      <a:schemeClr val="accent1"/>
+    </dgm:fillClrLst>
+    <dgm:linClrLst meth="repeat">
+      <a:schemeClr val="accent1"/>
+    </dgm:linClrLst>
+    <dgm:effectClrLst/>
+    <dgm:txLinClrLst/>
+    <dgm:txFillClrLst meth="repeat">
+      <a:schemeClr val="lt1"/>
+    </dgm:txFillClrLst>
+    <dgm:txEffectClrLst/>
+  </dgm:styleLbl>
+  <dgm:styleLbl name="parChTrans2D3">
+    <dgm:fillClrLst meth="repeat">
+      <a:schemeClr val="accent1"/>
+    </dgm:fillClrLst>
+    <dgm:linClrLst meth="repeat">
+      <a:schemeClr val="accent1"/>
+    </dgm:linClrLst>
+    <dgm:effectClrLst/>
+    <dgm:txLinClrLst/>
+    <dgm:txFillClrLst meth="repeat">
+      <a:schemeClr val="lt1"/>
+    </dgm:txFillClrLst>
+    <dgm:txEffectClrLst/>
+  </dgm:styleLbl>
+  <dgm:styleLbl name="parChTrans2D4">
+    <dgm:fillClrLst meth="repeat">
+      <a:schemeClr val="accent1"/>
+    </dgm:fillClrLst>
+    <dgm:linClrLst meth="repeat">
+      <a:schemeClr val="accent1"/>
+    </dgm:linClrLst>
+    <dgm:effectClrLst/>
+    <dgm:txLinClrLst/>
+    <dgm:txFillClrLst meth="repeat">
+      <a:schemeClr val="lt1"/>
+    </dgm:txFillClrLst>
+    <dgm:txEffectClrLst/>
+  </dgm:styleLbl>
+  <dgm:styleLbl name="parChTrans1D1">
+    <dgm:fillClrLst meth="repeat">
+      <a:schemeClr val="accent1"/>
+    </dgm:fillClrLst>
+    <dgm:linClrLst meth="repeat">
+      <a:schemeClr val="accent1">
+        <a:shade val="60000"/>
+      </a:schemeClr>
+    </dgm:linClrLst>
+    <dgm:effectClrLst/>
+    <dgm:txLinClrLst/>
+    <dgm:txFillClrLst meth="repeat">
+      <a:schemeClr val="tx1"/>
+    </dgm:txFillClrLst>
+    <dgm:txEffectClrLst/>
+  </dgm:styleLbl>
+  <dgm:styleLbl name="parChTrans1D2">
+    <dgm:fillClrLst meth="repeat">
+      <a:schemeClr val="accent1"/>
+    </dgm:fillClrLst>
+    <dgm:linClrLst meth="repeat">
+      <a:schemeClr val="accent1">
+        <a:shade val="60000"/>
+      </a:schemeClr>
+    </dgm:linClrLst>
+    <dgm:effectClrLst/>
+    <dgm:txLinClrLst/>
+    <dgm:txFillClrLst meth="repeat">
+      <a:schemeClr val="tx1"/>
+    </dgm:txFillClrLst>
+    <dgm:txEffectClrLst/>
+  </dgm:styleLbl>
+  <dgm:styleLbl name="parChTrans1D3">
+    <dgm:fillClrLst meth="repeat">
+      <a:schemeClr val="accent1"/>
+    </dgm:fillClrLst>
+    <dgm:linClrLst meth="repeat">
+      <a:schemeClr val="accent1">
+        <a:shade val="80000"/>
+      </a:schemeClr>
+    </dgm:linClrLst>
+    <dgm:effectClrLst/>
+    <dgm:txLinClrLst/>
+    <dgm:txFillClrLst meth="repeat">
+      <a:schemeClr val="tx1"/>
+    </dgm:txFillClrLst>
+    <dgm:txEffectClrLst/>
+  </dgm:styleLbl>
+  <dgm:styleLbl name="parChTrans1D4">
+    <dgm:fillClrLst meth="repeat">
+      <a:schemeClr val="accent1"/>
+    </dgm:fillClrLst>
+    <dgm:linClrLst meth="repeat">
+      <a:schemeClr val="accent1">
+        <a:shade val="80000"/>
+      </a:schemeClr>
+    </dgm:linClrLst>
+    <dgm:effectClrLst/>
+    <dgm:txLinClrLst/>
+    <dgm:txFillClrLst meth="repeat">
+      <a:schemeClr val="tx1"/>
+    </dgm:txFillClrLst>
+    <dgm:txEffectClrLst/>
+  </dgm:styleLbl>
+  <dgm:styleLbl name="fgAcc1">
+    <dgm:fillClrLst meth="repeat">
+      <a:schemeClr val="lt1">
+        <a:alpha val="90000"/>
+      </a:schemeClr>
+    </dgm:fillClrLst>
+    <dgm:linClrLst meth="repeat">
+      <a:schemeClr val="accent1"/>
+    </dgm:linClrLst>
+    <dgm:effectClrLst/>
+    <dgm:txLinClrLst/>
+    <dgm:txFillClrLst meth="repeat">
+      <a:schemeClr val="dk1"/>
+    </dgm:txFillClrLst>
+    <dgm:txEffectClrLst/>
+  </dgm:styleLbl>
+  <dgm:styleLbl name="conFgAcc1">
+    <dgm:fillClrLst meth="repeat">
+      <a:schemeClr val="lt1">
+        <a:alpha val="90000"/>
+      </a:schemeClr>
+    </dgm:fillClrLst>
+    <dgm:linClrLst meth="repeat">
+      <a:schemeClr val="accent1"/>
+    </dgm:linClrLst>
+    <dgm:effectClrLst/>
+    <dgm:txLinClrLst/>
+    <dgm:txFillClrLst meth="repeat">
+      <a:schemeClr val="dk1"/>
+    </dgm:txFillClrLst>
+    <dgm:txEffectClrLst/>
+  </dgm:styleLbl>
+  <dgm:styleLbl name="alignAcc1">
+    <dgm:fillClrLst meth="repeat">
+      <a:schemeClr val="lt1">
+        <a:alpha val="90000"/>
+      </a:schemeClr>
+    </dgm:fillClrLst>
+    <dgm:linClrLst meth="repeat">
+      <a:schemeClr val="accent1"/>
+    </dgm:linClrLst>
+    <dgm:effectClrLst/>
+    <dgm:txLinClrLst/>
+    <dgm:txFillClrLst meth="repeat">
+      <a:schemeClr val="dk1"/>
+    </dgm:txFillClrLst>
+    <dgm:txEffectClrLst/>
+  </dgm:styleLbl>
+  <dgm:styleLbl name="trAlignAcc1">
+    <dgm:fillClrLst meth="repeat">
+      <a:schemeClr val="lt1">
+        <a:alpha val="40000"/>
+      </a:schemeClr>
+    </dgm:fillClrLst>
+    <dgm:linClrLst meth="repeat">
+      <a:schemeClr val="accent1"/>
+    </dgm:linClrLst>
+    <dgm:effectClrLst/>
+    <dgm:txLinClrLst/>
+    <dgm:txFillClrLst meth="repeat">
+      <a:schemeClr val="dk1"/>
+    </dgm:txFillClrLst>
+    <dgm:txEffectClrLst/>
+  </dgm:styleLbl>
+  <dgm:styleLbl name="bgAcc1">
+    <dgm:fillClrLst meth="repeat">
+      <a:schemeClr val="lt1">
+        <a:alpha val="90000"/>
+      </a:schemeClr>
+    </dgm:fillClrLst>
+    <dgm:linClrLst meth="repeat">
+      <a:schemeClr val="accent1"/>
+    </dgm:linClrLst>
+    <dgm:effectClrLst/>
+    <dgm:txLinClrLst/>
+    <dgm:txFillClrLst meth="repeat">
+      <a:schemeClr val="dk1"/>
+    </dgm:txFillClrLst>
+    <dgm:txEffectClrLst/>
+  </dgm:styleLbl>
+  <dgm:styleLbl name="solidFgAcc1">
+    <dgm:fillClrLst meth="repeat">
+      <a:schemeClr val="lt1"/>
+    </dgm:fillClrLst>
+    <dgm:linClrLst meth="repeat">
+      <a:schemeClr val="accent1"/>
+    </dgm:linClrLst>
+    <dgm:effectClrLst/>
+    <dgm:txLinClrLst/>
+    <dgm:txFillClrLst meth="repeat">
+      <a:schemeClr val="dk1"/>
+    </dgm:txFillClrLst>
+    <dgm:txEffectClrLst/>
+  </dgm:styleLbl>
+  <dgm:styleLbl name="solidAlignAcc1">
+    <dgm:fillClrLst meth="repeat">
+      <a:schemeClr val="lt1"/>
+    </dgm:fillClrLst>
+    <dgm:linClrLst meth="repeat">
+      <a:schemeClr val="accent1"/>
+    </dgm:linClrLst>
+    <dgm:effectClrLst/>
+    <dgm:txLinClrLst/>
+    <dgm:txFillClrLst meth="repeat">
+      <a:schemeClr val="dk1"/>
+    </dgm:txFillClrLst>
+    <dgm:txEffectClrLst/>
+  </dgm:styleLbl>
+  <dgm:styleLbl name="solidBgAcc1">
+    <dgm:fillClrLst meth="repeat">
+      <a:schemeClr val="lt1"/>
+    </dgm:fillClrLst>
+    <dgm:linClrLst meth="repeat">
+      <a:schemeClr val="accent1"/>
+    </dgm:linClrLst>
+    <dgm:effectClrLst/>
+    <dgm:txLinClrLst/>
+    <dgm:txFillClrLst meth="repeat">
+      <a:schemeClr val="dk1"/>
+    </dgm:txFillClrLst>
+    <dgm:txEffectClrLst/>
+  </dgm:styleLbl>
+  <dgm:styleLbl name="fgAccFollowNode1">
+    <dgm:fillClrLst meth="repeat">
+      <a:schemeClr val="accent1">
+        <a:alpha val="90000"/>
+        <a:tint val="40000"/>
+      </a:schemeClr>
+    </dgm:fillClrLst>
+    <dgm:linClrLst meth="repeat">
+      <a:schemeClr val="accent1">
+        <a:alpha val="90000"/>
+        <a:tint val="40000"/>
+      </a:schemeClr>
+    </dgm:linClrLst>
+    <dgm:effectClrLst/>
+    <dgm:txLinClrLst/>
+    <dgm:txFillClrLst meth="repeat">
+      <a:schemeClr val="dk1"/>
+    </dgm:txFillClrLst>
+    <dgm:txEffectClrLst/>
+  </dgm:styleLbl>
+  <dgm:styleLbl name="alignAccFollowNode1">
+    <dgm:fillClrLst meth="repeat">
+      <a:schemeClr val="accent1">
+        <a:alpha val="90000"/>
+        <a:tint val="40000"/>
+      </a:schemeClr>
+    </dgm:fillClrLst>
+    <dgm:linClrLst meth="repeat">
+      <a:schemeClr val="accent1">
+        <a:alpha val="90000"/>
+        <a:tint val="40000"/>
+      </a:schemeClr>
+    </dgm:linClrLst>
+    <dgm:effectClrLst/>
+    <dgm:txLinClrLst/>
+    <dgm:txFillClrLst meth="repeat">
+      <a:schemeClr val="dk1"/>
+    </dgm:txFillClrLst>
+    <dgm:txEffectClrLst/>
+  </dgm:styleLbl>
+  <dgm:styleLbl name="bgAccFollowNode1">
+    <dgm:fillClrLst meth="repeat">
+      <a:schemeClr val="accent1">
+        <a:alpha val="90000"/>
+        <a:tint val="40000"/>
+      </a:schemeClr>
+    </dgm:fillClrLst>
+    <dgm:linClrLst meth="repeat">
+      <a:schemeClr val="accent1">
+        <a:alpha val="90000"/>
+        <a:tint val="40000"/>
+      </a:schemeClr>
+    </dgm:linClrLst>
+    <dgm:effectClrLst/>
+    <dgm:txLinClrLst/>
+    <dgm:txFillClrLst meth="repeat">
+      <a:schemeClr val="dk1"/>
+    </dgm:txFillClrLst>
+    <dgm:txEffectClrLst/>
+  </dgm:styleLbl>
+  <dgm:styleLbl name="fgAcc0">
+    <dgm:fillClrLst meth="repeat">
+      <a:schemeClr val="lt1">
+        <a:alpha val="90000"/>
+      </a:schemeClr>
+    </dgm:fillClrLst>
+    <dgm:linClrLst meth="repeat">
+      <a:schemeClr val="accent1"/>
+    </dgm:linClrLst>
+    <dgm:effectClrLst/>
+    <dgm:txLinClrLst/>
+    <dgm:txFillClrLst meth="repeat">
+      <a:schemeClr val="dk1"/>
+    </dgm:txFillClrLst>
+    <dgm:txEffectClrLst/>
+  </dgm:styleLbl>
+  <dgm:styleLbl name="fgAcc2">
+    <dgm:fillClrLst meth="repeat">
+      <a:schemeClr val="lt1">
+        <a:alpha val="90000"/>
+      </a:schemeClr>
+    </dgm:fillClrLst>
+    <dgm:linClrLst meth="repeat">
+      <a:schemeClr val="accent1"/>
+    </dgm:linClrLst>
+    <dgm:effectClrLst/>
+    <dgm:txLinClrLst/>
+    <dgm:txFillClrLst meth="repeat">
+      <a:schemeClr val="dk1"/>
+    </dgm:txFillClrLst>
+    <dgm:txEffectClrLst/>
+  </dgm:styleLbl>
+  <dgm:styleLbl name="fgAcc3">
+    <dgm:fillClrLst meth="repeat">
+      <a:schemeClr val="lt1">
+        <a:alpha val="90000"/>
+      </a:schemeClr>
+    </dgm:fillClrLst>
+    <dgm:linClrLst meth="repeat">
+      <a:schemeClr val="accent1"/>
+    </dgm:linClrLst>
+    <dgm:effectClrLst/>
+    <dgm:txLinClrLst/>
+    <dgm:txFillClrLst meth="repeat">
+      <a:schemeClr val="dk1"/>
+    </dgm:txFillClrLst>
+    <dgm:txEffectClrLst/>
+  </dgm:styleLbl>
+  <dgm:styleLbl name="fgAcc4">
+    <dgm:fillClrLst meth="repeat">
+      <a:schemeClr val="lt1">
+        <a:alpha val="90000"/>
+      </a:schemeClr>
+    </dgm:fillClrLst>
+    <dgm:linClrLst meth="repeat">
+      <a:schemeClr val="accent1"/>
+    </dgm:linClrLst>
+    <dgm:effectClrLst/>
+    <dgm:txLinClrLst/>
+    <dgm:txFillClrLst meth="repeat">
+      <a:schemeClr val="dk1"/>
+    </dgm:txFillClrLst>
+    <dgm:txEffectClrLst/>
+  </dgm:styleLbl>
+  <dgm:styleLbl name="bgShp">
+    <dgm:fillClrLst meth="repeat">
+      <a:schemeClr val="accent1">
+        <a:tint val="40000"/>
+      </a:schemeClr>
+    </dgm:fillClrLst>
+    <dgm:linClrLst meth="repeat">
+      <a:schemeClr val="accent1"/>
+    </dgm:linClrLst>
+    <dgm:effectClrLst/>
+    <dgm:txLinClrLst/>
+    <dgm:txFillClrLst meth="repeat">
+      <a:schemeClr val="dk1"/>
+    </dgm:txFillClrLst>
+    <dgm:txEffectClrLst/>
+  </dgm:styleLbl>
+  <dgm:styleLbl name="dkBgShp">
+    <dgm:fillClrLst meth="repeat">
+      <a:schemeClr val="accent1">
+        <a:shade val="80000"/>
+      </a:schemeClr>
+    </dgm:fillClrLst>
+    <dgm:linClrLst meth="repeat">
+      <a:schemeClr val="accent1"/>
+    </dgm:linClrLst>
+    <dgm:effectClrLst/>
+    <dgm:txLinClrLst/>
+    <dgm:txFillClrLst meth="repeat">
+      <a:schemeClr val="lt1"/>
+    </dgm:txFillClrLst>
+    <dgm:txEffectClrLst/>
+  </dgm:styleLbl>
+  <dgm:styleLbl name="trBgShp">
+    <dgm:fillClrLst meth="repeat">
+      <a:schemeClr val="accent1">
+        <a:tint val="50000"/>
+        <a:alpha val="40000"/>
+      </a:schemeClr>
+    </dgm:fillClrLst>
+    <dgm:linClrLst meth="repeat">
+      <a:schemeClr val="accent1"/>
+    </dgm:linClrLst>
+    <dgm:effectClrLst/>
+    <dgm:txLinClrLst/>
+    <dgm:txFillClrLst meth="repeat">
+      <a:schemeClr val="lt1"/>
+    </dgm:txFillClrLst>
+    <dgm:txEffectClrLst/>
+  </dgm:styleLbl>
+  <dgm:styleLbl name="fgShp">
+    <dgm:fillClrLst meth="repeat">
+      <a:schemeClr val="accent1">
+        <a:tint val="60000"/>
+      </a:schemeClr>
+    </dgm:fillClrLst>
+    <dgm:linClrLst meth="repeat">
+      <a:schemeClr val="lt1"/>
+    </dgm:linClrLst>
+    <dgm:effectClrLst/>
+    <dgm:txLinClrLst/>
+    <dgm:txFillClrLst meth="repeat">
+      <a:schemeClr val="dk1"/>
+    </dgm:txFillClrLst>
+    <dgm:txEffectClrLst/>
+  </dgm:styleLbl>
+  <dgm:styleLbl name="revTx">
+    <dgm:fillClrLst meth="repeat">
+      <a:schemeClr val="lt1">
+        <a:alpha val="0"/>
+      </a:schemeClr>
+    </dgm:fillClrLst>
+    <dgm:linClrLst meth="repeat">
+      <a:schemeClr val="dk1">
+        <a:alpha val="0"/>
+      </a:schemeClr>
+    </dgm:linClrLst>
+    <dgm:effectClrLst/>
+    <dgm:txLinClrLst/>
+    <dgm:txFillClrLst meth="repeat">
+      <a:schemeClr val="tx1"/>
+    </dgm:txFillClrLst>
+    <dgm:txEffectClrLst/>
+  </dgm:styleLbl>
+</dgm:colorsDef>
+</file>
+
+<file path=ppt/diagrams/colors5.xml><?xml version="1.0" encoding="utf-8"?>
 <dgm:colorsDef xmlns:dgm="http://schemas.openxmlformats.org/drawingml/2006/diagram" xmlns:a="http://schemas.openxmlformats.org/drawingml/2006/main" uniqueId="urn:microsoft.com/office/officeart/2005/8/colors/accent1_2">
   <dgm:title val=""/>
   <dgm:desc val=""/>
@@ -3418,6 +4178,253 @@
 </file>
 
 <file path=ppt/diagrams/data2.xml><?xml version="1.0" encoding="utf-8"?>
+<dgm:dataModel xmlns:dgm="http://schemas.openxmlformats.org/drawingml/2006/diagram" xmlns:a="http://schemas.openxmlformats.org/drawingml/2006/main">
+  <dgm:ptLst>
+    <dgm:pt modelId="{11CFE313-DF91-4DC5-96EA-6C42847D9F22}" type="doc">
+      <dgm:prSet loTypeId="urn:microsoft.com/office/officeart/2005/8/layout/chevron2" loCatId="list" qsTypeId="urn:microsoft.com/office/officeart/2005/8/quickstyle/simple1" qsCatId="simple" csTypeId="urn:microsoft.com/office/officeart/2005/8/colors/accent1_2" csCatId="accent1" phldr="1"/>
+      <dgm:spPr/>
+      <dgm:t>
+        <a:bodyPr/>
+        <a:lstStyle/>
+        <a:p>
+          <a:endParaRPr lang="ru-RU"/>
+        </a:p>
+      </dgm:t>
+    </dgm:pt>
+    <dgm:pt modelId="{7C6AFD4B-2000-4301-81D9-44724DE06A75}">
+      <dgm:prSet phldrT="[Текст]" custT="1"/>
+      <dgm:spPr/>
+      <dgm:t>
+        <a:bodyPr/>
+        <a:lstStyle/>
+        <a:p>
+          <a:r>
+            <a:rPr lang="ro-RO" sz="2000" dirty="0"/>
+            <a:t>Python</a:t>
+          </a:r>
+          <a:endParaRPr lang="ru-RU" sz="1800" dirty="0"/>
+        </a:p>
+      </dgm:t>
+    </dgm:pt>
+    <dgm:pt modelId="{EFD33801-C3AE-426D-A3D7-89C950654F5B}" type="parTrans" cxnId="{4E90B1A2-6499-4F60-86F3-10D5C8EF1C1F}">
+      <dgm:prSet/>
+      <dgm:spPr/>
+      <dgm:t>
+        <a:bodyPr/>
+        <a:lstStyle/>
+        <a:p>
+          <a:endParaRPr lang="ru-RU"/>
+        </a:p>
+      </dgm:t>
+    </dgm:pt>
+    <dgm:pt modelId="{FBB65613-F0CC-4A9E-A1F1-9B3C9938C43E}" type="sibTrans" cxnId="{4E90B1A2-6499-4F60-86F3-10D5C8EF1C1F}">
+      <dgm:prSet/>
+      <dgm:spPr/>
+      <dgm:t>
+        <a:bodyPr/>
+        <a:lstStyle/>
+        <a:p>
+          <a:endParaRPr lang="ru-RU"/>
+        </a:p>
+      </dgm:t>
+    </dgm:pt>
+    <dgm:pt modelId="{4B043CDF-5439-4749-BC5D-90D1516EA105}">
+      <dgm:prSet phldrT="[Текст]"/>
+      <dgm:spPr/>
+      <dgm:t>
+        <a:bodyPr/>
+        <a:lstStyle/>
+        <a:p>
+          <a:r>
+            <a:rPr lang="ro-RO" dirty="0"/>
+            <a:t>Este un limbaj dinamic și nu lucrează direct cu tipurile</a:t>
+          </a:r>
+          <a:endParaRPr lang="ru-RU" dirty="0"/>
+        </a:p>
+      </dgm:t>
+    </dgm:pt>
+    <dgm:pt modelId="{436E7A49-0E81-4BA3-BA96-58EB588B324D}" type="parTrans" cxnId="{00D790BD-4D4B-437E-BEA1-8BAC200C1D84}">
+      <dgm:prSet/>
+      <dgm:spPr/>
+      <dgm:t>
+        <a:bodyPr/>
+        <a:lstStyle/>
+        <a:p>
+          <a:endParaRPr lang="ru-RU"/>
+        </a:p>
+      </dgm:t>
+    </dgm:pt>
+    <dgm:pt modelId="{76134652-376D-4492-9E19-AC228273C34D}" type="sibTrans" cxnId="{00D790BD-4D4B-437E-BEA1-8BAC200C1D84}">
+      <dgm:prSet/>
+      <dgm:spPr/>
+      <dgm:t>
+        <a:bodyPr/>
+        <a:lstStyle/>
+        <a:p>
+          <a:endParaRPr lang="ru-RU"/>
+        </a:p>
+      </dgm:t>
+    </dgm:pt>
+    <dgm:pt modelId="{ED6BEAE8-439B-44F2-A6C5-CEAEF7871EC2}">
+      <dgm:prSet phldrT="[Текст]" custT="1"/>
+      <dgm:spPr/>
+      <dgm:t>
+        <a:bodyPr/>
+        <a:lstStyle/>
+        <a:p>
+          <a:r>
+            <a:rPr lang="ro-RO" sz="2000" dirty="0"/>
+            <a:t>Tipurile de date</a:t>
+          </a:r>
+          <a:endParaRPr lang="ru-RU" sz="2000" dirty="0"/>
+        </a:p>
+      </dgm:t>
+    </dgm:pt>
+    <dgm:pt modelId="{F9BB44F4-509A-42EE-BE24-537F1A31AD92}" type="parTrans" cxnId="{C1FBDA86-DECD-43DB-A180-C9A7CC5946F3}">
+      <dgm:prSet/>
+      <dgm:spPr/>
+      <dgm:t>
+        <a:bodyPr/>
+        <a:lstStyle/>
+        <a:p>
+          <a:endParaRPr lang="ru-RU"/>
+        </a:p>
+      </dgm:t>
+    </dgm:pt>
+    <dgm:pt modelId="{B9D739D3-42A9-40DC-BADD-97C839EA24BA}" type="sibTrans" cxnId="{C1FBDA86-DECD-43DB-A180-C9A7CC5946F3}">
+      <dgm:prSet/>
+      <dgm:spPr/>
+      <dgm:t>
+        <a:bodyPr/>
+        <a:lstStyle/>
+        <a:p>
+          <a:endParaRPr lang="ru-RU"/>
+        </a:p>
+      </dgm:t>
+    </dgm:pt>
+    <dgm:pt modelId="{6E7648E6-9BAC-4FDE-906E-2B91EE2F539F}">
+      <dgm:prSet phldrT="[Текст]"/>
+      <dgm:spPr/>
+      <dgm:t>
+        <a:bodyPr/>
+        <a:lstStyle/>
+        <a:p>
+          <a:r>
+            <a:rPr lang="ro-RO" dirty="0"/>
+            <a:t>Există, dar programatorul nu trebuie să specifice acest lucru</a:t>
+          </a:r>
+          <a:endParaRPr lang="ru-RU" dirty="0"/>
+        </a:p>
+      </dgm:t>
+    </dgm:pt>
+    <dgm:pt modelId="{25B117EE-F8A7-4626-A05A-EB87A3D715BA}" type="parTrans" cxnId="{DE52117F-84A1-4BD0-B944-1504AEBF11B3}">
+      <dgm:prSet/>
+      <dgm:spPr/>
+      <dgm:t>
+        <a:bodyPr/>
+        <a:lstStyle/>
+        <a:p>
+          <a:endParaRPr lang="ru-RU"/>
+        </a:p>
+      </dgm:t>
+    </dgm:pt>
+    <dgm:pt modelId="{8F5A6929-6C8B-4212-B1A8-7B66217C469C}" type="sibTrans" cxnId="{DE52117F-84A1-4BD0-B944-1504AEBF11B3}">
+      <dgm:prSet/>
+      <dgm:spPr/>
+      <dgm:t>
+        <a:bodyPr/>
+        <a:lstStyle/>
+        <a:p>
+          <a:endParaRPr lang="ru-RU"/>
+        </a:p>
+      </dgm:t>
+    </dgm:pt>
+    <dgm:pt modelId="{AEB1B32F-E2EB-48C0-B631-E54EE421565C}" type="pres">
+      <dgm:prSet presAssocID="{11CFE313-DF91-4DC5-96EA-6C42847D9F22}" presName="linearFlow" presStyleCnt="0">
+        <dgm:presLayoutVars>
+          <dgm:dir/>
+          <dgm:animLvl val="lvl"/>
+          <dgm:resizeHandles val="exact"/>
+        </dgm:presLayoutVars>
+      </dgm:prSet>
+      <dgm:spPr/>
+    </dgm:pt>
+    <dgm:pt modelId="{F518493F-7130-4085-BAAD-C7836E85D8D5}" type="pres">
+      <dgm:prSet presAssocID="{7C6AFD4B-2000-4301-81D9-44724DE06A75}" presName="composite" presStyleCnt="0"/>
+      <dgm:spPr/>
+    </dgm:pt>
+    <dgm:pt modelId="{C2F64FEA-37A1-4D89-853D-15B569BF1FDC}" type="pres">
+      <dgm:prSet presAssocID="{7C6AFD4B-2000-4301-81D9-44724DE06A75}" presName="parentText" presStyleLbl="alignNode1" presStyleIdx="0" presStyleCnt="2">
+        <dgm:presLayoutVars>
+          <dgm:chMax val="1"/>
+          <dgm:bulletEnabled val="1"/>
+        </dgm:presLayoutVars>
+      </dgm:prSet>
+      <dgm:spPr/>
+    </dgm:pt>
+    <dgm:pt modelId="{6890EDAF-855F-4510-ADBE-02A6FAE90798}" type="pres">
+      <dgm:prSet presAssocID="{7C6AFD4B-2000-4301-81D9-44724DE06A75}" presName="descendantText" presStyleLbl="alignAcc1" presStyleIdx="0" presStyleCnt="2">
+        <dgm:presLayoutVars>
+          <dgm:bulletEnabled val="1"/>
+        </dgm:presLayoutVars>
+      </dgm:prSet>
+      <dgm:spPr/>
+    </dgm:pt>
+    <dgm:pt modelId="{74F7A145-4702-4362-9BFE-91B583261D4D}" type="pres">
+      <dgm:prSet presAssocID="{FBB65613-F0CC-4A9E-A1F1-9B3C9938C43E}" presName="sp" presStyleCnt="0"/>
+      <dgm:spPr/>
+    </dgm:pt>
+    <dgm:pt modelId="{5A9B000D-6D17-4063-9048-DC7803EA759B}" type="pres">
+      <dgm:prSet presAssocID="{ED6BEAE8-439B-44F2-A6C5-CEAEF7871EC2}" presName="composite" presStyleCnt="0"/>
+      <dgm:spPr/>
+    </dgm:pt>
+    <dgm:pt modelId="{2F7A30A5-ED1F-4337-80D4-76C94DEAFFA5}" type="pres">
+      <dgm:prSet presAssocID="{ED6BEAE8-439B-44F2-A6C5-CEAEF7871EC2}" presName="parentText" presStyleLbl="alignNode1" presStyleIdx="1" presStyleCnt="2">
+        <dgm:presLayoutVars>
+          <dgm:chMax val="1"/>
+          <dgm:bulletEnabled val="1"/>
+        </dgm:presLayoutVars>
+      </dgm:prSet>
+      <dgm:spPr/>
+    </dgm:pt>
+    <dgm:pt modelId="{D4E566F7-E48F-417E-9CB8-C3395556881D}" type="pres">
+      <dgm:prSet presAssocID="{ED6BEAE8-439B-44F2-A6C5-CEAEF7871EC2}" presName="descendantText" presStyleLbl="alignAcc1" presStyleIdx="1" presStyleCnt="2">
+        <dgm:presLayoutVars>
+          <dgm:bulletEnabled val="1"/>
+        </dgm:presLayoutVars>
+      </dgm:prSet>
+      <dgm:spPr/>
+    </dgm:pt>
+  </dgm:ptLst>
+  <dgm:cxnLst>
+    <dgm:cxn modelId="{86850339-5248-4B9B-B9C0-02854A3E3355}" type="presOf" srcId="{7C6AFD4B-2000-4301-81D9-44724DE06A75}" destId="{C2F64FEA-37A1-4D89-853D-15B569BF1FDC}" srcOrd="0" destOrd="0" presId="urn:microsoft.com/office/officeart/2005/8/layout/chevron2"/>
+    <dgm:cxn modelId="{EE7E7473-8033-4C2B-92F6-E8F3898E7186}" type="presOf" srcId="{11CFE313-DF91-4DC5-96EA-6C42847D9F22}" destId="{AEB1B32F-E2EB-48C0-B631-E54EE421565C}" srcOrd="0" destOrd="0" presId="urn:microsoft.com/office/officeart/2005/8/layout/chevron2"/>
+    <dgm:cxn modelId="{9FE84F59-4F88-429A-9CF4-0A1E06935173}" type="presOf" srcId="{4B043CDF-5439-4749-BC5D-90D1516EA105}" destId="{6890EDAF-855F-4510-ADBE-02A6FAE90798}" srcOrd="0" destOrd="0" presId="urn:microsoft.com/office/officeart/2005/8/layout/chevron2"/>
+    <dgm:cxn modelId="{DE52117F-84A1-4BD0-B944-1504AEBF11B3}" srcId="{ED6BEAE8-439B-44F2-A6C5-CEAEF7871EC2}" destId="{6E7648E6-9BAC-4FDE-906E-2B91EE2F539F}" srcOrd="0" destOrd="0" parTransId="{25B117EE-F8A7-4626-A05A-EB87A3D715BA}" sibTransId="{8F5A6929-6C8B-4212-B1A8-7B66217C469C}"/>
+    <dgm:cxn modelId="{C1FBDA86-DECD-43DB-A180-C9A7CC5946F3}" srcId="{11CFE313-DF91-4DC5-96EA-6C42847D9F22}" destId="{ED6BEAE8-439B-44F2-A6C5-CEAEF7871EC2}" srcOrd="1" destOrd="0" parTransId="{F9BB44F4-509A-42EE-BE24-537F1A31AD92}" sibTransId="{B9D739D3-42A9-40DC-BADD-97C839EA24BA}"/>
+    <dgm:cxn modelId="{5A86C38F-A5D8-4BF0-9095-151BBD90BD03}" type="presOf" srcId="{6E7648E6-9BAC-4FDE-906E-2B91EE2F539F}" destId="{D4E566F7-E48F-417E-9CB8-C3395556881D}" srcOrd="0" destOrd="0" presId="urn:microsoft.com/office/officeart/2005/8/layout/chevron2"/>
+    <dgm:cxn modelId="{4E90B1A2-6499-4F60-86F3-10D5C8EF1C1F}" srcId="{11CFE313-DF91-4DC5-96EA-6C42847D9F22}" destId="{7C6AFD4B-2000-4301-81D9-44724DE06A75}" srcOrd="0" destOrd="0" parTransId="{EFD33801-C3AE-426D-A3D7-89C950654F5B}" sibTransId="{FBB65613-F0CC-4A9E-A1F1-9B3C9938C43E}"/>
+    <dgm:cxn modelId="{00D790BD-4D4B-437E-BEA1-8BAC200C1D84}" srcId="{7C6AFD4B-2000-4301-81D9-44724DE06A75}" destId="{4B043CDF-5439-4749-BC5D-90D1516EA105}" srcOrd="0" destOrd="0" parTransId="{436E7A49-0E81-4BA3-BA96-58EB588B324D}" sibTransId="{76134652-376D-4492-9E19-AC228273C34D}"/>
+    <dgm:cxn modelId="{72A7DBBF-74B2-487A-AD2C-71149F036730}" type="presOf" srcId="{ED6BEAE8-439B-44F2-A6C5-CEAEF7871EC2}" destId="{2F7A30A5-ED1F-4337-80D4-76C94DEAFFA5}" srcOrd="0" destOrd="0" presId="urn:microsoft.com/office/officeart/2005/8/layout/chevron2"/>
+    <dgm:cxn modelId="{0FB8F5C5-E2F0-42AD-8341-1679338297C7}" type="presParOf" srcId="{AEB1B32F-E2EB-48C0-B631-E54EE421565C}" destId="{F518493F-7130-4085-BAAD-C7836E85D8D5}" srcOrd="0" destOrd="0" presId="urn:microsoft.com/office/officeart/2005/8/layout/chevron2"/>
+    <dgm:cxn modelId="{5488A9E5-C4BE-49C1-A952-8D36AF5E62EF}" type="presParOf" srcId="{F518493F-7130-4085-BAAD-C7836E85D8D5}" destId="{C2F64FEA-37A1-4D89-853D-15B569BF1FDC}" srcOrd="0" destOrd="0" presId="urn:microsoft.com/office/officeart/2005/8/layout/chevron2"/>
+    <dgm:cxn modelId="{6A8DA0D0-2F89-4C34-8095-35A14E45B592}" type="presParOf" srcId="{F518493F-7130-4085-BAAD-C7836E85D8D5}" destId="{6890EDAF-855F-4510-ADBE-02A6FAE90798}" srcOrd="1" destOrd="0" presId="urn:microsoft.com/office/officeart/2005/8/layout/chevron2"/>
+    <dgm:cxn modelId="{4814DDA0-E155-49DA-93AC-E034C4DDC4AC}" type="presParOf" srcId="{AEB1B32F-E2EB-48C0-B631-E54EE421565C}" destId="{74F7A145-4702-4362-9BFE-91B583261D4D}" srcOrd="1" destOrd="0" presId="urn:microsoft.com/office/officeart/2005/8/layout/chevron2"/>
+    <dgm:cxn modelId="{088AEF27-6209-446E-8E02-6A948A1FBE4A}" type="presParOf" srcId="{AEB1B32F-E2EB-48C0-B631-E54EE421565C}" destId="{5A9B000D-6D17-4063-9048-DC7803EA759B}" srcOrd="2" destOrd="0" presId="urn:microsoft.com/office/officeart/2005/8/layout/chevron2"/>
+    <dgm:cxn modelId="{F14983A5-10F0-40EE-8148-D7CFB9F61A6C}" type="presParOf" srcId="{5A9B000D-6D17-4063-9048-DC7803EA759B}" destId="{2F7A30A5-ED1F-4337-80D4-76C94DEAFFA5}" srcOrd="0" destOrd="0" presId="urn:microsoft.com/office/officeart/2005/8/layout/chevron2"/>
+    <dgm:cxn modelId="{7A390660-693C-4A44-A985-3D841F85A9E8}" type="presParOf" srcId="{5A9B000D-6D17-4063-9048-DC7803EA759B}" destId="{D4E566F7-E48F-417E-9CB8-C3395556881D}" srcOrd="1" destOrd="0" presId="urn:microsoft.com/office/officeart/2005/8/layout/chevron2"/>
+  </dgm:cxnLst>
+  <dgm:bg/>
+  <dgm:whole/>
+  <dgm:extLst>
+    <a:ext uri="http://schemas.microsoft.com/office/drawing/2008/diagram">
+      <dsp:dataModelExt xmlns:dsp="http://schemas.microsoft.com/office/drawing/2008/diagram" relId="rId12" minVer="http://schemas.openxmlformats.org/drawingml/2006/diagram"/>
+    </a:ext>
+  </dgm:extLst>
+</dgm:dataModel>
+</file>
+
+<file path=ppt/diagrams/data3.xml><?xml version="1.0" encoding="utf-8"?>
 <dgm:dataModel xmlns:dgm="http://schemas.openxmlformats.org/drawingml/2006/diagram" xmlns:a="http://schemas.openxmlformats.org/drawingml/2006/main">
   <dgm:ptLst>
     <dgm:pt modelId="{318B0BEC-ABC5-40A0-BE61-C31ADD017E9E}" type="doc">
@@ -3845,7 +4852,7 @@
 </dgm:dataModel>
 </file>
 
-<file path=ppt/diagrams/data3.xml><?xml version="1.0" encoding="utf-8"?>
+<file path=ppt/diagrams/data4.xml><?xml version="1.0" encoding="utf-8"?>
 <dgm:dataModel xmlns:dgm="http://schemas.openxmlformats.org/drawingml/2006/diagram" xmlns:a="http://schemas.openxmlformats.org/drawingml/2006/main">
   <dgm:ptLst>
     <dgm:pt modelId="{AF36E522-4007-483C-AB3C-538882C3EA6D}" type="doc">
@@ -4249,7 +5256,7 @@
 </dgm:dataModel>
 </file>
 
-<file path=ppt/diagrams/data4.xml><?xml version="1.0" encoding="utf-8"?>
+<file path=ppt/diagrams/data5.xml><?xml version="1.0" encoding="utf-8"?>
 <dgm:dataModel xmlns:dgm="http://schemas.openxmlformats.org/drawingml/2006/diagram" xmlns:a="http://schemas.openxmlformats.org/drawingml/2006/main">
   <dgm:ptLst>
     <dgm:pt modelId="{56C31A7A-12B0-4DD0-B0BF-081CE9E1F479}" type="doc">
@@ -4271,10 +5278,14 @@
         <a:lstStyle/>
         <a:p>
           <a:r>
-            <a:rPr lang="ro-RO" sz="2400" b="0"/>
+            <a:rPr lang="ro-RO" sz="2400" b="0" dirty="0">
+              <a:latin typeface="+mj-lt"/>
+            </a:rPr>
             <a:t>Știința datelor</a:t>
           </a:r>
-          <a:endParaRPr lang="ru-RU" sz="2400" b="0"/>
+          <a:endParaRPr lang="ru-RU" sz="2400" b="0" dirty="0">
+            <a:latin typeface="+mj-lt"/>
+          </a:endParaRPr>
         </a:p>
       </dgm:t>
     </dgm:pt>
@@ -4308,10 +5319,14 @@
         <a:lstStyle/>
         <a:p>
           <a:r>
-            <a:rPr lang="ro-RO" sz="2400" b="0" dirty="0"/>
+            <a:rPr lang="ro-RO" sz="2400" b="0" dirty="0">
+              <a:latin typeface="+mj-lt"/>
+            </a:rPr>
             <a:t>Învățarea autonomă</a:t>
           </a:r>
-          <a:endParaRPr lang="ru-RU" sz="2400" b="0" dirty="0"/>
+          <a:endParaRPr lang="ru-RU" sz="2400" b="0" dirty="0">
+            <a:latin typeface="+mj-lt"/>
+          </a:endParaRPr>
         </a:p>
       </dgm:t>
     </dgm:pt>
@@ -4345,10 +5360,14 @@
         <a:lstStyle/>
         <a:p>
           <a:r>
-            <a:rPr lang="ro-RO" sz="2400" b="0" dirty="0"/>
+            <a:rPr lang="ro-RO" sz="2400" b="0" dirty="0">
+              <a:latin typeface="+mj-lt"/>
+            </a:rPr>
             <a:t>Dezvoltarea web</a:t>
           </a:r>
-          <a:endParaRPr lang="ru-RU" sz="2400" b="0" dirty="0"/>
+          <a:endParaRPr lang="ru-RU" sz="2400" b="0" dirty="0">
+            <a:latin typeface="+mj-lt"/>
+          </a:endParaRPr>
         </a:p>
       </dgm:t>
     </dgm:pt>
@@ -4382,10 +5401,14 @@
         <a:lstStyle/>
         <a:p>
           <a:r>
-            <a:rPr lang="ro-RO" sz="2400" b="0" dirty="0"/>
+            <a:rPr lang="ro-RO" sz="2400" b="0" dirty="0">
+              <a:latin typeface="+mj-lt"/>
+            </a:rPr>
             <a:t>Educație în informatică</a:t>
           </a:r>
-          <a:endParaRPr lang="ru-RU" sz="2400" b="0" dirty="0"/>
+          <a:endParaRPr lang="ru-RU" sz="2400" b="0" dirty="0">
+            <a:latin typeface="+mj-lt"/>
+          </a:endParaRPr>
         </a:p>
       </dgm:t>
     </dgm:pt>
@@ -4419,10 +5442,14 @@
         <a:lstStyle/>
         <a:p>
           <a:r>
-            <a:rPr lang="ro-RO" sz="2400" b="0" dirty="0"/>
+            <a:rPr lang="ro-RO" sz="2400" b="0" dirty="0">
+              <a:latin typeface="+mj-lt"/>
+            </a:rPr>
             <a:t>Prelucrarea imaginilor</a:t>
           </a:r>
-          <a:endParaRPr lang="ru-RU" sz="2400" b="0" dirty="0"/>
+          <a:endParaRPr lang="ru-RU" sz="2400" b="0" dirty="0">
+            <a:latin typeface="+mj-lt"/>
+          </a:endParaRPr>
         </a:p>
       </dgm:t>
     </dgm:pt>
@@ -4456,10 +5483,14 @@
         <a:lstStyle/>
         <a:p>
           <a:r>
-            <a:rPr lang="ro-RO" sz="2400" b="0" dirty="0"/>
+            <a:rPr lang="ro-RO" sz="2400" b="0" dirty="0">
+              <a:latin typeface="+mj-lt"/>
+            </a:rPr>
             <a:t>Dezvoltarea jocurilor</a:t>
           </a:r>
-          <a:endParaRPr lang="ru-RU" sz="2400" b="0" dirty="0"/>
+          <a:endParaRPr lang="ru-RU" sz="2400" b="0" dirty="0">
+            <a:latin typeface="+mj-lt"/>
+          </a:endParaRPr>
         </a:p>
       </dgm:t>
     </dgm:pt>
@@ -4493,10 +5524,14 @@
         <a:lstStyle/>
         <a:p>
           <a:r>
-            <a:rPr lang="ro-RO" sz="2400" b="0" dirty="0"/>
+            <a:rPr lang="ro-RO" sz="2400" b="0" dirty="0">
+              <a:latin typeface="+mj-lt"/>
+            </a:rPr>
             <a:t>Medicină și farmacie</a:t>
           </a:r>
-          <a:endParaRPr lang="ru-RU" sz="2400" b="0" dirty="0"/>
+          <a:endParaRPr lang="ru-RU" sz="2400" b="0" dirty="0">
+            <a:latin typeface="+mj-lt"/>
+          </a:endParaRPr>
         </a:p>
       </dgm:t>
     </dgm:pt>
@@ -4530,10 +5565,14 @@
         <a:lstStyle/>
         <a:p>
           <a:r>
-            <a:rPr lang="ro-RO" sz="2400" b="0" dirty="0"/>
+            <a:rPr lang="ro-RO" sz="2400" b="0" dirty="0">
+              <a:latin typeface="+mj-lt"/>
+            </a:rPr>
             <a:t>Biologie și bioinformatică</a:t>
           </a:r>
-          <a:endParaRPr lang="ru-RU" sz="2400" b="0" dirty="0"/>
+          <a:endParaRPr lang="ru-RU" sz="2400" b="0" dirty="0">
+            <a:latin typeface="+mj-lt"/>
+          </a:endParaRPr>
         </a:p>
       </dgm:t>
     </dgm:pt>
@@ -4929,8 +5968,8 @@
       </dsp:nvSpPr>
       <dsp:spPr>
         <a:xfrm>
-          <a:off x="0" y="51022"/>
-          <a:ext cx="5285999" cy="585000"/>
+          <a:off x="0" y="50608"/>
+          <a:ext cx="4569402" cy="514800"/>
         </a:xfrm>
         <a:prstGeom prst="roundRect">
           <a:avLst/>
@@ -4971,12 +6010,12 @@
         </a:fontRef>
       </dsp:style>
       <dsp:txBody>
-        <a:bodyPr spcFirstLastPara="0" vert="horz" wrap="square" lIns="95250" tIns="95250" rIns="95250" bIns="95250" numCol="1" spcCol="1270" anchor="ctr" anchorCtr="0">
+        <a:bodyPr spcFirstLastPara="0" vert="horz" wrap="square" lIns="83820" tIns="83820" rIns="83820" bIns="83820" numCol="1" spcCol="1270" anchor="ctr" anchorCtr="0">
           <a:noAutofit/>
         </a:bodyPr>
         <a:lstStyle/>
         <a:p>
-          <a:pPr marL="0" lvl="0" indent="0" algn="l" defTabSz="1111250">
+          <a:pPr marL="0" lvl="0" indent="0" algn="l" defTabSz="977900">
             <a:lnSpc>
               <a:spcPct val="90000"/>
             </a:lnSpc>
@@ -4989,15 +6028,15 @@
             <a:buNone/>
           </a:pPr>
           <a:r>
-            <a:rPr lang="ro-RO" sz="2500" kern="1200" dirty="0"/>
+            <a:rPr lang="ro-RO" sz="2200" kern="1200" dirty="0"/>
             <a:t>Tip de date numere</a:t>
           </a:r>
-          <a:endParaRPr lang="ru-RU" sz="2500" kern="1200" dirty="0"/>
+          <a:endParaRPr lang="ru-RU" sz="2200" kern="1200" dirty="0"/>
         </a:p>
       </dsp:txBody>
       <dsp:txXfrm>
-        <a:off x="28557" y="79579"/>
-        <a:ext cx="5228885" cy="527886"/>
+        <a:off x="0" y="50608"/>
+        <a:ext cx="4569402" cy="514800"/>
       </dsp:txXfrm>
     </dsp:sp>
     <dsp:sp modelId="{E798A1D0-BBC0-42FD-9DA7-D692D5EFF728}">
@@ -5007,8 +6046,8 @@
       </dsp:nvSpPr>
       <dsp:spPr>
         <a:xfrm>
-          <a:off x="0" y="708022"/>
-          <a:ext cx="5285999" cy="585000"/>
+          <a:off x="0" y="628768"/>
+          <a:ext cx="4569402" cy="514800"/>
         </a:xfrm>
         <a:prstGeom prst="roundRect">
           <a:avLst/>
@@ -5049,12 +6088,12 @@
         </a:fontRef>
       </dsp:style>
       <dsp:txBody>
-        <a:bodyPr spcFirstLastPara="0" vert="horz" wrap="square" lIns="95250" tIns="95250" rIns="95250" bIns="95250" numCol="1" spcCol="1270" anchor="ctr" anchorCtr="0">
+        <a:bodyPr spcFirstLastPara="0" vert="horz" wrap="square" lIns="83820" tIns="83820" rIns="83820" bIns="83820" numCol="1" spcCol="1270" anchor="ctr" anchorCtr="0">
           <a:noAutofit/>
         </a:bodyPr>
         <a:lstStyle/>
         <a:p>
-          <a:pPr marL="0" lvl="0" indent="0" algn="l" defTabSz="1111250">
+          <a:pPr marL="0" lvl="0" indent="0" algn="l" defTabSz="977900">
             <a:lnSpc>
               <a:spcPct val="90000"/>
             </a:lnSpc>
@@ -5067,15 +6106,15 @@
             <a:buNone/>
           </a:pPr>
           <a:r>
-            <a:rPr lang="ro-RO" sz="2500" kern="1200" dirty="0"/>
+            <a:rPr lang="ro-RO" sz="2200" kern="1200" dirty="0"/>
             <a:t>Tip de date boolean</a:t>
           </a:r>
-          <a:endParaRPr lang="ru-RU" sz="2500" kern="1200" dirty="0"/>
+          <a:endParaRPr lang="ru-RU" sz="2200" kern="1200" dirty="0"/>
         </a:p>
       </dsp:txBody>
       <dsp:txXfrm>
-        <a:off x="28557" y="736579"/>
-        <a:ext cx="5228885" cy="527886"/>
+        <a:off x="0" y="628768"/>
+        <a:ext cx="4569402" cy="514800"/>
       </dsp:txXfrm>
     </dsp:sp>
     <dsp:sp modelId="{56482E4D-7174-4258-B1D6-AB6EC4B0B338}">
@@ -5085,8 +6124,8 @@
       </dsp:nvSpPr>
       <dsp:spPr>
         <a:xfrm>
-          <a:off x="0" y="1365022"/>
-          <a:ext cx="5285999" cy="585000"/>
+          <a:off x="0" y="1206928"/>
+          <a:ext cx="4569402" cy="514800"/>
         </a:xfrm>
         <a:prstGeom prst="roundRect">
           <a:avLst/>
@@ -5127,12 +6166,12 @@
         </a:fontRef>
       </dsp:style>
       <dsp:txBody>
-        <a:bodyPr spcFirstLastPara="0" vert="horz" wrap="square" lIns="95250" tIns="95250" rIns="95250" bIns="95250" numCol="1" spcCol="1270" anchor="ctr" anchorCtr="0">
+        <a:bodyPr spcFirstLastPara="0" vert="horz" wrap="square" lIns="83820" tIns="83820" rIns="83820" bIns="83820" numCol="1" spcCol="1270" anchor="ctr" anchorCtr="0">
           <a:noAutofit/>
         </a:bodyPr>
         <a:lstStyle/>
         <a:p>
-          <a:pPr marL="0" lvl="0" indent="0" algn="l" defTabSz="1111250">
+          <a:pPr marL="0" lvl="0" indent="0" algn="l" defTabSz="977900">
             <a:lnSpc>
               <a:spcPct val="90000"/>
             </a:lnSpc>
@@ -5145,15 +6184,15 @@
             <a:buNone/>
           </a:pPr>
           <a:r>
-            <a:rPr lang="ro-RO" sz="2500" kern="1200" dirty="0"/>
+            <a:rPr lang="ro-RO" sz="2200" kern="1200" dirty="0"/>
             <a:t>Tip de date șir de caractere</a:t>
           </a:r>
-          <a:endParaRPr lang="ru-RU" sz="2500" kern="1200" dirty="0"/>
+          <a:endParaRPr lang="ru-RU" sz="2200" kern="1200" dirty="0"/>
         </a:p>
       </dsp:txBody>
       <dsp:txXfrm>
-        <a:off x="28557" y="1393579"/>
-        <a:ext cx="5228885" cy="527886"/>
+        <a:off x="0" y="1206928"/>
+        <a:ext cx="4569402" cy="514800"/>
       </dsp:txXfrm>
     </dsp:sp>
     <dsp:sp modelId="{441D8B3E-21DC-4549-A19D-AC0C11D6292F}">
@@ -5163,8 +6202,8 @@
       </dsp:nvSpPr>
       <dsp:spPr>
         <a:xfrm>
-          <a:off x="0" y="2022022"/>
-          <a:ext cx="5285999" cy="585000"/>
+          <a:off x="0" y="1785088"/>
+          <a:ext cx="4569402" cy="514800"/>
         </a:xfrm>
         <a:prstGeom prst="roundRect">
           <a:avLst/>
@@ -5205,12 +6244,12 @@
         </a:fontRef>
       </dsp:style>
       <dsp:txBody>
-        <a:bodyPr spcFirstLastPara="0" vert="horz" wrap="square" lIns="95250" tIns="95250" rIns="95250" bIns="95250" numCol="1" spcCol="1270" anchor="ctr" anchorCtr="0">
+        <a:bodyPr spcFirstLastPara="0" vert="horz" wrap="square" lIns="83820" tIns="83820" rIns="83820" bIns="83820" numCol="1" spcCol="1270" anchor="ctr" anchorCtr="0">
           <a:noAutofit/>
         </a:bodyPr>
         <a:lstStyle/>
         <a:p>
-          <a:pPr marL="0" lvl="0" indent="0" algn="l" defTabSz="1111250">
+          <a:pPr marL="0" lvl="0" indent="0" algn="l" defTabSz="977900">
             <a:lnSpc>
               <a:spcPct val="90000"/>
             </a:lnSpc>
@@ -5223,15 +6262,15 @@
             <a:buNone/>
           </a:pPr>
           <a:r>
-            <a:rPr lang="ro-RO" sz="2500" kern="1200" dirty="0"/>
+            <a:rPr lang="ro-RO" sz="2200" kern="1200" dirty="0"/>
             <a:t>Liste(Vectori)</a:t>
           </a:r>
-          <a:endParaRPr lang="ru-RU" sz="2500" kern="1200" dirty="0"/>
+          <a:endParaRPr lang="ru-RU" sz="2200" kern="1200" dirty="0"/>
         </a:p>
       </dsp:txBody>
       <dsp:txXfrm>
-        <a:off x="28557" y="2050579"/>
-        <a:ext cx="5228885" cy="527886"/>
+        <a:off x="0" y="1785088"/>
+        <a:ext cx="4569402" cy="514800"/>
       </dsp:txXfrm>
     </dsp:sp>
     <dsp:sp modelId="{8ABDE74B-967D-4EBB-B0A3-D0278A1822EB}">
@@ -5241,8 +6280,8 @@
       </dsp:nvSpPr>
       <dsp:spPr>
         <a:xfrm>
-          <a:off x="0" y="2679022"/>
-          <a:ext cx="5285999" cy="585000"/>
+          <a:off x="0" y="2363248"/>
+          <a:ext cx="4569402" cy="514800"/>
         </a:xfrm>
         <a:prstGeom prst="roundRect">
           <a:avLst/>
@@ -5283,12 +6322,12 @@
         </a:fontRef>
       </dsp:style>
       <dsp:txBody>
-        <a:bodyPr spcFirstLastPara="0" vert="horz" wrap="square" lIns="95250" tIns="95250" rIns="95250" bIns="95250" numCol="1" spcCol="1270" anchor="ctr" anchorCtr="0">
+        <a:bodyPr spcFirstLastPara="0" vert="horz" wrap="square" lIns="83820" tIns="83820" rIns="83820" bIns="83820" numCol="1" spcCol="1270" anchor="ctr" anchorCtr="0">
           <a:noAutofit/>
         </a:bodyPr>
         <a:lstStyle/>
         <a:p>
-          <a:pPr marL="0" lvl="0" indent="0" algn="l" defTabSz="1111250">
+          <a:pPr marL="0" lvl="0" indent="0" algn="l" defTabSz="977900">
             <a:lnSpc>
               <a:spcPct val="90000"/>
             </a:lnSpc>
@@ -5301,15 +6340,15 @@
             <a:buNone/>
           </a:pPr>
           <a:r>
-            <a:rPr lang="ro-RO" sz="2500" kern="1200" dirty="0"/>
+            <a:rPr lang="ro-RO" sz="2200" kern="1200" dirty="0"/>
             <a:t>Dicționare</a:t>
           </a:r>
-          <a:endParaRPr lang="ru-RU" sz="2500" kern="1200" dirty="0"/>
+          <a:endParaRPr lang="ru-RU" sz="2200" kern="1200" dirty="0"/>
         </a:p>
       </dsp:txBody>
       <dsp:txXfrm>
-        <a:off x="28557" y="2707579"/>
-        <a:ext cx="5228885" cy="527886"/>
+        <a:off x="0" y="2363248"/>
+        <a:ext cx="4569402" cy="514800"/>
       </dsp:txXfrm>
     </dsp:sp>
   </dsp:spTree>
@@ -5317,6 +6356,328 @@
 </file>
 
 <file path=ppt/diagrams/drawing2.xml><?xml version="1.0" encoding="utf-8"?>
+<dsp:drawing xmlns:dgm="http://schemas.openxmlformats.org/drawingml/2006/diagram" xmlns:dsp="http://schemas.microsoft.com/office/drawing/2008/diagram" xmlns:a="http://schemas.openxmlformats.org/drawingml/2006/main">
+  <dsp:spTree>
+    <dsp:nvGrpSpPr>
+      <dsp:cNvPr id="0" name=""/>
+      <dsp:cNvGrpSpPr/>
+    </dsp:nvGrpSpPr>
+    <dsp:grpSpPr/>
+    <dsp:sp modelId="{C2F64FEA-37A1-4D89-853D-15B569BF1FDC}">
+      <dsp:nvSpPr>
+        <dsp:cNvPr id="0" name=""/>
+        <dsp:cNvSpPr/>
+      </dsp:nvSpPr>
+      <dsp:spPr>
+        <a:xfrm rot="5400000">
+          <a:off x="-230570" y="233177"/>
+          <a:ext cx="1537139" cy="1075997"/>
+        </a:xfrm>
+        <a:prstGeom prst="chevron">
+          <a:avLst/>
+        </a:prstGeom>
+        <a:solidFill>
+          <a:schemeClr val="accent1">
+            <a:hueOff val="0"/>
+            <a:satOff val="0"/>
+            <a:lumOff val="0"/>
+            <a:alphaOff val="0"/>
+          </a:schemeClr>
+        </a:solidFill>
+        <a:ln w="15875" cap="rnd" cmpd="sng" algn="ctr">
+          <a:solidFill>
+            <a:schemeClr val="accent1">
+              <a:hueOff val="0"/>
+              <a:satOff val="0"/>
+              <a:lumOff val="0"/>
+              <a:alphaOff val="0"/>
+            </a:schemeClr>
+          </a:solidFill>
+          <a:prstDash val="solid"/>
+        </a:ln>
+        <a:effectLst/>
+      </dsp:spPr>
+      <dsp:style>
+        <a:lnRef idx="2">
+          <a:scrgbClr r="0" g="0" b="0"/>
+        </a:lnRef>
+        <a:fillRef idx="1">
+          <a:scrgbClr r="0" g="0" b="0"/>
+        </a:fillRef>
+        <a:effectRef idx="0">
+          <a:scrgbClr r="0" g="0" b="0"/>
+        </a:effectRef>
+        <a:fontRef idx="minor">
+          <a:schemeClr val="lt1"/>
+        </a:fontRef>
+      </dsp:style>
+      <dsp:txBody>
+        <a:bodyPr spcFirstLastPara="0" vert="horz" wrap="square" lIns="12700" tIns="12700" rIns="12700" bIns="12700" numCol="1" spcCol="1270" anchor="ctr" anchorCtr="0">
+          <a:noAutofit/>
+        </a:bodyPr>
+        <a:lstStyle/>
+        <a:p>
+          <a:pPr marL="0" lvl="0" indent="0" algn="ctr" defTabSz="889000">
+            <a:lnSpc>
+              <a:spcPct val="90000"/>
+            </a:lnSpc>
+            <a:spcBef>
+              <a:spcPct val="0"/>
+            </a:spcBef>
+            <a:spcAft>
+              <a:spcPct val="35000"/>
+            </a:spcAft>
+            <a:buNone/>
+          </a:pPr>
+          <a:r>
+            <a:rPr lang="ro-RO" sz="2000" kern="1200" dirty="0"/>
+            <a:t>Python</a:t>
+          </a:r>
+          <a:endParaRPr lang="ru-RU" sz="1800" kern="1200" dirty="0"/>
+        </a:p>
+      </dsp:txBody>
+      <dsp:txXfrm rot="-5400000">
+        <a:off x="2" y="540605"/>
+        <a:ext cx="1075997" cy="461142"/>
+      </dsp:txXfrm>
+    </dsp:sp>
+    <dsp:sp modelId="{6890EDAF-855F-4510-ADBE-02A6FAE90798}">
+      <dsp:nvSpPr>
+        <dsp:cNvPr id="0" name=""/>
+        <dsp:cNvSpPr/>
+      </dsp:nvSpPr>
+      <dsp:spPr>
+        <a:xfrm rot="5400000">
+          <a:off x="2564533" y="-1485930"/>
+          <a:ext cx="999140" cy="3976213"/>
+        </a:xfrm>
+        <a:prstGeom prst="round2SameRect">
+          <a:avLst/>
+        </a:prstGeom>
+        <a:solidFill>
+          <a:schemeClr val="lt1">
+            <a:alpha val="90000"/>
+            <a:hueOff val="0"/>
+            <a:satOff val="0"/>
+            <a:lumOff val="0"/>
+            <a:alphaOff val="0"/>
+          </a:schemeClr>
+        </a:solidFill>
+        <a:ln w="15875" cap="rnd" cmpd="sng" algn="ctr">
+          <a:solidFill>
+            <a:schemeClr val="accent1">
+              <a:hueOff val="0"/>
+              <a:satOff val="0"/>
+              <a:lumOff val="0"/>
+              <a:alphaOff val="0"/>
+            </a:schemeClr>
+          </a:solidFill>
+          <a:prstDash val="solid"/>
+        </a:ln>
+        <a:effectLst/>
+      </dsp:spPr>
+      <dsp:style>
+        <a:lnRef idx="2">
+          <a:scrgbClr r="0" g="0" b="0"/>
+        </a:lnRef>
+        <a:fillRef idx="1">
+          <a:scrgbClr r="0" g="0" b="0"/>
+        </a:fillRef>
+        <a:effectRef idx="0">
+          <a:scrgbClr r="0" g="0" b="0"/>
+        </a:effectRef>
+        <a:fontRef idx="minor"/>
+      </dsp:style>
+      <dsp:txBody>
+        <a:bodyPr spcFirstLastPara="0" vert="horz" wrap="square" lIns="156464" tIns="13970" rIns="13970" bIns="13970" numCol="1" spcCol="1270" anchor="ctr" anchorCtr="0">
+          <a:noAutofit/>
+        </a:bodyPr>
+        <a:lstStyle/>
+        <a:p>
+          <a:pPr marL="228600" lvl="1" indent="-228600" algn="l" defTabSz="977900">
+            <a:lnSpc>
+              <a:spcPct val="90000"/>
+            </a:lnSpc>
+            <a:spcBef>
+              <a:spcPct val="0"/>
+            </a:spcBef>
+            <a:spcAft>
+              <a:spcPct val="15000"/>
+            </a:spcAft>
+            <a:buChar char="•"/>
+          </a:pPr>
+          <a:r>
+            <a:rPr lang="ro-RO" sz="2200" kern="1200" dirty="0"/>
+            <a:t>Este un limbaj dinamic și nu lucrează direct cu tipurile</a:t>
+          </a:r>
+          <a:endParaRPr lang="ru-RU" sz="2200" kern="1200" dirty="0"/>
+        </a:p>
+      </dsp:txBody>
+      <dsp:txXfrm rot="-5400000">
+        <a:off x="1075997" y="51380"/>
+        <a:ext cx="3927439" cy="901592"/>
+      </dsp:txXfrm>
+    </dsp:sp>
+    <dsp:sp modelId="{2F7A30A5-ED1F-4337-80D4-76C94DEAFFA5}">
+      <dsp:nvSpPr>
+        <dsp:cNvPr id="0" name=""/>
+        <dsp:cNvSpPr/>
+      </dsp:nvSpPr>
+      <dsp:spPr>
+        <a:xfrm rot="5400000">
+          <a:off x="-230570" y="1474516"/>
+          <a:ext cx="1537139" cy="1075997"/>
+        </a:xfrm>
+        <a:prstGeom prst="chevron">
+          <a:avLst/>
+        </a:prstGeom>
+        <a:solidFill>
+          <a:schemeClr val="accent1">
+            <a:hueOff val="0"/>
+            <a:satOff val="0"/>
+            <a:lumOff val="0"/>
+            <a:alphaOff val="0"/>
+          </a:schemeClr>
+        </a:solidFill>
+        <a:ln w="15875" cap="rnd" cmpd="sng" algn="ctr">
+          <a:solidFill>
+            <a:schemeClr val="accent1">
+              <a:hueOff val="0"/>
+              <a:satOff val="0"/>
+              <a:lumOff val="0"/>
+              <a:alphaOff val="0"/>
+            </a:schemeClr>
+          </a:solidFill>
+          <a:prstDash val="solid"/>
+        </a:ln>
+        <a:effectLst/>
+      </dsp:spPr>
+      <dsp:style>
+        <a:lnRef idx="2">
+          <a:scrgbClr r="0" g="0" b="0"/>
+        </a:lnRef>
+        <a:fillRef idx="1">
+          <a:scrgbClr r="0" g="0" b="0"/>
+        </a:fillRef>
+        <a:effectRef idx="0">
+          <a:scrgbClr r="0" g="0" b="0"/>
+        </a:effectRef>
+        <a:fontRef idx="minor">
+          <a:schemeClr val="lt1"/>
+        </a:fontRef>
+      </dsp:style>
+      <dsp:txBody>
+        <a:bodyPr spcFirstLastPara="0" vert="horz" wrap="square" lIns="12700" tIns="12700" rIns="12700" bIns="12700" numCol="1" spcCol="1270" anchor="ctr" anchorCtr="0">
+          <a:noAutofit/>
+        </a:bodyPr>
+        <a:lstStyle/>
+        <a:p>
+          <a:pPr marL="0" lvl="0" indent="0" algn="ctr" defTabSz="889000">
+            <a:lnSpc>
+              <a:spcPct val="90000"/>
+            </a:lnSpc>
+            <a:spcBef>
+              <a:spcPct val="0"/>
+            </a:spcBef>
+            <a:spcAft>
+              <a:spcPct val="35000"/>
+            </a:spcAft>
+            <a:buNone/>
+          </a:pPr>
+          <a:r>
+            <a:rPr lang="ro-RO" sz="2000" kern="1200" dirty="0"/>
+            <a:t>Tipurile de date</a:t>
+          </a:r>
+          <a:endParaRPr lang="ru-RU" sz="2000" kern="1200" dirty="0"/>
+        </a:p>
+      </dsp:txBody>
+      <dsp:txXfrm rot="-5400000">
+        <a:off x="2" y="1781944"/>
+        <a:ext cx="1075997" cy="461142"/>
+      </dsp:txXfrm>
+    </dsp:sp>
+    <dsp:sp modelId="{D4E566F7-E48F-417E-9CB8-C3395556881D}">
+      <dsp:nvSpPr>
+        <dsp:cNvPr id="0" name=""/>
+        <dsp:cNvSpPr/>
+      </dsp:nvSpPr>
+      <dsp:spPr>
+        <a:xfrm rot="5400000">
+          <a:off x="2564271" y="-244328"/>
+          <a:ext cx="999665" cy="3976213"/>
+        </a:xfrm>
+        <a:prstGeom prst="round2SameRect">
+          <a:avLst/>
+        </a:prstGeom>
+        <a:solidFill>
+          <a:schemeClr val="lt1">
+            <a:alpha val="90000"/>
+            <a:hueOff val="0"/>
+            <a:satOff val="0"/>
+            <a:lumOff val="0"/>
+            <a:alphaOff val="0"/>
+          </a:schemeClr>
+        </a:solidFill>
+        <a:ln w="15875" cap="rnd" cmpd="sng" algn="ctr">
+          <a:solidFill>
+            <a:schemeClr val="accent1">
+              <a:hueOff val="0"/>
+              <a:satOff val="0"/>
+              <a:lumOff val="0"/>
+              <a:alphaOff val="0"/>
+            </a:schemeClr>
+          </a:solidFill>
+          <a:prstDash val="solid"/>
+        </a:ln>
+        <a:effectLst/>
+      </dsp:spPr>
+      <dsp:style>
+        <a:lnRef idx="2">
+          <a:scrgbClr r="0" g="0" b="0"/>
+        </a:lnRef>
+        <a:fillRef idx="1">
+          <a:scrgbClr r="0" g="0" b="0"/>
+        </a:fillRef>
+        <a:effectRef idx="0">
+          <a:scrgbClr r="0" g="0" b="0"/>
+        </a:effectRef>
+        <a:fontRef idx="minor"/>
+      </dsp:style>
+      <dsp:txBody>
+        <a:bodyPr spcFirstLastPara="0" vert="horz" wrap="square" lIns="156464" tIns="13970" rIns="13970" bIns="13970" numCol="1" spcCol="1270" anchor="ctr" anchorCtr="0">
+          <a:noAutofit/>
+        </a:bodyPr>
+        <a:lstStyle/>
+        <a:p>
+          <a:pPr marL="228600" lvl="1" indent="-228600" algn="l" defTabSz="977900">
+            <a:lnSpc>
+              <a:spcPct val="90000"/>
+            </a:lnSpc>
+            <a:spcBef>
+              <a:spcPct val="0"/>
+            </a:spcBef>
+            <a:spcAft>
+              <a:spcPct val="15000"/>
+            </a:spcAft>
+            <a:buChar char="•"/>
+          </a:pPr>
+          <a:r>
+            <a:rPr lang="ro-RO" sz="2200" kern="1200" dirty="0"/>
+            <a:t>Există, dar programatorul nu trebuie să specifice acest lucru</a:t>
+          </a:r>
+          <a:endParaRPr lang="ru-RU" sz="2200" kern="1200" dirty="0"/>
+        </a:p>
+      </dsp:txBody>
+      <dsp:txXfrm rot="-5400000">
+        <a:off x="1075997" y="1292746"/>
+        <a:ext cx="3927413" cy="902065"/>
+      </dsp:txXfrm>
+    </dsp:sp>
+  </dsp:spTree>
+</dsp:drawing>
+</file>
+
+<file path=ppt/diagrams/drawing3.xml><?xml version="1.0" encoding="utf-8"?>
 <dsp:drawing xmlns:dgm="http://schemas.openxmlformats.org/drawingml/2006/diagram" xmlns:dsp="http://schemas.microsoft.com/office/drawing/2008/diagram" xmlns:a="http://schemas.openxmlformats.org/drawingml/2006/main">
   <dsp:spTree>
     <dsp:nvGrpSpPr>
@@ -5446,8 +6807,8 @@
         </a:p>
       </dsp:txBody>
       <dsp:txXfrm>
-        <a:off x="379618" y="64306"/>
-        <a:ext cx="4876581" cy="506120"/>
+        <a:off x="352238" y="36926"/>
+        <a:ext cx="4931341" cy="560880"/>
       </dsp:txXfrm>
     </dsp:sp>
     <dsp:sp modelId="{934631A6-5639-4C23-A701-A4994F1B84F5}">
@@ -5572,8 +6933,8 @@
         </a:p>
       </dsp:txBody>
       <dsp:txXfrm>
-        <a:off x="379618" y="926146"/>
-        <a:ext cx="4876581" cy="506120"/>
+        <a:off x="352238" y="898766"/>
+        <a:ext cx="4931341" cy="560880"/>
       </dsp:txXfrm>
     </dsp:sp>
     <dsp:sp modelId="{3656033C-836C-4929-8135-F2229AE595B7}">
@@ -5698,8 +7059,8 @@
         </a:p>
       </dsp:txBody>
       <dsp:txXfrm>
-        <a:off x="379618" y="1787986"/>
-        <a:ext cx="4876581" cy="506120"/>
+        <a:off x="352238" y="1760606"/>
+        <a:ext cx="4931341" cy="560880"/>
       </dsp:txXfrm>
     </dsp:sp>
     <dsp:sp modelId="{08C09646-C84A-43BE-8931-3A1DB1A00E00}">
@@ -5824,8 +7185,8 @@
         </a:p>
       </dsp:txBody>
       <dsp:txXfrm>
-        <a:off x="379618" y="2649826"/>
-        <a:ext cx="4876581" cy="506120"/>
+        <a:off x="352238" y="2622446"/>
+        <a:ext cx="4931341" cy="560880"/>
       </dsp:txXfrm>
     </dsp:sp>
     <dsp:sp modelId="{8DA63E09-88B9-4095-B617-F21766D136BA}">
@@ -5950,15 +7311,15 @@
         </a:p>
       </dsp:txBody>
       <dsp:txXfrm>
-        <a:off x="379618" y="3511666"/>
-        <a:ext cx="4876581" cy="506120"/>
+        <a:off x="352238" y="3484286"/>
+        <a:ext cx="4931341" cy="560880"/>
       </dsp:txXfrm>
     </dsp:sp>
   </dsp:spTree>
 </dsp:drawing>
 </file>
 
-<file path=ppt/diagrams/drawing3.xml><?xml version="1.0" encoding="utf-8"?>
+<file path=ppt/diagrams/drawing4.xml><?xml version="1.0" encoding="utf-8"?>
 <dsp:drawing xmlns:dgm="http://schemas.openxmlformats.org/drawingml/2006/diagram" xmlns:dsp="http://schemas.microsoft.com/office/drawing/2008/diagram" xmlns:a="http://schemas.openxmlformats.org/drawingml/2006/main">
   <dsp:spTree>
     <dsp:nvGrpSpPr>
@@ -6351,8 +7712,8 @@
         </a:p>
       </dsp:txBody>
       <dsp:txXfrm>
-        <a:off x="1835347" y="202165"/>
-        <a:ext cx="1554335" cy="965084"/>
+        <a:off x="1805322" y="172140"/>
+        <a:ext cx="1614385" cy="1025134"/>
       </dsp:txXfrm>
     </dsp:sp>
     <dsp:sp modelId="{58A52020-F081-46C3-8408-681BED646845}">
@@ -6496,8 +7857,8 @@
         </a:p>
       </dsp:txBody>
       <dsp:txXfrm>
-        <a:off x="848778" y="1696817"/>
-        <a:ext cx="1554335" cy="965084"/>
+        <a:off x="818753" y="1666792"/>
+        <a:ext cx="1614385" cy="1025134"/>
       </dsp:txXfrm>
     </dsp:sp>
     <dsp:sp modelId="{5A89C24A-B2DB-472E-AAB9-814BD91C02A4}">
@@ -6641,8 +8002,8 @@
         </a:p>
       </dsp:txBody>
       <dsp:txXfrm>
-        <a:off x="2821916" y="1696817"/>
-        <a:ext cx="1554335" cy="965084"/>
+        <a:off x="2791891" y="1666792"/>
+        <a:ext cx="1614385" cy="1025134"/>
       </dsp:txXfrm>
     </dsp:sp>
     <dsp:sp modelId="{E7605B26-14A8-4DE1-80A1-9A5244C948C1}">
@@ -6786,8 +8147,8 @@
         </a:p>
       </dsp:txBody>
       <dsp:txXfrm>
-        <a:off x="1835347" y="3191469"/>
-        <a:ext cx="1554335" cy="965084"/>
+        <a:off x="1805322" y="3161444"/>
+        <a:ext cx="1614385" cy="1025134"/>
       </dsp:txXfrm>
     </dsp:sp>
     <dsp:sp modelId="{7C37BB87-30AA-4061-986A-5B74441EBBD8}">
@@ -6931,15 +8292,15 @@
         </a:p>
       </dsp:txBody>
       <dsp:txXfrm>
-        <a:off x="3808485" y="3191469"/>
-        <a:ext cx="1554335" cy="965084"/>
+        <a:off x="3778460" y="3161444"/>
+        <a:ext cx="1614385" cy="1025134"/>
       </dsp:txXfrm>
     </dsp:sp>
   </dsp:spTree>
 </dsp:drawing>
 </file>
 
-<file path=ppt/diagrams/drawing4.xml><?xml version="1.0" encoding="utf-8"?>
+<file path=ppt/diagrams/drawing5.xml><?xml version="1.0" encoding="utf-8"?>
 <dsp:drawing xmlns:dgm="http://schemas.openxmlformats.org/drawingml/2006/diagram" xmlns:dsp="http://schemas.microsoft.com/office/drawing/2008/diagram" xmlns:a="http://schemas.openxmlformats.org/drawingml/2006/main">
   <dsp:spTree>
     <dsp:nvGrpSpPr>
@@ -7062,15 +8423,19 @@
             <a:buNone/>
           </a:pPr>
           <a:r>
-            <a:rPr lang="ro-RO" sz="2400" b="0" kern="1200"/>
+            <a:rPr lang="ro-RO" sz="2400" b="0" kern="1200" dirty="0">
+              <a:latin typeface="+mj-lt"/>
+            </a:rPr>
             <a:t>Știința datelor</a:t>
           </a:r>
-          <a:endParaRPr lang="ru-RU" sz="2400" b="0" kern="1200"/>
+          <a:endParaRPr lang="ru-RU" sz="2400" b="0" kern="1200" dirty="0">
+            <a:latin typeface="+mj-lt"/>
+          </a:endParaRPr>
         </a:p>
       </dsp:txBody>
       <dsp:txXfrm>
-        <a:off x="301528" y="57386"/>
-        <a:ext cx="3921648" cy="346292"/>
+        <a:off x="282794" y="38652"/>
+        <a:ext cx="3959116" cy="383760"/>
       </dsp:txXfrm>
     </dsp:sp>
     <dsp:sp modelId="{BF750CF5-B02D-4C89-9755-E091F6FB2FA9}">
@@ -7188,15 +8553,19 @@
             <a:buNone/>
           </a:pPr>
           <a:r>
-            <a:rPr lang="ro-RO" sz="2400" b="0" kern="1200" dirty="0"/>
+            <a:rPr lang="ro-RO" sz="2400" b="0" kern="1200" dirty="0">
+              <a:latin typeface="+mj-lt"/>
+            </a:rPr>
             <a:t>Învățarea autonomă</a:t>
           </a:r>
-          <a:endParaRPr lang="ru-RU" sz="2400" b="0" kern="1200" dirty="0"/>
+          <a:endParaRPr lang="ru-RU" sz="2400" b="0" kern="1200" dirty="0">
+            <a:latin typeface="+mj-lt"/>
+          </a:endParaRPr>
         </a:p>
       </dsp:txBody>
       <dsp:txXfrm>
-        <a:off x="301528" y="647066"/>
-        <a:ext cx="3921648" cy="346292"/>
+        <a:off x="282794" y="628332"/>
+        <a:ext cx="3959116" cy="383760"/>
       </dsp:txXfrm>
     </dsp:sp>
     <dsp:sp modelId="{F42671B2-F4AF-4094-A3BC-E35156A7781F}">
@@ -7314,15 +8683,19 @@
             <a:buNone/>
           </a:pPr>
           <a:r>
-            <a:rPr lang="ro-RO" sz="2400" b="0" kern="1200" dirty="0"/>
+            <a:rPr lang="ro-RO" sz="2400" b="0" kern="1200" dirty="0">
+              <a:latin typeface="+mj-lt"/>
+            </a:rPr>
             <a:t>Dezvoltarea web</a:t>
           </a:r>
-          <a:endParaRPr lang="ru-RU" sz="2400" b="0" kern="1200" dirty="0"/>
+          <a:endParaRPr lang="ru-RU" sz="2400" b="0" kern="1200" dirty="0">
+            <a:latin typeface="+mj-lt"/>
+          </a:endParaRPr>
         </a:p>
       </dsp:txBody>
       <dsp:txXfrm>
-        <a:off x="301528" y="1236746"/>
-        <a:ext cx="3921648" cy="346292"/>
+        <a:off x="282794" y="1218012"/>
+        <a:ext cx="3959116" cy="383760"/>
       </dsp:txXfrm>
     </dsp:sp>
     <dsp:sp modelId="{C53FB2BC-54B8-4EEF-926F-82AB89D64EB7}">
@@ -7440,15 +8813,19 @@
             <a:buNone/>
           </a:pPr>
           <a:r>
-            <a:rPr lang="ro-RO" sz="2400" b="0" kern="1200" dirty="0"/>
+            <a:rPr lang="ro-RO" sz="2400" b="0" kern="1200" dirty="0">
+              <a:latin typeface="+mj-lt"/>
+            </a:rPr>
             <a:t>Educație în informatică</a:t>
           </a:r>
-          <a:endParaRPr lang="ru-RU" sz="2400" b="0" kern="1200" dirty="0"/>
+          <a:endParaRPr lang="ru-RU" sz="2400" b="0" kern="1200" dirty="0">
+            <a:latin typeface="+mj-lt"/>
+          </a:endParaRPr>
         </a:p>
       </dsp:txBody>
       <dsp:txXfrm>
-        <a:off x="301528" y="1826426"/>
-        <a:ext cx="3921648" cy="346292"/>
+        <a:off x="282794" y="1807692"/>
+        <a:ext cx="3959116" cy="383760"/>
       </dsp:txXfrm>
     </dsp:sp>
     <dsp:sp modelId="{155FC359-F02A-418C-AAB5-044D58997A89}">
@@ -7566,15 +8943,19 @@
             <a:buNone/>
           </a:pPr>
           <a:r>
-            <a:rPr lang="ro-RO" sz="2400" b="0" kern="1200" dirty="0"/>
+            <a:rPr lang="ro-RO" sz="2400" b="0" kern="1200" dirty="0">
+              <a:latin typeface="+mj-lt"/>
+            </a:rPr>
             <a:t>Prelucrarea imaginilor</a:t>
           </a:r>
-          <a:endParaRPr lang="ru-RU" sz="2400" b="0" kern="1200" dirty="0"/>
+          <a:endParaRPr lang="ru-RU" sz="2400" b="0" kern="1200" dirty="0">
+            <a:latin typeface="+mj-lt"/>
+          </a:endParaRPr>
         </a:p>
       </dsp:txBody>
       <dsp:txXfrm>
-        <a:off x="301528" y="2416106"/>
-        <a:ext cx="3921648" cy="346292"/>
+        <a:off x="282794" y="2397372"/>
+        <a:ext cx="3959116" cy="383760"/>
       </dsp:txXfrm>
     </dsp:sp>
     <dsp:sp modelId="{DC624300-58AB-4239-BEA9-62B2EF3D4EFE}">
@@ -7692,15 +9073,19 @@
             <a:buNone/>
           </a:pPr>
           <a:r>
-            <a:rPr lang="ro-RO" sz="2400" b="0" kern="1200" dirty="0"/>
+            <a:rPr lang="ro-RO" sz="2400" b="0" kern="1200" dirty="0">
+              <a:latin typeface="+mj-lt"/>
+            </a:rPr>
             <a:t>Dezvoltarea jocurilor</a:t>
           </a:r>
-          <a:endParaRPr lang="ru-RU" sz="2400" b="0" kern="1200" dirty="0"/>
+          <a:endParaRPr lang="ru-RU" sz="2400" b="0" kern="1200" dirty="0">
+            <a:latin typeface="+mj-lt"/>
+          </a:endParaRPr>
         </a:p>
       </dsp:txBody>
       <dsp:txXfrm>
-        <a:off x="301528" y="3005786"/>
-        <a:ext cx="3921648" cy="346292"/>
+        <a:off x="282794" y="2987052"/>
+        <a:ext cx="3959116" cy="383760"/>
       </dsp:txXfrm>
     </dsp:sp>
     <dsp:sp modelId="{FB670159-4749-4906-AFCC-1072C73D4559}">
@@ -7818,15 +9203,19 @@
             <a:buNone/>
           </a:pPr>
           <a:r>
-            <a:rPr lang="ro-RO" sz="2400" b="0" kern="1200" dirty="0"/>
+            <a:rPr lang="ro-RO" sz="2400" b="0" kern="1200" dirty="0">
+              <a:latin typeface="+mj-lt"/>
+            </a:rPr>
             <a:t>Medicină și farmacie</a:t>
           </a:r>
-          <a:endParaRPr lang="ru-RU" sz="2400" b="0" kern="1200" dirty="0"/>
+          <a:endParaRPr lang="ru-RU" sz="2400" b="0" kern="1200" dirty="0">
+            <a:latin typeface="+mj-lt"/>
+          </a:endParaRPr>
         </a:p>
       </dsp:txBody>
       <dsp:txXfrm>
-        <a:off x="301528" y="3595466"/>
-        <a:ext cx="3921648" cy="346292"/>
+        <a:off x="282794" y="3576732"/>
+        <a:ext cx="3959116" cy="383760"/>
       </dsp:txXfrm>
     </dsp:sp>
     <dsp:sp modelId="{82F38D02-25C3-483C-9FF0-EF5D3B16A94B}">
@@ -7944,15 +9333,19 @@
             <a:buNone/>
           </a:pPr>
           <a:r>
-            <a:rPr lang="ro-RO" sz="2400" b="0" kern="1200" dirty="0"/>
+            <a:rPr lang="ro-RO" sz="2400" b="0" kern="1200" dirty="0">
+              <a:latin typeface="+mj-lt"/>
+            </a:rPr>
             <a:t>Biologie și bioinformatică</a:t>
           </a:r>
-          <a:endParaRPr lang="ru-RU" sz="2400" b="0" kern="1200" dirty="0"/>
+          <a:endParaRPr lang="ru-RU" sz="2400" b="0" kern="1200" dirty="0">
+            <a:latin typeface="+mj-lt"/>
+          </a:endParaRPr>
         </a:p>
       </dsp:txBody>
       <dsp:txXfrm>
-        <a:off x="301528" y="4185146"/>
-        <a:ext cx="3921648" cy="346292"/>
+        <a:off x="282794" y="4166412"/>
+        <a:ext cx="3959116" cy="383760"/>
       </dsp:txXfrm>
     </dsp:sp>
   </dsp:spTree>
@@ -8127,6 +9520,262 @@
 </file>
 
 <file path=ppt/diagrams/layout2.xml><?xml version="1.0" encoding="utf-8"?>
+<dgm:layoutDef xmlns:dgm="http://schemas.openxmlformats.org/drawingml/2006/diagram" xmlns:a="http://schemas.openxmlformats.org/drawingml/2006/main" uniqueId="urn:microsoft.com/office/officeart/2005/8/layout/chevron2">
+  <dgm:title val=""/>
+  <dgm:desc val=""/>
+  <dgm:catLst>
+    <dgm:cat type="process" pri="12000"/>
+    <dgm:cat type="list" pri="16000"/>
+    <dgm:cat type="convert" pri="11000"/>
+  </dgm:catLst>
+  <dgm:sampData>
+    <dgm:dataModel>
+      <dgm:ptLst>
+        <dgm:pt modelId="0" type="doc"/>
+        <dgm:pt modelId="1">
+          <dgm:prSet phldr="1"/>
+        </dgm:pt>
+        <dgm:pt modelId="11">
+          <dgm:prSet phldr="1"/>
+        </dgm:pt>
+        <dgm:pt modelId="12">
+          <dgm:prSet phldr="1"/>
+        </dgm:pt>
+        <dgm:pt modelId="2">
+          <dgm:prSet phldr="1"/>
+        </dgm:pt>
+        <dgm:pt modelId="21">
+          <dgm:prSet phldr="1"/>
+        </dgm:pt>
+        <dgm:pt modelId="22">
+          <dgm:prSet phldr="1"/>
+        </dgm:pt>
+        <dgm:pt modelId="3">
+          <dgm:prSet phldr="1"/>
+        </dgm:pt>
+        <dgm:pt modelId="31">
+          <dgm:prSet phldr="1"/>
+        </dgm:pt>
+        <dgm:pt modelId="32">
+          <dgm:prSet phldr="1"/>
+        </dgm:pt>
+      </dgm:ptLst>
+      <dgm:cxnLst>
+        <dgm:cxn modelId="4" srcId="0" destId="1" srcOrd="0" destOrd="0"/>
+        <dgm:cxn modelId="5" srcId="0" destId="2" srcOrd="1" destOrd="0"/>
+        <dgm:cxn modelId="6" srcId="0" destId="3" srcOrd="2" destOrd="0"/>
+        <dgm:cxn modelId="13" srcId="1" destId="11" srcOrd="0" destOrd="0"/>
+        <dgm:cxn modelId="14" srcId="1" destId="12" srcOrd="1" destOrd="0"/>
+        <dgm:cxn modelId="23" srcId="2" destId="21" srcOrd="0" destOrd="0"/>
+        <dgm:cxn modelId="24" srcId="2" destId="22" srcOrd="1" destOrd="0"/>
+        <dgm:cxn modelId="33" srcId="3" destId="31" srcOrd="0" destOrd="0"/>
+        <dgm:cxn modelId="34" srcId="3" destId="32" srcOrd="1" destOrd="0"/>
+      </dgm:cxnLst>
+      <dgm:bg/>
+      <dgm:whole/>
+    </dgm:dataModel>
+  </dgm:sampData>
+  <dgm:styleData>
+    <dgm:dataModel>
+      <dgm:ptLst>
+        <dgm:pt modelId="0" type="doc"/>
+        <dgm:pt modelId="1"/>
+      </dgm:ptLst>
+      <dgm:cxnLst>
+        <dgm:cxn modelId="4" srcId="0" destId="1" srcOrd="0" destOrd="0"/>
+      </dgm:cxnLst>
+      <dgm:bg/>
+      <dgm:whole/>
+    </dgm:dataModel>
+  </dgm:styleData>
+  <dgm:clrData>
+    <dgm:dataModel>
+      <dgm:ptLst>
+        <dgm:pt modelId="0" type="doc"/>
+        <dgm:pt modelId="1"/>
+        <dgm:pt modelId="11"/>
+        <dgm:pt modelId="2"/>
+        <dgm:pt modelId="21"/>
+        <dgm:pt modelId="3"/>
+        <dgm:pt modelId="31"/>
+        <dgm:pt modelId="4"/>
+        <dgm:pt modelId="41"/>
+      </dgm:ptLst>
+      <dgm:cxnLst>
+        <dgm:cxn modelId="5" srcId="0" destId="1" srcOrd="0" destOrd="0"/>
+        <dgm:cxn modelId="6" srcId="0" destId="2" srcOrd="1" destOrd="0"/>
+        <dgm:cxn modelId="7" srcId="0" destId="3" srcOrd="2" destOrd="0"/>
+        <dgm:cxn modelId="8" srcId="0" destId="4" srcOrd="3" destOrd="0"/>
+        <dgm:cxn modelId="13" srcId="1" destId="11" srcOrd="0" destOrd="0"/>
+        <dgm:cxn modelId="23" srcId="2" destId="21" srcOrd="0" destOrd="0"/>
+        <dgm:cxn modelId="33" srcId="3" destId="31" srcOrd="0" destOrd="0"/>
+        <dgm:cxn modelId="43" srcId="4" destId="41" srcOrd="0" destOrd="0"/>
+      </dgm:cxnLst>
+      <dgm:bg/>
+      <dgm:whole/>
+    </dgm:dataModel>
+  </dgm:clrData>
+  <dgm:layoutNode name="linearFlow">
+    <dgm:varLst>
+      <dgm:dir/>
+      <dgm:animLvl val="lvl"/>
+      <dgm:resizeHandles val="exact"/>
+    </dgm:varLst>
+    <dgm:alg type="lin">
+      <dgm:param type="linDir" val="fromT"/>
+      <dgm:param type="nodeHorzAlign" val="l"/>
+    </dgm:alg>
+    <dgm:shape xmlns:r="http://schemas.openxmlformats.org/officeDocument/2006/relationships" r:blip="">
+      <dgm:adjLst/>
+    </dgm:shape>
+    <dgm:presOf/>
+    <dgm:constrLst>
+      <dgm:constr type="h" for="ch" forName="composite" refType="h"/>
+      <dgm:constr type="w" for="ch" forName="composite" refType="w"/>
+      <dgm:constr type="h" for="des" forName="parentText" op="equ"/>
+      <dgm:constr type="h" for="ch" forName="sp" val="-14.88"/>
+      <dgm:constr type="h" for="ch" forName="sp" refType="w" refFor="des" refForName="parentText" op="gte" fact="-0.3"/>
+      <dgm:constr type="primFontSz" for="des" forName="parentText" op="equ" val="65"/>
+      <dgm:constr type="primFontSz" for="des" forName="descendantText" op="equ" val="65"/>
+    </dgm:constrLst>
+    <dgm:ruleLst/>
+    <dgm:forEach name="Name0" axis="ch" ptType="node">
+      <dgm:layoutNode name="composite">
+        <dgm:alg type="composite"/>
+        <dgm:shape xmlns:r="http://schemas.openxmlformats.org/officeDocument/2006/relationships" r:blip="">
+          <dgm:adjLst/>
+        </dgm:shape>
+        <dgm:presOf/>
+        <dgm:choose name="Name1">
+          <dgm:if name="Name2" func="var" arg="dir" op="equ" val="norm">
+            <dgm:constrLst>
+              <dgm:constr type="t" for="ch" forName="parentText"/>
+              <dgm:constr type="l" for="ch" forName="parentText"/>
+              <dgm:constr type="w" for="ch" forName="parentText" refType="w" fact="0.4"/>
+              <dgm:constr type="h" for="ch" forName="parentText" refType="h"/>
+              <dgm:constr type="w" for="ch" forName="parentText" refType="w" op="lte" fact="0.5"/>
+              <dgm:constr type="w" for="ch" forName="parentText" refType="h" refFor="ch" refForName="parentText" op="lte" fact="0.7"/>
+              <dgm:constr type="h" for="ch" forName="parentText" refType="w" refFor="ch" refForName="parentText" op="lte" fact="3"/>
+              <dgm:constr type="l" for="ch" forName="descendantText" refType="w" refFor="ch" refForName="parentText"/>
+              <dgm:constr type="w" for="ch" forName="descendantText" refType="w"/>
+              <dgm:constr type="wOff" for="ch" forName="descendantText" refType="w" refFor="ch" refForName="parentText" fact="-1"/>
+              <dgm:constr type="t" for="ch" forName="descendantText"/>
+              <dgm:constr type="b" for="ch" forName="descendantText" refType="h" refFor="ch" refForName="parentText"/>
+              <dgm:constr type="bOff" for="ch" forName="descendantText" refType="w" refFor="ch" refForName="parentText" fact="-0.5"/>
+            </dgm:constrLst>
+          </dgm:if>
+          <dgm:else name="Name3">
+            <dgm:constrLst>
+              <dgm:constr type="t" for="ch" forName="parentText"/>
+              <dgm:constr type="r" for="ch" forName="parentText" refType="w"/>
+              <dgm:constr type="w" for="ch" forName="parentText" refType="w" fact="0.4"/>
+              <dgm:constr type="h" for="ch" forName="parentText" refType="h"/>
+              <dgm:constr type="w" for="ch" forName="parentText" refType="w" op="lte" fact="0.5"/>
+              <dgm:constr type="w" for="ch" forName="parentText" refType="h" refFor="ch" refForName="parentText" op="lte" fact="0.7"/>
+              <dgm:constr type="h" for="ch" forName="parentText" refType="w" refFor="ch" refForName="parentText" op="lte" fact="3"/>
+              <dgm:constr type="l" for="ch" forName="descendantText"/>
+              <dgm:constr type="w" for="ch" forName="descendantText" refType="w"/>
+              <dgm:constr type="wOff" for="ch" forName="descendantText" refType="w" refFor="ch" refForName="parentText" fact="-1"/>
+              <dgm:constr type="t" for="ch" forName="descendantText"/>
+              <dgm:constr type="b" for="ch" forName="descendantText" refType="h" refFor="ch" refForName="parentText"/>
+              <dgm:constr type="bOff" for="ch" forName="descendantText" refType="w" refFor="ch" refForName="parentText" fact="-0.5"/>
+            </dgm:constrLst>
+          </dgm:else>
+        </dgm:choose>
+        <dgm:ruleLst/>
+        <dgm:layoutNode name="parentText" styleLbl="alignNode1">
+          <dgm:varLst>
+            <dgm:chMax val="1"/>
+            <dgm:bulletEnabled val="1"/>
+          </dgm:varLst>
+          <dgm:alg type="tx"/>
+          <dgm:shape xmlns:r="http://schemas.openxmlformats.org/officeDocument/2006/relationships" rot="90" type="chevron" r:blip="">
+            <dgm:adjLst/>
+          </dgm:shape>
+          <dgm:presOf axis="self" ptType="node"/>
+          <dgm:constrLst>
+            <dgm:constr type="lMarg" refType="primFontSz" fact="0.05"/>
+            <dgm:constr type="rMarg" refType="primFontSz" fact="0.05"/>
+            <dgm:constr type="tMarg" refType="primFontSz" fact="0.05"/>
+            <dgm:constr type="bMarg" refType="primFontSz" fact="0.05"/>
+          </dgm:constrLst>
+          <dgm:ruleLst>
+            <dgm:rule type="h" val="100" fact="NaN" max="NaN"/>
+            <dgm:rule type="primFontSz" val="24" fact="NaN" max="NaN"/>
+            <dgm:rule type="h" val="110" fact="NaN" max="NaN"/>
+            <dgm:rule type="primFontSz" val="18" fact="NaN" max="NaN"/>
+            <dgm:rule type="h" val="INF" fact="NaN" max="NaN"/>
+            <dgm:rule type="primFontSz" val="5" fact="NaN" max="NaN"/>
+          </dgm:ruleLst>
+        </dgm:layoutNode>
+        <dgm:layoutNode name="descendantText" styleLbl="alignAcc1">
+          <dgm:varLst>
+            <dgm:bulletEnabled val="1"/>
+          </dgm:varLst>
+          <dgm:choose name="Name4">
+            <dgm:if name="Name5" func="var" arg="dir" op="equ" val="norm">
+              <dgm:alg type="tx">
+                <dgm:param type="stBulletLvl" val="1"/>
+                <dgm:param type="txAnchorVertCh" val="mid"/>
+              </dgm:alg>
+              <dgm:shape xmlns:r="http://schemas.openxmlformats.org/officeDocument/2006/relationships" rot="90" type="round2SameRect" r:blip="">
+                <dgm:adjLst/>
+              </dgm:shape>
+            </dgm:if>
+            <dgm:else name="Name6">
+              <dgm:alg type="tx">
+                <dgm:param type="stBulletLvl" val="1"/>
+                <dgm:param type="txAnchorVertCh" val="mid"/>
+              </dgm:alg>
+              <dgm:shape xmlns:r="http://schemas.openxmlformats.org/officeDocument/2006/relationships" rot="-90" type="round2SameRect" r:blip="">
+                <dgm:adjLst/>
+              </dgm:shape>
+            </dgm:else>
+          </dgm:choose>
+          <dgm:presOf axis="des" ptType="node"/>
+          <dgm:choose name="Name7">
+            <dgm:if name="Name8" func="var" arg="dir" op="equ" val="norm">
+              <dgm:constrLst>
+                <dgm:constr type="secFontSz" refType="primFontSz"/>
+                <dgm:constr type="tMarg" refType="primFontSz" fact="0.05"/>
+                <dgm:constr type="bMarg" refType="primFontSz" fact="0.05"/>
+                <dgm:constr type="rMarg" refType="primFontSz" fact="0.05"/>
+              </dgm:constrLst>
+            </dgm:if>
+            <dgm:else name="Name9">
+              <dgm:constrLst>
+                <dgm:constr type="secFontSz" refType="primFontSz"/>
+                <dgm:constr type="tMarg" refType="primFontSz" fact="0.05"/>
+                <dgm:constr type="bMarg" refType="primFontSz" fact="0.05"/>
+                <dgm:constr type="lMarg" refType="primFontSz" fact="0.05"/>
+              </dgm:constrLst>
+            </dgm:else>
+          </dgm:choose>
+          <dgm:ruleLst>
+            <dgm:rule type="primFontSz" val="5" fact="NaN" max="NaN"/>
+          </dgm:ruleLst>
+        </dgm:layoutNode>
+      </dgm:layoutNode>
+      <dgm:forEach name="Name10" axis="followSib" ptType="sibTrans" cnt="1">
+        <dgm:layoutNode name="sp">
+          <dgm:alg type="sp"/>
+          <dgm:shape xmlns:r="http://schemas.openxmlformats.org/officeDocument/2006/relationships" r:blip="">
+            <dgm:adjLst/>
+          </dgm:shape>
+          <dgm:presOf axis="self"/>
+          <dgm:constrLst>
+            <dgm:constr type="w" val="1"/>
+            <dgm:constr type="h" val="37.5"/>
+          </dgm:constrLst>
+          <dgm:ruleLst/>
+        </dgm:layoutNode>
+      </dgm:forEach>
+    </dgm:forEach>
+  </dgm:layoutNode>
+</dgm:layoutDef>
+</file>
+
+<file path=ppt/diagrams/layout3.xml><?xml version="1.0" encoding="utf-8"?>
 <dgm:layoutDef xmlns:dgm="http://schemas.openxmlformats.org/drawingml/2006/diagram" xmlns:a="http://schemas.openxmlformats.org/drawingml/2006/main" uniqueId="urn:microsoft.com/office/officeart/2005/8/layout/list1">
   <dgm:title val=""/>
   <dgm:desc val=""/>
@@ -8351,7 +10000,7 @@
 </dgm:layoutDef>
 </file>
 
-<file path=ppt/diagrams/layout3.xml><?xml version="1.0" encoding="utf-8"?>
+<file path=ppt/diagrams/layout4.xml><?xml version="1.0" encoding="utf-8"?>
 <dgm:layoutDef xmlns:dgm="http://schemas.openxmlformats.org/drawingml/2006/diagram" xmlns:a="http://schemas.openxmlformats.org/drawingml/2006/main" uniqueId="urn:microsoft.com/office/officeart/2005/8/layout/hierarchy1">
   <dgm:title val=""/>
   <dgm:desc val=""/>
@@ -8914,7 +10563,7 @@
 </dgm:layoutDef>
 </file>
 
-<file path=ppt/diagrams/layout4.xml><?xml version="1.0" encoding="utf-8"?>
+<file path=ppt/diagrams/layout5.xml><?xml version="1.0" encoding="utf-8"?>
 <dgm:layoutDef xmlns:dgm="http://schemas.openxmlformats.org/drawingml/2006/diagram" xmlns:a="http://schemas.openxmlformats.org/drawingml/2006/main" uniqueId="urn:microsoft.com/office/officeart/2005/8/layout/list1">
   <dgm:title val=""/>
   <dgm:desc val=""/>
@@ -11208,6 +12857,1040 @@
 </file>
 
 <file path=ppt/diagrams/quickStyle3.xml><?xml version="1.0" encoding="utf-8"?>
+<dgm:styleDef xmlns:dgm="http://schemas.openxmlformats.org/drawingml/2006/diagram" xmlns:a="http://schemas.openxmlformats.org/drawingml/2006/main" uniqueId="urn:microsoft.com/office/officeart/2005/8/quickstyle/simple1">
+  <dgm:title val=""/>
+  <dgm:desc val=""/>
+  <dgm:catLst>
+    <dgm:cat type="simple" pri="10100"/>
+  </dgm:catLst>
+  <dgm:scene3d>
+    <a:camera prst="orthographicFront"/>
+    <a:lightRig rig="threePt" dir="t"/>
+  </dgm:scene3d>
+  <dgm:styleLbl name="node0">
+    <dgm:scene3d>
+      <a:camera prst="orthographicFront"/>
+      <a:lightRig rig="threePt" dir="t"/>
+    </dgm:scene3d>
+    <dgm:sp3d/>
+    <dgm:txPr/>
+    <dgm:style>
+      <a:lnRef idx="2">
+        <a:scrgbClr r="0" g="0" b="0"/>
+      </a:lnRef>
+      <a:fillRef idx="1">
+        <a:scrgbClr r="0" g="0" b="0"/>
+      </a:fillRef>
+      <a:effectRef idx="0">
+        <a:scrgbClr r="0" g="0" b="0"/>
+      </a:effectRef>
+      <a:fontRef idx="minor">
+        <a:schemeClr val="lt1"/>
+      </a:fontRef>
+    </dgm:style>
+  </dgm:styleLbl>
+  <dgm:styleLbl name="lnNode1">
+    <dgm:scene3d>
+      <a:camera prst="orthographicFront"/>
+      <a:lightRig rig="threePt" dir="t"/>
+    </dgm:scene3d>
+    <dgm:sp3d/>
+    <dgm:txPr/>
+    <dgm:style>
+      <a:lnRef idx="2">
+        <a:scrgbClr r="0" g="0" b="0"/>
+      </a:lnRef>
+      <a:fillRef idx="1">
+        <a:scrgbClr r="0" g="0" b="0"/>
+      </a:fillRef>
+      <a:effectRef idx="0">
+        <a:scrgbClr r="0" g="0" b="0"/>
+      </a:effectRef>
+      <a:fontRef idx="minor">
+        <a:schemeClr val="lt1"/>
+      </a:fontRef>
+    </dgm:style>
+  </dgm:styleLbl>
+  <dgm:styleLbl name="vennNode1">
+    <dgm:scene3d>
+      <a:camera prst="orthographicFront"/>
+      <a:lightRig rig="threePt" dir="t"/>
+    </dgm:scene3d>
+    <dgm:sp3d/>
+    <dgm:txPr/>
+    <dgm:style>
+      <a:lnRef idx="2">
+        <a:scrgbClr r="0" g="0" b="0"/>
+      </a:lnRef>
+      <a:fillRef idx="1">
+        <a:scrgbClr r="0" g="0" b="0"/>
+      </a:fillRef>
+      <a:effectRef idx="0">
+        <a:scrgbClr r="0" g="0" b="0"/>
+      </a:effectRef>
+      <a:fontRef idx="minor">
+        <a:schemeClr val="tx1"/>
+      </a:fontRef>
+    </dgm:style>
+  </dgm:styleLbl>
+  <dgm:styleLbl name="alignNode1">
+    <dgm:scene3d>
+      <a:camera prst="orthographicFront"/>
+      <a:lightRig rig="threePt" dir="t"/>
+    </dgm:scene3d>
+    <dgm:sp3d/>
+    <dgm:txPr/>
+    <dgm:style>
+      <a:lnRef idx="2">
+        <a:scrgbClr r="0" g="0" b="0"/>
+      </a:lnRef>
+      <a:fillRef idx="1">
+        <a:scrgbClr r="0" g="0" b="0"/>
+      </a:fillRef>
+      <a:effectRef idx="0">
+        <a:scrgbClr r="0" g="0" b="0"/>
+      </a:effectRef>
+      <a:fontRef idx="minor">
+        <a:schemeClr val="lt1"/>
+      </a:fontRef>
+    </dgm:style>
+  </dgm:styleLbl>
+  <dgm:styleLbl name="node1">
+    <dgm:scene3d>
+      <a:camera prst="orthographicFront"/>
+      <a:lightRig rig="threePt" dir="t"/>
+    </dgm:scene3d>
+    <dgm:sp3d/>
+    <dgm:txPr/>
+    <dgm:style>
+      <a:lnRef idx="2">
+        <a:scrgbClr r="0" g="0" b="0"/>
+      </a:lnRef>
+      <a:fillRef idx="1">
+        <a:scrgbClr r="0" g="0" b="0"/>
+      </a:fillRef>
+      <a:effectRef idx="0">
+        <a:scrgbClr r="0" g="0" b="0"/>
+      </a:effectRef>
+      <a:fontRef idx="minor">
+        <a:schemeClr val="lt1"/>
+      </a:fontRef>
+    </dgm:style>
+  </dgm:styleLbl>
+  <dgm:styleLbl name="node2">
+    <dgm:scene3d>
+      <a:camera prst="orthographicFront"/>
+      <a:lightRig rig="threePt" dir="t"/>
+    </dgm:scene3d>
+    <dgm:sp3d/>
+    <dgm:txPr/>
+    <dgm:style>
+      <a:lnRef idx="2">
+        <a:scrgbClr r="0" g="0" b="0"/>
+      </a:lnRef>
+      <a:fillRef idx="1">
+        <a:scrgbClr r="0" g="0" b="0"/>
+      </a:fillRef>
+      <a:effectRef idx="0">
+        <a:scrgbClr r="0" g="0" b="0"/>
+      </a:effectRef>
+      <a:fontRef idx="minor">
+        <a:schemeClr val="lt1"/>
+      </a:fontRef>
+    </dgm:style>
+  </dgm:styleLbl>
+  <dgm:styleLbl name="node3">
+    <dgm:scene3d>
+      <a:camera prst="orthographicFront"/>
+      <a:lightRig rig="threePt" dir="t"/>
+    </dgm:scene3d>
+    <dgm:sp3d/>
+    <dgm:txPr/>
+    <dgm:style>
+      <a:lnRef idx="2">
+        <a:scrgbClr r="0" g="0" b="0"/>
+      </a:lnRef>
+      <a:fillRef idx="1">
+        <a:scrgbClr r="0" g="0" b="0"/>
+      </a:fillRef>
+      <a:effectRef idx="0">
+        <a:scrgbClr r="0" g="0" b="0"/>
+      </a:effectRef>
+      <a:fontRef idx="minor">
+        <a:schemeClr val="lt1"/>
+      </a:fontRef>
+    </dgm:style>
+  </dgm:styleLbl>
+  <dgm:styleLbl name="node4">
+    <dgm:scene3d>
+      <a:camera prst="orthographicFront"/>
+      <a:lightRig rig="threePt" dir="t"/>
+    </dgm:scene3d>
+    <dgm:sp3d/>
+    <dgm:txPr/>
+    <dgm:style>
+      <a:lnRef idx="2">
+        <a:scrgbClr r="0" g="0" b="0"/>
+      </a:lnRef>
+      <a:fillRef idx="1">
+        <a:scrgbClr r="0" g="0" b="0"/>
+      </a:fillRef>
+      <a:effectRef idx="0">
+        <a:scrgbClr r="0" g="0" b="0"/>
+      </a:effectRef>
+      <a:fontRef idx="minor">
+        <a:schemeClr val="lt1"/>
+      </a:fontRef>
+    </dgm:style>
+  </dgm:styleLbl>
+  <dgm:styleLbl name="fgImgPlace1">
+    <dgm:scene3d>
+      <a:camera prst="orthographicFront"/>
+      <a:lightRig rig="threePt" dir="t"/>
+    </dgm:scene3d>
+    <dgm:sp3d/>
+    <dgm:txPr/>
+    <dgm:style>
+      <a:lnRef idx="2">
+        <a:scrgbClr r="0" g="0" b="0"/>
+      </a:lnRef>
+      <a:fillRef idx="1">
+        <a:scrgbClr r="0" g="0" b="0"/>
+      </a:fillRef>
+      <a:effectRef idx="0">
+        <a:scrgbClr r="0" g="0" b="0"/>
+      </a:effectRef>
+      <a:fontRef idx="minor"/>
+    </dgm:style>
+  </dgm:styleLbl>
+  <dgm:styleLbl name="alignImgPlace1">
+    <dgm:scene3d>
+      <a:camera prst="orthographicFront"/>
+      <a:lightRig rig="threePt" dir="t"/>
+    </dgm:scene3d>
+    <dgm:sp3d/>
+    <dgm:txPr/>
+    <dgm:style>
+      <a:lnRef idx="2">
+        <a:scrgbClr r="0" g="0" b="0"/>
+      </a:lnRef>
+      <a:fillRef idx="1">
+        <a:scrgbClr r="0" g="0" b="0"/>
+      </a:fillRef>
+      <a:effectRef idx="0">
+        <a:scrgbClr r="0" g="0" b="0"/>
+      </a:effectRef>
+      <a:fontRef idx="minor"/>
+    </dgm:style>
+  </dgm:styleLbl>
+  <dgm:styleLbl name="bgImgPlace1">
+    <dgm:scene3d>
+      <a:camera prst="orthographicFront"/>
+      <a:lightRig rig="threePt" dir="t"/>
+    </dgm:scene3d>
+    <dgm:sp3d/>
+    <dgm:txPr/>
+    <dgm:style>
+      <a:lnRef idx="2">
+        <a:scrgbClr r="0" g="0" b="0"/>
+      </a:lnRef>
+      <a:fillRef idx="1">
+        <a:scrgbClr r="0" g="0" b="0"/>
+      </a:fillRef>
+      <a:effectRef idx="0">
+        <a:scrgbClr r="0" g="0" b="0"/>
+      </a:effectRef>
+      <a:fontRef idx="minor"/>
+    </dgm:style>
+  </dgm:styleLbl>
+  <dgm:styleLbl name="sibTrans2D1">
+    <dgm:scene3d>
+      <a:camera prst="orthographicFront"/>
+      <a:lightRig rig="threePt" dir="t"/>
+    </dgm:scene3d>
+    <dgm:sp3d/>
+    <dgm:txPr/>
+    <dgm:style>
+      <a:lnRef idx="0">
+        <a:scrgbClr r="0" g="0" b="0"/>
+      </a:lnRef>
+      <a:fillRef idx="1">
+        <a:scrgbClr r="0" g="0" b="0"/>
+      </a:fillRef>
+      <a:effectRef idx="0">
+        <a:scrgbClr r="0" g="0" b="0"/>
+      </a:effectRef>
+      <a:fontRef idx="minor">
+        <a:schemeClr val="lt1"/>
+      </a:fontRef>
+    </dgm:style>
+  </dgm:styleLbl>
+  <dgm:styleLbl name="fgSibTrans2D1">
+    <dgm:scene3d>
+      <a:camera prst="orthographicFront"/>
+      <a:lightRig rig="threePt" dir="t"/>
+    </dgm:scene3d>
+    <dgm:sp3d/>
+    <dgm:txPr/>
+    <dgm:style>
+      <a:lnRef idx="0">
+        <a:scrgbClr r="0" g="0" b="0"/>
+      </a:lnRef>
+      <a:fillRef idx="1">
+        <a:scrgbClr r="0" g="0" b="0"/>
+      </a:fillRef>
+      <a:effectRef idx="0">
+        <a:scrgbClr r="0" g="0" b="0"/>
+      </a:effectRef>
+      <a:fontRef idx="minor">
+        <a:schemeClr val="lt1"/>
+      </a:fontRef>
+    </dgm:style>
+  </dgm:styleLbl>
+  <dgm:styleLbl name="bgSibTrans2D1">
+    <dgm:scene3d>
+      <a:camera prst="orthographicFront"/>
+      <a:lightRig rig="threePt" dir="t"/>
+    </dgm:scene3d>
+    <dgm:sp3d/>
+    <dgm:txPr/>
+    <dgm:style>
+      <a:lnRef idx="0">
+        <a:scrgbClr r="0" g="0" b="0"/>
+      </a:lnRef>
+      <a:fillRef idx="1">
+        <a:scrgbClr r="0" g="0" b="0"/>
+      </a:fillRef>
+      <a:effectRef idx="0">
+        <a:scrgbClr r="0" g="0" b="0"/>
+      </a:effectRef>
+      <a:fontRef idx="minor">
+        <a:schemeClr val="lt1"/>
+      </a:fontRef>
+    </dgm:style>
+  </dgm:styleLbl>
+  <dgm:styleLbl name="sibTrans1D1">
+    <dgm:scene3d>
+      <a:camera prst="orthographicFront"/>
+      <a:lightRig rig="threePt" dir="t"/>
+    </dgm:scene3d>
+    <dgm:sp3d/>
+    <dgm:txPr/>
+    <dgm:style>
+      <a:lnRef idx="1">
+        <a:scrgbClr r="0" g="0" b="0"/>
+      </a:lnRef>
+      <a:fillRef idx="0">
+        <a:scrgbClr r="0" g="0" b="0"/>
+      </a:fillRef>
+      <a:effectRef idx="0">
+        <a:scrgbClr r="0" g="0" b="0"/>
+      </a:effectRef>
+      <a:fontRef idx="minor"/>
+    </dgm:style>
+  </dgm:styleLbl>
+  <dgm:styleLbl name="callout">
+    <dgm:scene3d>
+      <a:camera prst="orthographicFront"/>
+      <a:lightRig rig="threePt" dir="t"/>
+    </dgm:scene3d>
+    <dgm:sp3d/>
+    <dgm:txPr/>
+    <dgm:style>
+      <a:lnRef idx="2">
+        <a:scrgbClr r="0" g="0" b="0"/>
+      </a:lnRef>
+      <a:fillRef idx="1">
+        <a:scrgbClr r="0" g="0" b="0"/>
+      </a:fillRef>
+      <a:effectRef idx="0">
+        <a:scrgbClr r="0" g="0" b="0"/>
+      </a:effectRef>
+      <a:fontRef idx="minor"/>
+    </dgm:style>
+  </dgm:styleLbl>
+  <dgm:styleLbl name="asst0">
+    <dgm:scene3d>
+      <a:camera prst="orthographicFront"/>
+      <a:lightRig rig="threePt" dir="t"/>
+    </dgm:scene3d>
+    <dgm:sp3d/>
+    <dgm:txPr/>
+    <dgm:style>
+      <a:lnRef idx="2">
+        <a:scrgbClr r="0" g="0" b="0"/>
+      </a:lnRef>
+      <a:fillRef idx="1">
+        <a:scrgbClr r="0" g="0" b="0"/>
+      </a:fillRef>
+      <a:effectRef idx="0">
+        <a:scrgbClr r="0" g="0" b="0"/>
+      </a:effectRef>
+      <a:fontRef idx="minor">
+        <a:schemeClr val="lt1"/>
+      </a:fontRef>
+    </dgm:style>
+  </dgm:styleLbl>
+  <dgm:styleLbl name="asst1">
+    <dgm:scene3d>
+      <a:camera prst="orthographicFront"/>
+      <a:lightRig rig="threePt" dir="t"/>
+    </dgm:scene3d>
+    <dgm:sp3d/>
+    <dgm:txPr/>
+    <dgm:style>
+      <a:lnRef idx="2">
+        <a:scrgbClr r="0" g="0" b="0"/>
+      </a:lnRef>
+      <a:fillRef idx="1">
+        <a:scrgbClr r="0" g="0" b="0"/>
+      </a:fillRef>
+      <a:effectRef idx="0">
+        <a:scrgbClr r="0" g="0" b="0"/>
+      </a:effectRef>
+      <a:fontRef idx="minor">
+        <a:schemeClr val="lt1"/>
+      </a:fontRef>
+    </dgm:style>
+  </dgm:styleLbl>
+  <dgm:styleLbl name="asst2">
+    <dgm:scene3d>
+      <a:camera prst="orthographicFront"/>
+      <a:lightRig rig="threePt" dir="t"/>
+    </dgm:scene3d>
+    <dgm:sp3d/>
+    <dgm:txPr/>
+    <dgm:style>
+      <a:lnRef idx="2">
+        <a:scrgbClr r="0" g="0" b="0"/>
+      </a:lnRef>
+      <a:fillRef idx="1">
+        <a:scrgbClr r="0" g="0" b="0"/>
+      </a:fillRef>
+      <a:effectRef idx="0">
+        <a:scrgbClr r="0" g="0" b="0"/>
+      </a:effectRef>
+      <a:fontRef idx="minor">
+        <a:schemeClr val="lt1"/>
+      </a:fontRef>
+    </dgm:style>
+  </dgm:styleLbl>
+  <dgm:styleLbl name="asst3">
+    <dgm:scene3d>
+      <a:camera prst="orthographicFront"/>
+      <a:lightRig rig="threePt" dir="t"/>
+    </dgm:scene3d>
+    <dgm:sp3d/>
+    <dgm:txPr/>
+    <dgm:style>
+      <a:lnRef idx="2">
+        <a:scrgbClr r="0" g="0" b="0"/>
+      </a:lnRef>
+      <a:fillRef idx="1">
+        <a:scrgbClr r="0" g="0" b="0"/>
+      </a:fillRef>
+      <a:effectRef idx="0">
+        <a:scrgbClr r="0" g="0" b="0"/>
+      </a:effectRef>
+      <a:fontRef idx="minor">
+        <a:schemeClr val="lt1"/>
+      </a:fontRef>
+    </dgm:style>
+  </dgm:styleLbl>
+  <dgm:styleLbl name="asst4">
+    <dgm:scene3d>
+      <a:camera prst="orthographicFront"/>
+      <a:lightRig rig="threePt" dir="t"/>
+    </dgm:scene3d>
+    <dgm:sp3d/>
+    <dgm:txPr/>
+    <dgm:style>
+      <a:lnRef idx="2">
+        <a:scrgbClr r="0" g="0" b="0"/>
+      </a:lnRef>
+      <a:fillRef idx="1">
+        <a:scrgbClr r="0" g="0" b="0"/>
+      </a:fillRef>
+      <a:effectRef idx="0">
+        <a:scrgbClr r="0" g="0" b="0"/>
+      </a:effectRef>
+      <a:fontRef idx="minor">
+        <a:schemeClr val="lt1"/>
+      </a:fontRef>
+    </dgm:style>
+  </dgm:styleLbl>
+  <dgm:styleLbl name="parChTrans2D1">
+    <dgm:scene3d>
+      <a:camera prst="orthographicFront"/>
+      <a:lightRig rig="threePt" dir="t"/>
+    </dgm:scene3d>
+    <dgm:sp3d/>
+    <dgm:txPr/>
+    <dgm:style>
+      <a:lnRef idx="2">
+        <a:scrgbClr r="0" g="0" b="0"/>
+      </a:lnRef>
+      <a:fillRef idx="1">
+        <a:scrgbClr r="0" g="0" b="0"/>
+      </a:fillRef>
+      <a:effectRef idx="0">
+        <a:scrgbClr r="0" g="0" b="0"/>
+      </a:effectRef>
+      <a:fontRef idx="minor">
+        <a:schemeClr val="lt1"/>
+      </a:fontRef>
+    </dgm:style>
+  </dgm:styleLbl>
+  <dgm:styleLbl name="parChTrans2D2">
+    <dgm:scene3d>
+      <a:camera prst="orthographicFront"/>
+      <a:lightRig rig="threePt" dir="t"/>
+    </dgm:scene3d>
+    <dgm:sp3d/>
+    <dgm:txPr/>
+    <dgm:style>
+      <a:lnRef idx="2">
+        <a:scrgbClr r="0" g="0" b="0"/>
+      </a:lnRef>
+      <a:fillRef idx="1">
+        <a:scrgbClr r="0" g="0" b="0"/>
+      </a:fillRef>
+      <a:effectRef idx="0">
+        <a:scrgbClr r="0" g="0" b="0"/>
+      </a:effectRef>
+      <a:fontRef idx="minor">
+        <a:schemeClr val="lt1"/>
+      </a:fontRef>
+    </dgm:style>
+  </dgm:styleLbl>
+  <dgm:styleLbl name="parChTrans2D3">
+    <dgm:scene3d>
+      <a:camera prst="orthographicFront"/>
+      <a:lightRig rig="threePt" dir="t"/>
+    </dgm:scene3d>
+    <dgm:sp3d/>
+    <dgm:txPr/>
+    <dgm:style>
+      <a:lnRef idx="2">
+        <a:scrgbClr r="0" g="0" b="0"/>
+      </a:lnRef>
+      <a:fillRef idx="1">
+        <a:scrgbClr r="0" g="0" b="0"/>
+      </a:fillRef>
+      <a:effectRef idx="0">
+        <a:scrgbClr r="0" g="0" b="0"/>
+      </a:effectRef>
+      <a:fontRef idx="minor">
+        <a:schemeClr val="lt1"/>
+      </a:fontRef>
+    </dgm:style>
+  </dgm:styleLbl>
+  <dgm:styleLbl name="parChTrans2D4">
+    <dgm:scene3d>
+      <a:camera prst="orthographicFront"/>
+      <a:lightRig rig="threePt" dir="t"/>
+    </dgm:scene3d>
+    <dgm:sp3d/>
+    <dgm:txPr/>
+    <dgm:style>
+      <a:lnRef idx="2">
+        <a:scrgbClr r="0" g="0" b="0"/>
+      </a:lnRef>
+      <a:fillRef idx="1">
+        <a:scrgbClr r="0" g="0" b="0"/>
+      </a:fillRef>
+      <a:effectRef idx="0">
+        <a:scrgbClr r="0" g="0" b="0"/>
+      </a:effectRef>
+      <a:fontRef idx="minor">
+        <a:schemeClr val="lt1"/>
+      </a:fontRef>
+    </dgm:style>
+  </dgm:styleLbl>
+  <dgm:styleLbl name="parChTrans1D1">
+    <dgm:scene3d>
+      <a:camera prst="orthographicFront"/>
+      <a:lightRig rig="threePt" dir="t"/>
+    </dgm:scene3d>
+    <dgm:sp3d/>
+    <dgm:txPr/>
+    <dgm:style>
+      <a:lnRef idx="2">
+        <a:scrgbClr r="0" g="0" b="0"/>
+      </a:lnRef>
+      <a:fillRef idx="0">
+        <a:scrgbClr r="0" g="0" b="0"/>
+      </a:fillRef>
+      <a:effectRef idx="0">
+        <a:scrgbClr r="0" g="0" b="0"/>
+      </a:effectRef>
+      <a:fontRef idx="minor"/>
+    </dgm:style>
+  </dgm:styleLbl>
+  <dgm:styleLbl name="parChTrans1D2">
+    <dgm:scene3d>
+      <a:camera prst="orthographicFront"/>
+      <a:lightRig rig="threePt" dir="t"/>
+    </dgm:scene3d>
+    <dgm:sp3d/>
+    <dgm:txPr/>
+    <dgm:style>
+      <a:lnRef idx="2">
+        <a:scrgbClr r="0" g="0" b="0"/>
+      </a:lnRef>
+      <a:fillRef idx="0">
+        <a:scrgbClr r="0" g="0" b="0"/>
+      </a:fillRef>
+      <a:effectRef idx="0">
+        <a:scrgbClr r="0" g="0" b="0"/>
+      </a:effectRef>
+      <a:fontRef idx="minor"/>
+    </dgm:style>
+  </dgm:styleLbl>
+  <dgm:styleLbl name="parChTrans1D3">
+    <dgm:scene3d>
+      <a:camera prst="orthographicFront"/>
+      <a:lightRig rig="threePt" dir="t"/>
+    </dgm:scene3d>
+    <dgm:sp3d/>
+    <dgm:txPr/>
+    <dgm:style>
+      <a:lnRef idx="2">
+        <a:scrgbClr r="0" g="0" b="0"/>
+      </a:lnRef>
+      <a:fillRef idx="0">
+        <a:scrgbClr r="0" g="0" b="0"/>
+      </a:fillRef>
+      <a:effectRef idx="0">
+        <a:scrgbClr r="0" g="0" b="0"/>
+      </a:effectRef>
+      <a:fontRef idx="minor"/>
+    </dgm:style>
+  </dgm:styleLbl>
+  <dgm:styleLbl name="parChTrans1D4">
+    <dgm:scene3d>
+      <a:camera prst="orthographicFront"/>
+      <a:lightRig rig="threePt" dir="t"/>
+    </dgm:scene3d>
+    <dgm:sp3d/>
+    <dgm:txPr/>
+    <dgm:style>
+      <a:lnRef idx="2">
+        <a:scrgbClr r="0" g="0" b="0"/>
+      </a:lnRef>
+      <a:fillRef idx="0">
+        <a:scrgbClr r="0" g="0" b="0"/>
+      </a:fillRef>
+      <a:effectRef idx="0">
+        <a:scrgbClr r="0" g="0" b="0"/>
+      </a:effectRef>
+      <a:fontRef idx="minor"/>
+    </dgm:style>
+  </dgm:styleLbl>
+  <dgm:styleLbl name="fgAcc1">
+    <dgm:scene3d>
+      <a:camera prst="orthographicFront"/>
+      <a:lightRig rig="threePt" dir="t"/>
+    </dgm:scene3d>
+    <dgm:sp3d/>
+    <dgm:txPr/>
+    <dgm:style>
+      <a:lnRef idx="2">
+        <a:scrgbClr r="0" g="0" b="0"/>
+      </a:lnRef>
+      <a:fillRef idx="1">
+        <a:scrgbClr r="0" g="0" b="0"/>
+      </a:fillRef>
+      <a:effectRef idx="0">
+        <a:scrgbClr r="0" g="0" b="0"/>
+      </a:effectRef>
+      <a:fontRef idx="minor"/>
+    </dgm:style>
+  </dgm:styleLbl>
+  <dgm:styleLbl name="conFgAcc1">
+    <dgm:scene3d>
+      <a:camera prst="orthographicFront"/>
+      <a:lightRig rig="threePt" dir="t"/>
+    </dgm:scene3d>
+    <dgm:sp3d/>
+    <dgm:txPr/>
+    <dgm:style>
+      <a:lnRef idx="2">
+        <a:scrgbClr r="0" g="0" b="0"/>
+      </a:lnRef>
+      <a:fillRef idx="1">
+        <a:scrgbClr r="0" g="0" b="0"/>
+      </a:fillRef>
+      <a:effectRef idx="0">
+        <a:scrgbClr r="0" g="0" b="0"/>
+      </a:effectRef>
+      <a:fontRef idx="minor"/>
+    </dgm:style>
+  </dgm:styleLbl>
+  <dgm:styleLbl name="alignAcc1">
+    <dgm:scene3d>
+      <a:camera prst="orthographicFront"/>
+      <a:lightRig rig="threePt" dir="t"/>
+    </dgm:scene3d>
+    <dgm:sp3d/>
+    <dgm:txPr/>
+    <dgm:style>
+      <a:lnRef idx="2">
+        <a:scrgbClr r="0" g="0" b="0"/>
+      </a:lnRef>
+      <a:fillRef idx="1">
+        <a:scrgbClr r="0" g="0" b="0"/>
+      </a:fillRef>
+      <a:effectRef idx="0">
+        <a:scrgbClr r="0" g="0" b="0"/>
+      </a:effectRef>
+      <a:fontRef idx="minor"/>
+    </dgm:style>
+  </dgm:styleLbl>
+  <dgm:styleLbl name="trAlignAcc1">
+    <dgm:scene3d>
+      <a:camera prst="orthographicFront"/>
+      <a:lightRig rig="threePt" dir="t"/>
+    </dgm:scene3d>
+    <dgm:sp3d/>
+    <dgm:txPr/>
+    <dgm:style>
+      <a:lnRef idx="1">
+        <a:scrgbClr r="0" g="0" b="0"/>
+      </a:lnRef>
+      <a:fillRef idx="1">
+        <a:scrgbClr r="0" g="0" b="0"/>
+      </a:fillRef>
+      <a:effectRef idx="0">
+        <a:scrgbClr r="0" g="0" b="0"/>
+      </a:effectRef>
+      <a:fontRef idx="minor"/>
+    </dgm:style>
+  </dgm:styleLbl>
+  <dgm:styleLbl name="bgAcc1">
+    <dgm:scene3d>
+      <a:camera prst="orthographicFront"/>
+      <a:lightRig rig="threePt" dir="t"/>
+    </dgm:scene3d>
+    <dgm:sp3d/>
+    <dgm:txPr/>
+    <dgm:style>
+      <a:lnRef idx="2">
+        <a:scrgbClr r="0" g="0" b="0"/>
+      </a:lnRef>
+      <a:fillRef idx="1">
+        <a:scrgbClr r="0" g="0" b="0"/>
+      </a:fillRef>
+      <a:effectRef idx="0">
+        <a:scrgbClr r="0" g="0" b="0"/>
+      </a:effectRef>
+      <a:fontRef idx="minor"/>
+    </dgm:style>
+  </dgm:styleLbl>
+  <dgm:styleLbl name="solidFgAcc1">
+    <dgm:scene3d>
+      <a:camera prst="orthographicFront"/>
+      <a:lightRig rig="threePt" dir="t"/>
+    </dgm:scene3d>
+    <dgm:sp3d/>
+    <dgm:txPr/>
+    <dgm:style>
+      <a:lnRef idx="2">
+        <a:scrgbClr r="0" g="0" b="0"/>
+      </a:lnRef>
+      <a:fillRef idx="1">
+        <a:scrgbClr r="0" g="0" b="0"/>
+      </a:fillRef>
+      <a:effectRef idx="0">
+        <a:scrgbClr r="0" g="0" b="0"/>
+      </a:effectRef>
+      <a:fontRef idx="minor"/>
+    </dgm:style>
+  </dgm:styleLbl>
+  <dgm:styleLbl name="solidAlignAcc1">
+    <dgm:scene3d>
+      <a:camera prst="orthographicFront"/>
+      <a:lightRig rig="threePt" dir="t"/>
+    </dgm:scene3d>
+    <dgm:sp3d/>
+    <dgm:txPr/>
+    <dgm:style>
+      <a:lnRef idx="2">
+        <a:scrgbClr r="0" g="0" b="0"/>
+      </a:lnRef>
+      <a:fillRef idx="1">
+        <a:scrgbClr r="0" g="0" b="0"/>
+      </a:fillRef>
+      <a:effectRef idx="0">
+        <a:scrgbClr r="0" g="0" b="0"/>
+      </a:effectRef>
+      <a:fontRef idx="minor"/>
+    </dgm:style>
+  </dgm:styleLbl>
+  <dgm:styleLbl name="solidBgAcc1">
+    <dgm:scene3d>
+      <a:camera prst="orthographicFront"/>
+      <a:lightRig rig="threePt" dir="t"/>
+    </dgm:scene3d>
+    <dgm:sp3d/>
+    <dgm:txPr/>
+    <dgm:style>
+      <a:lnRef idx="2">
+        <a:scrgbClr r="0" g="0" b="0"/>
+      </a:lnRef>
+      <a:fillRef idx="1">
+        <a:scrgbClr r="0" g="0" b="0"/>
+      </a:fillRef>
+      <a:effectRef idx="0">
+        <a:scrgbClr r="0" g="0" b="0"/>
+      </a:effectRef>
+      <a:fontRef idx="minor"/>
+    </dgm:style>
+  </dgm:styleLbl>
+  <dgm:styleLbl name="fgAccFollowNode1">
+    <dgm:scene3d>
+      <a:camera prst="orthographicFront"/>
+      <a:lightRig rig="threePt" dir="t"/>
+    </dgm:scene3d>
+    <dgm:sp3d/>
+    <dgm:txPr/>
+    <dgm:style>
+      <a:lnRef idx="2">
+        <a:scrgbClr r="0" g="0" b="0"/>
+      </a:lnRef>
+      <a:fillRef idx="1">
+        <a:scrgbClr r="0" g="0" b="0"/>
+      </a:fillRef>
+      <a:effectRef idx="0">
+        <a:scrgbClr r="0" g="0" b="0"/>
+      </a:effectRef>
+      <a:fontRef idx="minor"/>
+    </dgm:style>
+  </dgm:styleLbl>
+  <dgm:styleLbl name="alignAccFollowNode1">
+    <dgm:scene3d>
+      <a:camera prst="orthographicFront"/>
+      <a:lightRig rig="threePt" dir="t"/>
+    </dgm:scene3d>
+    <dgm:sp3d/>
+    <dgm:txPr/>
+    <dgm:style>
+      <a:lnRef idx="2">
+        <a:scrgbClr r="0" g="0" b="0"/>
+      </a:lnRef>
+      <a:fillRef idx="1">
+        <a:scrgbClr r="0" g="0" b="0"/>
+      </a:fillRef>
+      <a:effectRef idx="0">
+        <a:scrgbClr r="0" g="0" b="0"/>
+      </a:effectRef>
+      <a:fontRef idx="minor"/>
+    </dgm:style>
+  </dgm:styleLbl>
+  <dgm:styleLbl name="bgAccFollowNode1">
+    <dgm:scene3d>
+      <a:camera prst="orthographicFront"/>
+      <a:lightRig rig="threePt" dir="t"/>
+    </dgm:scene3d>
+    <dgm:sp3d/>
+    <dgm:txPr/>
+    <dgm:style>
+      <a:lnRef idx="2">
+        <a:scrgbClr r="0" g="0" b="0"/>
+      </a:lnRef>
+      <a:fillRef idx="1">
+        <a:scrgbClr r="0" g="0" b="0"/>
+      </a:fillRef>
+      <a:effectRef idx="0">
+        <a:scrgbClr r="0" g="0" b="0"/>
+      </a:effectRef>
+      <a:fontRef idx="minor"/>
+    </dgm:style>
+  </dgm:styleLbl>
+  <dgm:styleLbl name="fgAcc0">
+    <dgm:scene3d>
+      <a:camera prst="orthographicFront"/>
+      <a:lightRig rig="threePt" dir="t"/>
+    </dgm:scene3d>
+    <dgm:sp3d/>
+    <dgm:txPr/>
+    <dgm:style>
+      <a:lnRef idx="2">
+        <a:scrgbClr r="0" g="0" b="0"/>
+      </a:lnRef>
+      <a:fillRef idx="1">
+        <a:scrgbClr r="0" g="0" b="0"/>
+      </a:fillRef>
+      <a:effectRef idx="0">
+        <a:scrgbClr r="0" g="0" b="0"/>
+      </a:effectRef>
+      <a:fontRef idx="minor"/>
+    </dgm:style>
+  </dgm:styleLbl>
+  <dgm:styleLbl name="fgAcc2">
+    <dgm:scene3d>
+      <a:camera prst="orthographicFront"/>
+      <a:lightRig rig="threePt" dir="t"/>
+    </dgm:scene3d>
+    <dgm:sp3d/>
+    <dgm:txPr/>
+    <dgm:style>
+      <a:lnRef idx="2">
+        <a:scrgbClr r="0" g="0" b="0"/>
+      </a:lnRef>
+      <a:fillRef idx="1">
+        <a:scrgbClr r="0" g="0" b="0"/>
+      </a:fillRef>
+      <a:effectRef idx="0">
+        <a:scrgbClr r="0" g="0" b="0"/>
+      </a:effectRef>
+      <a:fontRef idx="minor"/>
+    </dgm:style>
+  </dgm:styleLbl>
+  <dgm:styleLbl name="fgAcc3">
+    <dgm:scene3d>
+      <a:camera prst="orthographicFront"/>
+      <a:lightRig rig="threePt" dir="t"/>
+    </dgm:scene3d>
+    <dgm:sp3d/>
+    <dgm:txPr/>
+    <dgm:style>
+      <a:lnRef idx="2">
+        <a:scrgbClr r="0" g="0" b="0"/>
+      </a:lnRef>
+      <a:fillRef idx="1">
+        <a:scrgbClr r="0" g="0" b="0"/>
+      </a:fillRef>
+      <a:effectRef idx="0">
+        <a:scrgbClr r="0" g="0" b="0"/>
+      </a:effectRef>
+      <a:fontRef idx="minor"/>
+    </dgm:style>
+  </dgm:styleLbl>
+  <dgm:styleLbl name="fgAcc4">
+    <dgm:scene3d>
+      <a:camera prst="orthographicFront"/>
+      <a:lightRig rig="threePt" dir="t"/>
+    </dgm:scene3d>
+    <dgm:sp3d/>
+    <dgm:txPr/>
+    <dgm:style>
+      <a:lnRef idx="2">
+        <a:scrgbClr r="0" g="0" b="0"/>
+      </a:lnRef>
+      <a:fillRef idx="1">
+        <a:scrgbClr r="0" g="0" b="0"/>
+      </a:fillRef>
+      <a:effectRef idx="0">
+        <a:scrgbClr r="0" g="0" b="0"/>
+      </a:effectRef>
+      <a:fontRef idx="minor"/>
+    </dgm:style>
+  </dgm:styleLbl>
+  <dgm:styleLbl name="bgShp">
+    <dgm:scene3d>
+      <a:camera prst="orthographicFront"/>
+      <a:lightRig rig="threePt" dir="t"/>
+    </dgm:scene3d>
+    <dgm:sp3d/>
+    <dgm:txPr/>
+    <dgm:style>
+      <a:lnRef idx="0">
+        <a:scrgbClr r="0" g="0" b="0"/>
+      </a:lnRef>
+      <a:fillRef idx="1">
+        <a:scrgbClr r="0" g="0" b="0"/>
+      </a:fillRef>
+      <a:effectRef idx="0">
+        <a:scrgbClr r="0" g="0" b="0"/>
+      </a:effectRef>
+      <a:fontRef idx="minor"/>
+    </dgm:style>
+  </dgm:styleLbl>
+  <dgm:styleLbl name="dkBgShp">
+    <dgm:scene3d>
+      <a:camera prst="orthographicFront"/>
+      <a:lightRig rig="threePt" dir="t"/>
+    </dgm:scene3d>
+    <dgm:sp3d/>
+    <dgm:txPr/>
+    <dgm:style>
+      <a:lnRef idx="0">
+        <a:scrgbClr r="0" g="0" b="0"/>
+      </a:lnRef>
+      <a:fillRef idx="1">
+        <a:scrgbClr r="0" g="0" b="0"/>
+      </a:fillRef>
+      <a:effectRef idx="0">
+        <a:scrgbClr r="0" g="0" b="0"/>
+      </a:effectRef>
+      <a:fontRef idx="minor"/>
+    </dgm:style>
+  </dgm:styleLbl>
+  <dgm:styleLbl name="trBgShp">
+    <dgm:scene3d>
+      <a:camera prst="orthographicFront"/>
+      <a:lightRig rig="threePt" dir="t"/>
+    </dgm:scene3d>
+    <dgm:sp3d/>
+    <dgm:txPr/>
+    <dgm:style>
+      <a:lnRef idx="0">
+        <a:scrgbClr r="0" g="0" b="0"/>
+      </a:lnRef>
+      <a:fillRef idx="1">
+        <a:scrgbClr r="0" g="0" b="0"/>
+      </a:fillRef>
+      <a:effectRef idx="0">
+        <a:scrgbClr r="0" g="0" b="0"/>
+      </a:effectRef>
+      <a:fontRef idx="minor"/>
+    </dgm:style>
+  </dgm:styleLbl>
+  <dgm:styleLbl name="fgShp">
+    <dgm:scene3d>
+      <a:camera prst="orthographicFront"/>
+      <a:lightRig rig="threePt" dir="t"/>
+    </dgm:scene3d>
+    <dgm:sp3d/>
+    <dgm:txPr/>
+    <dgm:style>
+      <a:lnRef idx="2">
+        <a:scrgbClr r="0" g="0" b="0"/>
+      </a:lnRef>
+      <a:fillRef idx="1">
+        <a:scrgbClr r="0" g="0" b="0"/>
+      </a:fillRef>
+      <a:effectRef idx="0">
+        <a:scrgbClr r="0" g="0" b="0"/>
+      </a:effectRef>
+      <a:fontRef idx="minor"/>
+    </dgm:style>
+  </dgm:styleLbl>
+  <dgm:styleLbl name="revTx">
+    <dgm:scene3d>
+      <a:camera prst="orthographicFront"/>
+      <a:lightRig rig="threePt" dir="t"/>
+    </dgm:scene3d>
+    <dgm:sp3d/>
+    <dgm:txPr/>
+    <dgm:style>
+      <a:lnRef idx="0">
+        <a:scrgbClr r="0" g="0" b="0"/>
+      </a:lnRef>
+      <a:fillRef idx="0">
+        <a:scrgbClr r="0" g="0" b="0"/>
+      </a:fillRef>
+      <a:effectRef idx="0">
+        <a:scrgbClr r="0" g="0" b="0"/>
+      </a:effectRef>
+      <a:fontRef idx="minor"/>
+    </dgm:style>
+  </dgm:styleLbl>
+</dgm:styleDef>
+</file>
+
+<file path=ppt/diagrams/quickStyle4.xml><?xml version="1.0" encoding="utf-8"?>
 <dgm:styleDef xmlns:dgm="http://schemas.openxmlformats.org/drawingml/2006/diagram" xmlns:a="http://schemas.openxmlformats.org/drawingml/2006/main" uniqueId="urn:microsoft.com/office/officeart/2005/8/quickstyle/simple3">
   <dgm:title val=""/>
   <dgm:desc val=""/>
@@ -12267,7 +14950,7 @@
 </dgm:styleDef>
 </file>
 
-<file path=ppt/diagrams/quickStyle4.xml><?xml version="1.0" encoding="utf-8"?>
+<file path=ppt/diagrams/quickStyle5.xml><?xml version="1.0" encoding="utf-8"?>
 <dgm:styleDef xmlns:dgm="http://schemas.openxmlformats.org/drawingml/2006/diagram" xmlns:a="http://schemas.openxmlformats.org/drawingml/2006/main" uniqueId="urn:microsoft.com/office/officeart/2005/8/quickstyle/simple1">
   <dgm:title val=""/>
   <dgm:desc val=""/>
@@ -13589,7 +16272,7 @@
             <a:fld id="{08B9EBBA-996F-894A-B54A-D6246ED52CEA}" type="datetimeFigureOut">
               <a:rPr lang="en-US" smtClean="0"/>
               <a:pPr/>
-              <a:t>5/7/2022</a:t>
+              <a:t>5/14/2022</a:t>
             </a:fld>
             <a:endParaRPr lang="en-US" dirty="0"/>
           </a:p>
@@ -13909,7 +16592,7 @@
             <a:fld id="{18C79C5D-2A6F-F04D-97DA-BEF2467B64E4}" type="datetimeFigureOut">
               <a:rPr lang="en-US" smtClean="0"/>
               <a:pPr/>
-              <a:t>5/7/2022</a:t>
+              <a:t>5/14/2022</a:t>
             </a:fld>
             <a:endParaRPr lang="en-US" dirty="0"/>
           </a:p>
@@ -14399,7 +17082,7 @@
             <a:fld id="{8DFA1846-DA80-1C48-A609-854EA85C59AD}" type="datetimeFigureOut">
               <a:rPr lang="en-US" smtClean="0"/>
               <a:pPr/>
-              <a:t>5/7/2022</a:t>
+              <a:t>5/14/2022</a:t>
             </a:fld>
             <a:endParaRPr lang="en-US" dirty="0"/>
           </a:p>
@@ -14770,7 +17453,7 @@
             <a:fld id="{FBF54567-0DE4-3F47-BF90-CB84690072F9}" type="datetimeFigureOut">
               <a:rPr lang="en-US" smtClean="0"/>
               <a:pPr/>
-              <a:t>5/7/2022</a:t>
+              <a:t>5/14/2022</a:t>
             </a:fld>
             <a:endParaRPr lang="en-US" dirty="0"/>
           </a:p>
@@ -15045,7 +17728,7 @@
             <a:fld id="{C6C52C72-DE31-F449-A4ED-4C594FD91407}" type="datetimeFigureOut">
               <a:rPr lang="en-US" smtClean="0"/>
               <a:pPr/>
-              <a:t>5/7/2022</a:t>
+              <a:t>5/14/2022</a:t>
             </a:fld>
             <a:endParaRPr lang="en-US" dirty="0"/>
           </a:p>
@@ -15332,7 +18015,7 @@
             <a:fld id="{ED62726E-379B-B349-9EED-81ED093FA806}" type="datetimeFigureOut">
               <a:rPr lang="en-US" smtClean="0"/>
               <a:pPr/>
-              <a:t>5/7/2022</a:t>
+              <a:t>5/14/2022</a:t>
             </a:fld>
             <a:endParaRPr lang="en-US" dirty="0"/>
           </a:p>
@@ -15617,7 +18300,7 @@
             <a:fld id="{9B3A1323-8D79-1946-B0D7-40001CF92E9D}" type="datetimeFigureOut">
               <a:rPr lang="en-US" smtClean="0"/>
               <a:pPr/>
-              <a:t>5/7/2022</a:t>
+              <a:t>5/14/2022</a:t>
             </a:fld>
             <a:endParaRPr lang="en-US" dirty="0"/>
           </a:p>
@@ -15962,7 +18645,7 @@
             <a:fld id="{8DFA1846-DA80-1C48-A609-854EA85C59AD}" type="datetimeFigureOut">
               <a:rPr lang="en-US" smtClean="0"/>
               <a:pPr/>
-              <a:t>5/7/2022</a:t>
+              <a:t>5/14/2022</a:t>
             </a:fld>
             <a:endParaRPr lang="en-US" dirty="0"/>
           </a:p>
@@ -16303,7 +18986,7 @@
             <a:fld id="{57302355-E14B-8545-A8F8-0FE83CC9D524}" type="datetimeFigureOut">
               <a:rPr lang="en-US" smtClean="0"/>
               <a:pPr/>
-              <a:t>5/7/2022</a:t>
+              <a:t>5/14/2022</a:t>
             </a:fld>
             <a:endParaRPr lang="en-US" dirty="0"/>
           </a:p>
@@ -16782,7 +19465,7 @@
             <a:fld id="{02640F58-564D-2B4F-AE67-E407BA4FCF45}" type="datetimeFigureOut">
               <a:rPr lang="en-US" smtClean="0"/>
               <a:pPr/>
-              <a:t>5/7/2022</a:t>
+              <a:t>5/14/2022</a:t>
             </a:fld>
             <a:endParaRPr lang="en-US" dirty="0"/>
           </a:p>
@@ -17005,7 +19688,7 @@
             <a:fld id="{F13A34C8-038E-2045-AF43-DF7DBB8E0E9E}" type="datetimeFigureOut">
               <a:rPr lang="en-US" smtClean="0"/>
               <a:pPr/>
-              <a:t>5/7/2022</a:t>
+              <a:t>5/14/2022</a:t>
             </a:fld>
             <a:endParaRPr lang="en-US" dirty="0"/>
           </a:p>
@@ -17102,7 +19785,7 @@
             <a:fld id="{8818C68F-D26B-8F47-958C-23B49CF8A634}" type="datetimeFigureOut">
               <a:rPr lang="en-US" smtClean="0"/>
               <a:pPr/>
-              <a:t>5/7/2022</a:t>
+              <a:t>5/14/2022</a:t>
             </a:fld>
             <a:endParaRPr lang="en-US" dirty="0"/>
           </a:p>
@@ -17571,7 +20254,7 @@
             <a:fld id="{D0DF5E60-9974-AC48-9591-99C2BB44B7CF}" type="datetimeFigureOut">
               <a:rPr lang="en-US" smtClean="0"/>
               <a:pPr/>
-              <a:t>5/7/2022</a:t>
+              <a:t>5/14/2022</a:t>
             </a:fld>
             <a:endParaRPr lang="en-US" dirty="0"/>
           </a:p>
@@ -17886,7 +20569,7 @@
             <a:fld id="{18C79C5D-2A6F-F04D-97DA-BEF2467B64E4}" type="datetimeFigureOut">
               <a:rPr lang="en-US" smtClean="0"/>
               <a:pPr/>
-              <a:t>5/7/2022</a:t>
+              <a:t>5/14/2022</a:t>
             </a:fld>
             <a:endParaRPr lang="en-US" dirty="0"/>
           </a:p>
@@ -18158,7 +20841,7 @@
             <a:fld id="{09B482E8-6E0E-1B4F-B1FD-C69DB9E858D9}" type="datetimeFigureOut">
               <a:rPr lang="en-US" smtClean="0"/>
               <a:pPr/>
-              <a:t>5/7/2022</a:t>
+              <a:t>5/14/2022</a:t>
             </a:fld>
             <a:endParaRPr lang="en-US" dirty="0"/>
           </a:p>
@@ -19135,31 +21818,31 @@
           <a:lstStyle/>
           <a:p>
             <a:r>
-              <a:rPr lang="ro-RO" sz="3200" dirty="0">
+              <a:rPr lang="ro-RO" sz="2800" dirty="0">
                 <a:latin typeface="Times New Roman" panose="02020603050405020304" pitchFamily="18" charset="0"/>
                 <a:cs typeface="Times New Roman" panose="02020603050405020304" pitchFamily="18" charset="0"/>
               </a:rPr>
-              <a:t>O funcție se declară folosind cuvântul cheie „def”;</a:t>
+              <a:t> O funcție se declară folosind cuvântul cheie „def”;</a:t>
             </a:r>
           </a:p>
           <a:p>
             <a:r>
-              <a:rPr lang="ro-RO" sz="3200" dirty="0">
+              <a:rPr lang="ro-RO" sz="2800" dirty="0">
                 <a:latin typeface="Times New Roman" panose="02020603050405020304" pitchFamily="18" charset="0"/>
                 <a:cs typeface="Times New Roman" panose="02020603050405020304" pitchFamily="18" charset="0"/>
               </a:rPr>
-              <a:t>Definirea funcției se face înaintea utilizării ei;</a:t>
+              <a:t> Definirea funcției se face înaintea utilizării ei;</a:t>
             </a:r>
           </a:p>
           <a:p>
             <a:r>
-              <a:rPr lang="ro-RO" sz="3200" dirty="0">
+              <a:rPr lang="ro-RO" sz="2800" dirty="0">
                 <a:latin typeface="Times New Roman" panose="02020603050405020304" pitchFamily="18" charset="0"/>
                 <a:cs typeface="Times New Roman" panose="02020603050405020304" pitchFamily="18" charset="0"/>
               </a:rPr>
-              <a:t>Implicit, funcțiile returnează valoarea „None”, dar pot returna și alte valori.</a:t>
+              <a:t> Implicit, funcțiile returnează valoarea „None”, dar pot returna și alte valori.</a:t>
             </a:r>
-            <a:endParaRPr lang="ru-RU" sz="3200" dirty="0">
+            <a:endParaRPr lang="ru-RU" sz="2800" dirty="0">
               <a:latin typeface="Times New Roman" panose="02020603050405020304" pitchFamily="18" charset="0"/>
               <a:cs typeface="Times New Roman" panose="02020603050405020304" pitchFamily="18" charset="0"/>
             </a:endParaRPr>
@@ -19290,8 +21973,8 @@
         </p:nvSpPr>
         <p:spPr>
           <a:xfrm>
-            <a:off x="818712" y="2040835"/>
-            <a:ext cx="10554574" cy="4717774"/>
+            <a:off x="818712" y="2226511"/>
+            <a:ext cx="9914602" cy="4167809"/>
           </a:xfrm>
         </p:spPr>
         <p:txBody>
@@ -19302,13 +21985,13 @@
           <a:p>
             <a:pPr lvl="0"/>
             <a:r>
-              <a:rPr lang="ro-RO" sz="2400" dirty="0">
+              <a:rPr lang="ro-RO" sz="2800" dirty="0">
                 <a:latin typeface="Times New Roman" panose="02020603050405020304" pitchFamily="18" charset="0"/>
                 <a:cs typeface="Times New Roman" panose="02020603050405020304" pitchFamily="18" charset="0"/>
               </a:rPr>
               <a:t>Sintaxa foarte simplă;</a:t>
             </a:r>
-            <a:endParaRPr lang="ru-RU" sz="2400" dirty="0">
+            <a:endParaRPr lang="ru-RU" sz="2800" dirty="0">
               <a:latin typeface="Times New Roman" panose="02020603050405020304" pitchFamily="18" charset="0"/>
               <a:cs typeface="Times New Roman" panose="02020603050405020304" pitchFamily="18" charset="0"/>
             </a:endParaRPr>
@@ -19316,13 +21999,13 @@
           <a:p>
             <a:pPr lvl="0"/>
             <a:r>
-              <a:rPr lang="ro-RO" sz="2400" dirty="0">
+              <a:rPr lang="ro-RO" sz="2800" dirty="0">
                 <a:latin typeface="Times New Roman" panose="02020603050405020304" pitchFamily="18" charset="0"/>
                 <a:cs typeface="Times New Roman" panose="02020603050405020304" pitchFamily="18" charset="0"/>
               </a:rPr>
               <a:t>Este frecvent utilizat în Web Development;</a:t>
             </a:r>
-            <a:endParaRPr lang="ru-RU" sz="2400" dirty="0">
+            <a:endParaRPr lang="ru-RU" sz="2800" dirty="0">
               <a:latin typeface="Times New Roman" panose="02020603050405020304" pitchFamily="18" charset="0"/>
               <a:cs typeface="Times New Roman" panose="02020603050405020304" pitchFamily="18" charset="0"/>
             </a:endParaRPr>
@@ -19330,13 +22013,13 @@
           <a:p>
             <a:pPr lvl="0"/>
             <a:r>
-              <a:rPr lang="ro-RO" sz="2400" dirty="0">
+              <a:rPr lang="ro-RO" sz="2800" dirty="0">
                 <a:latin typeface="Times New Roman" panose="02020603050405020304" pitchFamily="18" charset="0"/>
                 <a:cs typeface="Times New Roman" panose="02020603050405020304" pitchFamily="18" charset="0"/>
               </a:rPr>
               <a:t>Este foarte popular în scripting;</a:t>
             </a:r>
-            <a:endParaRPr lang="ru-RU" sz="2400" dirty="0">
+            <a:endParaRPr lang="ru-RU" sz="2800" dirty="0">
               <a:latin typeface="Times New Roman" panose="02020603050405020304" pitchFamily="18" charset="0"/>
               <a:cs typeface="Times New Roman" panose="02020603050405020304" pitchFamily="18" charset="0"/>
             </a:endParaRPr>
@@ -19344,79 +22027,19 @@
           <a:p>
             <a:pPr lvl="0"/>
             <a:r>
-              <a:rPr lang="ro-RO" sz="2400" dirty="0">
+              <a:rPr lang="ro-RO" sz="2800" dirty="0">
                 <a:latin typeface="Times New Roman" panose="02020603050405020304" pitchFamily="18" charset="0"/>
                 <a:cs typeface="Times New Roman" panose="02020603050405020304" pitchFamily="18" charset="0"/>
               </a:rPr>
               <a:t>Scripturile Python pot fi utilizate pentru automatizarea sarcinilor;</a:t>
             </a:r>
             <a:r>
-              <a:rPr lang="ru-RU" sz="2400" dirty="0">
+              <a:rPr lang="ru-RU" sz="2800" dirty="0">
                 <a:latin typeface="Times New Roman" panose="02020603050405020304" pitchFamily="18" charset="0"/>
                 <a:cs typeface="Times New Roman" panose="02020603050405020304" pitchFamily="18" charset="0"/>
               </a:rPr>
               <a:t> </a:t>
             </a:r>
-            <a:endParaRPr lang="ro-RO" sz="2400" dirty="0">
-              <a:latin typeface="Times New Roman" panose="02020603050405020304" pitchFamily="18" charset="0"/>
-              <a:cs typeface="Times New Roman" panose="02020603050405020304" pitchFamily="18" charset="0"/>
-            </a:endParaRPr>
-          </a:p>
-          <a:p>
-            <a:pPr lvl="0"/>
-            <a:r>
-              <a:rPr lang="ro-RO" sz="2400" dirty="0">
-                <a:latin typeface="Times New Roman" panose="02020603050405020304" pitchFamily="18" charset="0"/>
-                <a:cs typeface="Times New Roman" panose="02020603050405020304" pitchFamily="18" charset="0"/>
-              </a:rPr>
-              <a:t>Crește cererea pe piața muncii pentru cunoscătorii limbajului;</a:t>
-            </a:r>
-            <a:endParaRPr lang="ru-RU" sz="2400" dirty="0">
-              <a:latin typeface="Times New Roman" panose="02020603050405020304" pitchFamily="18" charset="0"/>
-              <a:cs typeface="Times New Roman" panose="02020603050405020304" pitchFamily="18" charset="0"/>
-            </a:endParaRPr>
-          </a:p>
-          <a:p>
-            <a:pPr lvl="0"/>
-            <a:r>
-              <a:rPr lang="ro-RO" sz="2400" dirty="0">
-                <a:latin typeface="Times New Roman" panose="02020603050405020304" pitchFamily="18" charset="0"/>
-                <a:cs typeface="Times New Roman" panose="02020603050405020304" pitchFamily="18" charset="0"/>
-              </a:rPr>
-              <a:t>Foarte popular printre developerii seniori;</a:t>
-            </a:r>
-            <a:endParaRPr lang="ru-RU" sz="2400" dirty="0">
-              <a:latin typeface="Times New Roman" panose="02020603050405020304" pitchFamily="18" charset="0"/>
-              <a:cs typeface="Times New Roman" panose="02020603050405020304" pitchFamily="18" charset="0"/>
-            </a:endParaRPr>
-          </a:p>
-          <a:p>
-            <a:pPr lvl="0"/>
-            <a:r>
-              <a:rPr lang="ro-RO" sz="2400" dirty="0">
-                <a:latin typeface="Times New Roman" panose="02020603050405020304" pitchFamily="18" charset="0"/>
-                <a:cs typeface="Times New Roman" panose="02020603050405020304" pitchFamily="18" charset="0"/>
-              </a:rPr>
-              <a:t>Are o gamă largă de librării;</a:t>
-            </a:r>
-            <a:endParaRPr lang="ru-RU" sz="2400" dirty="0">
-              <a:latin typeface="Times New Roman" panose="02020603050405020304" pitchFamily="18" charset="0"/>
-              <a:cs typeface="Times New Roman" panose="02020603050405020304" pitchFamily="18" charset="0"/>
-            </a:endParaRPr>
-          </a:p>
-          <a:p>
-            <a:pPr lvl="0"/>
-            <a:r>
-              <a:rPr lang="ro-RO" sz="2400" dirty="0">
-                <a:latin typeface="Times New Roman" panose="02020603050405020304" pitchFamily="18" charset="0"/>
-                <a:cs typeface="Times New Roman" panose="02020603050405020304" pitchFamily="18" charset="0"/>
-              </a:rPr>
-              <a:t>Permite testarea facilă a aplicațiilor.</a:t>
-            </a:r>
-            <a:endParaRPr lang="ru-RU" sz="2400" dirty="0">
-              <a:latin typeface="Times New Roman" panose="02020603050405020304" pitchFamily="18" charset="0"/>
-              <a:cs typeface="Times New Roman" panose="02020603050405020304" pitchFamily="18" charset="0"/>
-            </a:endParaRPr>
           </a:p>
         </p:txBody>
       </p:sp>
@@ -19502,6 +22125,197 @@
           <p:cNvPr id="2" name="Title 1">
             <a:extLst>
               <a:ext uri="{FF2B5EF4-FFF2-40B4-BE49-F238E27FC236}">
+                <a16:creationId xmlns:a16="http://schemas.microsoft.com/office/drawing/2014/main" id="{7031A08A-4402-4336-AF73-9411AC379EE4}"/>
+              </a:ext>
+            </a:extLst>
+          </p:cNvPr>
+          <p:cNvSpPr>
+            <a:spLocks noGrp="1"/>
+          </p:cNvSpPr>
+          <p:nvPr>
+            <p:ph type="title"/>
+          </p:nvPr>
+        </p:nvSpPr>
+        <p:spPr/>
+        <p:txBody>
+          <a:bodyPr/>
+          <a:lstStyle/>
+          <a:p>
+            <a:r>
+              <a:rPr lang="ro-RO" dirty="0"/>
+              <a:t>5. Avantajele limbajului</a:t>
+            </a:r>
+            <a:endParaRPr lang="ru-RU" dirty="0"/>
+          </a:p>
+        </p:txBody>
+      </p:sp>
+      <p:sp>
+        <p:nvSpPr>
+          <p:cNvPr id="3" name="Content Placeholder 2">
+            <a:extLst>
+              <a:ext uri="{FF2B5EF4-FFF2-40B4-BE49-F238E27FC236}">
+                <a16:creationId xmlns:a16="http://schemas.microsoft.com/office/drawing/2014/main" id="{0337F930-A416-49DC-B2A1-C5090442A031}"/>
+              </a:ext>
+            </a:extLst>
+          </p:cNvPr>
+          <p:cNvSpPr>
+            <a:spLocks noGrp="1"/>
+          </p:cNvSpPr>
+          <p:nvPr>
+            <p:ph idx="1"/>
+          </p:nvPr>
+        </p:nvSpPr>
+        <p:spPr>
+          <a:xfrm>
+            <a:off x="810000" y="2296886"/>
+            <a:ext cx="9903717" cy="3950095"/>
+          </a:xfrm>
+        </p:spPr>
+        <p:txBody>
+          <a:bodyPr>
+            <a:normAutofit/>
+          </a:bodyPr>
+          <a:lstStyle/>
+          <a:p>
+            <a:pPr lvl="0"/>
+            <a:r>
+              <a:rPr lang="ro-RO" sz="2800" dirty="0">
+                <a:latin typeface="Times New Roman" panose="02020603050405020304" pitchFamily="18" charset="0"/>
+                <a:cs typeface="Times New Roman" panose="02020603050405020304" pitchFamily="18" charset="0"/>
+              </a:rPr>
+              <a:t>Crește cererea pe piața muncii pentru cunoscătorii limbajului;</a:t>
+            </a:r>
+            <a:endParaRPr lang="ru-RU" sz="2800" dirty="0">
+              <a:latin typeface="Times New Roman" panose="02020603050405020304" pitchFamily="18" charset="0"/>
+              <a:cs typeface="Times New Roman" panose="02020603050405020304" pitchFamily="18" charset="0"/>
+            </a:endParaRPr>
+          </a:p>
+          <a:p>
+            <a:pPr lvl="0"/>
+            <a:r>
+              <a:rPr lang="ro-RO" sz="2800" dirty="0">
+                <a:latin typeface="Times New Roman" panose="02020603050405020304" pitchFamily="18" charset="0"/>
+                <a:cs typeface="Times New Roman" panose="02020603050405020304" pitchFamily="18" charset="0"/>
+              </a:rPr>
+              <a:t>Foarte popular printre developerii seniori;</a:t>
+            </a:r>
+            <a:endParaRPr lang="ru-RU" sz="2800" dirty="0">
+              <a:latin typeface="Times New Roman" panose="02020603050405020304" pitchFamily="18" charset="0"/>
+              <a:cs typeface="Times New Roman" panose="02020603050405020304" pitchFamily="18" charset="0"/>
+            </a:endParaRPr>
+          </a:p>
+          <a:p>
+            <a:pPr lvl="0"/>
+            <a:r>
+              <a:rPr lang="ro-RO" sz="2800" dirty="0">
+                <a:latin typeface="Times New Roman" panose="02020603050405020304" pitchFamily="18" charset="0"/>
+                <a:cs typeface="Times New Roman" panose="02020603050405020304" pitchFamily="18" charset="0"/>
+              </a:rPr>
+              <a:t>Are o gamă largă de librării;</a:t>
+            </a:r>
+            <a:endParaRPr lang="ru-RU" sz="2800" dirty="0">
+              <a:latin typeface="Times New Roman" panose="02020603050405020304" pitchFamily="18" charset="0"/>
+              <a:cs typeface="Times New Roman" panose="02020603050405020304" pitchFamily="18" charset="0"/>
+            </a:endParaRPr>
+          </a:p>
+          <a:p>
+            <a:pPr lvl="0"/>
+            <a:r>
+              <a:rPr lang="ro-RO" sz="2800" dirty="0">
+                <a:latin typeface="Times New Roman" panose="02020603050405020304" pitchFamily="18" charset="0"/>
+                <a:cs typeface="Times New Roman" panose="02020603050405020304" pitchFamily="18" charset="0"/>
+              </a:rPr>
+              <a:t>Permite testarea facilă a aplicațiilor.</a:t>
+            </a:r>
+            <a:endParaRPr lang="ru-RU" sz="2800" dirty="0">
+              <a:latin typeface="Times New Roman" panose="02020603050405020304" pitchFamily="18" charset="0"/>
+              <a:cs typeface="Times New Roman" panose="02020603050405020304" pitchFamily="18" charset="0"/>
+            </a:endParaRPr>
+          </a:p>
+        </p:txBody>
+      </p:sp>
+      <p:sp>
+        <p:nvSpPr>
+          <p:cNvPr id="4" name="Arrow: Left 3">
+            <a:hlinkClick r:id="rId2" action="ppaction://hlinksldjump"/>
+            <a:extLst>
+              <a:ext uri="{FF2B5EF4-FFF2-40B4-BE49-F238E27FC236}">
+                <a16:creationId xmlns:a16="http://schemas.microsoft.com/office/drawing/2014/main" id="{34499839-1D5B-4B3C-9472-3E9F6F32F70A}"/>
+              </a:ext>
+            </a:extLst>
+          </p:cNvPr>
+          <p:cNvSpPr/>
+          <p:nvPr/>
+        </p:nvSpPr>
+        <p:spPr>
+          <a:xfrm>
+            <a:off x="240157" y="6394320"/>
+            <a:ext cx="569843" cy="318051"/>
+          </a:xfrm>
+          <a:prstGeom prst="leftArrow">
+            <a:avLst/>
+          </a:prstGeom>
+        </p:spPr>
+        <p:style>
+          <a:lnRef idx="2">
+            <a:schemeClr val="dk1">
+              <a:shade val="50000"/>
+            </a:schemeClr>
+          </a:lnRef>
+          <a:fillRef idx="1">
+            <a:schemeClr val="dk1"/>
+          </a:fillRef>
+          <a:effectRef idx="0">
+            <a:schemeClr val="dk1"/>
+          </a:effectRef>
+          <a:fontRef idx="minor">
+            <a:schemeClr val="lt1"/>
+          </a:fontRef>
+        </p:style>
+        <p:txBody>
+          <a:bodyPr rtlCol="0" anchor="ctr"/>
+          <a:lstStyle/>
+          <a:p>
+            <a:pPr algn="ctr"/>
+            <a:endParaRPr lang="ru-RU"/>
+          </a:p>
+        </p:txBody>
+      </p:sp>
+    </p:spTree>
+    <p:extLst>
+      <p:ext uri="{BB962C8B-B14F-4D97-AF65-F5344CB8AC3E}">
+        <p14:creationId xmlns:p14="http://schemas.microsoft.com/office/powerpoint/2010/main" val="1342964505"/>
+      </p:ext>
+    </p:extLst>
+  </p:cSld>
+  <p:clrMapOvr>
+    <a:masterClrMapping/>
+  </p:clrMapOvr>
+</p:sld>
+</file>
+
+<file path=ppt/slides/slide14.xml><?xml version="1.0" encoding="utf-8"?>
+<p:sld xmlns:a="http://schemas.openxmlformats.org/drawingml/2006/main" xmlns:r="http://schemas.openxmlformats.org/officeDocument/2006/relationships" xmlns:p="http://schemas.openxmlformats.org/presentationml/2006/main">
+  <p:cSld>
+    <p:spTree>
+      <p:nvGrpSpPr>
+        <p:cNvPr id="1" name=""/>
+        <p:cNvGrpSpPr/>
+        <p:nvPr/>
+      </p:nvGrpSpPr>
+      <p:grpSpPr>
+        <a:xfrm>
+          <a:off x="0" y="0"/>
+          <a:ext cx="0" cy="0"/>
+          <a:chOff x="0" y="0"/>
+          <a:chExt cx="0" cy="0"/>
+        </a:xfrm>
+      </p:grpSpPr>
+      <p:sp>
+        <p:nvSpPr>
+          <p:cNvPr id="2" name="Title 1">
+            <a:extLst>
+              <a:ext uri="{FF2B5EF4-FFF2-40B4-BE49-F238E27FC236}">
                 <a16:creationId xmlns:a16="http://schemas.microsoft.com/office/drawing/2014/main" id="{CD90435A-3E2D-4D1B-93D6-6448FF987415}"/>
               </a:ext>
             </a:extLst>
@@ -19562,7 +22376,7 @@
                 <a:latin typeface="Times New Roman" panose="02020603050405020304" pitchFamily="18" charset="0"/>
                 <a:cs typeface="Times New Roman" panose="02020603050405020304" pitchFamily="18" charset="0"/>
               </a:rPr>
-              <a:t>Python este un limbaj de programare util, întrucât este utilizat în majoritatea industriilor și domeniilor științifice.</a:t>
+              <a:t>1. Python este utilizat în majoritatea industriilor și domeniilor științifice.</a:t>
             </a:r>
           </a:p>
         </p:txBody>
@@ -19655,7 +22469,7 @@
 </p:sld>
 </file>
 
-<file path=ppt/slides/slide14.xml><?xml version="1.0" encoding="utf-8"?>
+<file path=ppt/slides/slide15.xml><?xml version="1.0" encoding="utf-8"?>
 <p:sld xmlns:a="http://schemas.openxmlformats.org/drawingml/2006/main" xmlns:r="http://schemas.openxmlformats.org/officeDocument/2006/relationships" xmlns:p="http://schemas.openxmlformats.org/presentationml/2006/main">
   <p:cSld>
     <p:spTree>
@@ -19719,8 +22533,594 @@
         </p:nvSpPr>
         <p:spPr>
           <a:xfrm>
-            <a:off x="633181" y="2123438"/>
-            <a:ext cx="5093764" cy="4490942"/>
+            <a:off x="633180" y="2123438"/>
+            <a:ext cx="11177819" cy="4270882"/>
+          </a:xfrm>
+        </p:spPr>
+        <p:txBody>
+          <a:bodyPr>
+            <a:noAutofit/>
+          </a:bodyPr>
+          <a:lstStyle/>
+          <a:p>
+            <a:pPr lvl="0">
+              <a:buNone/>
+            </a:pPr>
+            <a:r>
+              <a:rPr lang="ro-RO" sz="2800" dirty="0">
+                <a:latin typeface="+mj-lt"/>
+                <a:cs typeface="Times New Roman" panose="02020603050405020304" pitchFamily="18" charset="0"/>
+              </a:rPr>
+              <a:t>2. </a:t>
+            </a:r>
+            <a:r>
+              <a:rPr lang="ro-RO" sz="2800" dirty="0">
+                <a:latin typeface="+mj-lt"/>
+              </a:rPr>
+              <a:t>Limbajul are o sintaxă simplă, ușor de asimilat, asemănătoare cu pseudocodul;</a:t>
+            </a:r>
+            <a:endParaRPr lang="ru-RU" sz="2800" dirty="0">
+              <a:latin typeface="+mj-lt"/>
+            </a:endParaRPr>
+          </a:p>
+          <a:p>
+            <a:pPr lvl="0">
+              <a:buNone/>
+            </a:pPr>
+            <a:r>
+              <a:rPr lang="ro-RO" sz="2800" dirty="0">
+                <a:latin typeface="+mj-lt"/>
+              </a:rPr>
+              <a:t>3. </a:t>
+            </a:r>
+            <a:r>
+              <a:rPr lang="en-US" sz="2800" dirty="0">
+                <a:latin typeface="+mj-lt"/>
+              </a:rPr>
+              <a:t>Python </a:t>
+            </a:r>
+            <a:r>
+              <a:rPr lang="en-US" sz="2800" dirty="0" err="1">
+                <a:latin typeface="+mj-lt"/>
+              </a:rPr>
+              <a:t>este</a:t>
+            </a:r>
+            <a:r>
+              <a:rPr lang="en-US" sz="2800" dirty="0">
+                <a:latin typeface="+mj-lt"/>
+              </a:rPr>
+              <a:t> </a:t>
+            </a:r>
+            <a:r>
+              <a:rPr lang="en-US" sz="2800" dirty="0" err="1">
+                <a:latin typeface="+mj-lt"/>
+              </a:rPr>
+              <a:t>limbajul</a:t>
+            </a:r>
+            <a:r>
+              <a:rPr lang="en-US" sz="2800" dirty="0">
+                <a:latin typeface="+mj-lt"/>
+              </a:rPr>
+              <a:t> perfect </a:t>
+            </a:r>
+            <a:r>
+              <a:rPr lang="en-US" sz="2800" dirty="0" err="1">
+                <a:latin typeface="+mj-lt"/>
+              </a:rPr>
+              <a:t>pentru</a:t>
+            </a:r>
+            <a:r>
+              <a:rPr lang="en-US" sz="2800" dirty="0">
+                <a:latin typeface="+mj-lt"/>
+              </a:rPr>
+              <a:t> a </a:t>
+            </a:r>
+            <a:r>
+              <a:rPr lang="en-US" sz="2800" dirty="0" err="1">
+                <a:latin typeface="+mj-lt"/>
+              </a:rPr>
+              <a:t>implementa</a:t>
+            </a:r>
+            <a:r>
+              <a:rPr lang="en-US" sz="2800" dirty="0">
+                <a:latin typeface="+mj-lt"/>
+              </a:rPr>
+              <a:t> </a:t>
+            </a:r>
+            <a:r>
+              <a:rPr lang="en-US" sz="2800" dirty="0" err="1">
+                <a:latin typeface="+mj-lt"/>
+              </a:rPr>
+              <a:t>orice</a:t>
+            </a:r>
+            <a:r>
+              <a:rPr lang="en-US" sz="2800" dirty="0">
+                <a:latin typeface="+mj-lt"/>
+              </a:rPr>
+              <a:t> tip de </a:t>
+            </a:r>
+            <a:r>
+              <a:rPr lang="en-US" sz="2800" dirty="0" err="1">
+                <a:latin typeface="+mj-lt"/>
+              </a:rPr>
+              <a:t>automatizare</a:t>
+            </a:r>
+            <a:r>
+              <a:rPr lang="en-US" sz="2800" dirty="0">
+                <a:latin typeface="+mj-lt"/>
+              </a:rPr>
+              <a:t>, </a:t>
+            </a:r>
+            <a:r>
+              <a:rPr lang="en-US" sz="2800" dirty="0" err="1">
+                <a:latin typeface="+mj-lt"/>
+              </a:rPr>
+              <a:t>având</a:t>
+            </a:r>
+            <a:r>
+              <a:rPr lang="en-US" sz="2800" dirty="0">
+                <a:latin typeface="+mj-lt"/>
+              </a:rPr>
+              <a:t> </a:t>
+            </a:r>
+            <a:r>
+              <a:rPr lang="en-US" sz="2800" dirty="0" err="1">
+                <a:latin typeface="+mj-lt"/>
+              </a:rPr>
+              <a:t>integrări</a:t>
+            </a:r>
+            <a:r>
+              <a:rPr lang="en-US" sz="2800" dirty="0">
+                <a:latin typeface="+mj-lt"/>
+              </a:rPr>
+              <a:t> </a:t>
+            </a:r>
+            <a:r>
+              <a:rPr lang="en-US" sz="2800" dirty="0" err="1">
+                <a:latin typeface="+mj-lt"/>
+              </a:rPr>
+              <a:t>foarte</a:t>
+            </a:r>
+            <a:r>
+              <a:rPr lang="en-US" sz="2800" dirty="0">
+                <a:latin typeface="+mj-lt"/>
+              </a:rPr>
+              <a:t> </a:t>
+            </a:r>
+            <a:r>
+              <a:rPr lang="en-US" sz="2800" dirty="0" err="1">
+                <a:latin typeface="+mj-lt"/>
+              </a:rPr>
+              <a:t>avansate</a:t>
+            </a:r>
+            <a:r>
+              <a:rPr lang="en-US" sz="2800" dirty="0">
+                <a:latin typeface="+mj-lt"/>
+              </a:rPr>
+              <a:t> </a:t>
+            </a:r>
+            <a:r>
+              <a:rPr lang="en-US" sz="2800" dirty="0" err="1">
+                <a:latin typeface="+mj-lt"/>
+              </a:rPr>
+              <a:t>precum</a:t>
+            </a:r>
+            <a:r>
+              <a:rPr lang="en-US" sz="2800" dirty="0">
+                <a:latin typeface="+mj-lt"/>
+              </a:rPr>
+              <a:t>:</a:t>
+            </a:r>
+            <a:r>
+              <a:rPr lang="ro-RO" sz="2800" dirty="0">
+                <a:latin typeface="+mj-lt"/>
+              </a:rPr>
+              <a:t> Selenium</a:t>
+            </a:r>
+            <a:r>
+              <a:rPr lang="en-US" sz="2800" dirty="0">
+                <a:latin typeface="+mj-lt"/>
+              </a:rPr>
+              <a:t>, behave, Robot Framework, </a:t>
+            </a:r>
+            <a:r>
+              <a:rPr lang="en-US" sz="2800" dirty="0" err="1">
+                <a:latin typeface="+mj-lt"/>
+              </a:rPr>
+              <a:t>guibot</a:t>
+            </a:r>
+            <a:r>
+              <a:rPr lang="en-US" sz="2800" dirty="0">
+                <a:latin typeface="+mj-lt"/>
+              </a:rPr>
+              <a:t>;</a:t>
+            </a:r>
+            <a:endParaRPr lang="ru-RU" sz="2800" dirty="0">
+              <a:latin typeface="+mj-lt"/>
+            </a:endParaRPr>
+          </a:p>
+          <a:p>
+            <a:pPr lvl="0">
+              <a:buNone/>
+            </a:pPr>
+            <a:r>
+              <a:rPr lang="ro-RO" sz="2800" dirty="0">
+                <a:latin typeface="+mj-lt"/>
+              </a:rPr>
+              <a:t>4. </a:t>
+            </a:r>
+            <a:r>
+              <a:rPr lang="en-US" sz="2800" dirty="0" err="1">
+                <a:latin typeface="+mj-lt"/>
+              </a:rPr>
+              <a:t>Datorită</a:t>
+            </a:r>
+            <a:r>
+              <a:rPr lang="en-US" sz="2800" dirty="0">
+                <a:latin typeface="+mj-lt"/>
+              </a:rPr>
+              <a:t> framework-</a:t>
+            </a:r>
+            <a:r>
+              <a:rPr lang="en-US" sz="2800" dirty="0" err="1">
+                <a:latin typeface="+mj-lt"/>
+              </a:rPr>
+              <a:t>urilor</a:t>
+            </a:r>
+            <a:r>
+              <a:rPr lang="en-US" sz="2800" dirty="0">
+                <a:latin typeface="+mj-lt"/>
+              </a:rPr>
+              <a:t> </a:t>
+            </a:r>
+            <a:r>
+              <a:rPr lang="en-US" sz="2800" dirty="0" err="1">
+                <a:latin typeface="+mj-lt"/>
+              </a:rPr>
+              <a:t>ce</a:t>
+            </a:r>
+            <a:r>
+              <a:rPr lang="en-US" sz="2800" dirty="0">
+                <a:latin typeface="+mj-lt"/>
+              </a:rPr>
+              <a:t> </a:t>
+            </a:r>
+            <a:r>
+              <a:rPr lang="en-US" sz="2800" dirty="0" err="1">
+                <a:latin typeface="+mj-lt"/>
+              </a:rPr>
+              <a:t>sunt</a:t>
+            </a:r>
+            <a:r>
+              <a:rPr lang="en-US" sz="2800" dirty="0">
+                <a:latin typeface="+mj-lt"/>
+              </a:rPr>
+              <a:t> integrate </a:t>
+            </a:r>
+            <a:r>
+              <a:rPr lang="en-US" sz="2800" dirty="0" err="1">
+                <a:latin typeface="+mj-lt"/>
+              </a:rPr>
+              <a:t>în</a:t>
+            </a:r>
+            <a:r>
+              <a:rPr lang="en-US" sz="2800" dirty="0">
+                <a:latin typeface="+mj-lt"/>
+              </a:rPr>
+              <a:t> </a:t>
+            </a:r>
+            <a:r>
+              <a:rPr lang="en-US" sz="2800" dirty="0" err="1">
+                <a:latin typeface="+mj-lt"/>
+              </a:rPr>
+              <a:t>cadrul</a:t>
+            </a:r>
+            <a:r>
+              <a:rPr lang="en-US" sz="2800" dirty="0">
+                <a:latin typeface="+mj-lt"/>
+              </a:rPr>
+              <a:t> Python, </a:t>
+            </a:r>
+            <a:r>
+              <a:rPr lang="en-US" sz="2800" dirty="0" err="1">
+                <a:latin typeface="+mj-lt"/>
+              </a:rPr>
+              <a:t>precum</a:t>
+            </a:r>
+            <a:r>
+              <a:rPr lang="en-US" sz="2800" dirty="0">
+                <a:latin typeface="+mj-lt"/>
+              </a:rPr>
+              <a:t> </a:t>
+            </a:r>
+            <a:r>
+              <a:rPr lang="en-US" sz="2800" dirty="0" err="1">
+                <a:latin typeface="+mj-lt"/>
+              </a:rPr>
+              <a:t>PyTest</a:t>
+            </a:r>
+            <a:r>
+              <a:rPr lang="en-US" sz="2800" dirty="0">
+                <a:latin typeface="+mj-lt"/>
+              </a:rPr>
+              <a:t>, Selenium, Faker, </a:t>
+            </a:r>
+            <a:r>
+              <a:rPr lang="en-US" sz="2800" dirty="0" err="1">
+                <a:latin typeface="+mj-lt"/>
+              </a:rPr>
+              <a:t>PyUnit</a:t>
+            </a:r>
+            <a:r>
+              <a:rPr lang="en-US" sz="2800" dirty="0">
+                <a:latin typeface="+mj-lt"/>
+              </a:rPr>
+              <a:t>, </a:t>
+            </a:r>
+            <a:r>
+              <a:rPr lang="en-US" sz="2800" dirty="0" err="1">
+                <a:latin typeface="+mj-lt"/>
+              </a:rPr>
+              <a:t>Unitest</a:t>
+            </a:r>
+            <a:r>
+              <a:rPr lang="en-US" sz="2800" dirty="0">
+                <a:latin typeface="+mj-lt"/>
+              </a:rPr>
+              <a:t> – </a:t>
+            </a:r>
+            <a:r>
+              <a:rPr lang="en-US" sz="2800" dirty="0" err="1">
+                <a:latin typeface="+mj-lt"/>
+              </a:rPr>
+              <a:t>testarea</a:t>
+            </a:r>
+            <a:r>
+              <a:rPr lang="en-US" sz="2800" dirty="0">
+                <a:latin typeface="+mj-lt"/>
+              </a:rPr>
+              <a:t> </a:t>
+            </a:r>
+            <a:r>
+              <a:rPr lang="en-US" sz="2800" dirty="0" err="1">
+                <a:latin typeface="+mj-lt"/>
+              </a:rPr>
+              <a:t>devine</a:t>
+            </a:r>
+            <a:r>
+              <a:rPr lang="en-US" sz="2800" dirty="0">
+                <a:latin typeface="+mj-lt"/>
+              </a:rPr>
+              <a:t> </a:t>
+            </a:r>
+            <a:r>
+              <a:rPr lang="en-US" sz="2800" dirty="0" err="1">
+                <a:latin typeface="+mj-lt"/>
+              </a:rPr>
+              <a:t>ușor</a:t>
+            </a:r>
+            <a:r>
+              <a:rPr lang="en-US" sz="2800" dirty="0">
+                <a:latin typeface="+mj-lt"/>
+              </a:rPr>
+              <a:t> de </a:t>
+            </a:r>
+            <a:r>
+              <a:rPr lang="en-US" sz="2800" dirty="0" err="1">
+                <a:latin typeface="+mj-lt"/>
+              </a:rPr>
+              <a:t>realizat</a:t>
+            </a:r>
+            <a:r>
+              <a:rPr lang="en-US" sz="2800" dirty="0">
+                <a:latin typeface="+mj-lt"/>
+              </a:rPr>
+              <a:t> </a:t>
+            </a:r>
+            <a:r>
+              <a:rPr lang="en-US" sz="2800" dirty="0" err="1">
+                <a:latin typeface="+mj-lt"/>
+              </a:rPr>
+              <a:t>pentru</a:t>
+            </a:r>
+            <a:r>
+              <a:rPr lang="en-US" sz="2800" dirty="0">
+                <a:latin typeface="+mj-lt"/>
+              </a:rPr>
+              <a:t> </a:t>
+            </a:r>
+            <a:r>
+              <a:rPr lang="en-US" sz="2800" dirty="0" err="1">
+                <a:latin typeface="+mj-lt"/>
+              </a:rPr>
+              <a:t>orice</a:t>
+            </a:r>
+            <a:r>
+              <a:rPr lang="en-US" sz="2800" dirty="0">
+                <a:latin typeface="+mj-lt"/>
+              </a:rPr>
+              <a:t> </a:t>
+            </a:r>
+            <a:r>
+              <a:rPr lang="en-US" sz="2800" dirty="0" err="1">
+                <a:latin typeface="+mj-lt"/>
+              </a:rPr>
+              <a:t>membru</a:t>
+            </a:r>
+            <a:r>
+              <a:rPr lang="en-US" sz="2800" dirty="0">
+                <a:latin typeface="+mj-lt"/>
+              </a:rPr>
+              <a:t> al </a:t>
+            </a:r>
+            <a:r>
+              <a:rPr lang="en-US" sz="2800" dirty="0" err="1">
+                <a:latin typeface="+mj-lt"/>
+              </a:rPr>
+              <a:t>unei</a:t>
+            </a:r>
+            <a:r>
+              <a:rPr lang="en-US" sz="2800" dirty="0">
+                <a:latin typeface="+mj-lt"/>
+              </a:rPr>
+              <a:t> </a:t>
+            </a:r>
+            <a:r>
+              <a:rPr lang="en-US" sz="2800" dirty="0" err="1">
+                <a:latin typeface="+mj-lt"/>
+              </a:rPr>
+              <a:t>echipe</a:t>
+            </a:r>
+            <a:r>
+              <a:rPr lang="en-US" sz="2800" dirty="0">
+                <a:latin typeface="+mj-lt"/>
+              </a:rPr>
+              <a:t> – de la </a:t>
+            </a:r>
+            <a:r>
+              <a:rPr lang="en-US" sz="2800" dirty="0" err="1">
+                <a:latin typeface="+mj-lt"/>
+              </a:rPr>
+              <a:t>developeri</a:t>
+            </a:r>
+            <a:r>
+              <a:rPr lang="en-US" sz="2800" dirty="0">
+                <a:latin typeface="+mj-lt"/>
+              </a:rPr>
+              <a:t> la product owners;</a:t>
+            </a:r>
+            <a:endParaRPr lang="ru-RU" sz="2800" dirty="0">
+              <a:latin typeface="+mj-lt"/>
+            </a:endParaRPr>
+          </a:p>
+        </p:txBody>
+      </p:sp>
+      <p:sp>
+        <p:nvSpPr>
+          <p:cNvPr id="5" name="Arrow: Left 4">
+            <a:hlinkClick r:id="rId2" action="ppaction://hlinksldjump"/>
+            <a:extLst>
+              <a:ext uri="{FF2B5EF4-FFF2-40B4-BE49-F238E27FC236}">
+                <a16:creationId xmlns:a16="http://schemas.microsoft.com/office/drawing/2014/main" id="{EFAD2E61-4A85-46B6-873E-708548AE9388}"/>
+              </a:ext>
+            </a:extLst>
+          </p:cNvPr>
+          <p:cNvSpPr/>
+          <p:nvPr/>
+        </p:nvSpPr>
+        <p:spPr>
+          <a:xfrm>
+            <a:off x="240157" y="6394320"/>
+            <a:ext cx="569843" cy="318051"/>
+          </a:xfrm>
+          <a:prstGeom prst="leftArrow">
+            <a:avLst/>
+          </a:prstGeom>
+        </p:spPr>
+        <p:style>
+          <a:lnRef idx="2">
+            <a:schemeClr val="dk1">
+              <a:shade val="50000"/>
+            </a:schemeClr>
+          </a:lnRef>
+          <a:fillRef idx="1">
+            <a:schemeClr val="dk1"/>
+          </a:fillRef>
+          <a:effectRef idx="0">
+            <a:schemeClr val="dk1"/>
+          </a:effectRef>
+          <a:fontRef idx="minor">
+            <a:schemeClr val="lt1"/>
+          </a:fontRef>
+        </p:style>
+        <p:txBody>
+          <a:bodyPr rtlCol="0" anchor="ctr"/>
+          <a:lstStyle/>
+          <a:p>
+            <a:pPr algn="ctr"/>
+            <a:endParaRPr lang="ru-RU"/>
+          </a:p>
+        </p:txBody>
+      </p:sp>
+    </p:spTree>
+    <p:extLst>
+      <p:ext uri="{BB962C8B-B14F-4D97-AF65-F5344CB8AC3E}">
+        <p14:creationId xmlns:p14="http://schemas.microsoft.com/office/powerpoint/2010/main" val="3992970449"/>
+      </p:ext>
+    </p:extLst>
+  </p:cSld>
+  <p:clrMapOvr>
+    <a:masterClrMapping/>
+  </p:clrMapOvr>
+</p:sld>
+</file>
+
+<file path=ppt/slides/slide16.xml><?xml version="1.0" encoding="utf-8"?>
+<p:sld xmlns:a="http://schemas.openxmlformats.org/drawingml/2006/main" xmlns:r="http://schemas.openxmlformats.org/officeDocument/2006/relationships" xmlns:p="http://schemas.openxmlformats.org/presentationml/2006/main">
+  <p:cSld>
+    <p:spTree>
+      <p:nvGrpSpPr>
+        <p:cNvPr id="1" name=""/>
+        <p:cNvGrpSpPr/>
+        <p:nvPr/>
+      </p:nvGrpSpPr>
+      <p:grpSpPr>
+        <a:xfrm>
+          <a:off x="0" y="0"/>
+          <a:ext cx="0" cy="0"/>
+          <a:chOff x="0" y="0"/>
+          <a:chExt cx="0" cy="0"/>
+        </a:xfrm>
+      </p:grpSpPr>
+      <p:sp>
+        <p:nvSpPr>
+          <p:cNvPr id="2" name="Title 1">
+            <a:extLst>
+              <a:ext uri="{FF2B5EF4-FFF2-40B4-BE49-F238E27FC236}">
+                <a16:creationId xmlns:a16="http://schemas.microsoft.com/office/drawing/2014/main" id="{BCFF3982-04DF-4918-B9E3-AF23CCD55759}"/>
+              </a:ext>
+            </a:extLst>
+          </p:cNvPr>
+          <p:cNvSpPr>
+            <a:spLocks noGrp="1"/>
+          </p:cNvSpPr>
+          <p:nvPr>
+            <p:ph type="title"/>
+          </p:nvPr>
+        </p:nvSpPr>
+        <p:spPr/>
+        <p:txBody>
+          <a:bodyPr/>
+          <a:lstStyle/>
+          <a:p>
+            <a:r>
+              <a:rPr lang="ro-RO" dirty="0"/>
+              <a:t>Concluzii</a:t>
+            </a:r>
+            <a:endParaRPr lang="ru-RU" dirty="0"/>
+          </a:p>
+        </p:txBody>
+      </p:sp>
+      <p:sp>
+        <p:nvSpPr>
+          <p:cNvPr id="3" name="Content Placeholder 2">
+            <a:extLst>
+              <a:ext uri="{FF2B5EF4-FFF2-40B4-BE49-F238E27FC236}">
+                <a16:creationId xmlns:a16="http://schemas.microsoft.com/office/drawing/2014/main" id="{1D7708A4-6F8F-4AC0-A325-0AB4169CB14F}"/>
+              </a:ext>
+            </a:extLst>
+          </p:cNvPr>
+          <p:cNvSpPr>
+            <a:spLocks noGrp="1"/>
+          </p:cNvSpPr>
+          <p:nvPr>
+            <p:ph idx="1"/>
+          </p:nvPr>
+        </p:nvSpPr>
+        <p:spPr>
+          <a:xfrm>
+            <a:off x="644067" y="2220686"/>
+            <a:ext cx="5822048" cy="3995057"/>
           </a:xfrm>
         </p:spPr>
         <p:txBody>
@@ -19729,29 +23129,18 @@
           </a:bodyPr>
           <a:lstStyle/>
           <a:p>
-            <a:pPr marL="0" indent="0">
+            <a:pPr lvl="0">
               <a:buNone/>
             </a:pPr>
             <a:r>
               <a:rPr lang="ro-RO" sz="2800" dirty="0">
-                <a:latin typeface="Times New Roman" panose="02020603050405020304" pitchFamily="18" charset="0"/>
-                <a:cs typeface="Times New Roman" panose="02020603050405020304" pitchFamily="18" charset="0"/>
+                <a:latin typeface="+mj-lt"/>
               </a:rPr>
-              <a:t>	Limbajul are o sintaxă simplă, fiind asemănătoare cu pseudocodul. </a:t>
+              <a:t>5. Învățarea Python, va deschide cu siguranță multe uși, el este aici pentru a rămâne, a transforma și a îmbunătăți lumea noastră actuală și va continua să o facă mulți ani.</a:t>
             </a:r>
-          </a:p>
-          <a:p>
-            <a:pPr marL="0" indent="0">
-              <a:buNone/>
-            </a:pPr>
-            <a:r>
-              <a:rPr lang="ro-RO" sz="2800" dirty="0">
-                <a:latin typeface="Times New Roman" panose="02020603050405020304" pitchFamily="18" charset="0"/>
-                <a:cs typeface="Times New Roman" panose="02020603050405020304" pitchFamily="18" charset="0"/>
-              </a:rPr>
-              <a:t>	Învățarea Python, va deschide cu siguranță multe uși, el este aici pentru a rămâne, a transforma și a îmbunătăți lumea noastră și va continua să o facă mulți ani.</a:t>
-            </a:r>
-            <a:endParaRPr lang="ru-RU" sz="2800" dirty="0"/>
+            <a:endParaRPr lang="ru-RU" sz="3600" dirty="0">
+              <a:latin typeface="+mj-lt"/>
+            </a:endParaRPr>
           </a:p>
         </p:txBody>
       </p:sp>
@@ -19784,8 +23173,8 @@
         </p:blipFill>
         <p:spPr bwMode="auto">
           <a:xfrm>
-            <a:off x="6465057" y="2602766"/>
-            <a:ext cx="4916942" cy="3532286"/>
+            <a:off x="7032171" y="2596339"/>
+            <a:ext cx="4484915" cy="3221922"/>
           </a:xfrm>
           <a:prstGeom prst="rect">
             <a:avLst/>
@@ -19862,7 +23251,7 @@
 </p:sld>
 </file>
 
-<file path=ppt/slides/slide15.xml><?xml version="1.0" encoding="utf-8"?>
+<file path=ppt/slides/slide17.xml><?xml version="1.0" encoding="utf-8"?>
 <p:sld xmlns:a="http://schemas.openxmlformats.org/drawingml/2006/main" xmlns:r="http://schemas.openxmlformats.org/officeDocument/2006/relationships" xmlns:p="http://schemas.openxmlformats.org/presentationml/2006/main">
   <p:cSld>
     <p:spTree>
@@ -20203,7 +23592,7 @@
 </p:sld>
 </file>
 
-<file path=ppt/slides/slide16.xml><?xml version="1.0" encoding="utf-8"?>
+<file path=ppt/slides/slide18.xml><?xml version="1.0" encoding="utf-8"?>
 <p:sld xmlns:a="http://schemas.openxmlformats.org/drawingml/2006/main" xmlns:r="http://schemas.openxmlformats.org/officeDocument/2006/relationships" xmlns:p="http://schemas.openxmlformats.org/presentationml/2006/main">
   <p:cSld>
     <p:bg>
@@ -22230,8 +25619,8 @@
           </p:nvPr>
         </p:nvGraphicFramePr>
         <p:xfrm>
-          <a:off x="810000" y="2558448"/>
-          <a:ext cx="5285999" cy="3315045"/>
+          <a:off x="999571" y="2658903"/>
+          <a:ext cx="4569402" cy="2928657"/>
         </p:xfrm>
         <a:graphic>
           <a:graphicData uri="http://schemas.openxmlformats.org/drawingml/2006/diagram">
@@ -22239,44 +25628,6 @@
           </a:graphicData>
         </a:graphic>
       </p:graphicFrame>
-      <p:sp>
-        <p:nvSpPr>
-          <p:cNvPr id="7" name="Rectangle 6">
-            <a:extLst>
-              <a:ext uri="{FF2B5EF4-FFF2-40B4-BE49-F238E27FC236}">
-                <a16:creationId xmlns:a16="http://schemas.microsoft.com/office/drawing/2014/main" id="{DCA86FCA-71B6-46A0-AA44-AD6FD5D6F4D9}"/>
-              </a:ext>
-            </a:extLst>
-          </p:cNvPr>
-          <p:cNvSpPr/>
-          <p:nvPr/>
-        </p:nvSpPr>
-        <p:spPr>
-          <a:xfrm>
-            <a:off x="6427304" y="2457173"/>
-            <a:ext cx="5409370" cy="3416320"/>
-          </a:xfrm>
-          <a:prstGeom prst="rect">
-            <a:avLst/>
-          </a:prstGeom>
-        </p:spPr>
-        <p:txBody>
-          <a:bodyPr wrap="square">
-            <a:spAutoFit/>
-          </a:bodyPr>
-          <a:lstStyle/>
-          <a:p>
-            <a:r>
-              <a:rPr lang="ro-RO" sz="3600" dirty="0">
-                <a:latin typeface="Times New Roman" panose="02020603050405020304" pitchFamily="18" charset="0"/>
-                <a:ea typeface="Calibri" panose="020F0502020204030204" pitchFamily="34" charset="0"/>
-              </a:rPr>
-              <a:t>Python este un limbaj dinamic și nu lucrează direct cu tipuri. Ele există, dar programatorul nu trebuie să specifice acest lucru.</a:t>
-            </a:r>
-            <a:endParaRPr lang="ru-RU" sz="3600" dirty="0"/>
-          </a:p>
-        </p:txBody>
-      </p:sp>
       <p:sp>
         <p:nvSpPr>
           <p:cNvPr id="8" name="Arrow: Left 7">
@@ -22324,6 +25675,22 @@
           </a:p>
         </p:txBody>
       </p:sp>
+      <p:graphicFrame>
+        <p:nvGraphicFramePr>
+          <p:cNvPr id="9" name="Схема 8"/>
+          <p:cNvGraphicFramePr/>
+          <p:nvPr/>
+        </p:nvGraphicFramePr>
+        <p:xfrm>
+          <a:off x="6329787" y="2658903"/>
+          <a:ext cx="5052211" cy="2783691"/>
+        </p:xfrm>
+        <a:graphic>
+          <a:graphicData uri="http://schemas.openxmlformats.org/drawingml/2006/diagram">
+            <dgm:relIds xmlns:dgm="http://schemas.openxmlformats.org/drawingml/2006/diagram" xmlns:r="http://schemas.openxmlformats.org/officeDocument/2006/relationships" r:dm="rId8" r:lo="rId9" r:qs="rId10" r:cs="rId11"/>
+          </a:graphicData>
+        </a:graphic>
+      </p:graphicFrame>
     </p:spTree>
     <p:extLst>
       <p:ext uri="{BB962C8B-B14F-4D97-AF65-F5344CB8AC3E}">
@@ -22517,7 +25884,7 @@
     </a:clrScheme>
     <a:fontScheme name="Times New Roman-Arial">
       <a:majorFont>
-        <a:latin typeface="Times New Roman" panose="02020603050405020304"/>
+        <a:latin typeface="Times New Roman"/>
         <a:ea typeface=""/>
         <a:cs typeface=""/>
         <a:font script="Jpan" typeface="ＭＳ Ｐ明朝"/>
@@ -22552,7 +25919,7 @@
         <a:font script="Geor" typeface="Sylfaen"/>
       </a:majorFont>
       <a:minorFont>
-        <a:latin typeface="Arial" panose="020B0604020202020204"/>
+        <a:latin typeface="Arial"/>
         <a:ea typeface=""/>
         <a:cs typeface=""/>
         <a:font script="Jpan" typeface="ＭＳ Ｐゴシック"/>

--- a/Introducere în limbajul de programare Python.pptx
+++ b/Introducere în limbajul de programare Python.pptx
@@ -6035,8 +6035,8 @@
         </a:p>
       </dsp:txBody>
       <dsp:txXfrm>
-        <a:off x="0" y="50608"/>
-        <a:ext cx="4569402" cy="514800"/>
+        <a:off x="25130" y="75738"/>
+        <a:ext cx="4519142" cy="464540"/>
       </dsp:txXfrm>
     </dsp:sp>
     <dsp:sp modelId="{E798A1D0-BBC0-42FD-9DA7-D692D5EFF728}">
@@ -6113,8 +6113,8 @@
         </a:p>
       </dsp:txBody>
       <dsp:txXfrm>
-        <a:off x="0" y="628768"/>
-        <a:ext cx="4569402" cy="514800"/>
+        <a:off x="25130" y="653898"/>
+        <a:ext cx="4519142" cy="464540"/>
       </dsp:txXfrm>
     </dsp:sp>
     <dsp:sp modelId="{56482E4D-7174-4258-B1D6-AB6EC4B0B338}">
@@ -6191,8 +6191,8 @@
         </a:p>
       </dsp:txBody>
       <dsp:txXfrm>
-        <a:off x="0" y="1206928"/>
-        <a:ext cx="4569402" cy="514800"/>
+        <a:off x="25130" y="1232058"/>
+        <a:ext cx="4519142" cy="464540"/>
       </dsp:txXfrm>
     </dsp:sp>
     <dsp:sp modelId="{441D8B3E-21DC-4549-A19D-AC0C11D6292F}">
@@ -6269,8 +6269,8 @@
         </a:p>
       </dsp:txBody>
       <dsp:txXfrm>
-        <a:off x="0" y="1785088"/>
-        <a:ext cx="4569402" cy="514800"/>
+        <a:off x="25130" y="1810218"/>
+        <a:ext cx="4519142" cy="464540"/>
       </dsp:txXfrm>
     </dsp:sp>
     <dsp:sp modelId="{8ABDE74B-967D-4EBB-B0A3-D0278A1822EB}">
@@ -6347,8 +6347,8 @@
         </a:p>
       </dsp:txBody>
       <dsp:txXfrm>
-        <a:off x="0" y="2363248"/>
-        <a:ext cx="4569402" cy="514800"/>
+        <a:off x="25130" y="2388378"/>
+        <a:ext cx="4519142" cy="464540"/>
       </dsp:txXfrm>
     </dsp:sp>
   </dsp:spTree>
@@ -6807,8 +6807,8 @@
         </a:p>
       </dsp:txBody>
       <dsp:txXfrm>
-        <a:off x="352238" y="36926"/>
-        <a:ext cx="4931341" cy="560880"/>
+        <a:off x="379618" y="64306"/>
+        <a:ext cx="4876581" cy="506120"/>
       </dsp:txXfrm>
     </dsp:sp>
     <dsp:sp modelId="{934631A6-5639-4C23-A701-A4994F1B84F5}">
@@ -6933,8 +6933,8 @@
         </a:p>
       </dsp:txBody>
       <dsp:txXfrm>
-        <a:off x="352238" y="898766"/>
-        <a:ext cx="4931341" cy="560880"/>
+        <a:off x="379618" y="926146"/>
+        <a:ext cx="4876581" cy="506120"/>
       </dsp:txXfrm>
     </dsp:sp>
     <dsp:sp modelId="{3656033C-836C-4929-8135-F2229AE595B7}">
@@ -7059,8 +7059,8 @@
         </a:p>
       </dsp:txBody>
       <dsp:txXfrm>
-        <a:off x="352238" y="1760606"/>
-        <a:ext cx="4931341" cy="560880"/>
+        <a:off x="379618" y="1787986"/>
+        <a:ext cx="4876581" cy="506120"/>
       </dsp:txXfrm>
     </dsp:sp>
     <dsp:sp modelId="{08C09646-C84A-43BE-8931-3A1DB1A00E00}">
@@ -7185,8 +7185,8 @@
         </a:p>
       </dsp:txBody>
       <dsp:txXfrm>
-        <a:off x="352238" y="2622446"/>
-        <a:ext cx="4931341" cy="560880"/>
+        <a:off x="379618" y="2649826"/>
+        <a:ext cx="4876581" cy="506120"/>
       </dsp:txXfrm>
     </dsp:sp>
     <dsp:sp modelId="{8DA63E09-88B9-4095-B617-F21766D136BA}">
@@ -7311,8 +7311,8 @@
         </a:p>
       </dsp:txBody>
       <dsp:txXfrm>
-        <a:off x="352238" y="3484286"/>
-        <a:ext cx="4931341" cy="560880"/>
+        <a:off x="379618" y="3511666"/>
+        <a:ext cx="4876581" cy="506120"/>
       </dsp:txXfrm>
     </dsp:sp>
   </dsp:spTree>
@@ -7712,8 +7712,8 @@
         </a:p>
       </dsp:txBody>
       <dsp:txXfrm>
-        <a:off x="1805322" y="172140"/>
-        <a:ext cx="1614385" cy="1025134"/>
+        <a:off x="1835347" y="202165"/>
+        <a:ext cx="1554335" cy="965084"/>
       </dsp:txXfrm>
     </dsp:sp>
     <dsp:sp modelId="{58A52020-F081-46C3-8408-681BED646845}">
@@ -7857,8 +7857,8 @@
         </a:p>
       </dsp:txBody>
       <dsp:txXfrm>
-        <a:off x="818753" y="1666792"/>
-        <a:ext cx="1614385" cy="1025134"/>
+        <a:off x="848778" y="1696817"/>
+        <a:ext cx="1554335" cy="965084"/>
       </dsp:txXfrm>
     </dsp:sp>
     <dsp:sp modelId="{5A89C24A-B2DB-472E-AAB9-814BD91C02A4}">
@@ -8002,8 +8002,8 @@
         </a:p>
       </dsp:txBody>
       <dsp:txXfrm>
-        <a:off x="2791891" y="1666792"/>
-        <a:ext cx="1614385" cy="1025134"/>
+        <a:off x="2821916" y="1696817"/>
+        <a:ext cx="1554335" cy="965084"/>
       </dsp:txXfrm>
     </dsp:sp>
     <dsp:sp modelId="{E7605B26-14A8-4DE1-80A1-9A5244C948C1}">
@@ -8147,8 +8147,8 @@
         </a:p>
       </dsp:txBody>
       <dsp:txXfrm>
-        <a:off x="1805322" y="3161444"/>
-        <a:ext cx="1614385" cy="1025134"/>
+        <a:off x="1835347" y="3191469"/>
+        <a:ext cx="1554335" cy="965084"/>
       </dsp:txXfrm>
     </dsp:sp>
     <dsp:sp modelId="{7C37BB87-30AA-4061-986A-5B74441EBBD8}">
@@ -8292,8 +8292,8 @@
         </a:p>
       </dsp:txBody>
       <dsp:txXfrm>
-        <a:off x="3778460" y="3161444"/>
-        <a:ext cx="1614385" cy="1025134"/>
+        <a:off x="3808485" y="3191469"/>
+        <a:ext cx="1554335" cy="965084"/>
       </dsp:txXfrm>
     </dsp:sp>
   </dsp:spTree>
@@ -8434,8 +8434,8 @@
         </a:p>
       </dsp:txBody>
       <dsp:txXfrm>
-        <a:off x="282794" y="38652"/>
-        <a:ext cx="3959116" cy="383760"/>
+        <a:off x="301528" y="57386"/>
+        <a:ext cx="3921648" cy="346292"/>
       </dsp:txXfrm>
     </dsp:sp>
     <dsp:sp modelId="{BF750CF5-B02D-4C89-9755-E091F6FB2FA9}">
@@ -8564,8 +8564,8 @@
         </a:p>
       </dsp:txBody>
       <dsp:txXfrm>
-        <a:off x="282794" y="628332"/>
-        <a:ext cx="3959116" cy="383760"/>
+        <a:off x="301528" y="647066"/>
+        <a:ext cx="3921648" cy="346292"/>
       </dsp:txXfrm>
     </dsp:sp>
     <dsp:sp modelId="{F42671B2-F4AF-4094-A3BC-E35156A7781F}">
@@ -8694,8 +8694,8 @@
         </a:p>
       </dsp:txBody>
       <dsp:txXfrm>
-        <a:off x="282794" y="1218012"/>
-        <a:ext cx="3959116" cy="383760"/>
+        <a:off x="301528" y="1236746"/>
+        <a:ext cx="3921648" cy="346292"/>
       </dsp:txXfrm>
     </dsp:sp>
     <dsp:sp modelId="{C53FB2BC-54B8-4EEF-926F-82AB89D64EB7}">
@@ -8824,8 +8824,8 @@
         </a:p>
       </dsp:txBody>
       <dsp:txXfrm>
-        <a:off x="282794" y="1807692"/>
-        <a:ext cx="3959116" cy="383760"/>
+        <a:off x="301528" y="1826426"/>
+        <a:ext cx="3921648" cy="346292"/>
       </dsp:txXfrm>
     </dsp:sp>
     <dsp:sp modelId="{155FC359-F02A-418C-AAB5-044D58997A89}">
@@ -8954,8 +8954,8 @@
         </a:p>
       </dsp:txBody>
       <dsp:txXfrm>
-        <a:off x="282794" y="2397372"/>
-        <a:ext cx="3959116" cy="383760"/>
+        <a:off x="301528" y="2416106"/>
+        <a:ext cx="3921648" cy="346292"/>
       </dsp:txXfrm>
     </dsp:sp>
     <dsp:sp modelId="{DC624300-58AB-4239-BEA9-62B2EF3D4EFE}">
@@ -9084,8 +9084,8 @@
         </a:p>
       </dsp:txBody>
       <dsp:txXfrm>
-        <a:off x="282794" y="2987052"/>
-        <a:ext cx="3959116" cy="383760"/>
+        <a:off x="301528" y="3005786"/>
+        <a:ext cx="3921648" cy="346292"/>
       </dsp:txXfrm>
     </dsp:sp>
     <dsp:sp modelId="{FB670159-4749-4906-AFCC-1072C73D4559}">
@@ -9214,8 +9214,8 @@
         </a:p>
       </dsp:txBody>
       <dsp:txXfrm>
-        <a:off x="282794" y="3576732"/>
-        <a:ext cx="3959116" cy="383760"/>
+        <a:off x="301528" y="3595466"/>
+        <a:ext cx="3921648" cy="346292"/>
       </dsp:txXfrm>
     </dsp:sp>
     <dsp:sp modelId="{82F38D02-25C3-483C-9FF0-EF5D3B16A94B}">
@@ -9344,8 +9344,8 @@
         </a:p>
       </dsp:txBody>
       <dsp:txXfrm>
-        <a:off x="282794" y="4166412"/>
-        <a:ext cx="3959116" cy="383760"/>
+        <a:off x="301528" y="4185146"/>
+        <a:ext cx="3921648" cy="346292"/>
       </dsp:txXfrm>
     </dsp:sp>
   </dsp:spTree>
@@ -16079,7 +16079,7 @@
           <a:effectLst/>
           <a:extLst>
             <a:ext uri="{91240B29-F687-4f45-9708-019B960494DF}">
-              <a14:hiddenLine xmlns:a14="http://schemas.microsoft.com/office/drawing/2010/main" xmlns="" w="9525">
+              <a14:hiddenLine xmlns="" xmlns:a14="http://schemas.microsoft.com/office/drawing/2010/main" w="9525">
                 <a:solidFill>
                   <a:srgbClr val="000000"/>
                 </a:solidFill>
@@ -16272,7 +16272,7 @@
             <a:fld id="{08B9EBBA-996F-894A-B54A-D6246ED52CEA}" type="datetimeFigureOut">
               <a:rPr lang="en-US" smtClean="0"/>
               <a:pPr/>
-              <a:t>5/14/2022</a:t>
+              <a:t>5/16/2022</a:t>
             </a:fld>
             <a:endParaRPr lang="en-US" dirty="0"/>
           </a:p>
@@ -16592,7 +16592,7 @@
             <a:fld id="{18C79C5D-2A6F-F04D-97DA-BEF2467B64E4}" type="datetimeFigureOut">
               <a:rPr lang="en-US" smtClean="0"/>
               <a:pPr/>
-              <a:t>5/14/2022</a:t>
+              <a:t>5/16/2022</a:t>
             </a:fld>
             <a:endParaRPr lang="en-US" dirty="0"/>
           </a:p>
@@ -17082,7 +17082,7 @@
             <a:fld id="{8DFA1846-DA80-1C48-A609-854EA85C59AD}" type="datetimeFigureOut">
               <a:rPr lang="en-US" smtClean="0"/>
               <a:pPr/>
-              <a:t>5/14/2022</a:t>
+              <a:t>5/16/2022</a:t>
             </a:fld>
             <a:endParaRPr lang="en-US" dirty="0"/>
           </a:p>
@@ -17453,7 +17453,7 @@
             <a:fld id="{FBF54567-0DE4-3F47-BF90-CB84690072F9}" type="datetimeFigureOut">
               <a:rPr lang="en-US" smtClean="0"/>
               <a:pPr/>
-              <a:t>5/14/2022</a:t>
+              <a:t>5/16/2022</a:t>
             </a:fld>
             <a:endParaRPr lang="en-US" dirty="0"/>
           </a:p>
@@ -17609,7 +17609,7 @@
           <a:ln/>
           <a:extLst>
             <a:ext uri="{91240B29-F687-4f45-9708-019B960494DF}">
-              <a14:hiddenLine xmlns:a14="http://schemas.microsoft.com/office/drawing/2010/main" xmlns="" w="9525">
+              <a14:hiddenLine xmlns="" xmlns:a14="http://schemas.microsoft.com/office/drawing/2010/main" w="9525">
                 <a:solidFill>
                   <a:srgbClr val="000000"/>
                 </a:solidFill>
@@ -17728,7 +17728,7 @@
             <a:fld id="{C6C52C72-DE31-F449-A4ED-4C594FD91407}" type="datetimeFigureOut">
               <a:rPr lang="en-US" smtClean="0"/>
               <a:pPr/>
-              <a:t>5/14/2022</a:t>
+              <a:t>5/16/2022</a:t>
             </a:fld>
             <a:endParaRPr lang="en-US" dirty="0"/>
           </a:p>
@@ -17886,7 +17886,7 @@
           <a:ln/>
           <a:extLst>
             <a:ext uri="{91240B29-F687-4f45-9708-019B960494DF}">
-              <a14:hiddenLine xmlns:a14="http://schemas.microsoft.com/office/drawing/2010/main" xmlns="" w="9525">
+              <a14:hiddenLine xmlns="" xmlns:a14="http://schemas.microsoft.com/office/drawing/2010/main" w="9525">
                 <a:solidFill>
                   <a:srgbClr val="000000"/>
                 </a:solidFill>
@@ -18015,7 +18015,7 @@
             <a:fld id="{ED62726E-379B-B349-9EED-81ED093FA806}" type="datetimeFigureOut">
               <a:rPr lang="en-US" smtClean="0"/>
               <a:pPr/>
-              <a:t>5/14/2022</a:t>
+              <a:t>5/16/2022</a:t>
             </a:fld>
             <a:endParaRPr lang="en-US" dirty="0"/>
           </a:p>
@@ -18171,7 +18171,7 @@
           <a:ln/>
           <a:extLst>
             <a:ext uri="{91240B29-F687-4f45-9708-019B960494DF}">
-              <a14:hiddenLine xmlns:a14="http://schemas.microsoft.com/office/drawing/2010/main" xmlns="" w="9525">
+              <a14:hiddenLine xmlns="" xmlns:a14="http://schemas.microsoft.com/office/drawing/2010/main" w="9525">
                 <a:solidFill>
                   <a:srgbClr val="000000"/>
                 </a:solidFill>
@@ -18300,7 +18300,7 @@
             <a:fld id="{9B3A1323-8D79-1946-B0D7-40001CF92E9D}" type="datetimeFigureOut">
               <a:rPr lang="en-US" smtClean="0"/>
               <a:pPr/>
-              <a:t>5/14/2022</a:t>
+              <a:t>5/16/2022</a:t>
             </a:fld>
             <a:endParaRPr lang="en-US" dirty="0"/>
           </a:p>
@@ -18645,7 +18645,7 @@
             <a:fld id="{8DFA1846-DA80-1C48-A609-854EA85C59AD}" type="datetimeFigureOut">
               <a:rPr lang="en-US" smtClean="0"/>
               <a:pPr/>
-              <a:t>5/14/2022</a:t>
+              <a:t>5/16/2022</a:t>
             </a:fld>
             <a:endParaRPr lang="en-US" dirty="0"/>
           </a:p>
@@ -18801,7 +18801,7 @@
           <a:ln/>
           <a:extLst>
             <a:ext uri="{91240B29-F687-4f45-9708-019B960494DF}">
-              <a14:hiddenLine xmlns:a14="http://schemas.microsoft.com/office/drawing/2010/main" xmlns="" w="9525">
+              <a14:hiddenLine xmlns="" xmlns:a14="http://schemas.microsoft.com/office/drawing/2010/main" w="9525">
                 <a:solidFill>
                   <a:srgbClr val="000000"/>
                 </a:solidFill>
@@ -18986,7 +18986,7 @@
             <a:fld id="{57302355-E14B-8545-A8F8-0FE83CC9D524}" type="datetimeFigureOut">
               <a:rPr lang="en-US" smtClean="0"/>
               <a:pPr/>
-              <a:t>5/14/2022</a:t>
+              <a:t>5/16/2022</a:t>
             </a:fld>
             <a:endParaRPr lang="en-US" dirty="0"/>
           </a:p>
@@ -19142,7 +19142,7 @@
           <a:ln/>
           <a:extLst>
             <a:ext uri="{91240B29-F687-4f45-9708-019B960494DF}">
-              <a14:hiddenLine xmlns:a14="http://schemas.microsoft.com/office/drawing/2010/main" xmlns="" w="9525">
+              <a14:hiddenLine xmlns="" xmlns:a14="http://schemas.microsoft.com/office/drawing/2010/main" w="9525">
                 <a:solidFill>
                   <a:srgbClr val="000000"/>
                 </a:solidFill>
@@ -19465,7 +19465,7 @@
             <a:fld id="{02640F58-564D-2B4F-AE67-E407BA4FCF45}" type="datetimeFigureOut">
               <a:rPr lang="en-US" smtClean="0"/>
               <a:pPr/>
-              <a:t>5/14/2022</a:t>
+              <a:t>5/16/2022</a:t>
             </a:fld>
             <a:endParaRPr lang="en-US" dirty="0"/>
           </a:p>
@@ -19621,7 +19621,7 @@
           <a:ln/>
           <a:extLst>
             <a:ext uri="{91240B29-F687-4f45-9708-019B960494DF}">
-              <a14:hiddenLine xmlns:a14="http://schemas.microsoft.com/office/drawing/2010/main" xmlns="" w="9525">
+              <a14:hiddenLine xmlns="" xmlns:a14="http://schemas.microsoft.com/office/drawing/2010/main" w="9525">
                 <a:solidFill>
                   <a:srgbClr val="000000"/>
                 </a:solidFill>
@@ -19688,7 +19688,7 @@
             <a:fld id="{F13A34C8-038E-2045-AF43-DF7DBB8E0E9E}" type="datetimeFigureOut">
               <a:rPr lang="en-US" smtClean="0"/>
               <a:pPr/>
-              <a:t>5/14/2022</a:t>
+              <a:t>5/16/2022</a:t>
             </a:fld>
             <a:endParaRPr lang="en-US" dirty="0"/>
           </a:p>
@@ -19785,7 +19785,7 @@
             <a:fld id="{8818C68F-D26B-8F47-958C-23B49CF8A634}" type="datetimeFigureOut">
               <a:rPr lang="en-US" smtClean="0"/>
               <a:pPr/>
-              <a:t>5/14/2022</a:t>
+              <a:t>5/16/2022</a:t>
             </a:fld>
             <a:endParaRPr lang="en-US" dirty="0"/>
           </a:p>
@@ -20054,7 +20054,7 @@
           <a:ln/>
           <a:extLst>
             <a:ext uri="{91240B29-F687-4f45-9708-019B960494DF}">
-              <a14:hiddenLine xmlns:a14="http://schemas.microsoft.com/office/drawing/2010/main" xmlns="" w="9525">
+              <a14:hiddenLine xmlns="" xmlns:a14="http://schemas.microsoft.com/office/drawing/2010/main" w="9525">
                 <a:solidFill>
                   <a:srgbClr val="000000"/>
                 </a:solidFill>
@@ -20254,7 +20254,7 @@
             <a:fld id="{D0DF5E60-9974-AC48-9591-99C2BB44B7CF}" type="datetimeFigureOut">
               <a:rPr lang="en-US" smtClean="0"/>
               <a:pPr/>
-              <a:t>5/14/2022</a:t>
+              <a:t>5/16/2022</a:t>
             </a:fld>
             <a:endParaRPr lang="en-US" dirty="0"/>
           </a:p>
@@ -20569,7 +20569,7 @@
             <a:fld id="{18C79C5D-2A6F-F04D-97DA-BEF2467B64E4}" type="datetimeFigureOut">
               <a:rPr lang="en-US" smtClean="0"/>
               <a:pPr/>
-              <a:t>5/14/2022</a:t>
+              <a:t>5/16/2022</a:t>
             </a:fld>
             <a:endParaRPr lang="en-US" dirty="0"/>
           </a:p>
@@ -20841,7 +20841,7 @@
             <a:fld id="{09B482E8-6E0E-1B4F-B1FD-C69DB9E858D9}" type="datetimeFigureOut">
               <a:rPr lang="en-US" smtClean="0"/>
               <a:pPr/>
-              <a:t>5/14/2022</a:t>
+              <a:t>5/16/2022</a:t>
             </a:fld>
             <a:endParaRPr lang="en-US" dirty="0"/>
           </a:p>
@@ -23712,7 +23712,7 @@
           <a:effectLst/>
           <a:extLst>
             <a:ext uri="{91240B29-F687-4f45-9708-019B960494DF}">
-              <a14:hiddenLine xmlns="" xmlns:a16="http://schemas.microsoft.com/office/drawing/2014/main" xmlns:p14="http://schemas.microsoft.com/office/powerpoint/2010/main" xmlns:a14="http://schemas.microsoft.com/office/drawing/2010/main" w="9525">
+              <a14:hiddenLine xmlns:a14="http://schemas.microsoft.com/office/drawing/2010/main" xmlns:p14="http://schemas.microsoft.com/office/powerpoint/2010/main" xmlns:a16="http://schemas.microsoft.com/office/drawing/2014/main" xmlns="" w="9525">
                 <a:solidFill>
                   <a:srgbClr val="000000"/>
                 </a:solidFill>
@@ -26079,21 +26079,21 @@
 </file>
 
 <file path=customXml/item1.xml><?xml version="1.0" encoding="utf-8"?>
+<?mso-contentType ?>
+<FormTemplates xmlns="http://schemas.microsoft.com/sharepoint/v3/contenttype/forms">
+  <Display>DocumentLibraryForm</Display>
+  <Edit>DocumentLibraryForm</Edit>
+  <New>DocumentLibraryForm</New>
+</FormTemplates>
+</file>
+
+<file path=customXml/item2.xml><?xml version="1.0" encoding="utf-8"?>
 <p:properties xmlns:p="http://schemas.microsoft.com/office/2006/metadata/properties" xmlns:xsi="http://www.w3.org/2001/XMLSchema-instance" xmlns:pc="http://schemas.microsoft.com/office/infopath/2007/PartnerControls">
   <documentManagement>
     <MediaServiceKeyPoints xmlns="71af3243-3dd4-4a8d-8c0d-dd76da1f02a5" xsi:nil="true"/>
     <Status xmlns="71af3243-3dd4-4a8d-8c0d-dd76da1f02a5">Not started</Status>
   </documentManagement>
 </p:properties>
-</file>
-
-<file path=customXml/item2.xml><?xml version="1.0" encoding="utf-8"?>
-<?mso-contentType ?>
-<FormTemplates xmlns="http://schemas.microsoft.com/sharepoint/v3/contenttype/forms">
-  <Display>DocumentLibraryForm</Display>
-  <Edit>DocumentLibraryForm</Edit>
-  <New>DocumentLibraryForm</New>
-</FormTemplates>
 </file>
 
 <file path=customXml/item3.xml><?xml version="1.0" encoding="utf-8"?>
@@ -26318,19 +26318,19 @@
 </file>
 
 <file path=customXml/itemProps1.xml><?xml version="1.0" encoding="utf-8"?>
+<ds:datastoreItem xmlns:ds="http://schemas.openxmlformats.org/officeDocument/2006/customXml" ds:itemID="{8AA7694F-727A-4E93-AD9E-902B06C1631E}">
+  <ds:schemaRefs>
+    <ds:schemaRef ds:uri="http://schemas.microsoft.com/sharepoint/v3/contenttype/forms"/>
+  </ds:schemaRefs>
+</ds:datastoreItem>
+</file>
+
+<file path=customXml/itemProps2.xml><?xml version="1.0" encoding="utf-8"?>
 <ds:datastoreItem xmlns:ds="http://schemas.openxmlformats.org/officeDocument/2006/customXml" ds:itemID="{05507FE6-F3A1-4DF8-A915-6F00F21B0B27}">
   <ds:schemaRefs>
     <ds:schemaRef ds:uri="http://schemas.microsoft.com/office/2006/metadata/properties"/>
     <ds:schemaRef ds:uri="http://schemas.microsoft.com/office/infopath/2007/PartnerControls"/>
     <ds:schemaRef ds:uri="71af3243-3dd4-4a8d-8c0d-dd76da1f02a5"/>
-  </ds:schemaRefs>
-</ds:datastoreItem>
-</file>
-
-<file path=customXml/itemProps2.xml><?xml version="1.0" encoding="utf-8"?>
-<ds:datastoreItem xmlns:ds="http://schemas.openxmlformats.org/officeDocument/2006/customXml" ds:itemID="{8AA7694F-727A-4E93-AD9E-902B06C1631E}">
-  <ds:schemaRefs>
-    <ds:schemaRef ds:uri="http://schemas.microsoft.com/sharepoint/v3/contenttype/forms"/>
   </ds:schemaRefs>
 </ds:datastoreItem>
 </file>
